--- a/Projeto Individual/Documentação/Apresentação FlashApp.pptx
+++ b/Projeto Individual/Documentação/Apresentação FlashApp.pptx
@@ -127,7 +127,7 @@
 <file path=ppt/revisionInfo.xml><?xml version="1.0" encoding="utf-8"?>
 <p1510:revInfo xmlns:a="http://schemas.openxmlformats.org/drawingml/2006/main" xmlns:r="http://schemas.openxmlformats.org/officeDocument/2006/relationships" xmlns:p1510="http://schemas.microsoft.com/office/powerpoint/2015/10/main">
   <p1510:revLst>
-    <p1510:client id="{57A5E849-BEA6-44BC-891B-B34DE5F172E1}" v="918" dt="2024-11-28T02:21:54.703"/>
+    <p1510:client id="{57A5E849-BEA6-44BC-891B-B34DE5F172E1}" v="950" dt="2024-11-28T17:25:01.648"/>
   </p1510:revLst>
 </p1510:revInfo>
 </file>
@@ -137,7 +137,7 @@
   <pc:docChgLst>
     <pc:chgData name="Vitor Almeida" userId="d395134aa82dc9ae" providerId="LiveId" clId="{57A5E849-BEA6-44BC-891B-B34DE5F172E1}"/>
     <pc:docChg chg="undo custSel addSld delSld modSld">
-      <pc:chgData name="Vitor Almeida" userId="d395134aa82dc9ae" providerId="LiveId" clId="{57A5E849-BEA6-44BC-891B-B34DE5F172E1}" dt="2024-11-28T02:27:38.752" v="1848" actId="26606"/>
+      <pc:chgData name="Vitor Almeida" userId="d395134aa82dc9ae" providerId="LiveId" clId="{57A5E849-BEA6-44BC-891B-B34DE5F172E1}" dt="2024-11-28T17:25:01.648" v="1881" actId="20577"/>
       <pc:docMkLst>
         <pc:docMk/>
       </pc:docMkLst>
@@ -958,7 +958,7 @@
         </pc:grpChg>
       </pc:sldChg>
       <pc:sldChg chg="addSp delSp modSp new mod setBg modAnim">
-        <pc:chgData name="Vitor Almeida" userId="d395134aa82dc9ae" providerId="LiveId" clId="{57A5E849-BEA6-44BC-891B-B34DE5F172E1}" dt="2024-11-28T02:13:44.860" v="1683" actId="20577"/>
+        <pc:chgData name="Vitor Almeida" userId="d395134aa82dc9ae" providerId="LiveId" clId="{57A5E849-BEA6-44BC-891B-B34DE5F172E1}" dt="2024-11-28T17:25:01.648" v="1881" actId="20577"/>
         <pc:sldMkLst>
           <pc:docMk/>
           <pc:sldMk cId="2337553121" sldId="261"/>
@@ -988,7 +988,7 @@
           </ac:spMkLst>
         </pc:spChg>
         <pc:spChg chg="add mod">
-          <ac:chgData name="Vitor Almeida" userId="d395134aa82dc9ae" providerId="LiveId" clId="{57A5E849-BEA6-44BC-891B-B34DE5F172E1}" dt="2024-11-28T02:13:44.860" v="1683" actId="20577"/>
+          <ac:chgData name="Vitor Almeida" userId="d395134aa82dc9ae" providerId="LiveId" clId="{57A5E849-BEA6-44BC-891B-B34DE5F172E1}" dt="2024-11-28T17:24:57.505" v="1880" actId="20577"/>
           <ac:spMkLst>
             <pc:docMk/>
             <pc:sldMk cId="2337553121" sldId="261"/>
@@ -996,7 +996,7 @@
           </ac:spMkLst>
         </pc:spChg>
         <pc:spChg chg="add mod">
-          <ac:chgData name="Vitor Almeida" userId="d395134aa82dc9ae" providerId="LiveId" clId="{57A5E849-BEA6-44BC-891B-B34DE5F172E1}" dt="2024-11-28T02:12:32.620" v="1562" actId="255"/>
+          <ac:chgData name="Vitor Almeida" userId="d395134aa82dc9ae" providerId="LiveId" clId="{57A5E849-BEA6-44BC-891B-B34DE5F172E1}" dt="2024-11-28T17:25:01.648" v="1881" actId="20577"/>
           <ac:spMkLst>
             <pc:docMk/>
             <pc:sldMk cId="2337553121" sldId="261"/>
@@ -1217,7 +1217,7 @@
         </pc:picChg>
       </pc:sldChg>
       <pc:sldChg chg="addSp delSp modSp add mod setBg setClrOvrMap delDesignElem">
-        <pc:chgData name="Vitor Almeida" userId="d395134aa82dc9ae" providerId="LiveId" clId="{57A5E849-BEA6-44BC-891B-B34DE5F172E1}" dt="2024-11-28T02:27:38.752" v="1848" actId="26606"/>
+        <pc:chgData name="Vitor Almeida" userId="d395134aa82dc9ae" providerId="LiveId" clId="{57A5E849-BEA6-44BC-891B-B34DE5F172E1}" dt="2024-11-28T15:49:35.117" v="1877" actId="20577"/>
         <pc:sldMkLst>
           <pc:docMk/>
           <pc:sldMk cId="4263793783" sldId="263"/>
@@ -1310,8 +1310,8 @@
             <ac:grpSpMk id="13" creationId="{11A27B3A-460C-4100-99B5-817F25979F6C}"/>
           </ac:grpSpMkLst>
         </pc:grpChg>
-        <pc:graphicFrameChg chg="add">
-          <ac:chgData name="Vitor Almeida" userId="d395134aa82dc9ae" providerId="LiveId" clId="{57A5E849-BEA6-44BC-891B-B34DE5F172E1}" dt="2024-11-28T02:27:38.752" v="1848" actId="26606"/>
+        <pc:graphicFrameChg chg="add mod">
+          <ac:chgData name="Vitor Almeida" userId="d395134aa82dc9ae" providerId="LiveId" clId="{57A5E849-BEA6-44BC-891B-B34DE5F172E1}" dt="2024-11-28T15:49:35.117" v="1877" actId="20577"/>
           <ac:graphicFrameMkLst>
             <pc:docMk/>
             <pc:sldMk cId="4263793783" sldId="263"/>
@@ -2096,7 +2096,7 @@
 <dgm:dataModel xmlns:dgm="http://schemas.openxmlformats.org/drawingml/2006/diagram" xmlns:a="http://schemas.openxmlformats.org/drawingml/2006/main">
   <dgm:ptLst>
     <dgm:pt modelId="{22A65FE6-F796-4B7D-A1CE-5FF4A380162B}" type="doc">
-      <dgm:prSet loTypeId="urn:microsoft.com/office/officeart/2005/8/layout/vList2" loCatId="list" qsTypeId="urn:microsoft.com/office/officeart/2005/8/quickstyle/simple1" qsCatId="simple" csTypeId="urn:microsoft.com/office/officeart/2005/8/colors/accent1_2" csCatId="accent1"/>
+      <dgm:prSet loTypeId="urn:microsoft.com/office/officeart/2005/8/layout/vList2" loCatId="list" qsTypeId="urn:microsoft.com/office/officeart/2005/8/quickstyle/simple1" qsCatId="simple" csTypeId="urn:microsoft.com/office/officeart/2005/8/colors/accent1_2" csCatId="accent1" phldr="1"/>
       <dgm:spPr/>
       <dgm:t>
         <a:bodyPr/>
@@ -2262,10 +2262,10 @@
         <a:lstStyle/>
         <a:p>
           <a:r>
-            <a:rPr lang="pt-BR"/>
+            <a:rPr lang="pt-BR" dirty="0"/>
             <a:t>Leonardo (O monitor)</a:t>
           </a:r>
-          <a:endParaRPr lang="en-US"/>
+          <a:endParaRPr lang="en-US" dirty="0"/>
         </a:p>
       </dgm:t>
     </dgm:pt>
@@ -2291,6 +2291,47 @@
         </a:p>
       </dgm:t>
     </dgm:pt>
+    <dgm:pt modelId="{3F750BC6-A72B-4BA9-B88C-75EAE5F1BEE5}">
+      <dgm:prSet/>
+      <dgm:spPr/>
+      <dgm:t>
+        <a:bodyPr/>
+        <a:lstStyle/>
+        <a:p>
+          <a:r>
+            <a:rPr lang="en-US" dirty="0"/>
+            <a:t>Israel </a:t>
+          </a:r>
+          <a:r>
+            <a:rPr lang="en-US" dirty="0" err="1"/>
+            <a:t>Coaquira</a:t>
+          </a:r>
+          <a:endParaRPr lang="en-US" dirty="0"/>
+        </a:p>
+      </dgm:t>
+    </dgm:pt>
+    <dgm:pt modelId="{74F6F018-B417-4BEB-8031-B3D044736DFE}" type="parTrans" cxnId="{6297C6D4-5762-45FE-9ED5-4F64666C8396}">
+      <dgm:prSet/>
+      <dgm:spPr/>
+      <dgm:t>
+        <a:bodyPr/>
+        <a:lstStyle/>
+        <a:p>
+          <a:endParaRPr lang="en-US"/>
+        </a:p>
+      </dgm:t>
+    </dgm:pt>
+    <dgm:pt modelId="{2B78435D-E4D6-42CF-97C9-89B96D2FC4FF}" type="sibTrans" cxnId="{6297C6D4-5762-45FE-9ED5-4F64666C8396}">
+      <dgm:prSet/>
+      <dgm:spPr/>
+      <dgm:t>
+        <a:bodyPr/>
+        <a:lstStyle/>
+        <a:p>
+          <a:endParaRPr lang="en-US"/>
+        </a:p>
+      </dgm:t>
+    </dgm:pt>
     <dgm:pt modelId="{F86F44C3-991C-4ADF-8BEE-F14F73CA9A74}" type="pres">
       <dgm:prSet presAssocID="{22A65FE6-F796-4B7D-A1CE-5FF4A380162B}" presName="linear" presStyleCnt="0">
         <dgm:presLayoutVars>
@@ -2301,7 +2342,7 @@
       <dgm:spPr/>
     </dgm:pt>
     <dgm:pt modelId="{242EE89B-C4A0-4583-B397-6C1F60B2E4CB}" type="pres">
-      <dgm:prSet presAssocID="{61F34FDE-F7D5-4096-B8E9-DA408225EADF}" presName="parentText" presStyleLbl="node1" presStyleIdx="0" presStyleCnt="5">
+      <dgm:prSet presAssocID="{61F34FDE-F7D5-4096-B8E9-DA408225EADF}" presName="parentText" presStyleLbl="node1" presStyleIdx="0" presStyleCnt="6">
         <dgm:presLayoutVars>
           <dgm:chMax val="0"/>
           <dgm:bulletEnabled val="1"/>
@@ -2314,7 +2355,7 @@
       <dgm:spPr/>
     </dgm:pt>
     <dgm:pt modelId="{30483228-5CA3-41DE-A095-84D3200B50B4}" type="pres">
-      <dgm:prSet presAssocID="{3CF64841-B0E1-4712-ADBA-2436DE38C341}" presName="parentText" presStyleLbl="node1" presStyleIdx="1" presStyleCnt="5">
+      <dgm:prSet presAssocID="{3CF64841-B0E1-4712-ADBA-2436DE38C341}" presName="parentText" presStyleLbl="node1" presStyleIdx="1" presStyleCnt="6">
         <dgm:presLayoutVars>
           <dgm:chMax val="0"/>
           <dgm:bulletEnabled val="1"/>
@@ -2327,7 +2368,7 @@
       <dgm:spPr/>
     </dgm:pt>
     <dgm:pt modelId="{0F192D10-7F0D-4B0C-A4FC-481B6ED1DF39}" type="pres">
-      <dgm:prSet presAssocID="{8E3D1CF4-8FD5-4EF5-8E2E-287134286075}" presName="parentText" presStyleLbl="node1" presStyleIdx="2" presStyleCnt="5">
+      <dgm:prSet presAssocID="{8E3D1CF4-8FD5-4EF5-8E2E-287134286075}" presName="parentText" presStyleLbl="node1" presStyleIdx="2" presStyleCnt="6">
         <dgm:presLayoutVars>
           <dgm:chMax val="0"/>
           <dgm:bulletEnabled val="1"/>
@@ -2340,7 +2381,7 @@
       <dgm:spPr/>
     </dgm:pt>
     <dgm:pt modelId="{37DE0B8F-5883-4729-8E39-376B4D8A1284}" type="pres">
-      <dgm:prSet presAssocID="{724E2FFE-3563-4223-AAA3-4319935AEE74}" presName="parentText" presStyleLbl="node1" presStyleIdx="3" presStyleCnt="5">
+      <dgm:prSet presAssocID="{724E2FFE-3563-4223-AAA3-4319935AEE74}" presName="parentText" presStyleLbl="node1" presStyleIdx="3" presStyleCnt="6">
         <dgm:presLayoutVars>
           <dgm:chMax val="0"/>
           <dgm:bulletEnabled val="1"/>
@@ -2353,7 +2394,20 @@
       <dgm:spPr/>
     </dgm:pt>
     <dgm:pt modelId="{FE0F386E-1137-4D07-AE5F-EE1934E03500}" type="pres">
-      <dgm:prSet presAssocID="{ADA3ECEB-1F64-4FEF-B3B7-4B5B9724F7F5}" presName="parentText" presStyleLbl="node1" presStyleIdx="4" presStyleCnt="5">
+      <dgm:prSet presAssocID="{ADA3ECEB-1F64-4FEF-B3B7-4B5B9724F7F5}" presName="parentText" presStyleLbl="node1" presStyleIdx="4" presStyleCnt="6" custScaleY="109513" custLinFactNeighborX="-729" custLinFactNeighborY="-8862">
+        <dgm:presLayoutVars>
+          <dgm:chMax val="0"/>
+          <dgm:bulletEnabled val="1"/>
+        </dgm:presLayoutVars>
+      </dgm:prSet>
+      <dgm:spPr/>
+    </dgm:pt>
+    <dgm:pt modelId="{2EF94022-29BA-4554-867C-9589CF531983}" type="pres">
+      <dgm:prSet presAssocID="{34F66B4C-E24C-45C6-835E-604FF5D32D8F}" presName="spacer" presStyleCnt="0"/>
+      <dgm:spPr/>
+    </dgm:pt>
+    <dgm:pt modelId="{3A0FF8FD-78C0-4325-9862-6943FF476710}" type="pres">
+      <dgm:prSet presAssocID="{3F750BC6-A72B-4BA9-B88C-75EAE5F1BEE5}" presName="parentText" presStyleLbl="node1" presStyleIdx="5" presStyleCnt="6">
         <dgm:presLayoutVars>
           <dgm:chMax val="0"/>
           <dgm:bulletEnabled val="1"/>
@@ -2373,7 +2427,9 @@
     <dgm:cxn modelId="{1A15A8B1-E467-4530-B9B4-80B55FEA1E5F}" srcId="{22A65FE6-F796-4B7D-A1CE-5FF4A380162B}" destId="{724E2FFE-3563-4223-AAA3-4319935AEE74}" srcOrd="3" destOrd="0" parTransId="{1972FD50-74A6-4239-998D-2E705F1F51AD}" sibTransId="{24D08828-E439-4121-BC64-3979ADAF27F9}"/>
     <dgm:cxn modelId="{5718AAB2-5474-4422-99F3-3F321E03AAD5}" type="presOf" srcId="{8E3D1CF4-8FD5-4EF5-8E2E-287134286075}" destId="{0F192D10-7F0D-4B0C-A4FC-481B6ED1DF39}" srcOrd="0" destOrd="0" presId="urn:microsoft.com/office/officeart/2005/8/layout/vList2"/>
     <dgm:cxn modelId="{D4EA8FC3-8E04-4461-98E3-5D5E37B1F36E}" type="presOf" srcId="{ADA3ECEB-1F64-4FEF-B3B7-4B5B9724F7F5}" destId="{FE0F386E-1137-4D07-AE5F-EE1934E03500}" srcOrd="0" destOrd="0" presId="urn:microsoft.com/office/officeart/2005/8/layout/vList2"/>
+    <dgm:cxn modelId="{6297C6D4-5762-45FE-9ED5-4F64666C8396}" srcId="{22A65FE6-F796-4B7D-A1CE-5FF4A380162B}" destId="{3F750BC6-A72B-4BA9-B88C-75EAE5F1BEE5}" srcOrd="5" destOrd="0" parTransId="{74F6F018-B417-4BEB-8031-B3D044736DFE}" sibTransId="{2B78435D-E4D6-42CF-97C9-89B96D2FC4FF}"/>
     <dgm:cxn modelId="{F1E4B5F6-5B86-4B9C-9BBF-B68B55570996}" srcId="{22A65FE6-F796-4B7D-A1CE-5FF4A380162B}" destId="{61F34FDE-F7D5-4096-B8E9-DA408225EADF}" srcOrd="0" destOrd="0" parTransId="{68DC8519-D36F-408E-A254-DE228D844DFB}" sibTransId="{6528A5E9-8D08-45CA-AC18-4B9539CCB34F}"/>
+    <dgm:cxn modelId="{343AAEF7-BF3C-4800-ACCE-A71F4078F8CC}" type="presOf" srcId="{3F750BC6-A72B-4BA9-B88C-75EAE5F1BEE5}" destId="{3A0FF8FD-78C0-4325-9862-6943FF476710}" srcOrd="0" destOrd="0" presId="urn:microsoft.com/office/officeart/2005/8/layout/vList2"/>
     <dgm:cxn modelId="{97546617-09D0-4EA5-BA4E-7CB814988467}" type="presParOf" srcId="{F86F44C3-991C-4ADF-8BEE-F14F73CA9A74}" destId="{242EE89B-C4A0-4583-B397-6C1F60B2E4CB}" srcOrd="0" destOrd="0" presId="urn:microsoft.com/office/officeart/2005/8/layout/vList2"/>
     <dgm:cxn modelId="{7D9ED906-E009-4F55-8550-FA23D3DEF05F}" type="presParOf" srcId="{F86F44C3-991C-4ADF-8BEE-F14F73CA9A74}" destId="{23190476-1B1F-49A9-B942-CBFACBB25C77}" srcOrd="1" destOrd="0" presId="urn:microsoft.com/office/officeart/2005/8/layout/vList2"/>
     <dgm:cxn modelId="{540ACC56-1B7B-4CA4-B020-CDD20D5E1284}" type="presParOf" srcId="{F86F44C3-991C-4ADF-8BEE-F14F73CA9A74}" destId="{30483228-5CA3-41DE-A095-84D3200B50B4}" srcOrd="2" destOrd="0" presId="urn:microsoft.com/office/officeart/2005/8/layout/vList2"/>
@@ -2383,6 +2439,8 @@
     <dgm:cxn modelId="{0540D01B-CF93-4432-B170-E1CE9EAFBE8C}" type="presParOf" srcId="{F86F44C3-991C-4ADF-8BEE-F14F73CA9A74}" destId="{37DE0B8F-5883-4729-8E39-376B4D8A1284}" srcOrd="6" destOrd="0" presId="urn:microsoft.com/office/officeart/2005/8/layout/vList2"/>
     <dgm:cxn modelId="{6D9495B2-02E2-49CC-B099-A104722CBAC8}" type="presParOf" srcId="{F86F44C3-991C-4ADF-8BEE-F14F73CA9A74}" destId="{FB50AE4B-AB4A-4622-99C8-88FAD6E7E9C4}" srcOrd="7" destOrd="0" presId="urn:microsoft.com/office/officeart/2005/8/layout/vList2"/>
     <dgm:cxn modelId="{A839EBD7-5B03-47FF-9388-27336DAFF6D7}" type="presParOf" srcId="{F86F44C3-991C-4ADF-8BEE-F14F73CA9A74}" destId="{FE0F386E-1137-4D07-AE5F-EE1934E03500}" srcOrd="8" destOrd="0" presId="urn:microsoft.com/office/officeart/2005/8/layout/vList2"/>
+    <dgm:cxn modelId="{BC38B52F-0163-4FDA-8830-CE0ADD8FB9FE}" type="presParOf" srcId="{F86F44C3-991C-4ADF-8BEE-F14F73CA9A74}" destId="{2EF94022-29BA-4554-867C-9589CF531983}" srcOrd="9" destOrd="0" presId="urn:microsoft.com/office/officeart/2005/8/layout/vList2"/>
+    <dgm:cxn modelId="{B58EC28A-0B66-485C-B3BD-DB1C2EA89815}" type="presParOf" srcId="{F86F44C3-991C-4ADF-8BEE-F14F73CA9A74}" destId="{3A0FF8FD-78C0-4325-9862-6943FF476710}" srcOrd="10" destOrd="0" presId="urn:microsoft.com/office/officeart/2005/8/layout/vList2"/>
   </dgm:cxnLst>
   <dgm:bg/>
   <dgm:whole/>
@@ -2409,8 +2467,8 @@
       </dsp:nvSpPr>
       <dsp:spPr>
         <a:xfrm>
-          <a:off x="0" y="50437"/>
-          <a:ext cx="5276850" cy="565110"/>
+          <a:off x="0" y="69296"/>
+          <a:ext cx="5276850" cy="540540"/>
         </a:xfrm>
         <a:prstGeom prst="roundRect">
           <a:avLst/>
@@ -2452,12 +2510,12 @@
         </a:fontRef>
       </dsp:style>
       <dsp:txBody>
-        <a:bodyPr spcFirstLastPara="0" vert="horz" wrap="square" lIns="87630" tIns="87630" rIns="87630" bIns="87630" numCol="1" spcCol="1270" anchor="ctr" anchorCtr="0">
+        <a:bodyPr spcFirstLastPara="0" vert="horz" wrap="square" lIns="83820" tIns="83820" rIns="83820" bIns="83820" numCol="1" spcCol="1270" anchor="ctr" anchorCtr="0">
           <a:noAutofit/>
         </a:bodyPr>
         <a:lstStyle/>
         <a:p>
-          <a:pPr marL="0" lvl="0" indent="0" algn="l" defTabSz="1022350">
+          <a:pPr marL="0" lvl="0" indent="0" algn="l" defTabSz="977900">
             <a:lnSpc>
               <a:spcPct val="90000"/>
             </a:lnSpc>
@@ -2470,15 +2528,15 @@
             <a:buNone/>
           </a:pPr>
           <a:r>
-            <a:rPr lang="pt-BR" sz="2300" kern="1200"/>
+            <a:rPr lang="pt-BR" sz="2200" kern="1200"/>
             <a:t>Equipe SpTech</a:t>
           </a:r>
-          <a:endParaRPr lang="en-US" sz="2300" kern="1200"/>
+          <a:endParaRPr lang="en-US" sz="2200" kern="1200"/>
         </a:p>
       </dsp:txBody>
       <dsp:txXfrm>
-        <a:off x="27586" y="78023"/>
-        <a:ext cx="5221678" cy="509938"/>
+        <a:off x="26387" y="95683"/>
+        <a:ext cx="5224076" cy="487766"/>
       </dsp:txXfrm>
     </dsp:sp>
     <dsp:sp modelId="{30483228-5CA3-41DE-A095-84D3200B50B4}">
@@ -2488,8 +2546,8 @@
       </dsp:nvSpPr>
       <dsp:spPr>
         <a:xfrm>
-          <a:off x="0" y="681787"/>
-          <a:ext cx="5276850" cy="565110"/>
+          <a:off x="0" y="673196"/>
+          <a:ext cx="5276850" cy="540540"/>
         </a:xfrm>
         <a:prstGeom prst="roundRect">
           <a:avLst/>
@@ -2531,12 +2589,12 @@
         </a:fontRef>
       </dsp:style>
       <dsp:txBody>
-        <a:bodyPr spcFirstLastPara="0" vert="horz" wrap="square" lIns="87630" tIns="87630" rIns="87630" bIns="87630" numCol="1" spcCol="1270" anchor="ctr" anchorCtr="0">
+        <a:bodyPr spcFirstLastPara="0" vert="horz" wrap="square" lIns="83820" tIns="83820" rIns="83820" bIns="83820" numCol="1" spcCol="1270" anchor="ctr" anchorCtr="0">
           <a:noAutofit/>
         </a:bodyPr>
         <a:lstStyle/>
         <a:p>
-          <a:pPr marL="0" lvl="0" indent="0" algn="l" defTabSz="1022350">
+          <a:pPr marL="0" lvl="0" indent="0" algn="l" defTabSz="977900">
             <a:lnSpc>
               <a:spcPct val="90000"/>
             </a:lnSpc>
@@ -2549,15 +2607,15 @@
             <a:buNone/>
           </a:pPr>
           <a:r>
-            <a:rPr lang="pt-BR" sz="2300" kern="1200"/>
+            <a:rPr lang="pt-BR" sz="2200" kern="1200"/>
             <a:t>Maria Vilma (mãe)</a:t>
           </a:r>
-          <a:endParaRPr lang="en-US" sz="2300" kern="1200"/>
+          <a:endParaRPr lang="en-US" sz="2200" kern="1200"/>
         </a:p>
       </dsp:txBody>
       <dsp:txXfrm>
-        <a:off x="27586" y="709373"/>
-        <a:ext cx="5221678" cy="509938"/>
+        <a:off x="26387" y="699583"/>
+        <a:ext cx="5224076" cy="487766"/>
       </dsp:txXfrm>
     </dsp:sp>
     <dsp:sp modelId="{0F192D10-7F0D-4B0C-A4FC-481B6ED1DF39}">
@@ -2567,8 +2625,8 @@
       </dsp:nvSpPr>
       <dsp:spPr>
         <a:xfrm>
-          <a:off x="0" y="1313137"/>
-          <a:ext cx="5276850" cy="565110"/>
+          <a:off x="0" y="1277096"/>
+          <a:ext cx="5276850" cy="540540"/>
         </a:xfrm>
         <a:prstGeom prst="roundRect">
           <a:avLst/>
@@ -2610,12 +2668,12 @@
         </a:fontRef>
       </dsp:style>
       <dsp:txBody>
-        <a:bodyPr spcFirstLastPara="0" vert="horz" wrap="square" lIns="87630" tIns="87630" rIns="87630" bIns="87630" numCol="1" spcCol="1270" anchor="ctr" anchorCtr="0">
+        <a:bodyPr spcFirstLastPara="0" vert="horz" wrap="square" lIns="83820" tIns="83820" rIns="83820" bIns="83820" numCol="1" spcCol="1270" anchor="ctr" anchorCtr="0">
           <a:noAutofit/>
         </a:bodyPr>
         <a:lstStyle/>
         <a:p>
-          <a:pPr marL="0" lvl="0" indent="0" algn="l" defTabSz="1022350">
+          <a:pPr marL="0" lvl="0" indent="0" algn="l" defTabSz="977900">
             <a:lnSpc>
               <a:spcPct val="90000"/>
             </a:lnSpc>
@@ -2628,15 +2686,15 @@
             <a:buNone/>
           </a:pPr>
           <a:r>
-            <a:rPr lang="pt-BR" sz="2300" kern="1200"/>
+            <a:rPr lang="pt-BR" sz="2200" kern="1200"/>
             <a:t>Adriana Pellegrini</a:t>
           </a:r>
-          <a:endParaRPr lang="en-US" sz="2300" kern="1200"/>
+          <a:endParaRPr lang="en-US" sz="2200" kern="1200"/>
         </a:p>
       </dsp:txBody>
       <dsp:txXfrm>
-        <a:off x="27586" y="1340723"/>
-        <a:ext cx="5221678" cy="509938"/>
+        <a:off x="26387" y="1303483"/>
+        <a:ext cx="5224076" cy="487766"/>
       </dsp:txXfrm>
     </dsp:sp>
     <dsp:sp modelId="{37DE0B8F-5883-4729-8E39-376B4D8A1284}">
@@ -2646,8 +2704,8 @@
       </dsp:nvSpPr>
       <dsp:spPr>
         <a:xfrm>
-          <a:off x="0" y="1944487"/>
-          <a:ext cx="5276850" cy="565110"/>
+          <a:off x="0" y="1880996"/>
+          <a:ext cx="5276850" cy="540540"/>
         </a:xfrm>
         <a:prstGeom prst="roundRect">
           <a:avLst/>
@@ -2689,12 +2747,12 @@
         </a:fontRef>
       </dsp:style>
       <dsp:txBody>
-        <a:bodyPr spcFirstLastPara="0" vert="horz" wrap="square" lIns="87630" tIns="87630" rIns="87630" bIns="87630" numCol="1" spcCol="1270" anchor="ctr" anchorCtr="0">
+        <a:bodyPr spcFirstLastPara="0" vert="horz" wrap="square" lIns="83820" tIns="83820" rIns="83820" bIns="83820" numCol="1" spcCol="1270" anchor="ctr" anchorCtr="0">
           <a:noAutofit/>
         </a:bodyPr>
         <a:lstStyle/>
         <a:p>
-          <a:pPr marL="0" lvl="0" indent="0" algn="l" defTabSz="1022350">
+          <a:pPr marL="0" lvl="0" indent="0" algn="l" defTabSz="977900">
             <a:lnSpc>
               <a:spcPct val="90000"/>
             </a:lnSpc>
@@ -2707,15 +2765,15 @@
             <a:buNone/>
           </a:pPr>
           <a:r>
-            <a:rPr lang="pt-BR" sz="2300" kern="1200"/>
+            <a:rPr lang="pt-BR" sz="2200" kern="1200"/>
             <a:t>Vinicius Oliveira</a:t>
           </a:r>
-          <a:endParaRPr lang="en-US" sz="2300" kern="1200"/>
+          <a:endParaRPr lang="en-US" sz="2200" kern="1200"/>
         </a:p>
       </dsp:txBody>
       <dsp:txXfrm>
-        <a:off x="27586" y="1972073"/>
-        <a:ext cx="5221678" cy="509938"/>
+        <a:off x="26387" y="1907383"/>
+        <a:ext cx="5224076" cy="487766"/>
       </dsp:txXfrm>
     </dsp:sp>
     <dsp:sp modelId="{FE0F386E-1137-4D07-AE5F-EE1934E03500}">
@@ -2725,8 +2783,8 @@
       </dsp:nvSpPr>
       <dsp:spPr>
         <a:xfrm>
-          <a:off x="0" y="2575837"/>
-          <a:ext cx="5276850" cy="565110"/>
+          <a:off x="0" y="2479281"/>
+          <a:ext cx="5276850" cy="591961"/>
         </a:xfrm>
         <a:prstGeom prst="roundRect">
           <a:avLst/>
@@ -2768,12 +2826,12 @@
         </a:fontRef>
       </dsp:style>
       <dsp:txBody>
-        <a:bodyPr spcFirstLastPara="0" vert="horz" wrap="square" lIns="87630" tIns="87630" rIns="87630" bIns="87630" numCol="1" spcCol="1270" anchor="ctr" anchorCtr="0">
+        <a:bodyPr spcFirstLastPara="0" vert="horz" wrap="square" lIns="83820" tIns="83820" rIns="83820" bIns="83820" numCol="1" spcCol="1270" anchor="ctr" anchorCtr="0">
           <a:noAutofit/>
         </a:bodyPr>
         <a:lstStyle/>
         <a:p>
-          <a:pPr marL="0" lvl="0" indent="0" algn="l" defTabSz="1022350">
+          <a:pPr marL="0" lvl="0" indent="0" algn="l" defTabSz="977900">
             <a:lnSpc>
               <a:spcPct val="90000"/>
             </a:lnSpc>
@@ -2786,15 +2844,98 @@
             <a:buNone/>
           </a:pPr>
           <a:r>
-            <a:rPr lang="pt-BR" sz="2300" kern="1200"/>
+            <a:rPr lang="pt-BR" sz="2200" kern="1200" dirty="0"/>
             <a:t>Leonardo (O monitor)</a:t>
           </a:r>
-          <a:endParaRPr lang="en-US" sz="2300" kern="1200"/>
+          <a:endParaRPr lang="en-US" sz="2200" kern="1200" dirty="0"/>
         </a:p>
       </dsp:txBody>
       <dsp:txXfrm>
-        <a:off x="27586" y="2603423"/>
-        <a:ext cx="5221678" cy="509938"/>
+        <a:off x="28897" y="2508178"/>
+        <a:ext cx="5219056" cy="534167"/>
+      </dsp:txXfrm>
+    </dsp:sp>
+    <dsp:sp modelId="{3A0FF8FD-78C0-4325-9862-6943FF476710}">
+      <dsp:nvSpPr>
+        <dsp:cNvPr id="0" name=""/>
+        <dsp:cNvSpPr/>
+      </dsp:nvSpPr>
+      <dsp:spPr>
+        <a:xfrm>
+          <a:off x="0" y="3140217"/>
+          <a:ext cx="5276850" cy="540540"/>
+        </a:xfrm>
+        <a:prstGeom prst="roundRect">
+          <a:avLst/>
+        </a:prstGeom>
+        <a:solidFill>
+          <a:schemeClr val="accent1">
+            <a:hueOff val="0"/>
+            <a:satOff val="0"/>
+            <a:lumOff val="0"/>
+            <a:alphaOff val="0"/>
+          </a:schemeClr>
+        </a:solidFill>
+        <a:ln w="19050" cap="flat" cmpd="sng" algn="ctr">
+          <a:solidFill>
+            <a:schemeClr val="lt1">
+              <a:hueOff val="0"/>
+              <a:satOff val="0"/>
+              <a:lumOff val="0"/>
+              <a:alphaOff val="0"/>
+            </a:schemeClr>
+          </a:solidFill>
+          <a:prstDash val="solid"/>
+          <a:miter lim="800000"/>
+        </a:ln>
+        <a:effectLst/>
+      </dsp:spPr>
+      <dsp:style>
+        <a:lnRef idx="2">
+          <a:scrgbClr r="0" g="0" b="0"/>
+        </a:lnRef>
+        <a:fillRef idx="1">
+          <a:scrgbClr r="0" g="0" b="0"/>
+        </a:fillRef>
+        <a:effectRef idx="0">
+          <a:scrgbClr r="0" g="0" b="0"/>
+        </a:effectRef>
+        <a:fontRef idx="minor">
+          <a:schemeClr val="lt1"/>
+        </a:fontRef>
+      </dsp:style>
+      <dsp:txBody>
+        <a:bodyPr spcFirstLastPara="0" vert="horz" wrap="square" lIns="83820" tIns="83820" rIns="83820" bIns="83820" numCol="1" spcCol="1270" anchor="ctr" anchorCtr="0">
+          <a:noAutofit/>
+        </a:bodyPr>
+        <a:lstStyle/>
+        <a:p>
+          <a:pPr marL="0" lvl="0" indent="0" algn="l" defTabSz="977900">
+            <a:lnSpc>
+              <a:spcPct val="90000"/>
+            </a:lnSpc>
+            <a:spcBef>
+              <a:spcPct val="0"/>
+            </a:spcBef>
+            <a:spcAft>
+              <a:spcPct val="35000"/>
+            </a:spcAft>
+            <a:buNone/>
+          </a:pPr>
+          <a:r>
+            <a:rPr lang="en-US" sz="2200" kern="1200" dirty="0"/>
+            <a:t>Israel </a:t>
+          </a:r>
+          <a:r>
+            <a:rPr lang="en-US" sz="2200" kern="1200" dirty="0" err="1"/>
+            <a:t>Coaquira</a:t>
+          </a:r>
+          <a:endParaRPr lang="en-US" sz="2200" kern="1200" dirty="0"/>
+        </a:p>
+      </dsp:txBody>
+      <dsp:txXfrm>
+        <a:off x="26387" y="3166604"/>
+        <a:ext cx="5224076" cy="487766"/>
       </dsp:txXfrm>
     </dsp:sp>
   </dsp:spTree>
@@ -4149,7 +4290,7 @@
           <a:p>
             <a:fld id="{24E1C6F0-223D-486D-8666-893EFA1DB0E7}" type="datetimeFigureOut">
               <a:rPr lang="en-US" smtClean="0"/>
-              <a:t>11/27/2024</a:t>
+              <a:t>11/28/2024</a:t>
             </a:fld>
             <a:endParaRPr lang="en-US"/>
           </a:p>
@@ -4347,7 +4488,7 @@
           <a:p>
             <a:fld id="{24E1C6F0-223D-486D-8666-893EFA1DB0E7}" type="datetimeFigureOut">
               <a:rPr lang="en-US" smtClean="0"/>
-              <a:t>11/27/2024</a:t>
+              <a:t>11/28/2024</a:t>
             </a:fld>
             <a:endParaRPr lang="en-US"/>
           </a:p>
@@ -4555,7 +4696,7 @@
           <a:p>
             <a:fld id="{24E1C6F0-223D-486D-8666-893EFA1DB0E7}" type="datetimeFigureOut">
               <a:rPr lang="en-US" smtClean="0"/>
-              <a:t>11/27/2024</a:t>
+              <a:t>11/28/2024</a:t>
             </a:fld>
             <a:endParaRPr lang="en-US"/>
           </a:p>
@@ -4753,7 +4894,7 @@
           <a:p>
             <a:fld id="{24E1C6F0-223D-486D-8666-893EFA1DB0E7}" type="datetimeFigureOut">
               <a:rPr lang="en-US" smtClean="0"/>
-              <a:t>11/27/2024</a:t>
+              <a:t>11/28/2024</a:t>
             </a:fld>
             <a:endParaRPr lang="en-US"/>
           </a:p>
@@ -5028,7 +5169,7 @@
           <a:p>
             <a:fld id="{24E1C6F0-223D-486D-8666-893EFA1DB0E7}" type="datetimeFigureOut">
               <a:rPr lang="en-US" smtClean="0"/>
-              <a:t>11/27/2024</a:t>
+              <a:t>11/28/2024</a:t>
             </a:fld>
             <a:endParaRPr lang="en-US"/>
           </a:p>
@@ -5293,7 +5434,7 @@
           <a:p>
             <a:fld id="{24E1C6F0-223D-486D-8666-893EFA1DB0E7}" type="datetimeFigureOut">
               <a:rPr lang="en-US" smtClean="0"/>
-              <a:t>11/27/2024</a:t>
+              <a:t>11/28/2024</a:t>
             </a:fld>
             <a:endParaRPr lang="en-US"/>
           </a:p>
@@ -5705,7 +5846,7 @@
           <a:p>
             <a:fld id="{24E1C6F0-223D-486D-8666-893EFA1DB0E7}" type="datetimeFigureOut">
               <a:rPr lang="en-US" smtClean="0"/>
-              <a:t>11/27/2024</a:t>
+              <a:t>11/28/2024</a:t>
             </a:fld>
             <a:endParaRPr lang="en-US"/>
           </a:p>
@@ -5846,7 +5987,7 @@
           <a:p>
             <a:fld id="{24E1C6F0-223D-486D-8666-893EFA1DB0E7}" type="datetimeFigureOut">
               <a:rPr lang="en-US" smtClean="0"/>
-              <a:t>11/27/2024</a:t>
+              <a:t>11/28/2024</a:t>
             </a:fld>
             <a:endParaRPr lang="en-US"/>
           </a:p>
@@ -5959,7 +6100,7 @@
           <a:p>
             <a:fld id="{24E1C6F0-223D-486D-8666-893EFA1DB0E7}" type="datetimeFigureOut">
               <a:rPr lang="en-US" smtClean="0"/>
-              <a:t>11/27/2024</a:t>
+              <a:t>11/28/2024</a:t>
             </a:fld>
             <a:endParaRPr lang="en-US"/>
           </a:p>
@@ -6270,7 +6411,7 @@
           <a:p>
             <a:fld id="{24E1C6F0-223D-486D-8666-893EFA1DB0E7}" type="datetimeFigureOut">
               <a:rPr lang="en-US" smtClean="0"/>
-              <a:t>11/27/2024</a:t>
+              <a:t>11/28/2024</a:t>
             </a:fld>
             <a:endParaRPr lang="en-US"/>
           </a:p>
@@ -6558,7 +6699,7 @@
           <a:p>
             <a:fld id="{24E1C6F0-223D-486D-8666-893EFA1DB0E7}" type="datetimeFigureOut">
               <a:rPr lang="en-US" smtClean="0"/>
-              <a:t>11/27/2024</a:t>
+              <a:t>11/28/2024</a:t>
             </a:fld>
             <a:endParaRPr lang="en-US"/>
           </a:p>
@@ -6799,7 +6940,7 @@
           <a:p>
             <a:fld id="{24E1C6F0-223D-486D-8666-893EFA1DB0E7}" type="datetimeFigureOut">
               <a:rPr lang="en-US" smtClean="0"/>
-              <a:t>11/27/2024</a:t>
+              <a:t>11/28/2024</a:t>
             </a:fld>
             <a:endParaRPr lang="en-US"/>
           </a:p>
@@ -21328,23 +21469,8 @@
                 </a:solidFill>
                 <a:latin typeface="Josefin Sans" pitchFamily="2" charset="0"/>
               </a:rPr>
-              <a:t> a API web-</a:t>
+              <a:t> a API web-data-viz</a:t>
             </a:r>
-            <a:r>
-              <a:rPr lang="en-US" sz="3200" dirty="0" err="1">
-                <a:solidFill>
-                  <a:schemeClr val="bg1"/>
-                </a:solidFill>
-                <a:latin typeface="Josefin Sans" pitchFamily="2" charset="0"/>
-              </a:rPr>
-              <a:t>dataviz</a:t>
-            </a:r>
-            <a:endParaRPr lang="en-US" sz="3200" dirty="0">
-              <a:solidFill>
-                <a:schemeClr val="bg1"/>
-              </a:solidFill>
-              <a:latin typeface="Josefin Sans" pitchFamily="2" charset="0"/>
-            </a:endParaRPr>
           </a:p>
         </p:txBody>
       </p:sp>
@@ -21616,7 +21742,7 @@
                 </a:solidFill>
                 <a:latin typeface="Josefin Sans" pitchFamily="2" charset="0"/>
               </a:rPr>
-              <a:t>Criação e edição dos decks e cards</a:t>
+              <a:t>Criação e edição dos decks</a:t>
             </a:r>
             <a:endParaRPr lang="en-US" sz="3200" dirty="0">
               <a:solidFill>
@@ -30892,11 +31018,16 @@
           </p:cNvGraphicFramePr>
           <p:nvPr>
             <p:ph idx="1"/>
+            <p:extLst>
+              <p:ext uri="{D42A27DB-BD31-4B8C-83A1-F6EECF244321}">
+                <p14:modId xmlns:p14="http://schemas.microsoft.com/office/powerpoint/2010/main" val="3543308791"/>
+              </p:ext>
+            </p:extLst>
           </p:nvPr>
         </p:nvGraphicFramePr>
         <p:xfrm>
           <a:off x="6096000" y="1498602"/>
-          <a:ext cx="5276850" cy="3191385"/>
+          <a:ext cx="5276850" cy="3750054"/>
         </p:xfrm>
         <a:graphic>
           <a:graphicData uri="http://schemas.openxmlformats.org/drawingml/2006/diagram">

--- a/Projeto Individual/Documentação/Apresentação FlashApp.pptx
+++ b/Projeto Individual/Documentação/Apresentação FlashApp.pptx
@@ -12,6 +12,7 @@
     <p:sldId id="260" r:id="rId6"/>
     <p:sldId id="261" r:id="rId7"/>
     <p:sldId id="263" r:id="rId8"/>
+    <p:sldId id="264" r:id="rId9"/>
   </p:sldIdLst>
   <p:sldSz cx="12192000" cy="6858000"/>
   <p:notesSz cx="6858000" cy="9144000"/>
@@ -127,7 +128,7 @@
 <file path=ppt/revisionInfo.xml><?xml version="1.0" encoding="utf-8"?>
 <p1510:revInfo xmlns:a="http://schemas.openxmlformats.org/drawingml/2006/main" xmlns:r="http://schemas.openxmlformats.org/officeDocument/2006/relationships" xmlns:p1510="http://schemas.microsoft.com/office/powerpoint/2015/10/main">
   <p1510:revLst>
-    <p1510:client id="{57A5E849-BEA6-44BC-891B-B34DE5F172E1}" v="950" dt="2024-11-28T17:25:01.648"/>
+    <p1510:client id="{57A5E849-BEA6-44BC-891B-B34DE5F172E1}" v="996" dt="2024-11-28T18:41:19.088"/>
   </p1510:revLst>
 </p1510:revInfo>
 </file>
@@ -137,7 +138,7 @@
   <pc:docChgLst>
     <pc:chgData name="Vitor Almeida" userId="d395134aa82dc9ae" providerId="LiveId" clId="{57A5E849-BEA6-44BC-891B-B34DE5F172E1}"/>
     <pc:docChg chg="undo custSel addSld delSld modSld">
-      <pc:chgData name="Vitor Almeida" userId="d395134aa82dc9ae" providerId="LiveId" clId="{57A5E849-BEA6-44BC-891B-B34DE5F172E1}" dt="2024-11-28T17:25:01.648" v="1881" actId="20577"/>
+      <pc:chgData name="Vitor Almeida" userId="d395134aa82dc9ae" providerId="LiveId" clId="{57A5E849-BEA6-44BC-891B-B34DE5F172E1}" dt="2024-11-28T18:41:19.088" v="1947"/>
       <pc:docMkLst>
         <pc:docMk/>
       </pc:docMkLst>
@@ -444,7 +445,7 @@
         </pc:picChg>
       </pc:sldChg>
       <pc:sldChg chg="addSp delSp modSp new mod setBg modAnim">
-        <pc:chgData name="Vitor Almeida" userId="d395134aa82dc9ae" providerId="LiveId" clId="{57A5E849-BEA6-44BC-891B-B34DE5F172E1}" dt="2024-11-27T17:52:52.882" v="612"/>
+        <pc:chgData name="Vitor Almeida" userId="d395134aa82dc9ae" providerId="LiveId" clId="{57A5E849-BEA6-44BC-891B-B34DE5F172E1}" dt="2024-11-28T18:41:19.088" v="1947"/>
         <pc:sldMkLst>
           <pc:docMk/>
           <pc:sldMk cId="979685901" sldId="258"/>
@@ -455,6 +456,14 @@
             <pc:docMk/>
             <pc:sldMk cId="979685901" sldId="258"/>
             <ac:spMk id="2" creationId="{B4A8CD82-DB43-55E9-C629-AE8092285B75}"/>
+          </ac:spMkLst>
+        </pc:spChg>
+        <pc:spChg chg="add mod">
+          <ac:chgData name="Vitor Almeida" userId="d395134aa82dc9ae" providerId="LiveId" clId="{57A5E849-BEA6-44BC-891B-B34DE5F172E1}" dt="2024-11-28T18:41:02.013" v="1945" actId="1076"/>
+          <ac:spMkLst>
+            <pc:docMk/>
+            <pc:sldMk cId="979685901" sldId="258"/>
+            <ac:spMk id="3" creationId="{0B6443AB-27CF-C6D7-38CA-AC295119861E}"/>
           </ac:spMkLst>
         </pc:spChg>
         <pc:spChg chg="del">
@@ -530,7 +539,7 @@
           </ac:spMkLst>
         </pc:spChg>
         <pc:picChg chg="add mod">
-          <ac:chgData name="Vitor Almeida" userId="d395134aa82dc9ae" providerId="LiveId" clId="{57A5E849-BEA6-44BC-891B-B34DE5F172E1}" dt="2024-11-27T17:39:08.373" v="517" actId="962"/>
+          <ac:chgData name="Vitor Almeida" userId="d395134aa82dc9ae" providerId="LiveId" clId="{57A5E849-BEA6-44BC-891B-B34DE5F172E1}" dt="2024-11-28T18:40:57.695" v="1944" actId="1076"/>
           <ac:picMkLst>
             <pc:docMk/>
             <pc:sldMk cId="979685901" sldId="258"/>
@@ -538,7 +547,7 @@
           </ac:picMkLst>
         </pc:picChg>
         <pc:picChg chg="add mod">
-          <ac:chgData name="Vitor Almeida" userId="d395134aa82dc9ae" providerId="LiveId" clId="{57A5E849-BEA6-44BC-891B-B34DE5F172E1}" dt="2024-11-27T17:52:45.936" v="611" actId="1076"/>
+          <ac:chgData name="Vitor Almeida" userId="d395134aa82dc9ae" providerId="LiveId" clId="{57A5E849-BEA6-44BC-891B-B34DE5F172E1}" dt="2024-11-28T18:40:37.880" v="1939" actId="1076"/>
           <ac:picMkLst>
             <pc:docMk/>
             <pc:sldMk cId="979685901" sldId="258"/>
@@ -1318,6 +1327,53 @@
             <ac:graphicFrameMk id="24" creationId="{AC9EB601-5895-4D5F-29AF-5F0231FCED4F}"/>
           </ac:graphicFrameMkLst>
         </pc:graphicFrameChg>
+      </pc:sldChg>
+      <pc:sldChg chg="addSp delSp modSp new mod setBg">
+        <pc:chgData name="Vitor Almeida" userId="d395134aa82dc9ae" providerId="LiveId" clId="{57A5E849-BEA6-44BC-891B-B34DE5F172E1}" dt="2024-11-28T18:39:24.020" v="1892" actId="2711"/>
+        <pc:sldMkLst>
+          <pc:docMk/>
+          <pc:sldMk cId="4137697957" sldId="264"/>
+        </pc:sldMkLst>
+        <pc:spChg chg="mod">
+          <ac:chgData name="Vitor Almeida" userId="d395134aa82dc9ae" providerId="LiveId" clId="{57A5E849-BEA6-44BC-891B-B34DE5F172E1}" dt="2024-11-28T18:39:24.020" v="1892" actId="2711"/>
+          <ac:spMkLst>
+            <pc:docMk/>
+            <pc:sldMk cId="4137697957" sldId="264"/>
+            <ac:spMk id="2" creationId="{A01189CA-F04F-EB65-B21F-930E7DB699F7}"/>
+          </ac:spMkLst>
+        </pc:spChg>
+        <pc:spChg chg="del">
+          <ac:chgData name="Vitor Almeida" userId="d395134aa82dc9ae" providerId="LiveId" clId="{57A5E849-BEA6-44BC-891B-B34DE5F172E1}" dt="2024-11-28T18:39:19.215" v="1891" actId="26606"/>
+          <ac:spMkLst>
+            <pc:docMk/>
+            <pc:sldMk cId="4137697957" sldId="264"/>
+            <ac:spMk id="3" creationId="{AEBB7058-8F52-8394-1D58-ABBE433DD027}"/>
+          </ac:spMkLst>
+        </pc:spChg>
+        <pc:spChg chg="add">
+          <ac:chgData name="Vitor Almeida" userId="d395134aa82dc9ae" providerId="LiveId" clId="{57A5E849-BEA6-44BC-891B-B34DE5F172E1}" dt="2024-11-28T18:39:19.215" v="1891" actId="26606"/>
+          <ac:spMkLst>
+            <pc:docMk/>
+            <pc:sldMk cId="4137697957" sldId="264"/>
+            <ac:spMk id="8" creationId="{9B37791B-B040-4694-BFDC-8DD132D86E8E}"/>
+          </ac:spMkLst>
+        </pc:spChg>
+        <pc:spChg chg="add">
+          <ac:chgData name="Vitor Almeida" userId="d395134aa82dc9ae" providerId="LiveId" clId="{57A5E849-BEA6-44BC-891B-B34DE5F172E1}" dt="2024-11-28T18:39:19.215" v="1891" actId="26606"/>
+          <ac:spMkLst>
+            <pc:docMk/>
+            <pc:sldMk cId="4137697957" sldId="264"/>
+            <ac:spMk id="10" creationId="{E253338B-EC15-4112-B0AA-4135021E9AF8}"/>
+          </ac:spMkLst>
+        </pc:spChg>
+        <pc:grpChg chg="add">
+          <ac:chgData name="Vitor Almeida" userId="d395134aa82dc9ae" providerId="LiveId" clId="{57A5E849-BEA6-44BC-891B-B34DE5F172E1}" dt="2024-11-28T18:39:19.215" v="1891" actId="26606"/>
+          <ac:grpSpMkLst>
+            <pc:docMk/>
+            <pc:sldMk cId="4137697957" sldId="264"/>
+            <ac:grpSpMk id="12" creationId="{431899EE-49A4-469F-BDB5-0A178C55105D}"/>
+          </ac:grpSpMkLst>
+        </pc:grpChg>
       </pc:sldChg>
     </pc:docChg>
   </pc:docChgLst>
@@ -10214,7 +10270,7 @@
         </p:blipFill>
         <p:spPr>
           <a:xfrm>
-            <a:off x="1193577" y="4107843"/>
+            <a:off x="1187766" y="4462051"/>
             <a:ext cx="1762371" cy="1762371"/>
           </a:xfrm>
           <a:prstGeom prst="rect">
@@ -10222,6 +10278,120 @@
           </a:prstGeom>
         </p:spPr>
       </p:pic>
+      <p:sp>
+        <p:nvSpPr>
+          <p:cNvPr id="3" name="Title 1">
+            <a:extLst>
+              <a:ext uri="{FF2B5EF4-FFF2-40B4-BE49-F238E27FC236}">
+                <a16:creationId xmlns:a16="http://schemas.microsoft.com/office/drawing/2014/main" id="{0B6443AB-27CF-C6D7-38CA-AC295119861E}"/>
+              </a:ext>
+              <a:ext uri="{C183D7F6-B498-43B3-948B-1728B52AA6E4}">
+                <adec:decorative xmlns:adec="http://schemas.microsoft.com/office/drawing/2017/decorative" val="0"/>
+              </a:ext>
+            </a:extLst>
+          </p:cNvPr>
+          <p:cNvSpPr txBox="1">
+            <a:spLocks/>
+          </p:cNvSpPr>
+          <p:nvPr/>
+        </p:nvSpPr>
+        <p:spPr>
+          <a:xfrm>
+            <a:off x="318958" y="3748539"/>
+            <a:ext cx="3858007" cy="561166"/>
+          </a:xfrm>
+          <a:prstGeom prst="rect">
+            <a:avLst/>
+          </a:prstGeom>
+        </p:spPr>
+        <p:txBody>
+          <a:bodyPr vert="horz" lIns="91440" tIns="45720" rIns="91440" bIns="45720" rtlCol="0" anchor="b">
+            <a:noAutofit/>
+          </a:bodyPr>
+          <a:lstStyle>
+            <a:lvl1pPr algn="l" defTabSz="914400" rtl="0" eaLnBrk="1" latinLnBrk="0" hangingPunct="1">
+              <a:lnSpc>
+                <a:spcPct val="90000"/>
+              </a:lnSpc>
+              <a:spcBef>
+                <a:spcPct val="0"/>
+              </a:spcBef>
+              <a:buNone/>
+              <a:defRPr sz="4400" kern="1200">
+                <a:solidFill>
+                  <a:schemeClr val="tx1"/>
+                </a:solidFill>
+                <a:latin typeface="+mj-lt"/>
+                <a:ea typeface="+mj-ea"/>
+                <a:cs typeface="+mj-cs"/>
+              </a:defRPr>
+            </a:lvl1pPr>
+          </a:lstStyle>
+          <a:p>
+            <a:pPr algn="ctr"/>
+            <a:r>
+              <a:rPr lang="en-US" sz="2000" dirty="0" err="1">
+                <a:solidFill>
+                  <a:schemeClr val="bg1"/>
+                </a:solidFill>
+                <a:latin typeface="Josefin Sans" pitchFamily="2" charset="0"/>
+              </a:rPr>
+              <a:t>Objetivos</a:t>
+            </a:r>
+            <a:r>
+              <a:rPr lang="en-US" sz="2000" dirty="0">
+                <a:solidFill>
+                  <a:schemeClr val="bg1"/>
+                </a:solidFill>
+                <a:latin typeface="Josefin Sans" pitchFamily="2" charset="0"/>
+              </a:rPr>
+              <a:t> de </a:t>
+            </a:r>
+            <a:r>
+              <a:rPr lang="en-US" sz="2000" dirty="0" err="1">
+                <a:solidFill>
+                  <a:schemeClr val="bg1"/>
+                </a:solidFill>
+                <a:latin typeface="Josefin Sans" pitchFamily="2" charset="0"/>
+              </a:rPr>
+              <a:t>Desenvolvimento</a:t>
+            </a:r>
+            <a:r>
+              <a:rPr lang="en-US" sz="2000" dirty="0">
+                <a:solidFill>
+                  <a:schemeClr val="bg1"/>
+                </a:solidFill>
+                <a:latin typeface="Josefin Sans" pitchFamily="2" charset="0"/>
+              </a:rPr>
+              <a:t> </a:t>
+            </a:r>
+            <a:r>
+              <a:rPr lang="en-US" sz="2000" dirty="0" err="1">
+                <a:solidFill>
+                  <a:schemeClr val="bg1"/>
+                </a:solidFill>
+                <a:latin typeface="Josefin Sans" pitchFamily="2" charset="0"/>
+              </a:rPr>
+              <a:t>Susten</a:t>
+            </a:r>
+            <a:r>
+              <a:rPr lang="pt-BR" sz="2000" dirty="0">
+                <a:solidFill>
+                  <a:schemeClr val="bg1"/>
+                </a:solidFill>
+                <a:latin typeface="Josefin Sans" pitchFamily="2" charset="0"/>
+              </a:rPr>
+              <a:t>tável</a:t>
+            </a:r>
+            <a:endParaRPr lang="en-US" sz="2000" dirty="0">
+              <a:solidFill>
+                <a:schemeClr val="bg1"/>
+              </a:solidFill>
+              <a:latin typeface="Josefin Sans" pitchFamily="2" charset="0"/>
+            </a:endParaRPr>
+          </a:p>
+        </p:txBody>
+      </p:sp>
     </p:spTree>
     <p:extLst>
       <p:ext uri="{BB962C8B-B14F-4D97-AF65-F5344CB8AC3E}">
@@ -10359,7 +10529,7 @@
                             </p:stCondLst>
                             <p:childTnLst>
                               <p:par>
-                                <p:cTn id="15" presetID="10" presetClass="entr" presetSubtype="0" fill="hold" nodeType="clickEffect">
+                                <p:cTn id="15" presetID="10" presetClass="entr" presetSubtype="0" fill="hold" grpId="0" nodeType="clickEffect">
                                   <p:stCondLst>
                                     <p:cond delay="0"/>
                                   </p:stCondLst>
@@ -10367,6 +10537,59 @@
                                     <p:set>
                                       <p:cBhvr>
                                         <p:cTn id="16" dur="1" fill="hold">
+                                          <p:stCondLst>
+                                            <p:cond delay="0"/>
+                                          </p:stCondLst>
+                                        </p:cTn>
+                                        <p:tgtEl>
+                                          <p:spTgt spid="3"/>
+                                        </p:tgtEl>
+                                        <p:attrNameLst>
+                                          <p:attrName>style.visibility</p:attrName>
+                                        </p:attrNameLst>
+                                      </p:cBhvr>
+                                      <p:to>
+                                        <p:strVal val="visible"/>
+                                      </p:to>
+                                    </p:set>
+                                    <p:animEffect transition="in" filter="fade">
+                                      <p:cBhvr>
+                                        <p:cTn id="17" dur="500"/>
+                                        <p:tgtEl>
+                                          <p:spTgt spid="3"/>
+                                        </p:tgtEl>
+                                      </p:cBhvr>
+                                    </p:animEffect>
+                                  </p:childTnLst>
+                                </p:cTn>
+                              </p:par>
+                            </p:childTnLst>
+                          </p:cTn>
+                        </p:par>
+                      </p:childTnLst>
+                    </p:cTn>
+                  </p:par>
+                  <p:par>
+                    <p:cTn id="18" fill="hold">
+                      <p:stCondLst>
+                        <p:cond delay="indefinite"/>
+                      </p:stCondLst>
+                      <p:childTnLst>
+                        <p:par>
+                          <p:cTn id="19" fill="hold">
+                            <p:stCondLst>
+                              <p:cond delay="0"/>
+                            </p:stCondLst>
+                            <p:childTnLst>
+                              <p:par>
+                                <p:cTn id="20" presetID="10" presetClass="entr" presetSubtype="0" fill="hold" nodeType="clickEffect">
+                                  <p:stCondLst>
+                                    <p:cond delay="0"/>
+                                  </p:stCondLst>
+                                  <p:childTnLst>
+                                    <p:set>
+                                      <p:cBhvr>
+                                        <p:cTn id="21" dur="1" fill="hold">
                                           <p:stCondLst>
                                             <p:cond delay="0"/>
                                           </p:stCondLst>
@@ -10384,7 +10607,7 @@
                                     </p:set>
                                     <p:animEffect transition="in" filter="fade">
                                       <p:cBhvr>
-                                        <p:cTn id="17" dur="500"/>
+                                        <p:cTn id="22" dur="500"/>
                                         <p:tgtEl>
                                           <p:spTgt spid="7"/>
                                         </p:tgtEl>
@@ -10423,6 +10646,7 @@
     <p:bldLst>
       <p:bldP spid="2" grpId="0"/>
       <p:bldP spid="6" grpId="0"/>
+      <p:bldP spid="3" grpId="0"/>
     </p:bldLst>
   </p:timing>
   <p:extLst>
@@ -31048,6 +31272,8452 @@
 </p:sld>
 </file>
 
+<file path=ppt/slides/slide8.xml><?xml version="1.0" encoding="utf-8"?>
+<p:sld xmlns:a="http://schemas.openxmlformats.org/drawingml/2006/main" xmlns:r="http://schemas.openxmlformats.org/officeDocument/2006/relationships" xmlns:p="http://schemas.openxmlformats.org/presentationml/2006/main">
+  <p:cSld>
+    <p:bg>
+      <p:bgPr>
+        <a:solidFill>
+          <a:schemeClr val="bg1"/>
+        </a:solidFill>
+        <a:effectLst/>
+      </p:bgPr>
+    </p:bg>
+    <p:spTree>
+      <p:nvGrpSpPr>
+        <p:cNvPr id="1" name=""/>
+        <p:cNvGrpSpPr/>
+        <p:nvPr/>
+      </p:nvGrpSpPr>
+      <p:grpSpPr>
+        <a:xfrm>
+          <a:off x="0" y="0"/>
+          <a:ext cx="0" cy="0"/>
+          <a:chOff x="0" y="0"/>
+          <a:chExt cx="0" cy="0"/>
+        </a:xfrm>
+      </p:grpSpPr>
+      <p:sp useBgFill="1">
+        <p:nvSpPr>
+          <p:cNvPr id="8" name="Rectangle 7">
+            <a:extLst>
+              <a:ext uri="{FF2B5EF4-FFF2-40B4-BE49-F238E27FC236}">
+                <a16:creationId xmlns:a16="http://schemas.microsoft.com/office/drawing/2014/main" id="{9B37791B-B040-4694-BFDC-8DD132D86E8E}"/>
+              </a:ext>
+              <a:ext uri="{C183D7F6-B498-43B3-948B-1728B52AA6E4}">
+                <adec:decorative xmlns:adec="http://schemas.microsoft.com/office/drawing/2017/decorative" val="1"/>
+              </a:ext>
+            </a:extLst>
+          </p:cNvPr>
+          <p:cNvSpPr>
+            <a:spLocks noGrp="1" noRot="1" noChangeAspect="1" noMove="1" noResize="1" noEditPoints="1" noAdjustHandles="1" noChangeArrowheads="1" noChangeShapeType="1" noTextEdit="1"/>
+          </p:cNvSpPr>
+          <p:nvPr>
+            <p:extLst>
+              <p:ext uri="{386F3935-93C4-4BCD-93E2-E3B085C9AB24}">
+                <p16:designElem xmlns:p16="http://schemas.microsoft.com/office/powerpoint/2015/main" val="1"/>
+              </p:ext>
+            </p:extLst>
+          </p:nvPr>
+        </p:nvSpPr>
+        <p:spPr>
+          <a:xfrm>
+            <a:off x="0" y="0"/>
+            <a:ext cx="12192000" cy="6858000"/>
+          </a:xfrm>
+          <a:prstGeom prst="rect">
+            <a:avLst/>
+          </a:prstGeom>
+          <a:solidFill>
+            <a:schemeClr val="tx1"/>
+          </a:solidFill>
+          <a:ln w="12700" cap="flat" cmpd="sng" algn="ctr">
+            <a:noFill/>
+            <a:prstDash val="solid"/>
+            <a:miter lim="800000"/>
+          </a:ln>
+          <a:effectLst/>
+        </p:spPr>
+        <p:style>
+          <a:lnRef idx="2">
+            <a:schemeClr val="accent1">
+              <a:shade val="50000"/>
+            </a:schemeClr>
+          </a:lnRef>
+          <a:fillRef idx="1">
+            <a:schemeClr val="accent1"/>
+          </a:fillRef>
+          <a:effectRef idx="0">
+            <a:schemeClr val="accent1"/>
+          </a:effectRef>
+          <a:fontRef idx="minor">
+            <a:schemeClr val="lt1"/>
+          </a:fontRef>
+        </p:style>
+        <p:txBody>
+          <a:bodyPr rtlCol="0" anchor="ctr"/>
+          <a:lstStyle/>
+          <a:p>
+            <a:pPr algn="ctr"/>
+            <a:endParaRPr lang="en-US"/>
+          </a:p>
+        </p:txBody>
+      </p:sp>
+      <p:sp>
+        <p:nvSpPr>
+          <p:cNvPr id="2" name="Title 1">
+            <a:extLst>
+              <a:ext uri="{FF2B5EF4-FFF2-40B4-BE49-F238E27FC236}">
+                <a16:creationId xmlns:a16="http://schemas.microsoft.com/office/drawing/2014/main" id="{A01189CA-F04F-EB65-B21F-930E7DB699F7}"/>
+              </a:ext>
+            </a:extLst>
+          </p:cNvPr>
+          <p:cNvSpPr>
+            <a:spLocks noGrp="1"/>
+          </p:cNvSpPr>
+          <p:nvPr>
+            <p:ph type="title"/>
+          </p:nvPr>
+        </p:nvSpPr>
+        <p:spPr>
+          <a:xfrm>
+            <a:off x="5232400" y="1354819"/>
+            <a:ext cx="6124576" cy="2678363"/>
+          </a:xfrm>
+        </p:spPr>
+        <p:txBody>
+          <a:bodyPr vert="horz" lIns="91440" tIns="45720" rIns="91440" bIns="45720" rtlCol="0" anchor="b">
+            <a:normAutofit/>
+          </a:bodyPr>
+          <a:lstStyle/>
+          <a:p>
+            <a:pPr algn="r"/>
+            <a:r>
+              <a:rPr lang="en-US" sz="7200" kern="1200" dirty="0" err="1">
+                <a:solidFill>
+                  <a:schemeClr val="bg1"/>
+                </a:solidFill>
+                <a:latin typeface="Josefin Sans" pitchFamily="2" charset="0"/>
+              </a:rPr>
+              <a:t>Obrigado</a:t>
+            </a:r>
+            <a:endParaRPr lang="en-US" sz="7200" kern="1200" dirty="0">
+              <a:solidFill>
+                <a:schemeClr val="bg1"/>
+              </a:solidFill>
+              <a:latin typeface="Josefin Sans" pitchFamily="2" charset="0"/>
+            </a:endParaRPr>
+          </a:p>
+        </p:txBody>
+      </p:sp>
+      <p:sp>
+        <p:nvSpPr>
+          <p:cNvPr id="10" name="Freeform: Shape 9">
+            <a:extLst>
+              <a:ext uri="{FF2B5EF4-FFF2-40B4-BE49-F238E27FC236}">
+                <a16:creationId xmlns:a16="http://schemas.microsoft.com/office/drawing/2014/main" id="{E253338B-EC15-4112-B0AA-4135021E9AF8}"/>
+              </a:ext>
+              <a:ext uri="{C183D7F6-B498-43B3-948B-1728B52AA6E4}">
+                <adec:decorative xmlns:adec="http://schemas.microsoft.com/office/drawing/2017/decorative" val="1"/>
+              </a:ext>
+            </a:extLst>
+          </p:cNvPr>
+          <p:cNvSpPr>
+            <a:spLocks noGrp="1" noRot="1" noChangeAspect="1" noMove="1" noResize="1" noEditPoints="1" noAdjustHandles="1" noChangeArrowheads="1" noChangeShapeType="1" noTextEdit="1"/>
+          </p:cNvSpPr>
+          <p:nvPr>
+            <p:extLst>
+              <p:ext uri="{386F3935-93C4-4BCD-93E2-E3B085C9AB24}">
+                <p16:designElem xmlns:p16="http://schemas.microsoft.com/office/powerpoint/2015/main" val="1"/>
+              </p:ext>
+            </p:extLst>
+          </p:nvPr>
+        </p:nvSpPr>
+        <p:spPr>
+          <a:xfrm>
+            <a:off x="-2" y="-1"/>
+            <a:ext cx="4572002" cy="6858002"/>
+          </a:xfrm>
+          <a:custGeom>
+            <a:avLst/>
+            <a:gdLst>
+              <a:gd name="connsiteX0" fmla="*/ 4214994 w 4572002"/>
+              <a:gd name="connsiteY0" fmla="*/ 6564620 h 6858002"/>
+              <a:gd name="connsiteX1" fmla="*/ 4214994 w 4572002"/>
+              <a:gd name="connsiteY1" fmla="*/ 6564621 h 6858002"/>
+              <a:gd name="connsiteX2" fmla="*/ 4237474 w 4572002"/>
+              <a:gd name="connsiteY2" fmla="*/ 6588626 h 6858002"/>
+              <a:gd name="connsiteX3" fmla="*/ 4254096 w 4572002"/>
+              <a:gd name="connsiteY3" fmla="*/ 6625225 h 6858002"/>
+              <a:gd name="connsiteX4" fmla="*/ 4247001 w 4572002"/>
+              <a:gd name="connsiteY4" fmla="*/ 6662540 h 6858002"/>
+              <a:gd name="connsiteX5" fmla="*/ 4247000 w 4572002"/>
+              <a:gd name="connsiteY5" fmla="*/ 6662541 h 6858002"/>
+              <a:gd name="connsiteX6" fmla="*/ 4246999 w 4572002"/>
+              <a:gd name="connsiteY6" fmla="*/ 6662544 h 6858002"/>
+              <a:gd name="connsiteX7" fmla="*/ 4235550 w 4572002"/>
+              <a:gd name="connsiteY7" fmla="*/ 6683027 h 6858002"/>
+              <a:gd name="connsiteX8" fmla="*/ 4232403 w 4572002"/>
+              <a:gd name="connsiteY8" fmla="*/ 6702976 h 6858002"/>
+              <a:gd name="connsiteX9" fmla="*/ 4232403 w 4572002"/>
+              <a:gd name="connsiteY9" fmla="*/ 6702977 h 6858002"/>
+              <a:gd name="connsiteX10" fmla="*/ 4246238 w 4572002"/>
+              <a:gd name="connsiteY10" fmla="*/ 6742553 h 6858002"/>
+              <a:gd name="connsiteX11" fmla="*/ 4246239 w 4572002"/>
+              <a:gd name="connsiteY11" fmla="*/ 6742555 h 6858002"/>
+              <a:gd name="connsiteX12" fmla="*/ 4265716 w 4572002"/>
+              <a:gd name="connsiteY12" fmla="*/ 6812062 h 6858002"/>
+              <a:gd name="connsiteX13" fmla="*/ 4265717 w 4572002"/>
+              <a:gd name="connsiteY13" fmla="*/ 6812064 h 6858002"/>
+              <a:gd name="connsiteX14" fmla="*/ 4265717 w 4572002"/>
+              <a:gd name="connsiteY14" fmla="*/ 6812063 h 6858002"/>
+              <a:gd name="connsiteX15" fmla="*/ 4265716 w 4572002"/>
+              <a:gd name="connsiteY15" fmla="*/ 6812062 h 6858002"/>
+              <a:gd name="connsiteX16" fmla="*/ 4260942 w 4572002"/>
+              <a:gd name="connsiteY16" fmla="*/ 6776800 h 6858002"/>
+              <a:gd name="connsiteX17" fmla="*/ 4246239 w 4572002"/>
+              <a:gd name="connsiteY17" fmla="*/ 6742555 h 6858002"/>
+              <a:gd name="connsiteX18" fmla="*/ 4246238 w 4572002"/>
+              <a:gd name="connsiteY18" fmla="*/ 6742552 h 6858002"/>
+              <a:gd name="connsiteX19" fmla="*/ 4232403 w 4572002"/>
+              <a:gd name="connsiteY19" fmla="*/ 6702976 h 6858002"/>
+              <a:gd name="connsiteX20" fmla="*/ 4246999 w 4572002"/>
+              <a:gd name="connsiteY20" fmla="*/ 6662544 h 6858002"/>
+              <a:gd name="connsiteX21" fmla="*/ 4247000 w 4572002"/>
+              <a:gd name="connsiteY21" fmla="*/ 6662542 h 6858002"/>
+              <a:gd name="connsiteX22" fmla="*/ 4247001 w 4572002"/>
+              <a:gd name="connsiteY22" fmla="*/ 6662540 h 6858002"/>
+              <a:gd name="connsiteX23" fmla="*/ 4254084 w 4572002"/>
+              <a:gd name="connsiteY23" fmla="*/ 6645552 h 6858002"/>
+              <a:gd name="connsiteX24" fmla="*/ 4254096 w 4572002"/>
+              <a:gd name="connsiteY24" fmla="*/ 6625225 h 6858002"/>
+              <a:gd name="connsiteX25" fmla="*/ 4254096 w 4572002"/>
+              <a:gd name="connsiteY25" fmla="*/ 6625224 h 6858002"/>
+              <a:gd name="connsiteX26" fmla="*/ 4237474 w 4572002"/>
+              <a:gd name="connsiteY26" fmla="*/ 6588625 h 6858002"/>
+              <a:gd name="connsiteX27" fmla="*/ 4295315 w 4572002"/>
+              <a:gd name="connsiteY27" fmla="*/ 6438981 h 6858002"/>
+              <a:gd name="connsiteX28" fmla="*/ 4275385 w 4572002"/>
+              <a:gd name="connsiteY28" fmla="*/ 6463840 h 6858002"/>
+              <a:gd name="connsiteX29" fmla="*/ 4275382 w 4572002"/>
+              <a:gd name="connsiteY29" fmla="*/ 6463849 h 6858002"/>
+              <a:gd name="connsiteX30" fmla="*/ 4261587 w 4572002"/>
+              <a:gd name="connsiteY30" fmla="*/ 6513012 h 6858002"/>
+              <a:gd name="connsiteX31" fmla="*/ 4242781 w 4572002"/>
+              <a:gd name="connsiteY31" fmla="*/ 6546194 h 6858002"/>
+              <a:gd name="connsiteX32" fmla="*/ 4242781 w 4572002"/>
+              <a:gd name="connsiteY32" fmla="*/ 6546195 h 6858002"/>
+              <a:gd name="connsiteX33" fmla="*/ 4259120 w 4572002"/>
+              <a:gd name="connsiteY33" fmla="*/ 6521804 h 6858002"/>
+              <a:gd name="connsiteX34" fmla="*/ 4261587 w 4572002"/>
+              <a:gd name="connsiteY34" fmla="*/ 6513012 h 6858002"/>
+              <a:gd name="connsiteX35" fmla="*/ 4264398 w 4572002"/>
+              <a:gd name="connsiteY35" fmla="*/ 6508052 h 6858002"/>
+              <a:gd name="connsiteX36" fmla="*/ 4275382 w 4572002"/>
+              <a:gd name="connsiteY36" fmla="*/ 6463849 h 6858002"/>
+              <a:gd name="connsiteX37" fmla="*/ 4275385 w 4572002"/>
+              <a:gd name="connsiteY37" fmla="*/ 6463841 h 6858002"/>
+              <a:gd name="connsiteX38" fmla="*/ 4295315 w 4572002"/>
+              <a:gd name="connsiteY38" fmla="*/ 6438981 h 6858002"/>
+              <a:gd name="connsiteX39" fmla="*/ 4381289 w 4572002"/>
+              <a:gd name="connsiteY39" fmla="*/ 6365204 h 6858002"/>
+              <a:gd name="connsiteX40" fmla="*/ 4380008 w 4572002"/>
+              <a:gd name="connsiteY40" fmla="*/ 6387910 h 6858002"/>
+              <a:gd name="connsiteX41" fmla="*/ 4378243 w 4572002"/>
+              <a:gd name="connsiteY41" fmla="*/ 6391549 h 6858002"/>
+              <a:gd name="connsiteX42" fmla="*/ 4370589 w 4572002"/>
+              <a:gd name="connsiteY42" fmla="*/ 6407332 h 6858002"/>
+              <a:gd name="connsiteX43" fmla="*/ 4370589 w 4572002"/>
+              <a:gd name="connsiteY43" fmla="*/ 6407333 h 6858002"/>
+              <a:gd name="connsiteX44" fmla="*/ 4378243 w 4572002"/>
+              <a:gd name="connsiteY44" fmla="*/ 6391549 h 6858002"/>
+              <a:gd name="connsiteX45" fmla="*/ 4380008 w 4572002"/>
+              <a:gd name="connsiteY45" fmla="*/ 6387910 h 6858002"/>
+              <a:gd name="connsiteX46" fmla="*/ 4142220 w 4572002"/>
+              <a:gd name="connsiteY46" fmla="*/ 4221391 h 6858002"/>
+              <a:gd name="connsiteX47" fmla="*/ 4142220 w 4572002"/>
+              <a:gd name="connsiteY47" fmla="*/ 4221392 h 6858002"/>
+              <a:gd name="connsiteX48" fmla="*/ 4147936 w 4572002"/>
+              <a:gd name="connsiteY48" fmla="*/ 4253015 h 6858002"/>
+              <a:gd name="connsiteX49" fmla="*/ 4187752 w 4572002"/>
+              <a:gd name="connsiteY49" fmla="*/ 4324646 h 6858002"/>
+              <a:gd name="connsiteX50" fmla="*/ 4196706 w 4572002"/>
+              <a:gd name="connsiteY50" fmla="*/ 4363891 h 6858002"/>
+              <a:gd name="connsiteX51" fmla="*/ 4195944 w 4572002"/>
+              <a:gd name="connsiteY51" fmla="*/ 4482004 h 6858002"/>
+              <a:gd name="connsiteX52" fmla="*/ 4135934 w 4572002"/>
+              <a:gd name="connsiteY52" fmla="*/ 4659174 h 6858002"/>
+              <a:gd name="connsiteX53" fmla="*/ 4127932 w 4572002"/>
+              <a:gd name="connsiteY53" fmla="*/ 4677655 h 6858002"/>
+              <a:gd name="connsiteX54" fmla="*/ 4118025 w 4572002"/>
+              <a:gd name="connsiteY54" fmla="*/ 4767764 h 6858002"/>
+              <a:gd name="connsiteX55" fmla="*/ 4116716 w 4572002"/>
+              <a:gd name="connsiteY55" fmla="*/ 4800483 h 6858002"/>
+              <a:gd name="connsiteX56" fmla="*/ 4116716 w 4572002"/>
+              <a:gd name="connsiteY56" fmla="*/ 4800484 h 6858002"/>
+              <a:gd name="connsiteX57" fmla="*/ 4131552 w 4572002"/>
+              <a:gd name="connsiteY57" fmla="*/ 4828917 h 6858002"/>
+              <a:gd name="connsiteX58" fmla="*/ 4153733 w 4572002"/>
+              <a:gd name="connsiteY58" fmla="*/ 4863343 h 6858002"/>
+              <a:gd name="connsiteX59" fmla="*/ 4161262 w 4572002"/>
+              <a:gd name="connsiteY59" fmla="*/ 4889275 h 6858002"/>
+              <a:gd name="connsiteX60" fmla="*/ 4159557 w 4572002"/>
+              <a:gd name="connsiteY60" fmla="*/ 4912168 h 6858002"/>
+              <a:gd name="connsiteX61" fmla="*/ 4158155 w 4572002"/>
+              <a:gd name="connsiteY61" fmla="*/ 4933804 h 6858002"/>
+              <a:gd name="connsiteX62" fmla="*/ 4158155 w 4572002"/>
+              <a:gd name="connsiteY62" fmla="*/ 4933805 h 6858002"/>
+              <a:gd name="connsiteX63" fmla="*/ 4162914 w 4572002"/>
+              <a:gd name="connsiteY63" fmla="*/ 4952673 h 6858002"/>
+              <a:gd name="connsiteX64" fmla="*/ 4165707 w 4572002"/>
+              <a:gd name="connsiteY64" fmla="*/ 4957454 h 6858002"/>
+              <a:gd name="connsiteX65" fmla="*/ 4166985 w 4572002"/>
+              <a:gd name="connsiteY65" fmla="*/ 4961456 h 6858002"/>
+              <a:gd name="connsiteX66" fmla="*/ 4182989 w 4572002"/>
+              <a:gd name="connsiteY66" fmla="*/ 4987038 h 6858002"/>
+              <a:gd name="connsiteX67" fmla="*/ 4209468 w 4572002"/>
+              <a:gd name="connsiteY67" fmla="*/ 5041522 h 6858002"/>
+              <a:gd name="connsiteX68" fmla="*/ 4216684 w 4572002"/>
+              <a:gd name="connsiteY68" fmla="*/ 5072376 h 6858002"/>
+              <a:gd name="connsiteX69" fmla="*/ 4222587 w 4572002"/>
+              <a:gd name="connsiteY69" fmla="*/ 5087441 h 6858002"/>
+              <a:gd name="connsiteX70" fmla="*/ 4235615 w 4572002"/>
+              <a:gd name="connsiteY70" fmla="*/ 5133220 h 6858002"/>
+              <a:gd name="connsiteX71" fmla="*/ 4235616 w 4572002"/>
+              <a:gd name="connsiteY71" fmla="*/ 5133225 h 6858002"/>
+              <a:gd name="connsiteX72" fmla="*/ 4228901 w 4572002"/>
+              <a:gd name="connsiteY72" fmla="*/ 5166113 h 6858002"/>
+              <a:gd name="connsiteX73" fmla="*/ 4228901 w 4572002"/>
+              <a:gd name="connsiteY73" fmla="*/ 5166114 h 6858002"/>
+              <a:gd name="connsiteX74" fmla="*/ 4229593 w 4572002"/>
+              <a:gd name="connsiteY74" fmla="*/ 5172091 h 6858002"/>
+              <a:gd name="connsiteX75" fmla="*/ 4232139 w 4572002"/>
+              <a:gd name="connsiteY75" fmla="*/ 5179068 h 6858002"/>
+              <a:gd name="connsiteX76" fmla="*/ 4231973 w 4572002"/>
+              <a:gd name="connsiteY76" fmla="*/ 5229434 h 6858002"/>
+              <a:gd name="connsiteX77" fmla="*/ 4225669 w 4572002"/>
+              <a:gd name="connsiteY77" fmla="*/ 5241089 h 6858002"/>
+              <a:gd name="connsiteX78" fmla="*/ 4208517 w 4572002"/>
+              <a:gd name="connsiteY78" fmla="*/ 5272796 h 6858002"/>
+              <a:gd name="connsiteX79" fmla="*/ 4184613 w 4572002"/>
+              <a:gd name="connsiteY79" fmla="*/ 5312288 h 6858002"/>
+              <a:gd name="connsiteX80" fmla="*/ 4183557 w 4572002"/>
+              <a:gd name="connsiteY80" fmla="*/ 5321350 h 6858002"/>
+              <a:gd name="connsiteX81" fmla="*/ 4181083 w 4572002"/>
+              <a:gd name="connsiteY81" fmla="*/ 5326163 h 6858002"/>
+              <a:gd name="connsiteX82" fmla="*/ 4179637 w 4572002"/>
+              <a:gd name="connsiteY82" fmla="*/ 5355014 h 6858002"/>
+              <a:gd name="connsiteX83" fmla="*/ 4179637 w 4572002"/>
+              <a:gd name="connsiteY83" fmla="*/ 5355015 h 6858002"/>
+              <a:gd name="connsiteX84" fmla="*/ 4184513 w 4572002"/>
+              <a:gd name="connsiteY84" fmla="*/ 5385385 h 6858002"/>
+              <a:gd name="connsiteX85" fmla="*/ 4192704 w 4572002"/>
+              <a:gd name="connsiteY85" fmla="*/ 5425583 h 6858002"/>
+              <a:gd name="connsiteX86" fmla="*/ 4204327 w 4572002"/>
+              <a:gd name="connsiteY86" fmla="*/ 5480638 h 6858002"/>
+              <a:gd name="connsiteX87" fmla="*/ 4208850 w 4572002"/>
+              <a:gd name="connsiteY87" fmla="*/ 5507668 h 6858002"/>
+              <a:gd name="connsiteX88" fmla="*/ 4198232 w 4572002"/>
+              <a:gd name="connsiteY88" fmla="*/ 5531692 h 6858002"/>
+              <a:gd name="connsiteX89" fmla="*/ 4198231 w 4572002"/>
+              <a:gd name="connsiteY89" fmla="*/ 5531693 h 6858002"/>
+              <a:gd name="connsiteX90" fmla="*/ 4188085 w 4572002"/>
+              <a:gd name="connsiteY90" fmla="*/ 5547578 h 6858002"/>
+              <a:gd name="connsiteX91" fmla="*/ 4188085 w 4572002"/>
+              <a:gd name="connsiteY91" fmla="*/ 5547579 h 6858002"/>
+              <a:gd name="connsiteX92" fmla="*/ 4197659 w 4572002"/>
+              <a:gd name="connsiteY92" fmla="*/ 5562747 h 6858002"/>
+              <a:gd name="connsiteX93" fmla="*/ 4268907 w 4572002"/>
+              <a:gd name="connsiteY93" fmla="*/ 5704484 h 6858002"/>
+              <a:gd name="connsiteX94" fmla="*/ 4274812 w 4572002"/>
+              <a:gd name="connsiteY94" fmla="*/ 5740489 h 6858002"/>
+              <a:gd name="connsiteX95" fmla="*/ 4283578 w 4572002"/>
+              <a:gd name="connsiteY95" fmla="*/ 5760874 h 6858002"/>
+              <a:gd name="connsiteX96" fmla="*/ 4371973 w 4572002"/>
+              <a:gd name="connsiteY96" fmla="*/ 5883752 h 6858002"/>
+              <a:gd name="connsiteX97" fmla="*/ 4371974 w 4572002"/>
+              <a:gd name="connsiteY97" fmla="*/ 5883757 h 6858002"/>
+              <a:gd name="connsiteX98" fmla="*/ 4389877 w 4572002"/>
+              <a:gd name="connsiteY98" fmla="*/ 5935946 h 6858002"/>
+              <a:gd name="connsiteX99" fmla="*/ 4389878 w 4572002"/>
+              <a:gd name="connsiteY99" fmla="*/ 5935950 h 6858002"/>
+              <a:gd name="connsiteX100" fmla="*/ 4386259 w 4572002"/>
+              <a:gd name="connsiteY100" fmla="*/ 5993290 h 6858002"/>
+              <a:gd name="connsiteX101" fmla="*/ 4386259 w 4572002"/>
+              <a:gd name="connsiteY101" fmla="*/ 5993291 h 6858002"/>
+              <a:gd name="connsiteX102" fmla="*/ 4379782 w 4572002"/>
+              <a:gd name="connsiteY102" fmla="*/ 6026440 h 6858002"/>
+              <a:gd name="connsiteX103" fmla="*/ 4323583 w 4572002"/>
+              <a:gd name="connsiteY103" fmla="*/ 6108738 h 6858002"/>
+              <a:gd name="connsiteX104" fmla="*/ 4309890 w 4572002"/>
+              <a:gd name="connsiteY104" fmla="*/ 6133314 h 6858002"/>
+              <a:gd name="connsiteX105" fmla="*/ 4309890 w 4572002"/>
+              <a:gd name="connsiteY105" fmla="*/ 6133315 h 6858002"/>
+              <a:gd name="connsiteX106" fmla="*/ 4313591 w 4572002"/>
+              <a:gd name="connsiteY106" fmla="*/ 6143190 h 6858002"/>
+              <a:gd name="connsiteX107" fmla="*/ 4325486 w 4572002"/>
+              <a:gd name="connsiteY107" fmla="*/ 6155600 h 6858002"/>
+              <a:gd name="connsiteX108" fmla="*/ 4325488 w 4572002"/>
+              <a:gd name="connsiteY108" fmla="*/ 6155603 h 6858002"/>
+              <a:gd name="connsiteX109" fmla="*/ 4364160 w 4572002"/>
+              <a:gd name="connsiteY109" fmla="*/ 6228757 h 6858002"/>
+              <a:gd name="connsiteX110" fmla="*/ 4381497 w 4572002"/>
+              <a:gd name="connsiteY110" fmla="*/ 6361540 h 6858002"/>
+              <a:gd name="connsiteX111" fmla="*/ 4381497 w 4572002"/>
+              <a:gd name="connsiteY111" fmla="*/ 6361539 h 6858002"/>
+              <a:gd name="connsiteX112" fmla="*/ 4364160 w 4572002"/>
+              <a:gd name="connsiteY112" fmla="*/ 6228756 h 6858002"/>
+              <a:gd name="connsiteX113" fmla="*/ 4325488 w 4572002"/>
+              <a:gd name="connsiteY113" fmla="*/ 6155602 h 6858002"/>
+              <a:gd name="connsiteX114" fmla="*/ 4325486 w 4572002"/>
+              <a:gd name="connsiteY114" fmla="*/ 6155600 h 6858002"/>
+              <a:gd name="connsiteX115" fmla="*/ 4309890 w 4572002"/>
+              <a:gd name="connsiteY115" fmla="*/ 6133315 h 6858002"/>
+              <a:gd name="connsiteX116" fmla="*/ 4323583 w 4572002"/>
+              <a:gd name="connsiteY116" fmla="*/ 6108739 h 6858002"/>
+              <a:gd name="connsiteX117" fmla="*/ 4379782 w 4572002"/>
+              <a:gd name="connsiteY117" fmla="*/ 6026441 h 6858002"/>
+              <a:gd name="connsiteX118" fmla="*/ 4386259 w 4572002"/>
+              <a:gd name="connsiteY118" fmla="*/ 5993292 h 6858002"/>
+              <a:gd name="connsiteX119" fmla="*/ 4386259 w 4572002"/>
+              <a:gd name="connsiteY119" fmla="*/ 5993290 h 6858002"/>
+              <a:gd name="connsiteX120" fmla="*/ 4389712 w 4572002"/>
+              <a:gd name="connsiteY120" fmla="*/ 5964477 h 6858002"/>
+              <a:gd name="connsiteX121" fmla="*/ 4389878 w 4572002"/>
+              <a:gd name="connsiteY121" fmla="*/ 5935950 h 6858002"/>
+              <a:gd name="connsiteX122" fmla="*/ 4389878 w 4572002"/>
+              <a:gd name="connsiteY122" fmla="*/ 5935949 h 6858002"/>
+              <a:gd name="connsiteX123" fmla="*/ 4389877 w 4572002"/>
+              <a:gd name="connsiteY123" fmla="*/ 5935946 h 6858002"/>
+              <a:gd name="connsiteX124" fmla="*/ 4382997 w 4572002"/>
+              <a:gd name="connsiteY124" fmla="*/ 5909351 h 6858002"/>
+              <a:gd name="connsiteX125" fmla="*/ 4371974 w 4572002"/>
+              <a:gd name="connsiteY125" fmla="*/ 5883757 h 6858002"/>
+              <a:gd name="connsiteX126" fmla="*/ 4371973 w 4572002"/>
+              <a:gd name="connsiteY126" fmla="*/ 5883751 h 6858002"/>
+              <a:gd name="connsiteX127" fmla="*/ 4283578 w 4572002"/>
+              <a:gd name="connsiteY127" fmla="*/ 5760873 h 6858002"/>
+              <a:gd name="connsiteX128" fmla="*/ 4274812 w 4572002"/>
+              <a:gd name="connsiteY128" fmla="*/ 5740488 h 6858002"/>
+              <a:gd name="connsiteX129" fmla="*/ 4268907 w 4572002"/>
+              <a:gd name="connsiteY129" fmla="*/ 5704483 h 6858002"/>
+              <a:gd name="connsiteX130" fmla="*/ 4197659 w 4572002"/>
+              <a:gd name="connsiteY130" fmla="*/ 5562746 h 6858002"/>
+              <a:gd name="connsiteX131" fmla="*/ 4188085 w 4572002"/>
+              <a:gd name="connsiteY131" fmla="*/ 5547578 h 6858002"/>
+              <a:gd name="connsiteX132" fmla="*/ 4198231 w 4572002"/>
+              <a:gd name="connsiteY132" fmla="*/ 5531694 h 6858002"/>
+              <a:gd name="connsiteX133" fmla="*/ 4198232 w 4572002"/>
+              <a:gd name="connsiteY133" fmla="*/ 5531692 h 6858002"/>
+              <a:gd name="connsiteX134" fmla="*/ 4206630 w 4572002"/>
+              <a:gd name="connsiteY134" fmla="*/ 5520422 h 6858002"/>
+              <a:gd name="connsiteX135" fmla="*/ 4208850 w 4572002"/>
+              <a:gd name="connsiteY135" fmla="*/ 5507668 h 6858002"/>
+              <a:gd name="connsiteX136" fmla="*/ 4208850 w 4572002"/>
+              <a:gd name="connsiteY136" fmla="*/ 5507667 h 6858002"/>
+              <a:gd name="connsiteX137" fmla="*/ 4204327 w 4572002"/>
+              <a:gd name="connsiteY137" fmla="*/ 5480637 h 6858002"/>
+              <a:gd name="connsiteX138" fmla="*/ 4192704 w 4572002"/>
+              <a:gd name="connsiteY138" fmla="*/ 5425582 h 6858002"/>
+              <a:gd name="connsiteX139" fmla="*/ 4184513 w 4572002"/>
+              <a:gd name="connsiteY139" fmla="*/ 5385384 h 6858002"/>
+              <a:gd name="connsiteX140" fmla="*/ 4179637 w 4572002"/>
+              <a:gd name="connsiteY140" fmla="*/ 5355014 h 6858002"/>
+              <a:gd name="connsiteX141" fmla="*/ 4183557 w 4572002"/>
+              <a:gd name="connsiteY141" fmla="*/ 5321350 h 6858002"/>
+              <a:gd name="connsiteX142" fmla="*/ 4208517 w 4572002"/>
+              <a:gd name="connsiteY142" fmla="*/ 5272797 h 6858002"/>
+              <a:gd name="connsiteX143" fmla="*/ 4225669 w 4572002"/>
+              <a:gd name="connsiteY143" fmla="*/ 5241089 h 6858002"/>
+              <a:gd name="connsiteX144" fmla="*/ 4231973 w 4572002"/>
+              <a:gd name="connsiteY144" fmla="*/ 5229433 h 6858002"/>
+              <a:gd name="connsiteX145" fmla="*/ 4232139 w 4572002"/>
+              <a:gd name="connsiteY145" fmla="*/ 5179068 h 6858002"/>
+              <a:gd name="connsiteX146" fmla="*/ 4232139 w 4572002"/>
+              <a:gd name="connsiteY146" fmla="*/ 5179067 h 6858002"/>
+              <a:gd name="connsiteX147" fmla="*/ 4229593 w 4572002"/>
+              <a:gd name="connsiteY147" fmla="*/ 5172090 h 6858002"/>
+              <a:gd name="connsiteX148" fmla="*/ 4228901 w 4572002"/>
+              <a:gd name="connsiteY148" fmla="*/ 5166114 h 6858002"/>
+              <a:gd name="connsiteX149" fmla="*/ 4235616 w 4572002"/>
+              <a:gd name="connsiteY149" fmla="*/ 5133225 h 6858002"/>
+              <a:gd name="connsiteX150" fmla="*/ 4235616 w 4572002"/>
+              <a:gd name="connsiteY150" fmla="*/ 5133224 h 6858002"/>
+              <a:gd name="connsiteX151" fmla="*/ 4235615 w 4572002"/>
+              <a:gd name="connsiteY151" fmla="*/ 5133220 h 6858002"/>
+              <a:gd name="connsiteX152" fmla="*/ 4228473 w 4572002"/>
+              <a:gd name="connsiteY152" fmla="*/ 5102461 h 6858002"/>
+              <a:gd name="connsiteX153" fmla="*/ 4222587 w 4572002"/>
+              <a:gd name="connsiteY153" fmla="*/ 5087441 h 6858002"/>
+              <a:gd name="connsiteX154" fmla="*/ 4222582 w 4572002"/>
+              <a:gd name="connsiteY154" fmla="*/ 5087423 h 6858002"/>
+              <a:gd name="connsiteX155" fmla="*/ 4209468 w 4572002"/>
+              <a:gd name="connsiteY155" fmla="*/ 5041521 h 6858002"/>
+              <a:gd name="connsiteX156" fmla="*/ 4182989 w 4572002"/>
+              <a:gd name="connsiteY156" fmla="*/ 4987037 h 6858002"/>
+              <a:gd name="connsiteX157" fmla="*/ 4165707 w 4572002"/>
+              <a:gd name="connsiteY157" fmla="*/ 4957454 h 6858002"/>
+              <a:gd name="connsiteX158" fmla="*/ 4158155 w 4572002"/>
+              <a:gd name="connsiteY158" fmla="*/ 4933805 h 6858002"/>
+              <a:gd name="connsiteX159" fmla="*/ 4159557 w 4572002"/>
+              <a:gd name="connsiteY159" fmla="*/ 4912169 h 6858002"/>
+              <a:gd name="connsiteX160" fmla="*/ 4161262 w 4572002"/>
+              <a:gd name="connsiteY160" fmla="*/ 4889276 h 6858002"/>
+              <a:gd name="connsiteX161" fmla="*/ 4161262 w 4572002"/>
+              <a:gd name="connsiteY161" fmla="*/ 4889275 h 6858002"/>
+              <a:gd name="connsiteX162" fmla="*/ 4156484 w 4572002"/>
+              <a:gd name="connsiteY162" fmla="*/ 4867614 h 6858002"/>
+              <a:gd name="connsiteX163" fmla="*/ 4153733 w 4572002"/>
+              <a:gd name="connsiteY163" fmla="*/ 4863343 h 6858002"/>
+              <a:gd name="connsiteX164" fmla="*/ 4151983 w 4572002"/>
+              <a:gd name="connsiteY164" fmla="*/ 4857317 h 6858002"/>
+              <a:gd name="connsiteX165" fmla="*/ 4131552 w 4572002"/>
+              <a:gd name="connsiteY165" fmla="*/ 4828916 h 6858002"/>
+              <a:gd name="connsiteX166" fmla="*/ 4116716 w 4572002"/>
+              <a:gd name="connsiteY166" fmla="*/ 4800483 h 6858002"/>
+              <a:gd name="connsiteX167" fmla="*/ 4118025 w 4572002"/>
+              <a:gd name="connsiteY167" fmla="*/ 4767765 h 6858002"/>
+              <a:gd name="connsiteX168" fmla="*/ 4127932 w 4572002"/>
+              <a:gd name="connsiteY168" fmla="*/ 4677656 h 6858002"/>
+              <a:gd name="connsiteX169" fmla="*/ 4135934 w 4572002"/>
+              <a:gd name="connsiteY169" fmla="*/ 4659175 h 6858002"/>
+              <a:gd name="connsiteX170" fmla="*/ 4195944 w 4572002"/>
+              <a:gd name="connsiteY170" fmla="*/ 4482005 h 6858002"/>
+              <a:gd name="connsiteX171" fmla="*/ 4196706 w 4572002"/>
+              <a:gd name="connsiteY171" fmla="*/ 4363891 h 6858002"/>
+              <a:gd name="connsiteX172" fmla="*/ 4196706 w 4572002"/>
+              <a:gd name="connsiteY172" fmla="*/ 4363890 h 6858002"/>
+              <a:gd name="connsiteX173" fmla="*/ 4187752 w 4572002"/>
+              <a:gd name="connsiteY173" fmla="*/ 4324645 h 6858002"/>
+              <a:gd name="connsiteX174" fmla="*/ 4147936 w 4572002"/>
+              <a:gd name="connsiteY174" fmla="*/ 4253014 h 6858002"/>
+              <a:gd name="connsiteX175" fmla="*/ 4211111 w 4572002"/>
+              <a:gd name="connsiteY175" fmla="*/ 2836172 h 6858002"/>
+              <a:gd name="connsiteX176" fmla="*/ 4202421 w 4572002"/>
+              <a:gd name="connsiteY176" fmla="*/ 2848793 h 6858002"/>
+              <a:gd name="connsiteX177" fmla="*/ 4186816 w 4572002"/>
+              <a:gd name="connsiteY177" fmla="*/ 2897785 h 6858002"/>
+              <a:gd name="connsiteX178" fmla="*/ 4185787 w 4572002"/>
+              <a:gd name="connsiteY178" fmla="*/ 2903551 h 6858002"/>
+              <a:gd name="connsiteX179" fmla="*/ 4182513 w 4572002"/>
+              <a:gd name="connsiteY179" fmla="*/ 2914328 h 6858002"/>
+              <a:gd name="connsiteX180" fmla="*/ 4177882 w 4572002"/>
+              <a:gd name="connsiteY180" fmla="*/ 2947858 h 6858002"/>
+              <a:gd name="connsiteX181" fmla="*/ 4177881 w 4572002"/>
+              <a:gd name="connsiteY181" fmla="*/ 2947862 h 6858002"/>
+              <a:gd name="connsiteX182" fmla="*/ 4177881 w 4572002"/>
+              <a:gd name="connsiteY182" fmla="*/ 2947863 h 6858002"/>
+              <a:gd name="connsiteX183" fmla="*/ 4181465 w 4572002"/>
+              <a:gd name="connsiteY183" fmla="*/ 2982149 h 6858002"/>
+              <a:gd name="connsiteX184" fmla="*/ 4193158 w 4572002"/>
+              <a:gd name="connsiteY184" fmla="*/ 3077402 h 6858002"/>
+              <a:gd name="connsiteX185" fmla="*/ 4180703 w 4572002"/>
+              <a:gd name="connsiteY185" fmla="*/ 3172654 h 6858002"/>
+              <a:gd name="connsiteX186" fmla="*/ 4133076 w 4572002"/>
+              <a:gd name="connsiteY186" fmla="*/ 3489467 h 6858002"/>
+              <a:gd name="connsiteX187" fmla="*/ 4110977 w 4572002"/>
+              <a:gd name="connsiteY187" fmla="*/ 3544713 h 6858002"/>
+              <a:gd name="connsiteX188" fmla="*/ 4093355 w 4572002"/>
+              <a:gd name="connsiteY188" fmla="*/ 3574408 h 6858002"/>
+              <a:gd name="connsiteX189" fmla="*/ 4093355 w 4572002"/>
+              <a:gd name="connsiteY189" fmla="*/ 3574409 h 6858002"/>
+              <a:gd name="connsiteX190" fmla="*/ 4105453 w 4572002"/>
+              <a:gd name="connsiteY190" fmla="*/ 3606818 h 6858002"/>
+              <a:gd name="connsiteX191" fmla="*/ 4118979 w 4572002"/>
+              <a:gd name="connsiteY191" fmla="*/ 3630633 h 6858002"/>
+              <a:gd name="connsiteX192" fmla="*/ 4136708 w 4572002"/>
+              <a:gd name="connsiteY192" fmla="*/ 3654416 h 6858002"/>
+              <a:gd name="connsiteX193" fmla="*/ 4140382 w 4572002"/>
+              <a:gd name="connsiteY193" fmla="*/ 3668940 h 6858002"/>
+              <a:gd name="connsiteX194" fmla="*/ 4143220 w 4572002"/>
+              <a:gd name="connsiteY194" fmla="*/ 3680164 h 6858002"/>
+              <a:gd name="connsiteX195" fmla="*/ 4139172 w 4572002"/>
+              <a:gd name="connsiteY195" fmla="*/ 3734837 h 6858002"/>
+              <a:gd name="connsiteX196" fmla="*/ 4139172 w 4572002"/>
+              <a:gd name="connsiteY196" fmla="*/ 3734838 h 6858002"/>
+              <a:gd name="connsiteX197" fmla="*/ 4139554 w 4572002"/>
+              <a:gd name="connsiteY197" fmla="*/ 3754653 h 6858002"/>
+              <a:gd name="connsiteX198" fmla="*/ 4145911 w 4572002"/>
+              <a:gd name="connsiteY198" fmla="*/ 3789776 h 6858002"/>
+              <a:gd name="connsiteX199" fmla="*/ 4130980 w 4572002"/>
+              <a:gd name="connsiteY199" fmla="*/ 3822472 h 6858002"/>
+              <a:gd name="connsiteX200" fmla="*/ 4116645 w 4572002"/>
+              <a:gd name="connsiteY200" fmla="*/ 3852619 h 6858002"/>
+              <a:gd name="connsiteX201" fmla="*/ 4116645 w 4572002"/>
+              <a:gd name="connsiteY201" fmla="*/ 3852620 h 6858002"/>
+              <a:gd name="connsiteX202" fmla="*/ 4117425 w 4572002"/>
+              <a:gd name="connsiteY202" fmla="*/ 3868764 h 6858002"/>
+              <a:gd name="connsiteX203" fmla="*/ 4126028 w 4572002"/>
+              <a:gd name="connsiteY203" fmla="*/ 3885337 h 6858002"/>
+              <a:gd name="connsiteX204" fmla="*/ 4126028 w 4572002"/>
+              <a:gd name="connsiteY204" fmla="*/ 3885339 h 6858002"/>
+              <a:gd name="connsiteX205" fmla="*/ 4148409 w 4572002"/>
+              <a:gd name="connsiteY205" fmla="*/ 3923125 h 6858002"/>
+              <a:gd name="connsiteX206" fmla="*/ 4157913 w 4572002"/>
+              <a:gd name="connsiteY206" fmla="*/ 3962160 h 6858002"/>
+              <a:gd name="connsiteX207" fmla="*/ 4142221 w 4572002"/>
+              <a:gd name="connsiteY207" fmla="*/ 4043838 h 6858002"/>
+              <a:gd name="connsiteX208" fmla="*/ 4142220 w 4572002"/>
+              <a:gd name="connsiteY208" fmla="*/ 4043839 h 6858002"/>
+              <a:gd name="connsiteX209" fmla="*/ 4127099 w 4572002"/>
+              <a:gd name="connsiteY209" fmla="*/ 4103825 h 6858002"/>
+              <a:gd name="connsiteX210" fmla="*/ 4127099 w 4572002"/>
+              <a:gd name="connsiteY210" fmla="*/ 4103826 h 6858002"/>
+              <a:gd name="connsiteX211" fmla="*/ 4129066 w 4572002"/>
+              <a:gd name="connsiteY211" fmla="*/ 4134256 h 6858002"/>
+              <a:gd name="connsiteX212" fmla="*/ 4138410 w 4572002"/>
+              <a:gd name="connsiteY212" fmla="*/ 4165382 h 6858002"/>
+              <a:gd name="connsiteX213" fmla="*/ 4138410 w 4572002"/>
+              <a:gd name="connsiteY213" fmla="*/ 4165384 h 6858002"/>
+              <a:gd name="connsiteX214" fmla="*/ 4142315 w 4572002"/>
+              <a:gd name="connsiteY214" fmla="*/ 4192388 h 6858002"/>
+              <a:gd name="connsiteX215" fmla="*/ 4142315 w 4572002"/>
+              <a:gd name="connsiteY215" fmla="*/ 4192387 h 6858002"/>
+              <a:gd name="connsiteX216" fmla="*/ 4138410 w 4572002"/>
+              <a:gd name="connsiteY216" fmla="*/ 4165383 h 6858002"/>
+              <a:gd name="connsiteX217" fmla="*/ 4138410 w 4572002"/>
+              <a:gd name="connsiteY217" fmla="*/ 4165382 h 6858002"/>
+              <a:gd name="connsiteX218" fmla="*/ 4127099 w 4572002"/>
+              <a:gd name="connsiteY218" fmla="*/ 4103826 h 6858002"/>
+              <a:gd name="connsiteX219" fmla="*/ 4142220 w 4572002"/>
+              <a:gd name="connsiteY219" fmla="*/ 4043840 h 6858002"/>
+              <a:gd name="connsiteX220" fmla="*/ 4142221 w 4572002"/>
+              <a:gd name="connsiteY220" fmla="*/ 4043838 h 6858002"/>
+              <a:gd name="connsiteX221" fmla="*/ 4155523 w 4572002"/>
+              <a:gd name="connsiteY221" fmla="*/ 4002410 h 6858002"/>
+              <a:gd name="connsiteX222" fmla="*/ 4157913 w 4572002"/>
+              <a:gd name="connsiteY222" fmla="*/ 3962160 h 6858002"/>
+              <a:gd name="connsiteX223" fmla="*/ 4157913 w 4572002"/>
+              <a:gd name="connsiteY223" fmla="*/ 3962159 h 6858002"/>
+              <a:gd name="connsiteX224" fmla="*/ 4126028 w 4572002"/>
+              <a:gd name="connsiteY224" fmla="*/ 3885338 h 6858002"/>
+              <a:gd name="connsiteX225" fmla="*/ 4126028 w 4572002"/>
+              <a:gd name="connsiteY225" fmla="*/ 3885337 h 6858002"/>
+              <a:gd name="connsiteX226" fmla="*/ 4116645 w 4572002"/>
+              <a:gd name="connsiteY226" fmla="*/ 3852620 h 6858002"/>
+              <a:gd name="connsiteX227" fmla="*/ 4130980 w 4572002"/>
+              <a:gd name="connsiteY227" fmla="*/ 3822473 h 6858002"/>
+              <a:gd name="connsiteX228" fmla="*/ 4145911 w 4572002"/>
+              <a:gd name="connsiteY228" fmla="*/ 3789777 h 6858002"/>
+              <a:gd name="connsiteX229" fmla="*/ 4145911 w 4572002"/>
+              <a:gd name="connsiteY229" fmla="*/ 3789776 h 6858002"/>
+              <a:gd name="connsiteX230" fmla="*/ 4139554 w 4572002"/>
+              <a:gd name="connsiteY230" fmla="*/ 3754652 h 6858002"/>
+              <a:gd name="connsiteX231" fmla="*/ 4139172 w 4572002"/>
+              <a:gd name="connsiteY231" fmla="*/ 3734838 h 6858002"/>
+              <a:gd name="connsiteX232" fmla="*/ 4143220 w 4572002"/>
+              <a:gd name="connsiteY232" fmla="*/ 3680164 h 6858002"/>
+              <a:gd name="connsiteX233" fmla="*/ 4143220 w 4572002"/>
+              <a:gd name="connsiteY233" fmla="*/ 3680163 h 6858002"/>
+              <a:gd name="connsiteX234" fmla="*/ 4140382 w 4572002"/>
+              <a:gd name="connsiteY234" fmla="*/ 3668940 h 6858002"/>
+              <a:gd name="connsiteX235" fmla="*/ 4136708 w 4572002"/>
+              <a:gd name="connsiteY235" fmla="*/ 3654416 h 6858002"/>
+              <a:gd name="connsiteX236" fmla="*/ 4136708 w 4572002"/>
+              <a:gd name="connsiteY236" fmla="*/ 3654416 h 6858002"/>
+              <a:gd name="connsiteX237" fmla="*/ 4136708 w 4572002"/>
+              <a:gd name="connsiteY237" fmla="*/ 3654415 h 6858002"/>
+              <a:gd name="connsiteX238" fmla="*/ 4118979 w 4572002"/>
+              <a:gd name="connsiteY238" fmla="*/ 3630632 h 6858002"/>
+              <a:gd name="connsiteX239" fmla="*/ 4105453 w 4572002"/>
+              <a:gd name="connsiteY239" fmla="*/ 3606817 h 6858002"/>
+              <a:gd name="connsiteX240" fmla="*/ 4095707 w 4572002"/>
+              <a:gd name="connsiteY240" fmla="*/ 3587174 h 6858002"/>
+              <a:gd name="connsiteX241" fmla="*/ 4093355 w 4572002"/>
+              <a:gd name="connsiteY241" fmla="*/ 3574408 h 6858002"/>
+              <a:gd name="connsiteX242" fmla="*/ 4098434 w 4572002"/>
+              <a:gd name="connsiteY242" fmla="*/ 3562321 h 6858002"/>
+              <a:gd name="connsiteX243" fmla="*/ 4110977 w 4572002"/>
+              <a:gd name="connsiteY243" fmla="*/ 3544714 h 6858002"/>
+              <a:gd name="connsiteX244" fmla="*/ 4133076 w 4572002"/>
+              <a:gd name="connsiteY244" fmla="*/ 3489468 h 6858002"/>
+              <a:gd name="connsiteX245" fmla="*/ 4180703 w 4572002"/>
+              <a:gd name="connsiteY245" fmla="*/ 3172655 h 6858002"/>
+              <a:gd name="connsiteX246" fmla="*/ 4193158 w 4572002"/>
+              <a:gd name="connsiteY246" fmla="*/ 3077402 h 6858002"/>
+              <a:gd name="connsiteX247" fmla="*/ 4193158 w 4572002"/>
+              <a:gd name="connsiteY247" fmla="*/ 3077401 h 6858002"/>
+              <a:gd name="connsiteX248" fmla="*/ 4181465 w 4572002"/>
+              <a:gd name="connsiteY248" fmla="*/ 2982148 h 6858002"/>
+              <a:gd name="connsiteX249" fmla="*/ 4177881 w 4572002"/>
+              <a:gd name="connsiteY249" fmla="*/ 2947863 h 6858002"/>
+              <a:gd name="connsiteX250" fmla="*/ 4177882 w 4572002"/>
+              <a:gd name="connsiteY250" fmla="*/ 2947858 h 6858002"/>
+              <a:gd name="connsiteX251" fmla="*/ 4185787 w 4572002"/>
+              <a:gd name="connsiteY251" fmla="*/ 2903551 h 6858002"/>
+              <a:gd name="connsiteX252" fmla="*/ 4202421 w 4572002"/>
+              <a:gd name="connsiteY252" fmla="*/ 2848794 h 6858002"/>
+              <a:gd name="connsiteX253" fmla="*/ 4211111 w 4572002"/>
+              <a:gd name="connsiteY253" fmla="*/ 2836173 h 6858002"/>
+              <a:gd name="connsiteX254" fmla="*/ 3726625 w 4572002"/>
+              <a:gd name="connsiteY254" fmla="*/ 1508458 h 6858002"/>
+              <a:gd name="connsiteX255" fmla="*/ 3698531 w 4572002"/>
+              <a:gd name="connsiteY255" fmla="*/ 1596214 h 6858002"/>
+              <a:gd name="connsiteX256" fmla="*/ 3700436 w 4572002"/>
+              <a:gd name="connsiteY256" fmla="*/ 1624981 h 6858002"/>
+              <a:gd name="connsiteX257" fmla="*/ 3757017 w 4572002"/>
+              <a:gd name="connsiteY257" fmla="*/ 1697754 h 6858002"/>
+              <a:gd name="connsiteX258" fmla="*/ 3779686 w 4572002"/>
+              <a:gd name="connsiteY258" fmla="*/ 1733189 h 6858002"/>
+              <a:gd name="connsiteX259" fmla="*/ 3821407 w 4572002"/>
+              <a:gd name="connsiteY259" fmla="*/ 1833776 h 6858002"/>
+              <a:gd name="connsiteX260" fmla="*/ 3829028 w 4572002"/>
+              <a:gd name="connsiteY260" fmla="*/ 1842159 h 6858002"/>
+              <a:gd name="connsiteX261" fmla="*/ 3919519 w 4572002"/>
+              <a:gd name="connsiteY261" fmla="*/ 1916455 h 6858002"/>
+              <a:gd name="connsiteX262" fmla="*/ 3934949 w 4572002"/>
+              <a:gd name="connsiteY262" fmla="*/ 1933220 h 6858002"/>
+              <a:gd name="connsiteX263" fmla="*/ 3958954 w 4572002"/>
+              <a:gd name="connsiteY263" fmla="*/ 1953414 h 6858002"/>
+              <a:gd name="connsiteX264" fmla="*/ 4005437 w 4572002"/>
+              <a:gd name="connsiteY264" fmla="*/ 2016470 h 6858002"/>
+              <a:gd name="connsiteX265" fmla="*/ 4020296 w 4572002"/>
+              <a:gd name="connsiteY265" fmla="*/ 2094579 h 6858002"/>
+              <a:gd name="connsiteX266" fmla="*/ 4042967 w 4572002"/>
+              <a:gd name="connsiteY266" fmla="*/ 2188880 h 6858002"/>
+              <a:gd name="connsiteX267" fmla="*/ 4058207 w 4572002"/>
+              <a:gd name="connsiteY267" fmla="*/ 2228315 h 6858002"/>
+              <a:gd name="connsiteX268" fmla="*/ 4087164 w 4572002"/>
+              <a:gd name="connsiteY268" fmla="*/ 2334045 h 6858002"/>
+              <a:gd name="connsiteX269" fmla="*/ 4111549 w 4572002"/>
+              <a:gd name="connsiteY269" fmla="*/ 2409486 h 6858002"/>
+              <a:gd name="connsiteX270" fmla="*/ 4128650 w 4572002"/>
+              <a:gd name="connsiteY270" fmla="*/ 2435913 h 6858002"/>
+              <a:gd name="connsiteX271" fmla="*/ 4134481 w 4572002"/>
+              <a:gd name="connsiteY271" fmla="*/ 2463018 h 6858002"/>
+              <a:gd name="connsiteX272" fmla="*/ 4125839 w 4572002"/>
+              <a:gd name="connsiteY272" fmla="*/ 2518262 h 6858002"/>
+              <a:gd name="connsiteX273" fmla="*/ 4125838 w 4572002"/>
+              <a:gd name="connsiteY273" fmla="*/ 2518264 h 6858002"/>
+              <a:gd name="connsiteX274" fmla="*/ 4122194 w 4572002"/>
+              <a:gd name="connsiteY274" fmla="*/ 2545006 h 6858002"/>
+              <a:gd name="connsiteX275" fmla="*/ 4122194 w 4572002"/>
+              <a:gd name="connsiteY275" fmla="*/ 2545007 h 6858002"/>
+              <a:gd name="connsiteX276" fmla="*/ 4126408 w 4572002"/>
+              <a:gd name="connsiteY276" fmla="*/ 2571035 h 6858002"/>
+              <a:gd name="connsiteX277" fmla="*/ 4199563 w 4572002"/>
+              <a:gd name="connsiteY277" fmla="*/ 2668002 h 6858002"/>
+              <a:gd name="connsiteX278" fmla="*/ 4247953 w 4572002"/>
+              <a:gd name="connsiteY278" fmla="*/ 2745349 h 6858002"/>
+              <a:gd name="connsiteX279" fmla="*/ 4247954 w 4572002"/>
+              <a:gd name="connsiteY279" fmla="*/ 2745352 h 6858002"/>
+              <a:gd name="connsiteX280" fmla="*/ 4253873 w 4572002"/>
+              <a:gd name="connsiteY280" fmla="*/ 2778006 h 6858002"/>
+              <a:gd name="connsiteX281" fmla="*/ 4253453 w 4572002"/>
+              <a:gd name="connsiteY281" fmla="*/ 2785440 h 6858002"/>
+              <a:gd name="connsiteX282" fmla="*/ 4243374 w 4572002"/>
+              <a:gd name="connsiteY282" fmla="*/ 2811780 h 6858002"/>
+              <a:gd name="connsiteX283" fmla="*/ 4243371 w 4572002"/>
+              <a:gd name="connsiteY283" fmla="*/ 2811787 h 6858002"/>
+              <a:gd name="connsiteX284" fmla="*/ 4243372 w 4572002"/>
+              <a:gd name="connsiteY284" fmla="*/ 2811787 h 6858002"/>
+              <a:gd name="connsiteX285" fmla="*/ 4243374 w 4572002"/>
+              <a:gd name="connsiteY285" fmla="*/ 2811780 h 6858002"/>
+              <a:gd name="connsiteX286" fmla="*/ 4253025 w 4572002"/>
+              <a:gd name="connsiteY286" fmla="*/ 2793023 h 6858002"/>
+              <a:gd name="connsiteX287" fmla="*/ 4253453 w 4572002"/>
+              <a:gd name="connsiteY287" fmla="*/ 2785440 h 6858002"/>
+              <a:gd name="connsiteX288" fmla="*/ 4254654 w 4572002"/>
+              <a:gd name="connsiteY288" fmla="*/ 2782305 h 6858002"/>
+              <a:gd name="connsiteX289" fmla="*/ 4253873 w 4572002"/>
+              <a:gd name="connsiteY289" fmla="*/ 2778006 h 6858002"/>
+              <a:gd name="connsiteX290" fmla="*/ 4254284 w 4572002"/>
+              <a:gd name="connsiteY290" fmla="*/ 2770758 h 6858002"/>
+              <a:gd name="connsiteX291" fmla="*/ 4247954 w 4572002"/>
+              <a:gd name="connsiteY291" fmla="*/ 2745352 h 6858002"/>
+              <a:gd name="connsiteX292" fmla="*/ 4247953 w 4572002"/>
+              <a:gd name="connsiteY292" fmla="*/ 2745348 h 6858002"/>
+              <a:gd name="connsiteX293" fmla="*/ 4199563 w 4572002"/>
+              <a:gd name="connsiteY293" fmla="*/ 2668001 h 6858002"/>
+              <a:gd name="connsiteX294" fmla="*/ 4126408 w 4572002"/>
+              <a:gd name="connsiteY294" fmla="*/ 2571034 h 6858002"/>
+              <a:gd name="connsiteX295" fmla="*/ 4122194 w 4572002"/>
+              <a:gd name="connsiteY295" fmla="*/ 2545007 h 6858002"/>
+              <a:gd name="connsiteX296" fmla="*/ 4125838 w 4572002"/>
+              <a:gd name="connsiteY296" fmla="*/ 2518265 h 6858002"/>
+              <a:gd name="connsiteX297" fmla="*/ 4125839 w 4572002"/>
+              <a:gd name="connsiteY297" fmla="*/ 2518262 h 6858002"/>
+              <a:gd name="connsiteX298" fmla="*/ 4132419 w 4572002"/>
+              <a:gd name="connsiteY298" fmla="*/ 2490551 h 6858002"/>
+              <a:gd name="connsiteX299" fmla="*/ 4134481 w 4572002"/>
+              <a:gd name="connsiteY299" fmla="*/ 2463018 h 6858002"/>
+              <a:gd name="connsiteX300" fmla="*/ 4134481 w 4572002"/>
+              <a:gd name="connsiteY300" fmla="*/ 2463017 h 6858002"/>
+              <a:gd name="connsiteX301" fmla="*/ 4111549 w 4572002"/>
+              <a:gd name="connsiteY301" fmla="*/ 2409485 h 6858002"/>
+              <a:gd name="connsiteX302" fmla="*/ 4087164 w 4572002"/>
+              <a:gd name="connsiteY302" fmla="*/ 2334044 h 6858002"/>
+              <a:gd name="connsiteX303" fmla="*/ 4058207 w 4572002"/>
+              <a:gd name="connsiteY303" fmla="*/ 2228314 h 6858002"/>
+              <a:gd name="connsiteX304" fmla="*/ 4042967 w 4572002"/>
+              <a:gd name="connsiteY304" fmla="*/ 2188879 h 6858002"/>
+              <a:gd name="connsiteX305" fmla="*/ 4020296 w 4572002"/>
+              <a:gd name="connsiteY305" fmla="*/ 2094578 h 6858002"/>
+              <a:gd name="connsiteX306" fmla="*/ 4005437 w 4572002"/>
+              <a:gd name="connsiteY306" fmla="*/ 2016469 h 6858002"/>
+              <a:gd name="connsiteX307" fmla="*/ 3958954 w 4572002"/>
+              <a:gd name="connsiteY307" fmla="*/ 1953413 h 6858002"/>
+              <a:gd name="connsiteX308" fmla="*/ 3934949 w 4572002"/>
+              <a:gd name="connsiteY308" fmla="*/ 1933219 h 6858002"/>
+              <a:gd name="connsiteX309" fmla="*/ 3919519 w 4572002"/>
+              <a:gd name="connsiteY309" fmla="*/ 1916454 h 6858002"/>
+              <a:gd name="connsiteX310" fmla="*/ 3829028 w 4572002"/>
+              <a:gd name="connsiteY310" fmla="*/ 1842158 h 6858002"/>
+              <a:gd name="connsiteX311" fmla="*/ 3821407 w 4572002"/>
+              <a:gd name="connsiteY311" fmla="*/ 1833775 h 6858002"/>
+              <a:gd name="connsiteX312" fmla="*/ 3779686 w 4572002"/>
+              <a:gd name="connsiteY312" fmla="*/ 1733188 h 6858002"/>
+              <a:gd name="connsiteX313" fmla="*/ 3757018 w 4572002"/>
+              <a:gd name="connsiteY313" fmla="*/ 1697753 h 6858002"/>
+              <a:gd name="connsiteX314" fmla="*/ 3700436 w 4572002"/>
+              <a:gd name="connsiteY314" fmla="*/ 1624980 h 6858002"/>
+              <a:gd name="connsiteX315" fmla="*/ 3698532 w 4572002"/>
+              <a:gd name="connsiteY315" fmla="*/ 1596213 h 6858002"/>
+              <a:gd name="connsiteX316" fmla="*/ 3745230 w 4572002"/>
+              <a:gd name="connsiteY316" fmla="*/ 1459073 h 6858002"/>
+              <a:gd name="connsiteX317" fmla="*/ 3745229 w 4572002"/>
+              <a:gd name="connsiteY317" fmla="*/ 1459074 h 6858002"/>
+              <a:gd name="connsiteX318" fmla="*/ 3736012 w 4572002"/>
+              <a:gd name="connsiteY318" fmla="*/ 1481572 h 6858002"/>
+              <a:gd name="connsiteX319" fmla="*/ 3764423 w 4572002"/>
+              <a:gd name="connsiteY319" fmla="*/ 1268758 h 6858002"/>
+              <a:gd name="connsiteX320" fmla="*/ 3769590 w 4572002"/>
+              <a:gd name="connsiteY320" fmla="*/ 1286070 h 6858002"/>
+              <a:gd name="connsiteX321" fmla="*/ 3791927 w 4572002"/>
+              <a:gd name="connsiteY321" fmla="*/ 1350628 h 6858002"/>
+              <a:gd name="connsiteX322" fmla="*/ 3786333 w 4572002"/>
+              <a:gd name="connsiteY322" fmla="*/ 1413840 h 6858002"/>
+              <a:gd name="connsiteX323" fmla="*/ 3791928 w 4572002"/>
+              <a:gd name="connsiteY323" fmla="*/ 1350627 h 6858002"/>
+              <a:gd name="connsiteX324" fmla="*/ 3769590 w 4572002"/>
+              <a:gd name="connsiteY324" fmla="*/ 1286069 h 6858002"/>
+              <a:gd name="connsiteX325" fmla="*/ 3706152 w 4572002"/>
+              <a:gd name="connsiteY325" fmla="*/ 773035 h 6858002"/>
+              <a:gd name="connsiteX326" fmla="*/ 3706152 w 4572002"/>
+              <a:gd name="connsiteY326" fmla="*/ 773036 h 6858002"/>
+              <a:gd name="connsiteX327" fmla="*/ 3714152 w 4572002"/>
+              <a:gd name="connsiteY327" fmla="*/ 854380 h 6858002"/>
+              <a:gd name="connsiteX328" fmla="*/ 3745205 w 4572002"/>
+              <a:gd name="connsiteY328" fmla="*/ 915344 h 6858002"/>
+              <a:gd name="connsiteX329" fmla="*/ 3755683 w 4572002"/>
+              <a:gd name="connsiteY329" fmla="*/ 927156 h 6858002"/>
+              <a:gd name="connsiteX330" fmla="*/ 3752063 w 4572002"/>
+              <a:gd name="connsiteY330" fmla="*/ 1097088 h 6858002"/>
+              <a:gd name="connsiteX331" fmla="*/ 3747681 w 4572002"/>
+              <a:gd name="connsiteY331" fmla="*/ 1123186 h 6858002"/>
+              <a:gd name="connsiteX332" fmla="*/ 3772400 w 4572002"/>
+              <a:gd name="connsiteY332" fmla="*/ 1184029 h 6858002"/>
+              <a:gd name="connsiteX333" fmla="*/ 3747682 w 4572002"/>
+              <a:gd name="connsiteY333" fmla="*/ 1123185 h 6858002"/>
+              <a:gd name="connsiteX334" fmla="*/ 3752064 w 4572002"/>
+              <a:gd name="connsiteY334" fmla="*/ 1097087 h 6858002"/>
+              <a:gd name="connsiteX335" fmla="*/ 3755684 w 4572002"/>
+              <a:gd name="connsiteY335" fmla="*/ 927155 h 6858002"/>
+              <a:gd name="connsiteX336" fmla="*/ 3745206 w 4572002"/>
+              <a:gd name="connsiteY336" fmla="*/ 915343 h 6858002"/>
+              <a:gd name="connsiteX337" fmla="*/ 3714152 w 4572002"/>
+              <a:gd name="connsiteY337" fmla="*/ 854379 h 6858002"/>
+              <a:gd name="connsiteX338" fmla="*/ 3761553 w 4572002"/>
+              <a:gd name="connsiteY338" fmla="*/ 517851 h 6858002"/>
+              <a:gd name="connsiteX339" fmla="*/ 3752635 w 4572002"/>
+              <a:gd name="connsiteY339" fmla="*/ 556048 h 6858002"/>
+              <a:gd name="connsiteX340" fmla="*/ 3746157 w 4572002"/>
+              <a:gd name="connsiteY340" fmla="*/ 580051 h 6858002"/>
+              <a:gd name="connsiteX341" fmla="*/ 3742776 w 4572002"/>
+              <a:gd name="connsiteY341" fmla="*/ 642538 h 6858002"/>
+              <a:gd name="connsiteX342" fmla="*/ 3730253 w 4572002"/>
+              <a:gd name="connsiteY342" fmla="*/ 694928 h 6858002"/>
+              <a:gd name="connsiteX343" fmla="*/ 3742777 w 4572002"/>
+              <a:gd name="connsiteY343" fmla="*/ 642537 h 6858002"/>
+              <a:gd name="connsiteX344" fmla="*/ 3746158 w 4572002"/>
+              <a:gd name="connsiteY344" fmla="*/ 580050 h 6858002"/>
+              <a:gd name="connsiteX345" fmla="*/ 3752636 w 4572002"/>
+              <a:gd name="connsiteY345" fmla="*/ 556047 h 6858002"/>
+              <a:gd name="connsiteX346" fmla="*/ 3774848 w 4572002"/>
+              <a:gd name="connsiteY346" fmla="*/ 298169 h 6858002"/>
+              <a:gd name="connsiteX347" fmla="*/ 3760065 w 4572002"/>
+              <a:gd name="connsiteY347" fmla="*/ 313534 h 6858002"/>
+              <a:gd name="connsiteX348" fmla="*/ 3759493 w 4572002"/>
+              <a:gd name="connsiteY348" fmla="*/ 338871 h 6858002"/>
+              <a:gd name="connsiteX349" fmla="*/ 3759500 w 4572002"/>
+              <a:gd name="connsiteY349" fmla="*/ 338900 h 6858002"/>
+              <a:gd name="connsiteX350" fmla="*/ 3769400 w 4572002"/>
+              <a:gd name="connsiteY350" fmla="*/ 395640 h 6858002"/>
+              <a:gd name="connsiteX351" fmla="*/ 3765590 w 4572002"/>
+              <a:gd name="connsiteY351" fmla="*/ 367328 h 6858002"/>
+              <a:gd name="connsiteX352" fmla="*/ 3759500 w 4572002"/>
+              <a:gd name="connsiteY352" fmla="*/ 338900 h 6858002"/>
+              <a:gd name="connsiteX353" fmla="*/ 3759494 w 4572002"/>
+              <a:gd name="connsiteY353" fmla="*/ 338870 h 6858002"/>
+              <a:gd name="connsiteX354" fmla="*/ 3760066 w 4572002"/>
+              <a:gd name="connsiteY354" fmla="*/ 313533 h 6858002"/>
+              <a:gd name="connsiteX355" fmla="*/ 3782393 w 4572002"/>
+              <a:gd name="connsiteY355" fmla="*/ 281568 h 6858002"/>
+              <a:gd name="connsiteX356" fmla="*/ 3777498 w 4572002"/>
+              <a:gd name="connsiteY356" fmla="*/ 295415 h 6858002"/>
+              <a:gd name="connsiteX357" fmla="*/ 3777499 w 4572002"/>
+              <a:gd name="connsiteY357" fmla="*/ 295415 h 6858002"/>
+              <a:gd name="connsiteX358" fmla="*/ 3769073 w 4572002"/>
+              <a:gd name="connsiteY358" fmla="*/ 24486 h 6858002"/>
+              <a:gd name="connsiteX359" fmla="*/ 3766810 w 4572002"/>
+              <a:gd name="connsiteY359" fmla="*/ 74129 h 6858002"/>
+              <a:gd name="connsiteX360" fmla="*/ 3772734 w 4572002"/>
+              <a:gd name="connsiteY360" fmla="*/ 125861 h 6858002"/>
+              <a:gd name="connsiteX361" fmla="*/ 3777129 w 4572002"/>
+              <a:gd name="connsiteY361" fmla="*/ 153387 h 6858002"/>
+              <a:gd name="connsiteX362" fmla="*/ 3785402 w 4572002"/>
+              <a:gd name="connsiteY362" fmla="*/ 228944 h 6858002"/>
+              <a:gd name="connsiteX363" fmla="*/ 3780943 w 4572002"/>
+              <a:gd name="connsiteY363" fmla="*/ 177271 h 6858002"/>
+              <a:gd name="connsiteX364" fmla="*/ 3777129 w 4572002"/>
+              <a:gd name="connsiteY364" fmla="*/ 153387 h 6858002"/>
+              <a:gd name="connsiteX365" fmla="*/ 3776930 w 4572002"/>
+              <a:gd name="connsiteY365" fmla="*/ 151569 h 6858002"/>
+              <a:gd name="connsiteX366" fmla="*/ 3766811 w 4572002"/>
+              <a:gd name="connsiteY366" fmla="*/ 74129 h 6858002"/>
+              <a:gd name="connsiteX367" fmla="*/ 3766492 w 4572002"/>
+              <a:gd name="connsiteY367" fmla="*/ 0 h 6858002"/>
+              <a:gd name="connsiteX368" fmla="*/ 4230600 w 4572002"/>
+              <a:gd name="connsiteY368" fmla="*/ 0 h 6858002"/>
+              <a:gd name="connsiteX369" fmla="*/ 4229473 w 4572002"/>
+              <a:gd name="connsiteY369" fmla="*/ 2817 h 6858002"/>
+              <a:gd name="connsiteX370" fmla="*/ 4215375 w 4572002"/>
+              <a:gd name="connsiteY370" fmla="*/ 63587 h 6858002"/>
+              <a:gd name="connsiteX371" fmla="*/ 4201468 w 4572002"/>
+              <a:gd name="connsiteY371" fmla="*/ 176939 h 6858002"/>
+              <a:gd name="connsiteX372" fmla="*/ 4193466 w 4572002"/>
+              <a:gd name="connsiteY372" fmla="*/ 200182 h 6858002"/>
+              <a:gd name="connsiteX373" fmla="*/ 4155554 w 4572002"/>
+              <a:gd name="connsiteY373" fmla="*/ 340774 h 6858002"/>
+              <a:gd name="connsiteX374" fmla="*/ 4156319 w 4572002"/>
+              <a:gd name="connsiteY374" fmla="*/ 453364 h 6858002"/>
+              <a:gd name="connsiteX375" fmla="*/ 4158033 w 4572002"/>
+              <a:gd name="connsiteY375" fmla="*/ 462126 h 6858002"/>
+              <a:gd name="connsiteX376" fmla="*/ 4170605 w 4572002"/>
+              <a:gd name="connsiteY376" fmla="*/ 505182 h 6858002"/>
+              <a:gd name="connsiteX377" fmla="*/ 4167177 w 4572002"/>
+              <a:gd name="connsiteY377" fmla="*/ 571860 h 6858002"/>
+              <a:gd name="connsiteX378" fmla="*/ 4149840 w 4572002"/>
+              <a:gd name="connsiteY378" fmla="*/ 617772 h 6858002"/>
+              <a:gd name="connsiteX379" fmla="*/ 4149078 w 4572002"/>
+              <a:gd name="connsiteY379" fmla="*/ 674923 h 6858002"/>
+              <a:gd name="connsiteX380" fmla="*/ 4159937 w 4572002"/>
+              <a:gd name="connsiteY380" fmla="*/ 740268 h 6858002"/>
+              <a:gd name="connsiteX381" fmla="*/ 4162223 w 4572002"/>
+              <a:gd name="connsiteY381" fmla="*/ 769605 h 6858002"/>
+              <a:gd name="connsiteX382" fmla="*/ 4184703 w 4572002"/>
+              <a:gd name="connsiteY382" fmla="*/ 850189 h 6858002"/>
+              <a:gd name="connsiteX383" fmla="*/ 4179179 w 4572002"/>
+              <a:gd name="connsiteY383" fmla="*/ 898198 h 6858002"/>
+              <a:gd name="connsiteX384" fmla="*/ 4164319 w 4572002"/>
+              <a:gd name="connsiteY384" fmla="*/ 945444 h 6858002"/>
+              <a:gd name="connsiteX385" fmla="*/ 4150030 w 4572002"/>
+              <a:gd name="connsiteY385" fmla="*/ 975733 h 6858002"/>
+              <a:gd name="connsiteX386" fmla="*/ 4139934 w 4572002"/>
+              <a:gd name="connsiteY386" fmla="*/ 1036887 h 6858002"/>
+              <a:gd name="connsiteX387" fmla="*/ 4141458 w 4572002"/>
+              <a:gd name="connsiteY387" fmla="*/ 1048125 h 6858002"/>
+              <a:gd name="connsiteX388" fmla="*/ 4154032 w 4572002"/>
+              <a:gd name="connsiteY388" fmla="*/ 1230633 h 6858002"/>
+              <a:gd name="connsiteX389" fmla="*/ 4174225 w 4572002"/>
+              <a:gd name="connsiteY389" fmla="*/ 1303024 h 6858002"/>
+              <a:gd name="connsiteX390" fmla="*/ 4176701 w 4572002"/>
+              <a:gd name="connsiteY390" fmla="*/ 1318456 h 6858002"/>
+              <a:gd name="connsiteX391" fmla="*/ 4199372 w 4572002"/>
+              <a:gd name="connsiteY391" fmla="*/ 1472575 h 6858002"/>
+              <a:gd name="connsiteX392" fmla="*/ 4200325 w 4572002"/>
+              <a:gd name="connsiteY392" fmla="*/ 1489720 h 6858002"/>
+              <a:gd name="connsiteX393" fmla="*/ 4196324 w 4572002"/>
+              <a:gd name="connsiteY393" fmla="*/ 1537537 h 6858002"/>
+              <a:gd name="connsiteX394" fmla="*/ 4237474 w 4572002"/>
+              <a:gd name="connsiteY394" fmla="*/ 1650317 h 6858002"/>
+              <a:gd name="connsiteX395" fmla="*/ 4251572 w 4572002"/>
+              <a:gd name="connsiteY395" fmla="*/ 1763287 h 6858002"/>
+              <a:gd name="connsiteX396" fmla="*/ 4251380 w 4572002"/>
+              <a:gd name="connsiteY396" fmla="*/ 1825393 h 6858002"/>
+              <a:gd name="connsiteX397" fmla="*/ 4261478 w 4572002"/>
+              <a:gd name="connsiteY397" fmla="*/ 1869780 h 6858002"/>
+              <a:gd name="connsiteX398" fmla="*/ 4292149 w 4572002"/>
+              <a:gd name="connsiteY398" fmla="*/ 1978940 h 6858002"/>
+              <a:gd name="connsiteX399" fmla="*/ 4296911 w 4572002"/>
+              <a:gd name="connsiteY399" fmla="*/ 2030378 h 6858002"/>
+              <a:gd name="connsiteX400" fmla="*/ 4307201 w 4572002"/>
+              <a:gd name="connsiteY400" fmla="*/ 2085054 h 6858002"/>
+              <a:gd name="connsiteX401" fmla="*/ 4353302 w 4572002"/>
+              <a:gd name="connsiteY401" fmla="*/ 2220312 h 6858002"/>
+              <a:gd name="connsiteX402" fmla="*/ 4350636 w 4572002"/>
+              <a:gd name="connsiteY402" fmla="*/ 2330806 h 6858002"/>
+              <a:gd name="connsiteX403" fmla="*/ 4351206 w 4572002"/>
+              <a:gd name="connsiteY403" fmla="*/ 2401292 h 6858002"/>
+              <a:gd name="connsiteX404" fmla="*/ 4366446 w 4572002"/>
+              <a:gd name="connsiteY404" fmla="*/ 2485307 h 6858002"/>
+              <a:gd name="connsiteX405" fmla="*/ 4388736 w 4572002"/>
+              <a:gd name="connsiteY405" fmla="*/ 2554079 h 6858002"/>
+              <a:gd name="connsiteX406" fmla="*/ 4406453 w 4572002"/>
+              <a:gd name="connsiteY406" fmla="*/ 2649143 h 6858002"/>
+              <a:gd name="connsiteX407" fmla="*/ 4440554 w 4572002"/>
+              <a:gd name="connsiteY407" fmla="*/ 2743826 h 6858002"/>
+              <a:gd name="connsiteX408" fmla="*/ 4466653 w 4572002"/>
+              <a:gd name="connsiteY408" fmla="*/ 2809930 h 6858002"/>
+              <a:gd name="connsiteX409" fmla="*/ 4489705 w 4572002"/>
+              <a:gd name="connsiteY409" fmla="*/ 2901943 h 6858002"/>
+              <a:gd name="connsiteX410" fmla="*/ 4505897 w 4572002"/>
+              <a:gd name="connsiteY410" fmla="*/ 3042728 h 6858002"/>
+              <a:gd name="connsiteX411" fmla="*/ 4507613 w 4572002"/>
+              <a:gd name="connsiteY411" fmla="*/ 3107500 h 6858002"/>
+              <a:gd name="connsiteX412" fmla="*/ 4545521 w 4572002"/>
+              <a:gd name="connsiteY412" fmla="*/ 3209993 h 6858002"/>
+              <a:gd name="connsiteX413" fmla="*/ 4563811 w 4572002"/>
+              <a:gd name="connsiteY413" fmla="*/ 3253809 h 6858002"/>
+              <a:gd name="connsiteX414" fmla="*/ 4548570 w 4572002"/>
+              <a:gd name="connsiteY414" fmla="*/ 3293244 h 6858002"/>
+              <a:gd name="connsiteX415" fmla="*/ 4531043 w 4572002"/>
+              <a:gd name="connsiteY415" fmla="*/ 3318771 h 6858002"/>
+              <a:gd name="connsiteX416" fmla="*/ 4545904 w 4572002"/>
+              <a:gd name="connsiteY416" fmla="*/ 3399546 h 6858002"/>
+              <a:gd name="connsiteX417" fmla="*/ 4561524 w 4572002"/>
+              <a:gd name="connsiteY417" fmla="*/ 3485275 h 6858002"/>
+              <a:gd name="connsiteX418" fmla="*/ 4572002 w 4572002"/>
+              <a:gd name="connsiteY418" fmla="*/ 3546617 h 6858002"/>
+              <a:gd name="connsiteX419" fmla="*/ 4563620 w 4572002"/>
+              <a:gd name="connsiteY419" fmla="*/ 3623201 h 6858002"/>
+              <a:gd name="connsiteX420" fmla="*/ 4560192 w 4572002"/>
+              <a:gd name="connsiteY420" fmla="*/ 3683591 h 6858002"/>
+              <a:gd name="connsiteX421" fmla="*/ 4550476 w 4572002"/>
+              <a:gd name="connsiteY421" fmla="*/ 3732361 h 6858002"/>
+              <a:gd name="connsiteX422" fmla="*/ 4544759 w 4572002"/>
+              <a:gd name="connsiteY422" fmla="*/ 3749506 h 6858002"/>
+              <a:gd name="connsiteX423" fmla="*/ 4500182 w 4572002"/>
+              <a:gd name="connsiteY423" fmla="*/ 3885338 h 6858002"/>
+              <a:gd name="connsiteX424" fmla="*/ 4464557 w 4572002"/>
+              <a:gd name="connsiteY424" fmla="*/ 4030503 h 6858002"/>
+              <a:gd name="connsiteX425" fmla="*/ 4487039 w 4572002"/>
+              <a:gd name="connsiteY425" fmla="*/ 4124614 h 6858002"/>
+              <a:gd name="connsiteX426" fmla="*/ 4486656 w 4572002"/>
+              <a:gd name="connsiteY426" fmla="*/ 4159667 h 6858002"/>
+              <a:gd name="connsiteX427" fmla="*/ 4491801 w 4572002"/>
+              <a:gd name="connsiteY427" fmla="*/ 4320837 h 6858002"/>
+              <a:gd name="connsiteX428" fmla="*/ 4497325 w 4572002"/>
+              <a:gd name="connsiteY428" fmla="*/ 4349222 h 6858002"/>
+              <a:gd name="connsiteX429" fmla="*/ 4474653 w 4572002"/>
+              <a:gd name="connsiteY429" fmla="*/ 4502579 h 6858002"/>
+              <a:gd name="connsiteX430" fmla="*/ 4470844 w 4572002"/>
+              <a:gd name="connsiteY430" fmla="*/ 4558207 h 6858002"/>
+              <a:gd name="connsiteX431" fmla="*/ 4464557 w 4572002"/>
+              <a:gd name="connsiteY431" fmla="*/ 4609452 h 6858002"/>
+              <a:gd name="connsiteX432" fmla="*/ 4463033 w 4572002"/>
+              <a:gd name="connsiteY432" fmla="*/ 4681083 h 6858002"/>
+              <a:gd name="connsiteX433" fmla="*/ 4465891 w 4572002"/>
+              <a:gd name="connsiteY433" fmla="*/ 4755381 h 6858002"/>
+              <a:gd name="connsiteX434" fmla="*/ 4465319 w 4572002"/>
+              <a:gd name="connsiteY434" fmla="*/ 4838250 h 6858002"/>
+              <a:gd name="connsiteX435" fmla="*/ 4460367 w 4572002"/>
+              <a:gd name="connsiteY435" fmla="*/ 4871019 h 6858002"/>
+              <a:gd name="connsiteX436" fmla="*/ 4463795 w 4572002"/>
+              <a:gd name="connsiteY436" fmla="*/ 4959602 h 6858002"/>
+              <a:gd name="connsiteX437" fmla="*/ 4458082 w 4572002"/>
+              <a:gd name="connsiteY437" fmla="*/ 5006086 h 6858002"/>
+              <a:gd name="connsiteX438" fmla="*/ 4456937 w 4572002"/>
+              <a:gd name="connsiteY438" fmla="*/ 5082670 h 6858002"/>
+              <a:gd name="connsiteX439" fmla="*/ 4455603 w 4572002"/>
+              <a:gd name="connsiteY439" fmla="*/ 5107627 h 6858002"/>
+              <a:gd name="connsiteX440" fmla="*/ 4454840 w 4572002"/>
+              <a:gd name="connsiteY440" fmla="*/ 5129916 h 6858002"/>
+              <a:gd name="connsiteX441" fmla="*/ 4470464 w 4572002"/>
+              <a:gd name="connsiteY441" fmla="*/ 5206308 h 6858002"/>
+              <a:gd name="connsiteX442" fmla="*/ 4471415 w 4572002"/>
+              <a:gd name="connsiteY442" fmla="*/ 5274129 h 6858002"/>
+              <a:gd name="connsiteX443" fmla="*/ 4483990 w 4572002"/>
+              <a:gd name="connsiteY443" fmla="*/ 5393005 h 6858002"/>
+              <a:gd name="connsiteX444" fmla="*/ 4479607 w 4572002"/>
+              <a:gd name="connsiteY444" fmla="*/ 5419295 h 6858002"/>
+              <a:gd name="connsiteX445" fmla="*/ 4477894 w 4572002"/>
+              <a:gd name="connsiteY445" fmla="*/ 5501594 h 6858002"/>
+              <a:gd name="connsiteX446" fmla="*/ 4476560 w 4572002"/>
+              <a:gd name="connsiteY446" fmla="*/ 5548460 h 6858002"/>
+              <a:gd name="connsiteX447" fmla="*/ 4485703 w 4572002"/>
+              <a:gd name="connsiteY447" fmla="*/ 5606372 h 6858002"/>
+              <a:gd name="connsiteX448" fmla="*/ 4505134 w 4572002"/>
+              <a:gd name="connsiteY448" fmla="*/ 5706959 h 6858002"/>
+              <a:gd name="connsiteX449" fmla="*/ 4508183 w 4572002"/>
+              <a:gd name="connsiteY449" fmla="*/ 5733440 h 6858002"/>
+              <a:gd name="connsiteX450" fmla="*/ 4517519 w 4572002"/>
+              <a:gd name="connsiteY450" fmla="*/ 5781830 h 6858002"/>
+              <a:gd name="connsiteX451" fmla="*/ 4519234 w 4572002"/>
+              <a:gd name="connsiteY451" fmla="*/ 5790592 h 6858002"/>
+              <a:gd name="connsiteX452" fmla="*/ 4542855 w 4572002"/>
+              <a:gd name="connsiteY452" fmla="*/ 5864318 h 6858002"/>
+              <a:gd name="connsiteX453" fmla="*/ 4544759 w 4572002"/>
+              <a:gd name="connsiteY453" fmla="*/ 5902610 h 6858002"/>
+              <a:gd name="connsiteX454" fmla="*/ 4544951 w 4572002"/>
+              <a:gd name="connsiteY454" fmla="*/ 6012723 h 6858002"/>
+              <a:gd name="connsiteX455" fmla="*/ 4541332 w 4572002"/>
+              <a:gd name="connsiteY455" fmla="*/ 6059397 h 6858002"/>
+              <a:gd name="connsiteX456" fmla="*/ 4527426 w 4572002"/>
+              <a:gd name="connsiteY456" fmla="*/ 6171605 h 6858002"/>
+              <a:gd name="connsiteX457" fmla="*/ 4520568 w 4572002"/>
+              <a:gd name="connsiteY457" fmla="*/ 6242093 h 6858002"/>
+              <a:gd name="connsiteX458" fmla="*/ 4509706 w 4572002"/>
+              <a:gd name="connsiteY458" fmla="*/ 6323058 h 6858002"/>
+              <a:gd name="connsiteX459" fmla="*/ 4502848 w 4572002"/>
+              <a:gd name="connsiteY459" fmla="*/ 6415833 h 6858002"/>
+              <a:gd name="connsiteX460" fmla="*/ 4482084 w 4572002"/>
+              <a:gd name="connsiteY460" fmla="*/ 6584812 h 6858002"/>
+              <a:gd name="connsiteX461" fmla="*/ 4460557 w 4572002"/>
+              <a:gd name="connsiteY461" fmla="*/ 6748458 h 6858002"/>
+              <a:gd name="connsiteX462" fmla="*/ 4441507 w 4572002"/>
+              <a:gd name="connsiteY462" fmla="*/ 6815516 h 6858002"/>
+              <a:gd name="connsiteX463" fmla="*/ 4431806 w 4572002"/>
+              <a:gd name="connsiteY463" fmla="*/ 6858001 h 6858002"/>
+              <a:gd name="connsiteX464" fmla="*/ 4259554 w 4572002"/>
+              <a:gd name="connsiteY464" fmla="*/ 6858001 h 6858002"/>
+              <a:gd name="connsiteX465" fmla="*/ 4259554 w 4572002"/>
+              <a:gd name="connsiteY465" fmla="*/ 6858002 h 6858002"/>
+              <a:gd name="connsiteX466" fmla="*/ 0 w 4572002"/>
+              <a:gd name="connsiteY466" fmla="*/ 6858002 h 6858002"/>
+              <a:gd name="connsiteX467" fmla="*/ 0 w 4572002"/>
+              <a:gd name="connsiteY467" fmla="*/ 2 h 6858002"/>
+              <a:gd name="connsiteX468" fmla="*/ 3766492 w 4572002"/>
+              <a:gd name="connsiteY468" fmla="*/ 1 h 6858002"/>
+              <a:gd name="connsiteX469" fmla="*/ 3769210 w 4572002"/>
+              <a:gd name="connsiteY469" fmla="*/ 21486 h 6858002"/>
+            </a:gdLst>
+            <a:ahLst/>
+            <a:cxnLst>
+              <a:cxn ang="0">
+                <a:pos x="connsiteX0" y="connsiteY0"/>
+              </a:cxn>
+              <a:cxn ang="0">
+                <a:pos x="connsiteX1" y="connsiteY1"/>
+              </a:cxn>
+              <a:cxn ang="0">
+                <a:pos x="connsiteX2" y="connsiteY2"/>
+              </a:cxn>
+              <a:cxn ang="0">
+                <a:pos x="connsiteX3" y="connsiteY3"/>
+              </a:cxn>
+              <a:cxn ang="0">
+                <a:pos x="connsiteX4" y="connsiteY4"/>
+              </a:cxn>
+              <a:cxn ang="0">
+                <a:pos x="connsiteX5" y="connsiteY5"/>
+              </a:cxn>
+              <a:cxn ang="0">
+                <a:pos x="connsiteX6" y="connsiteY6"/>
+              </a:cxn>
+              <a:cxn ang="0">
+                <a:pos x="connsiteX7" y="connsiteY7"/>
+              </a:cxn>
+              <a:cxn ang="0">
+                <a:pos x="connsiteX8" y="connsiteY8"/>
+              </a:cxn>
+              <a:cxn ang="0">
+                <a:pos x="connsiteX9" y="connsiteY9"/>
+              </a:cxn>
+              <a:cxn ang="0">
+                <a:pos x="connsiteX10" y="connsiteY10"/>
+              </a:cxn>
+              <a:cxn ang="0">
+                <a:pos x="connsiteX11" y="connsiteY11"/>
+              </a:cxn>
+              <a:cxn ang="0">
+                <a:pos x="connsiteX12" y="connsiteY12"/>
+              </a:cxn>
+              <a:cxn ang="0">
+                <a:pos x="connsiteX13" y="connsiteY13"/>
+              </a:cxn>
+              <a:cxn ang="0">
+                <a:pos x="connsiteX14" y="connsiteY14"/>
+              </a:cxn>
+              <a:cxn ang="0">
+                <a:pos x="connsiteX15" y="connsiteY15"/>
+              </a:cxn>
+              <a:cxn ang="0">
+                <a:pos x="connsiteX16" y="connsiteY16"/>
+              </a:cxn>
+              <a:cxn ang="0">
+                <a:pos x="connsiteX17" y="connsiteY17"/>
+              </a:cxn>
+              <a:cxn ang="0">
+                <a:pos x="connsiteX18" y="connsiteY18"/>
+              </a:cxn>
+              <a:cxn ang="0">
+                <a:pos x="connsiteX19" y="connsiteY19"/>
+              </a:cxn>
+              <a:cxn ang="0">
+                <a:pos x="connsiteX20" y="connsiteY20"/>
+              </a:cxn>
+              <a:cxn ang="0">
+                <a:pos x="connsiteX21" y="connsiteY21"/>
+              </a:cxn>
+              <a:cxn ang="0">
+                <a:pos x="connsiteX22" y="connsiteY22"/>
+              </a:cxn>
+              <a:cxn ang="0">
+                <a:pos x="connsiteX23" y="connsiteY23"/>
+              </a:cxn>
+              <a:cxn ang="0">
+                <a:pos x="connsiteX24" y="connsiteY24"/>
+              </a:cxn>
+              <a:cxn ang="0">
+                <a:pos x="connsiteX25" y="connsiteY25"/>
+              </a:cxn>
+              <a:cxn ang="0">
+                <a:pos x="connsiteX26" y="connsiteY26"/>
+              </a:cxn>
+              <a:cxn ang="0">
+                <a:pos x="connsiteX27" y="connsiteY27"/>
+              </a:cxn>
+              <a:cxn ang="0">
+                <a:pos x="connsiteX28" y="connsiteY28"/>
+              </a:cxn>
+              <a:cxn ang="0">
+                <a:pos x="connsiteX29" y="connsiteY29"/>
+              </a:cxn>
+              <a:cxn ang="0">
+                <a:pos x="connsiteX30" y="connsiteY30"/>
+              </a:cxn>
+              <a:cxn ang="0">
+                <a:pos x="connsiteX31" y="connsiteY31"/>
+              </a:cxn>
+              <a:cxn ang="0">
+                <a:pos x="connsiteX32" y="connsiteY32"/>
+              </a:cxn>
+              <a:cxn ang="0">
+                <a:pos x="connsiteX33" y="connsiteY33"/>
+              </a:cxn>
+              <a:cxn ang="0">
+                <a:pos x="connsiteX34" y="connsiteY34"/>
+              </a:cxn>
+              <a:cxn ang="0">
+                <a:pos x="connsiteX35" y="connsiteY35"/>
+              </a:cxn>
+              <a:cxn ang="0">
+                <a:pos x="connsiteX36" y="connsiteY36"/>
+              </a:cxn>
+              <a:cxn ang="0">
+                <a:pos x="connsiteX37" y="connsiteY37"/>
+              </a:cxn>
+              <a:cxn ang="0">
+                <a:pos x="connsiteX38" y="connsiteY38"/>
+              </a:cxn>
+              <a:cxn ang="0">
+                <a:pos x="connsiteX39" y="connsiteY39"/>
+              </a:cxn>
+              <a:cxn ang="0">
+                <a:pos x="connsiteX40" y="connsiteY40"/>
+              </a:cxn>
+              <a:cxn ang="0">
+                <a:pos x="connsiteX41" y="connsiteY41"/>
+              </a:cxn>
+              <a:cxn ang="0">
+                <a:pos x="connsiteX42" y="connsiteY42"/>
+              </a:cxn>
+              <a:cxn ang="0">
+                <a:pos x="connsiteX43" y="connsiteY43"/>
+              </a:cxn>
+              <a:cxn ang="0">
+                <a:pos x="connsiteX44" y="connsiteY44"/>
+              </a:cxn>
+              <a:cxn ang="0">
+                <a:pos x="connsiteX45" y="connsiteY45"/>
+              </a:cxn>
+              <a:cxn ang="0">
+                <a:pos x="connsiteX46" y="connsiteY46"/>
+              </a:cxn>
+              <a:cxn ang="0">
+                <a:pos x="connsiteX47" y="connsiteY47"/>
+              </a:cxn>
+              <a:cxn ang="0">
+                <a:pos x="connsiteX48" y="connsiteY48"/>
+              </a:cxn>
+              <a:cxn ang="0">
+                <a:pos x="connsiteX49" y="connsiteY49"/>
+              </a:cxn>
+              <a:cxn ang="0">
+                <a:pos x="connsiteX50" y="connsiteY50"/>
+              </a:cxn>
+              <a:cxn ang="0">
+                <a:pos x="connsiteX51" y="connsiteY51"/>
+              </a:cxn>
+              <a:cxn ang="0">
+                <a:pos x="connsiteX52" y="connsiteY52"/>
+              </a:cxn>
+              <a:cxn ang="0">
+                <a:pos x="connsiteX53" y="connsiteY53"/>
+              </a:cxn>
+              <a:cxn ang="0">
+                <a:pos x="connsiteX54" y="connsiteY54"/>
+              </a:cxn>
+              <a:cxn ang="0">
+                <a:pos x="connsiteX55" y="connsiteY55"/>
+              </a:cxn>
+              <a:cxn ang="0">
+                <a:pos x="connsiteX56" y="connsiteY56"/>
+              </a:cxn>
+              <a:cxn ang="0">
+                <a:pos x="connsiteX57" y="connsiteY57"/>
+              </a:cxn>
+              <a:cxn ang="0">
+                <a:pos x="connsiteX58" y="connsiteY58"/>
+              </a:cxn>
+              <a:cxn ang="0">
+                <a:pos x="connsiteX59" y="connsiteY59"/>
+              </a:cxn>
+              <a:cxn ang="0">
+                <a:pos x="connsiteX60" y="connsiteY60"/>
+              </a:cxn>
+              <a:cxn ang="0">
+                <a:pos x="connsiteX61" y="connsiteY61"/>
+              </a:cxn>
+              <a:cxn ang="0">
+                <a:pos x="connsiteX62" y="connsiteY62"/>
+              </a:cxn>
+              <a:cxn ang="0">
+                <a:pos x="connsiteX63" y="connsiteY63"/>
+              </a:cxn>
+              <a:cxn ang="0">
+                <a:pos x="connsiteX64" y="connsiteY64"/>
+              </a:cxn>
+              <a:cxn ang="0">
+                <a:pos x="connsiteX65" y="connsiteY65"/>
+              </a:cxn>
+              <a:cxn ang="0">
+                <a:pos x="connsiteX66" y="connsiteY66"/>
+              </a:cxn>
+              <a:cxn ang="0">
+                <a:pos x="connsiteX67" y="connsiteY67"/>
+              </a:cxn>
+              <a:cxn ang="0">
+                <a:pos x="connsiteX68" y="connsiteY68"/>
+              </a:cxn>
+              <a:cxn ang="0">
+                <a:pos x="connsiteX69" y="connsiteY69"/>
+              </a:cxn>
+              <a:cxn ang="0">
+                <a:pos x="connsiteX70" y="connsiteY70"/>
+              </a:cxn>
+              <a:cxn ang="0">
+                <a:pos x="connsiteX71" y="connsiteY71"/>
+              </a:cxn>
+              <a:cxn ang="0">
+                <a:pos x="connsiteX72" y="connsiteY72"/>
+              </a:cxn>
+              <a:cxn ang="0">
+                <a:pos x="connsiteX73" y="connsiteY73"/>
+              </a:cxn>
+              <a:cxn ang="0">
+                <a:pos x="connsiteX74" y="connsiteY74"/>
+              </a:cxn>
+              <a:cxn ang="0">
+                <a:pos x="connsiteX75" y="connsiteY75"/>
+              </a:cxn>
+              <a:cxn ang="0">
+                <a:pos x="connsiteX76" y="connsiteY76"/>
+              </a:cxn>
+              <a:cxn ang="0">
+                <a:pos x="connsiteX77" y="connsiteY77"/>
+              </a:cxn>
+              <a:cxn ang="0">
+                <a:pos x="connsiteX78" y="connsiteY78"/>
+              </a:cxn>
+              <a:cxn ang="0">
+                <a:pos x="connsiteX79" y="connsiteY79"/>
+              </a:cxn>
+              <a:cxn ang="0">
+                <a:pos x="connsiteX80" y="connsiteY80"/>
+              </a:cxn>
+              <a:cxn ang="0">
+                <a:pos x="connsiteX81" y="connsiteY81"/>
+              </a:cxn>
+              <a:cxn ang="0">
+                <a:pos x="connsiteX82" y="connsiteY82"/>
+              </a:cxn>
+              <a:cxn ang="0">
+                <a:pos x="connsiteX83" y="connsiteY83"/>
+              </a:cxn>
+              <a:cxn ang="0">
+                <a:pos x="connsiteX84" y="connsiteY84"/>
+              </a:cxn>
+              <a:cxn ang="0">
+                <a:pos x="connsiteX85" y="connsiteY85"/>
+              </a:cxn>
+              <a:cxn ang="0">
+                <a:pos x="connsiteX86" y="connsiteY86"/>
+              </a:cxn>
+              <a:cxn ang="0">
+                <a:pos x="connsiteX87" y="connsiteY87"/>
+              </a:cxn>
+              <a:cxn ang="0">
+                <a:pos x="connsiteX88" y="connsiteY88"/>
+              </a:cxn>
+              <a:cxn ang="0">
+                <a:pos x="connsiteX89" y="connsiteY89"/>
+              </a:cxn>
+              <a:cxn ang="0">
+                <a:pos x="connsiteX90" y="connsiteY90"/>
+              </a:cxn>
+              <a:cxn ang="0">
+                <a:pos x="connsiteX91" y="connsiteY91"/>
+              </a:cxn>
+              <a:cxn ang="0">
+                <a:pos x="connsiteX92" y="connsiteY92"/>
+              </a:cxn>
+              <a:cxn ang="0">
+                <a:pos x="connsiteX93" y="connsiteY93"/>
+              </a:cxn>
+              <a:cxn ang="0">
+                <a:pos x="connsiteX94" y="connsiteY94"/>
+              </a:cxn>
+              <a:cxn ang="0">
+                <a:pos x="connsiteX95" y="connsiteY95"/>
+              </a:cxn>
+              <a:cxn ang="0">
+                <a:pos x="connsiteX96" y="connsiteY96"/>
+              </a:cxn>
+              <a:cxn ang="0">
+                <a:pos x="connsiteX97" y="connsiteY97"/>
+              </a:cxn>
+              <a:cxn ang="0">
+                <a:pos x="connsiteX98" y="connsiteY98"/>
+              </a:cxn>
+              <a:cxn ang="0">
+                <a:pos x="connsiteX99" y="connsiteY99"/>
+              </a:cxn>
+              <a:cxn ang="0">
+                <a:pos x="connsiteX100" y="connsiteY100"/>
+              </a:cxn>
+              <a:cxn ang="0">
+                <a:pos x="connsiteX101" y="connsiteY101"/>
+              </a:cxn>
+              <a:cxn ang="0">
+                <a:pos x="connsiteX102" y="connsiteY102"/>
+              </a:cxn>
+              <a:cxn ang="0">
+                <a:pos x="connsiteX103" y="connsiteY103"/>
+              </a:cxn>
+              <a:cxn ang="0">
+                <a:pos x="connsiteX104" y="connsiteY104"/>
+              </a:cxn>
+              <a:cxn ang="0">
+                <a:pos x="connsiteX105" y="connsiteY105"/>
+              </a:cxn>
+              <a:cxn ang="0">
+                <a:pos x="connsiteX106" y="connsiteY106"/>
+              </a:cxn>
+              <a:cxn ang="0">
+                <a:pos x="connsiteX107" y="connsiteY107"/>
+              </a:cxn>
+              <a:cxn ang="0">
+                <a:pos x="connsiteX108" y="connsiteY108"/>
+              </a:cxn>
+              <a:cxn ang="0">
+                <a:pos x="connsiteX109" y="connsiteY109"/>
+              </a:cxn>
+              <a:cxn ang="0">
+                <a:pos x="connsiteX110" y="connsiteY110"/>
+              </a:cxn>
+              <a:cxn ang="0">
+                <a:pos x="connsiteX111" y="connsiteY111"/>
+              </a:cxn>
+              <a:cxn ang="0">
+                <a:pos x="connsiteX112" y="connsiteY112"/>
+              </a:cxn>
+              <a:cxn ang="0">
+                <a:pos x="connsiteX113" y="connsiteY113"/>
+              </a:cxn>
+              <a:cxn ang="0">
+                <a:pos x="connsiteX114" y="connsiteY114"/>
+              </a:cxn>
+              <a:cxn ang="0">
+                <a:pos x="connsiteX115" y="connsiteY115"/>
+              </a:cxn>
+              <a:cxn ang="0">
+                <a:pos x="connsiteX116" y="connsiteY116"/>
+              </a:cxn>
+              <a:cxn ang="0">
+                <a:pos x="connsiteX117" y="connsiteY117"/>
+              </a:cxn>
+              <a:cxn ang="0">
+                <a:pos x="connsiteX118" y="connsiteY118"/>
+              </a:cxn>
+              <a:cxn ang="0">
+                <a:pos x="connsiteX119" y="connsiteY119"/>
+              </a:cxn>
+              <a:cxn ang="0">
+                <a:pos x="connsiteX120" y="connsiteY120"/>
+              </a:cxn>
+              <a:cxn ang="0">
+                <a:pos x="connsiteX121" y="connsiteY121"/>
+              </a:cxn>
+              <a:cxn ang="0">
+                <a:pos x="connsiteX122" y="connsiteY122"/>
+              </a:cxn>
+              <a:cxn ang="0">
+                <a:pos x="connsiteX123" y="connsiteY123"/>
+              </a:cxn>
+              <a:cxn ang="0">
+                <a:pos x="connsiteX124" y="connsiteY124"/>
+              </a:cxn>
+              <a:cxn ang="0">
+                <a:pos x="connsiteX125" y="connsiteY125"/>
+              </a:cxn>
+              <a:cxn ang="0">
+                <a:pos x="connsiteX126" y="connsiteY126"/>
+              </a:cxn>
+              <a:cxn ang="0">
+                <a:pos x="connsiteX127" y="connsiteY127"/>
+              </a:cxn>
+              <a:cxn ang="0">
+                <a:pos x="connsiteX128" y="connsiteY128"/>
+              </a:cxn>
+              <a:cxn ang="0">
+                <a:pos x="connsiteX129" y="connsiteY129"/>
+              </a:cxn>
+              <a:cxn ang="0">
+                <a:pos x="connsiteX130" y="connsiteY130"/>
+              </a:cxn>
+              <a:cxn ang="0">
+                <a:pos x="connsiteX131" y="connsiteY131"/>
+              </a:cxn>
+              <a:cxn ang="0">
+                <a:pos x="connsiteX132" y="connsiteY132"/>
+              </a:cxn>
+              <a:cxn ang="0">
+                <a:pos x="connsiteX133" y="connsiteY133"/>
+              </a:cxn>
+              <a:cxn ang="0">
+                <a:pos x="connsiteX134" y="connsiteY134"/>
+              </a:cxn>
+              <a:cxn ang="0">
+                <a:pos x="connsiteX135" y="connsiteY135"/>
+              </a:cxn>
+              <a:cxn ang="0">
+                <a:pos x="connsiteX136" y="connsiteY136"/>
+              </a:cxn>
+              <a:cxn ang="0">
+                <a:pos x="connsiteX137" y="connsiteY137"/>
+              </a:cxn>
+              <a:cxn ang="0">
+                <a:pos x="connsiteX138" y="connsiteY138"/>
+              </a:cxn>
+              <a:cxn ang="0">
+                <a:pos x="connsiteX139" y="connsiteY139"/>
+              </a:cxn>
+              <a:cxn ang="0">
+                <a:pos x="connsiteX140" y="connsiteY140"/>
+              </a:cxn>
+              <a:cxn ang="0">
+                <a:pos x="connsiteX141" y="connsiteY141"/>
+              </a:cxn>
+              <a:cxn ang="0">
+                <a:pos x="connsiteX142" y="connsiteY142"/>
+              </a:cxn>
+              <a:cxn ang="0">
+                <a:pos x="connsiteX143" y="connsiteY143"/>
+              </a:cxn>
+              <a:cxn ang="0">
+                <a:pos x="connsiteX144" y="connsiteY144"/>
+              </a:cxn>
+              <a:cxn ang="0">
+                <a:pos x="connsiteX145" y="connsiteY145"/>
+              </a:cxn>
+              <a:cxn ang="0">
+                <a:pos x="connsiteX146" y="connsiteY146"/>
+              </a:cxn>
+              <a:cxn ang="0">
+                <a:pos x="connsiteX147" y="connsiteY147"/>
+              </a:cxn>
+              <a:cxn ang="0">
+                <a:pos x="connsiteX148" y="connsiteY148"/>
+              </a:cxn>
+              <a:cxn ang="0">
+                <a:pos x="connsiteX149" y="connsiteY149"/>
+              </a:cxn>
+              <a:cxn ang="0">
+                <a:pos x="connsiteX150" y="connsiteY150"/>
+              </a:cxn>
+              <a:cxn ang="0">
+                <a:pos x="connsiteX151" y="connsiteY151"/>
+              </a:cxn>
+              <a:cxn ang="0">
+                <a:pos x="connsiteX152" y="connsiteY152"/>
+              </a:cxn>
+              <a:cxn ang="0">
+                <a:pos x="connsiteX153" y="connsiteY153"/>
+              </a:cxn>
+              <a:cxn ang="0">
+                <a:pos x="connsiteX154" y="connsiteY154"/>
+              </a:cxn>
+              <a:cxn ang="0">
+                <a:pos x="connsiteX155" y="connsiteY155"/>
+              </a:cxn>
+              <a:cxn ang="0">
+                <a:pos x="connsiteX156" y="connsiteY156"/>
+              </a:cxn>
+              <a:cxn ang="0">
+                <a:pos x="connsiteX157" y="connsiteY157"/>
+              </a:cxn>
+              <a:cxn ang="0">
+                <a:pos x="connsiteX158" y="connsiteY158"/>
+              </a:cxn>
+              <a:cxn ang="0">
+                <a:pos x="connsiteX159" y="connsiteY159"/>
+              </a:cxn>
+              <a:cxn ang="0">
+                <a:pos x="connsiteX160" y="connsiteY160"/>
+              </a:cxn>
+              <a:cxn ang="0">
+                <a:pos x="connsiteX161" y="connsiteY161"/>
+              </a:cxn>
+              <a:cxn ang="0">
+                <a:pos x="connsiteX162" y="connsiteY162"/>
+              </a:cxn>
+              <a:cxn ang="0">
+                <a:pos x="connsiteX163" y="connsiteY163"/>
+              </a:cxn>
+              <a:cxn ang="0">
+                <a:pos x="connsiteX164" y="connsiteY164"/>
+              </a:cxn>
+              <a:cxn ang="0">
+                <a:pos x="connsiteX165" y="connsiteY165"/>
+              </a:cxn>
+              <a:cxn ang="0">
+                <a:pos x="connsiteX166" y="connsiteY166"/>
+              </a:cxn>
+              <a:cxn ang="0">
+                <a:pos x="connsiteX167" y="connsiteY167"/>
+              </a:cxn>
+              <a:cxn ang="0">
+                <a:pos x="connsiteX168" y="connsiteY168"/>
+              </a:cxn>
+              <a:cxn ang="0">
+                <a:pos x="connsiteX169" y="connsiteY169"/>
+              </a:cxn>
+              <a:cxn ang="0">
+                <a:pos x="connsiteX170" y="connsiteY170"/>
+              </a:cxn>
+              <a:cxn ang="0">
+                <a:pos x="connsiteX171" y="connsiteY171"/>
+              </a:cxn>
+              <a:cxn ang="0">
+                <a:pos x="connsiteX172" y="connsiteY172"/>
+              </a:cxn>
+              <a:cxn ang="0">
+                <a:pos x="connsiteX173" y="connsiteY173"/>
+              </a:cxn>
+              <a:cxn ang="0">
+                <a:pos x="connsiteX174" y="connsiteY174"/>
+              </a:cxn>
+              <a:cxn ang="0">
+                <a:pos x="connsiteX175" y="connsiteY175"/>
+              </a:cxn>
+              <a:cxn ang="0">
+                <a:pos x="connsiteX176" y="connsiteY176"/>
+              </a:cxn>
+              <a:cxn ang="0">
+                <a:pos x="connsiteX177" y="connsiteY177"/>
+              </a:cxn>
+              <a:cxn ang="0">
+                <a:pos x="connsiteX178" y="connsiteY178"/>
+              </a:cxn>
+              <a:cxn ang="0">
+                <a:pos x="connsiteX179" y="connsiteY179"/>
+              </a:cxn>
+              <a:cxn ang="0">
+                <a:pos x="connsiteX180" y="connsiteY180"/>
+              </a:cxn>
+              <a:cxn ang="0">
+                <a:pos x="connsiteX181" y="connsiteY181"/>
+              </a:cxn>
+              <a:cxn ang="0">
+                <a:pos x="connsiteX182" y="connsiteY182"/>
+              </a:cxn>
+              <a:cxn ang="0">
+                <a:pos x="connsiteX183" y="connsiteY183"/>
+              </a:cxn>
+              <a:cxn ang="0">
+                <a:pos x="connsiteX184" y="connsiteY184"/>
+              </a:cxn>
+              <a:cxn ang="0">
+                <a:pos x="connsiteX185" y="connsiteY185"/>
+              </a:cxn>
+              <a:cxn ang="0">
+                <a:pos x="connsiteX186" y="connsiteY186"/>
+              </a:cxn>
+              <a:cxn ang="0">
+                <a:pos x="connsiteX187" y="connsiteY187"/>
+              </a:cxn>
+              <a:cxn ang="0">
+                <a:pos x="connsiteX188" y="connsiteY188"/>
+              </a:cxn>
+              <a:cxn ang="0">
+                <a:pos x="connsiteX189" y="connsiteY189"/>
+              </a:cxn>
+              <a:cxn ang="0">
+                <a:pos x="connsiteX190" y="connsiteY190"/>
+              </a:cxn>
+              <a:cxn ang="0">
+                <a:pos x="connsiteX191" y="connsiteY191"/>
+              </a:cxn>
+              <a:cxn ang="0">
+                <a:pos x="connsiteX192" y="connsiteY192"/>
+              </a:cxn>
+              <a:cxn ang="0">
+                <a:pos x="connsiteX193" y="connsiteY193"/>
+              </a:cxn>
+              <a:cxn ang="0">
+                <a:pos x="connsiteX194" y="connsiteY194"/>
+              </a:cxn>
+              <a:cxn ang="0">
+                <a:pos x="connsiteX195" y="connsiteY195"/>
+              </a:cxn>
+              <a:cxn ang="0">
+                <a:pos x="connsiteX196" y="connsiteY196"/>
+              </a:cxn>
+              <a:cxn ang="0">
+                <a:pos x="connsiteX197" y="connsiteY197"/>
+              </a:cxn>
+              <a:cxn ang="0">
+                <a:pos x="connsiteX198" y="connsiteY198"/>
+              </a:cxn>
+              <a:cxn ang="0">
+                <a:pos x="connsiteX199" y="connsiteY199"/>
+              </a:cxn>
+              <a:cxn ang="0">
+                <a:pos x="connsiteX200" y="connsiteY200"/>
+              </a:cxn>
+              <a:cxn ang="0">
+                <a:pos x="connsiteX201" y="connsiteY201"/>
+              </a:cxn>
+              <a:cxn ang="0">
+                <a:pos x="connsiteX202" y="connsiteY202"/>
+              </a:cxn>
+              <a:cxn ang="0">
+                <a:pos x="connsiteX203" y="connsiteY203"/>
+              </a:cxn>
+              <a:cxn ang="0">
+                <a:pos x="connsiteX204" y="connsiteY204"/>
+              </a:cxn>
+              <a:cxn ang="0">
+                <a:pos x="connsiteX205" y="connsiteY205"/>
+              </a:cxn>
+              <a:cxn ang="0">
+                <a:pos x="connsiteX206" y="connsiteY206"/>
+              </a:cxn>
+              <a:cxn ang="0">
+                <a:pos x="connsiteX207" y="connsiteY207"/>
+              </a:cxn>
+              <a:cxn ang="0">
+                <a:pos x="connsiteX208" y="connsiteY208"/>
+              </a:cxn>
+              <a:cxn ang="0">
+                <a:pos x="connsiteX209" y="connsiteY209"/>
+              </a:cxn>
+              <a:cxn ang="0">
+                <a:pos x="connsiteX210" y="connsiteY210"/>
+              </a:cxn>
+              <a:cxn ang="0">
+                <a:pos x="connsiteX211" y="connsiteY211"/>
+              </a:cxn>
+              <a:cxn ang="0">
+                <a:pos x="connsiteX212" y="connsiteY212"/>
+              </a:cxn>
+              <a:cxn ang="0">
+                <a:pos x="connsiteX213" y="connsiteY213"/>
+              </a:cxn>
+              <a:cxn ang="0">
+                <a:pos x="connsiteX214" y="connsiteY214"/>
+              </a:cxn>
+              <a:cxn ang="0">
+                <a:pos x="connsiteX215" y="connsiteY215"/>
+              </a:cxn>
+              <a:cxn ang="0">
+                <a:pos x="connsiteX216" y="connsiteY216"/>
+              </a:cxn>
+              <a:cxn ang="0">
+                <a:pos x="connsiteX217" y="connsiteY217"/>
+              </a:cxn>
+              <a:cxn ang="0">
+                <a:pos x="connsiteX218" y="connsiteY218"/>
+              </a:cxn>
+              <a:cxn ang="0">
+                <a:pos x="connsiteX219" y="connsiteY219"/>
+              </a:cxn>
+              <a:cxn ang="0">
+                <a:pos x="connsiteX220" y="connsiteY220"/>
+              </a:cxn>
+              <a:cxn ang="0">
+                <a:pos x="connsiteX221" y="connsiteY221"/>
+              </a:cxn>
+              <a:cxn ang="0">
+                <a:pos x="connsiteX222" y="connsiteY222"/>
+              </a:cxn>
+              <a:cxn ang="0">
+                <a:pos x="connsiteX223" y="connsiteY223"/>
+              </a:cxn>
+              <a:cxn ang="0">
+                <a:pos x="connsiteX224" y="connsiteY224"/>
+              </a:cxn>
+              <a:cxn ang="0">
+                <a:pos x="connsiteX225" y="connsiteY225"/>
+              </a:cxn>
+              <a:cxn ang="0">
+                <a:pos x="connsiteX226" y="connsiteY226"/>
+              </a:cxn>
+              <a:cxn ang="0">
+                <a:pos x="connsiteX227" y="connsiteY227"/>
+              </a:cxn>
+              <a:cxn ang="0">
+                <a:pos x="connsiteX228" y="connsiteY228"/>
+              </a:cxn>
+              <a:cxn ang="0">
+                <a:pos x="connsiteX229" y="connsiteY229"/>
+              </a:cxn>
+              <a:cxn ang="0">
+                <a:pos x="connsiteX230" y="connsiteY230"/>
+              </a:cxn>
+              <a:cxn ang="0">
+                <a:pos x="connsiteX231" y="connsiteY231"/>
+              </a:cxn>
+              <a:cxn ang="0">
+                <a:pos x="connsiteX232" y="connsiteY232"/>
+              </a:cxn>
+              <a:cxn ang="0">
+                <a:pos x="connsiteX233" y="connsiteY233"/>
+              </a:cxn>
+              <a:cxn ang="0">
+                <a:pos x="connsiteX234" y="connsiteY234"/>
+              </a:cxn>
+              <a:cxn ang="0">
+                <a:pos x="connsiteX235" y="connsiteY235"/>
+              </a:cxn>
+              <a:cxn ang="0">
+                <a:pos x="connsiteX236" y="connsiteY236"/>
+              </a:cxn>
+              <a:cxn ang="0">
+                <a:pos x="connsiteX237" y="connsiteY237"/>
+              </a:cxn>
+              <a:cxn ang="0">
+                <a:pos x="connsiteX238" y="connsiteY238"/>
+              </a:cxn>
+              <a:cxn ang="0">
+                <a:pos x="connsiteX239" y="connsiteY239"/>
+              </a:cxn>
+              <a:cxn ang="0">
+                <a:pos x="connsiteX240" y="connsiteY240"/>
+              </a:cxn>
+              <a:cxn ang="0">
+                <a:pos x="connsiteX241" y="connsiteY241"/>
+              </a:cxn>
+              <a:cxn ang="0">
+                <a:pos x="connsiteX242" y="connsiteY242"/>
+              </a:cxn>
+              <a:cxn ang="0">
+                <a:pos x="connsiteX243" y="connsiteY243"/>
+              </a:cxn>
+              <a:cxn ang="0">
+                <a:pos x="connsiteX244" y="connsiteY244"/>
+              </a:cxn>
+              <a:cxn ang="0">
+                <a:pos x="connsiteX245" y="connsiteY245"/>
+              </a:cxn>
+              <a:cxn ang="0">
+                <a:pos x="connsiteX246" y="connsiteY246"/>
+              </a:cxn>
+              <a:cxn ang="0">
+                <a:pos x="connsiteX247" y="connsiteY247"/>
+              </a:cxn>
+              <a:cxn ang="0">
+                <a:pos x="connsiteX248" y="connsiteY248"/>
+              </a:cxn>
+              <a:cxn ang="0">
+                <a:pos x="connsiteX249" y="connsiteY249"/>
+              </a:cxn>
+              <a:cxn ang="0">
+                <a:pos x="connsiteX250" y="connsiteY250"/>
+              </a:cxn>
+              <a:cxn ang="0">
+                <a:pos x="connsiteX251" y="connsiteY251"/>
+              </a:cxn>
+              <a:cxn ang="0">
+                <a:pos x="connsiteX252" y="connsiteY252"/>
+              </a:cxn>
+              <a:cxn ang="0">
+                <a:pos x="connsiteX253" y="connsiteY253"/>
+              </a:cxn>
+              <a:cxn ang="0">
+                <a:pos x="connsiteX254" y="connsiteY254"/>
+              </a:cxn>
+              <a:cxn ang="0">
+                <a:pos x="connsiteX255" y="connsiteY255"/>
+              </a:cxn>
+              <a:cxn ang="0">
+                <a:pos x="connsiteX256" y="connsiteY256"/>
+              </a:cxn>
+              <a:cxn ang="0">
+                <a:pos x="connsiteX257" y="connsiteY257"/>
+              </a:cxn>
+              <a:cxn ang="0">
+                <a:pos x="connsiteX258" y="connsiteY258"/>
+              </a:cxn>
+              <a:cxn ang="0">
+                <a:pos x="connsiteX259" y="connsiteY259"/>
+              </a:cxn>
+              <a:cxn ang="0">
+                <a:pos x="connsiteX260" y="connsiteY260"/>
+              </a:cxn>
+              <a:cxn ang="0">
+                <a:pos x="connsiteX261" y="connsiteY261"/>
+              </a:cxn>
+              <a:cxn ang="0">
+                <a:pos x="connsiteX262" y="connsiteY262"/>
+              </a:cxn>
+              <a:cxn ang="0">
+                <a:pos x="connsiteX263" y="connsiteY263"/>
+              </a:cxn>
+              <a:cxn ang="0">
+                <a:pos x="connsiteX264" y="connsiteY264"/>
+              </a:cxn>
+              <a:cxn ang="0">
+                <a:pos x="connsiteX265" y="connsiteY265"/>
+              </a:cxn>
+              <a:cxn ang="0">
+                <a:pos x="connsiteX266" y="connsiteY266"/>
+              </a:cxn>
+              <a:cxn ang="0">
+                <a:pos x="connsiteX267" y="connsiteY267"/>
+              </a:cxn>
+              <a:cxn ang="0">
+                <a:pos x="connsiteX268" y="connsiteY268"/>
+              </a:cxn>
+              <a:cxn ang="0">
+                <a:pos x="connsiteX269" y="connsiteY269"/>
+              </a:cxn>
+              <a:cxn ang="0">
+                <a:pos x="connsiteX270" y="connsiteY270"/>
+              </a:cxn>
+              <a:cxn ang="0">
+                <a:pos x="connsiteX271" y="connsiteY271"/>
+              </a:cxn>
+              <a:cxn ang="0">
+                <a:pos x="connsiteX272" y="connsiteY272"/>
+              </a:cxn>
+              <a:cxn ang="0">
+                <a:pos x="connsiteX273" y="connsiteY273"/>
+              </a:cxn>
+              <a:cxn ang="0">
+                <a:pos x="connsiteX274" y="connsiteY274"/>
+              </a:cxn>
+              <a:cxn ang="0">
+                <a:pos x="connsiteX275" y="connsiteY275"/>
+              </a:cxn>
+              <a:cxn ang="0">
+                <a:pos x="connsiteX276" y="connsiteY276"/>
+              </a:cxn>
+              <a:cxn ang="0">
+                <a:pos x="connsiteX277" y="connsiteY277"/>
+              </a:cxn>
+              <a:cxn ang="0">
+                <a:pos x="connsiteX278" y="connsiteY278"/>
+              </a:cxn>
+              <a:cxn ang="0">
+                <a:pos x="connsiteX279" y="connsiteY279"/>
+              </a:cxn>
+              <a:cxn ang="0">
+                <a:pos x="connsiteX280" y="connsiteY280"/>
+              </a:cxn>
+              <a:cxn ang="0">
+                <a:pos x="connsiteX281" y="connsiteY281"/>
+              </a:cxn>
+              <a:cxn ang="0">
+                <a:pos x="connsiteX282" y="connsiteY282"/>
+              </a:cxn>
+              <a:cxn ang="0">
+                <a:pos x="connsiteX283" y="connsiteY283"/>
+              </a:cxn>
+              <a:cxn ang="0">
+                <a:pos x="connsiteX284" y="connsiteY284"/>
+              </a:cxn>
+              <a:cxn ang="0">
+                <a:pos x="connsiteX285" y="connsiteY285"/>
+              </a:cxn>
+              <a:cxn ang="0">
+                <a:pos x="connsiteX286" y="connsiteY286"/>
+              </a:cxn>
+              <a:cxn ang="0">
+                <a:pos x="connsiteX287" y="connsiteY287"/>
+              </a:cxn>
+              <a:cxn ang="0">
+                <a:pos x="connsiteX288" y="connsiteY288"/>
+              </a:cxn>
+              <a:cxn ang="0">
+                <a:pos x="connsiteX289" y="connsiteY289"/>
+              </a:cxn>
+              <a:cxn ang="0">
+                <a:pos x="connsiteX290" y="connsiteY290"/>
+              </a:cxn>
+              <a:cxn ang="0">
+                <a:pos x="connsiteX291" y="connsiteY291"/>
+              </a:cxn>
+              <a:cxn ang="0">
+                <a:pos x="connsiteX292" y="connsiteY292"/>
+              </a:cxn>
+              <a:cxn ang="0">
+                <a:pos x="connsiteX293" y="connsiteY293"/>
+              </a:cxn>
+              <a:cxn ang="0">
+                <a:pos x="connsiteX294" y="connsiteY294"/>
+              </a:cxn>
+              <a:cxn ang="0">
+                <a:pos x="connsiteX295" y="connsiteY295"/>
+              </a:cxn>
+              <a:cxn ang="0">
+                <a:pos x="connsiteX296" y="connsiteY296"/>
+              </a:cxn>
+              <a:cxn ang="0">
+                <a:pos x="connsiteX297" y="connsiteY297"/>
+              </a:cxn>
+              <a:cxn ang="0">
+                <a:pos x="connsiteX298" y="connsiteY298"/>
+              </a:cxn>
+              <a:cxn ang="0">
+                <a:pos x="connsiteX299" y="connsiteY299"/>
+              </a:cxn>
+              <a:cxn ang="0">
+                <a:pos x="connsiteX300" y="connsiteY300"/>
+              </a:cxn>
+              <a:cxn ang="0">
+                <a:pos x="connsiteX301" y="connsiteY301"/>
+              </a:cxn>
+              <a:cxn ang="0">
+                <a:pos x="connsiteX302" y="connsiteY302"/>
+              </a:cxn>
+              <a:cxn ang="0">
+                <a:pos x="connsiteX303" y="connsiteY303"/>
+              </a:cxn>
+              <a:cxn ang="0">
+                <a:pos x="connsiteX304" y="connsiteY304"/>
+              </a:cxn>
+              <a:cxn ang="0">
+                <a:pos x="connsiteX305" y="connsiteY305"/>
+              </a:cxn>
+              <a:cxn ang="0">
+                <a:pos x="connsiteX306" y="connsiteY306"/>
+              </a:cxn>
+              <a:cxn ang="0">
+                <a:pos x="connsiteX307" y="connsiteY307"/>
+              </a:cxn>
+              <a:cxn ang="0">
+                <a:pos x="connsiteX308" y="connsiteY308"/>
+              </a:cxn>
+              <a:cxn ang="0">
+                <a:pos x="connsiteX309" y="connsiteY309"/>
+              </a:cxn>
+              <a:cxn ang="0">
+                <a:pos x="connsiteX310" y="connsiteY310"/>
+              </a:cxn>
+              <a:cxn ang="0">
+                <a:pos x="connsiteX311" y="connsiteY311"/>
+              </a:cxn>
+              <a:cxn ang="0">
+                <a:pos x="connsiteX312" y="connsiteY312"/>
+              </a:cxn>
+              <a:cxn ang="0">
+                <a:pos x="connsiteX313" y="connsiteY313"/>
+              </a:cxn>
+              <a:cxn ang="0">
+                <a:pos x="connsiteX314" y="connsiteY314"/>
+              </a:cxn>
+              <a:cxn ang="0">
+                <a:pos x="connsiteX315" y="connsiteY315"/>
+              </a:cxn>
+              <a:cxn ang="0">
+                <a:pos x="connsiteX316" y="connsiteY316"/>
+              </a:cxn>
+              <a:cxn ang="0">
+                <a:pos x="connsiteX317" y="connsiteY317"/>
+              </a:cxn>
+              <a:cxn ang="0">
+                <a:pos x="connsiteX318" y="connsiteY318"/>
+              </a:cxn>
+              <a:cxn ang="0">
+                <a:pos x="connsiteX319" y="connsiteY319"/>
+              </a:cxn>
+              <a:cxn ang="0">
+                <a:pos x="connsiteX320" y="connsiteY320"/>
+              </a:cxn>
+              <a:cxn ang="0">
+                <a:pos x="connsiteX321" y="connsiteY321"/>
+              </a:cxn>
+              <a:cxn ang="0">
+                <a:pos x="connsiteX322" y="connsiteY322"/>
+              </a:cxn>
+              <a:cxn ang="0">
+                <a:pos x="connsiteX323" y="connsiteY323"/>
+              </a:cxn>
+              <a:cxn ang="0">
+                <a:pos x="connsiteX324" y="connsiteY324"/>
+              </a:cxn>
+              <a:cxn ang="0">
+                <a:pos x="connsiteX325" y="connsiteY325"/>
+              </a:cxn>
+              <a:cxn ang="0">
+                <a:pos x="connsiteX326" y="connsiteY326"/>
+              </a:cxn>
+              <a:cxn ang="0">
+                <a:pos x="connsiteX327" y="connsiteY327"/>
+              </a:cxn>
+              <a:cxn ang="0">
+                <a:pos x="connsiteX328" y="connsiteY328"/>
+              </a:cxn>
+              <a:cxn ang="0">
+                <a:pos x="connsiteX329" y="connsiteY329"/>
+              </a:cxn>
+              <a:cxn ang="0">
+                <a:pos x="connsiteX330" y="connsiteY330"/>
+              </a:cxn>
+              <a:cxn ang="0">
+                <a:pos x="connsiteX331" y="connsiteY331"/>
+              </a:cxn>
+              <a:cxn ang="0">
+                <a:pos x="connsiteX332" y="connsiteY332"/>
+              </a:cxn>
+              <a:cxn ang="0">
+                <a:pos x="connsiteX333" y="connsiteY333"/>
+              </a:cxn>
+              <a:cxn ang="0">
+                <a:pos x="connsiteX334" y="connsiteY334"/>
+              </a:cxn>
+              <a:cxn ang="0">
+                <a:pos x="connsiteX335" y="connsiteY335"/>
+              </a:cxn>
+              <a:cxn ang="0">
+                <a:pos x="connsiteX336" y="connsiteY336"/>
+              </a:cxn>
+              <a:cxn ang="0">
+                <a:pos x="connsiteX337" y="connsiteY337"/>
+              </a:cxn>
+              <a:cxn ang="0">
+                <a:pos x="connsiteX338" y="connsiteY338"/>
+              </a:cxn>
+              <a:cxn ang="0">
+                <a:pos x="connsiteX339" y="connsiteY339"/>
+              </a:cxn>
+              <a:cxn ang="0">
+                <a:pos x="connsiteX340" y="connsiteY340"/>
+              </a:cxn>
+              <a:cxn ang="0">
+                <a:pos x="connsiteX341" y="connsiteY341"/>
+              </a:cxn>
+              <a:cxn ang="0">
+                <a:pos x="connsiteX342" y="connsiteY342"/>
+              </a:cxn>
+              <a:cxn ang="0">
+                <a:pos x="connsiteX343" y="connsiteY343"/>
+              </a:cxn>
+              <a:cxn ang="0">
+                <a:pos x="connsiteX344" y="connsiteY344"/>
+              </a:cxn>
+              <a:cxn ang="0">
+                <a:pos x="connsiteX345" y="connsiteY345"/>
+              </a:cxn>
+              <a:cxn ang="0">
+                <a:pos x="connsiteX346" y="connsiteY346"/>
+              </a:cxn>
+              <a:cxn ang="0">
+                <a:pos x="connsiteX347" y="connsiteY347"/>
+              </a:cxn>
+              <a:cxn ang="0">
+                <a:pos x="connsiteX348" y="connsiteY348"/>
+              </a:cxn>
+              <a:cxn ang="0">
+                <a:pos x="connsiteX349" y="connsiteY349"/>
+              </a:cxn>
+              <a:cxn ang="0">
+                <a:pos x="connsiteX350" y="connsiteY350"/>
+              </a:cxn>
+              <a:cxn ang="0">
+                <a:pos x="connsiteX351" y="connsiteY351"/>
+              </a:cxn>
+              <a:cxn ang="0">
+                <a:pos x="connsiteX352" y="connsiteY352"/>
+              </a:cxn>
+              <a:cxn ang="0">
+                <a:pos x="connsiteX353" y="connsiteY353"/>
+              </a:cxn>
+              <a:cxn ang="0">
+                <a:pos x="connsiteX354" y="connsiteY354"/>
+              </a:cxn>
+              <a:cxn ang="0">
+                <a:pos x="connsiteX355" y="connsiteY355"/>
+              </a:cxn>
+              <a:cxn ang="0">
+                <a:pos x="connsiteX356" y="connsiteY356"/>
+              </a:cxn>
+              <a:cxn ang="0">
+                <a:pos x="connsiteX357" y="connsiteY357"/>
+              </a:cxn>
+              <a:cxn ang="0">
+                <a:pos x="connsiteX358" y="connsiteY358"/>
+              </a:cxn>
+              <a:cxn ang="0">
+                <a:pos x="connsiteX359" y="connsiteY359"/>
+              </a:cxn>
+              <a:cxn ang="0">
+                <a:pos x="connsiteX360" y="connsiteY360"/>
+              </a:cxn>
+              <a:cxn ang="0">
+                <a:pos x="connsiteX361" y="connsiteY361"/>
+              </a:cxn>
+              <a:cxn ang="0">
+                <a:pos x="connsiteX362" y="connsiteY362"/>
+              </a:cxn>
+              <a:cxn ang="0">
+                <a:pos x="connsiteX363" y="connsiteY363"/>
+              </a:cxn>
+              <a:cxn ang="0">
+                <a:pos x="connsiteX364" y="connsiteY364"/>
+              </a:cxn>
+              <a:cxn ang="0">
+                <a:pos x="connsiteX365" y="connsiteY365"/>
+              </a:cxn>
+              <a:cxn ang="0">
+                <a:pos x="connsiteX366" y="connsiteY366"/>
+              </a:cxn>
+              <a:cxn ang="0">
+                <a:pos x="connsiteX367" y="connsiteY367"/>
+              </a:cxn>
+              <a:cxn ang="0">
+                <a:pos x="connsiteX368" y="connsiteY368"/>
+              </a:cxn>
+              <a:cxn ang="0">
+                <a:pos x="connsiteX369" y="connsiteY369"/>
+              </a:cxn>
+              <a:cxn ang="0">
+                <a:pos x="connsiteX370" y="connsiteY370"/>
+              </a:cxn>
+              <a:cxn ang="0">
+                <a:pos x="connsiteX371" y="connsiteY371"/>
+              </a:cxn>
+              <a:cxn ang="0">
+                <a:pos x="connsiteX372" y="connsiteY372"/>
+              </a:cxn>
+              <a:cxn ang="0">
+                <a:pos x="connsiteX373" y="connsiteY373"/>
+              </a:cxn>
+              <a:cxn ang="0">
+                <a:pos x="connsiteX374" y="connsiteY374"/>
+              </a:cxn>
+              <a:cxn ang="0">
+                <a:pos x="connsiteX375" y="connsiteY375"/>
+              </a:cxn>
+              <a:cxn ang="0">
+                <a:pos x="connsiteX376" y="connsiteY376"/>
+              </a:cxn>
+              <a:cxn ang="0">
+                <a:pos x="connsiteX377" y="connsiteY377"/>
+              </a:cxn>
+              <a:cxn ang="0">
+                <a:pos x="connsiteX378" y="connsiteY378"/>
+              </a:cxn>
+              <a:cxn ang="0">
+                <a:pos x="connsiteX379" y="connsiteY379"/>
+              </a:cxn>
+              <a:cxn ang="0">
+                <a:pos x="connsiteX380" y="connsiteY380"/>
+              </a:cxn>
+              <a:cxn ang="0">
+                <a:pos x="connsiteX381" y="connsiteY381"/>
+              </a:cxn>
+              <a:cxn ang="0">
+                <a:pos x="connsiteX382" y="connsiteY382"/>
+              </a:cxn>
+              <a:cxn ang="0">
+                <a:pos x="connsiteX383" y="connsiteY383"/>
+              </a:cxn>
+              <a:cxn ang="0">
+                <a:pos x="connsiteX384" y="connsiteY384"/>
+              </a:cxn>
+              <a:cxn ang="0">
+                <a:pos x="connsiteX385" y="connsiteY385"/>
+              </a:cxn>
+              <a:cxn ang="0">
+                <a:pos x="connsiteX386" y="connsiteY386"/>
+              </a:cxn>
+              <a:cxn ang="0">
+                <a:pos x="connsiteX387" y="connsiteY387"/>
+              </a:cxn>
+              <a:cxn ang="0">
+                <a:pos x="connsiteX388" y="connsiteY388"/>
+              </a:cxn>
+              <a:cxn ang="0">
+                <a:pos x="connsiteX389" y="connsiteY389"/>
+              </a:cxn>
+              <a:cxn ang="0">
+                <a:pos x="connsiteX390" y="connsiteY390"/>
+              </a:cxn>
+              <a:cxn ang="0">
+                <a:pos x="connsiteX391" y="connsiteY391"/>
+              </a:cxn>
+              <a:cxn ang="0">
+                <a:pos x="connsiteX392" y="connsiteY392"/>
+              </a:cxn>
+              <a:cxn ang="0">
+                <a:pos x="connsiteX393" y="connsiteY393"/>
+              </a:cxn>
+              <a:cxn ang="0">
+                <a:pos x="connsiteX394" y="connsiteY394"/>
+              </a:cxn>
+              <a:cxn ang="0">
+                <a:pos x="connsiteX395" y="connsiteY395"/>
+              </a:cxn>
+              <a:cxn ang="0">
+                <a:pos x="connsiteX396" y="connsiteY396"/>
+              </a:cxn>
+              <a:cxn ang="0">
+                <a:pos x="connsiteX397" y="connsiteY397"/>
+              </a:cxn>
+              <a:cxn ang="0">
+                <a:pos x="connsiteX398" y="connsiteY398"/>
+              </a:cxn>
+              <a:cxn ang="0">
+                <a:pos x="connsiteX399" y="connsiteY399"/>
+              </a:cxn>
+              <a:cxn ang="0">
+                <a:pos x="connsiteX400" y="connsiteY400"/>
+              </a:cxn>
+              <a:cxn ang="0">
+                <a:pos x="connsiteX401" y="connsiteY401"/>
+              </a:cxn>
+              <a:cxn ang="0">
+                <a:pos x="connsiteX402" y="connsiteY402"/>
+              </a:cxn>
+              <a:cxn ang="0">
+                <a:pos x="connsiteX403" y="connsiteY403"/>
+              </a:cxn>
+              <a:cxn ang="0">
+                <a:pos x="connsiteX404" y="connsiteY404"/>
+              </a:cxn>
+              <a:cxn ang="0">
+                <a:pos x="connsiteX405" y="connsiteY405"/>
+              </a:cxn>
+              <a:cxn ang="0">
+                <a:pos x="connsiteX406" y="connsiteY406"/>
+              </a:cxn>
+              <a:cxn ang="0">
+                <a:pos x="connsiteX407" y="connsiteY407"/>
+              </a:cxn>
+              <a:cxn ang="0">
+                <a:pos x="connsiteX408" y="connsiteY408"/>
+              </a:cxn>
+              <a:cxn ang="0">
+                <a:pos x="connsiteX409" y="connsiteY409"/>
+              </a:cxn>
+              <a:cxn ang="0">
+                <a:pos x="connsiteX410" y="connsiteY410"/>
+              </a:cxn>
+              <a:cxn ang="0">
+                <a:pos x="connsiteX411" y="connsiteY411"/>
+              </a:cxn>
+              <a:cxn ang="0">
+                <a:pos x="connsiteX412" y="connsiteY412"/>
+              </a:cxn>
+              <a:cxn ang="0">
+                <a:pos x="connsiteX413" y="connsiteY413"/>
+              </a:cxn>
+              <a:cxn ang="0">
+                <a:pos x="connsiteX414" y="connsiteY414"/>
+              </a:cxn>
+              <a:cxn ang="0">
+                <a:pos x="connsiteX415" y="connsiteY415"/>
+              </a:cxn>
+              <a:cxn ang="0">
+                <a:pos x="connsiteX416" y="connsiteY416"/>
+              </a:cxn>
+              <a:cxn ang="0">
+                <a:pos x="connsiteX417" y="connsiteY417"/>
+              </a:cxn>
+              <a:cxn ang="0">
+                <a:pos x="connsiteX418" y="connsiteY418"/>
+              </a:cxn>
+              <a:cxn ang="0">
+                <a:pos x="connsiteX419" y="connsiteY419"/>
+              </a:cxn>
+              <a:cxn ang="0">
+                <a:pos x="connsiteX420" y="connsiteY420"/>
+              </a:cxn>
+              <a:cxn ang="0">
+                <a:pos x="connsiteX421" y="connsiteY421"/>
+              </a:cxn>
+              <a:cxn ang="0">
+                <a:pos x="connsiteX422" y="connsiteY422"/>
+              </a:cxn>
+              <a:cxn ang="0">
+                <a:pos x="connsiteX423" y="connsiteY423"/>
+              </a:cxn>
+              <a:cxn ang="0">
+                <a:pos x="connsiteX424" y="connsiteY424"/>
+              </a:cxn>
+              <a:cxn ang="0">
+                <a:pos x="connsiteX425" y="connsiteY425"/>
+              </a:cxn>
+              <a:cxn ang="0">
+                <a:pos x="connsiteX426" y="connsiteY426"/>
+              </a:cxn>
+              <a:cxn ang="0">
+                <a:pos x="connsiteX427" y="connsiteY427"/>
+              </a:cxn>
+              <a:cxn ang="0">
+                <a:pos x="connsiteX428" y="connsiteY428"/>
+              </a:cxn>
+              <a:cxn ang="0">
+                <a:pos x="connsiteX429" y="connsiteY429"/>
+              </a:cxn>
+              <a:cxn ang="0">
+                <a:pos x="connsiteX430" y="connsiteY430"/>
+              </a:cxn>
+              <a:cxn ang="0">
+                <a:pos x="connsiteX431" y="connsiteY431"/>
+              </a:cxn>
+              <a:cxn ang="0">
+                <a:pos x="connsiteX432" y="connsiteY432"/>
+              </a:cxn>
+              <a:cxn ang="0">
+                <a:pos x="connsiteX433" y="connsiteY433"/>
+              </a:cxn>
+              <a:cxn ang="0">
+                <a:pos x="connsiteX434" y="connsiteY434"/>
+              </a:cxn>
+              <a:cxn ang="0">
+                <a:pos x="connsiteX435" y="connsiteY435"/>
+              </a:cxn>
+              <a:cxn ang="0">
+                <a:pos x="connsiteX436" y="connsiteY436"/>
+              </a:cxn>
+              <a:cxn ang="0">
+                <a:pos x="connsiteX437" y="connsiteY437"/>
+              </a:cxn>
+              <a:cxn ang="0">
+                <a:pos x="connsiteX438" y="connsiteY438"/>
+              </a:cxn>
+              <a:cxn ang="0">
+                <a:pos x="connsiteX439" y="connsiteY439"/>
+              </a:cxn>
+              <a:cxn ang="0">
+                <a:pos x="connsiteX440" y="connsiteY440"/>
+              </a:cxn>
+              <a:cxn ang="0">
+                <a:pos x="connsiteX441" y="connsiteY441"/>
+              </a:cxn>
+              <a:cxn ang="0">
+                <a:pos x="connsiteX442" y="connsiteY442"/>
+              </a:cxn>
+              <a:cxn ang="0">
+                <a:pos x="connsiteX443" y="connsiteY443"/>
+              </a:cxn>
+              <a:cxn ang="0">
+                <a:pos x="connsiteX444" y="connsiteY444"/>
+              </a:cxn>
+              <a:cxn ang="0">
+                <a:pos x="connsiteX445" y="connsiteY445"/>
+              </a:cxn>
+              <a:cxn ang="0">
+                <a:pos x="connsiteX446" y="connsiteY446"/>
+              </a:cxn>
+              <a:cxn ang="0">
+                <a:pos x="connsiteX447" y="connsiteY447"/>
+              </a:cxn>
+              <a:cxn ang="0">
+                <a:pos x="connsiteX448" y="connsiteY448"/>
+              </a:cxn>
+              <a:cxn ang="0">
+                <a:pos x="connsiteX449" y="connsiteY449"/>
+              </a:cxn>
+              <a:cxn ang="0">
+                <a:pos x="connsiteX450" y="connsiteY450"/>
+              </a:cxn>
+              <a:cxn ang="0">
+                <a:pos x="connsiteX451" y="connsiteY451"/>
+              </a:cxn>
+              <a:cxn ang="0">
+                <a:pos x="connsiteX452" y="connsiteY452"/>
+              </a:cxn>
+              <a:cxn ang="0">
+                <a:pos x="connsiteX453" y="connsiteY453"/>
+              </a:cxn>
+              <a:cxn ang="0">
+                <a:pos x="connsiteX454" y="connsiteY454"/>
+              </a:cxn>
+              <a:cxn ang="0">
+                <a:pos x="connsiteX455" y="connsiteY455"/>
+              </a:cxn>
+              <a:cxn ang="0">
+                <a:pos x="connsiteX456" y="connsiteY456"/>
+              </a:cxn>
+              <a:cxn ang="0">
+                <a:pos x="connsiteX457" y="connsiteY457"/>
+              </a:cxn>
+              <a:cxn ang="0">
+                <a:pos x="connsiteX458" y="connsiteY458"/>
+              </a:cxn>
+              <a:cxn ang="0">
+                <a:pos x="connsiteX459" y="connsiteY459"/>
+              </a:cxn>
+              <a:cxn ang="0">
+                <a:pos x="connsiteX460" y="connsiteY460"/>
+              </a:cxn>
+              <a:cxn ang="0">
+                <a:pos x="connsiteX461" y="connsiteY461"/>
+              </a:cxn>
+              <a:cxn ang="0">
+                <a:pos x="connsiteX462" y="connsiteY462"/>
+              </a:cxn>
+              <a:cxn ang="0">
+                <a:pos x="connsiteX463" y="connsiteY463"/>
+              </a:cxn>
+              <a:cxn ang="0">
+                <a:pos x="connsiteX464" y="connsiteY464"/>
+              </a:cxn>
+              <a:cxn ang="0">
+                <a:pos x="connsiteX465" y="connsiteY465"/>
+              </a:cxn>
+              <a:cxn ang="0">
+                <a:pos x="connsiteX466" y="connsiteY466"/>
+              </a:cxn>
+              <a:cxn ang="0">
+                <a:pos x="connsiteX467" y="connsiteY467"/>
+              </a:cxn>
+              <a:cxn ang="0">
+                <a:pos x="connsiteX468" y="connsiteY468"/>
+              </a:cxn>
+              <a:cxn ang="0">
+                <a:pos x="connsiteX469" y="connsiteY469"/>
+              </a:cxn>
+            </a:cxnLst>
+            <a:rect l="l" t="t" r="r" b="b"/>
+            <a:pathLst>
+              <a:path w="4572002" h="6858002">
+                <a:moveTo>
+                  <a:pt x="4214994" y="6564620"/>
+                </a:moveTo>
+                <a:lnTo>
+                  <a:pt x="4214994" y="6564621"/>
+                </a:lnTo>
+                <a:cubicBezTo>
+                  <a:pt x="4225281" y="6575479"/>
+                  <a:pt x="4231378" y="6582147"/>
+                  <a:pt x="4237474" y="6588626"/>
+                </a:cubicBezTo>
+                <a:lnTo>
+                  <a:pt x="4254096" y="6625225"/>
+                </a:lnTo>
+                <a:lnTo>
+                  <a:pt x="4247001" y="6662540"/>
+                </a:lnTo>
+                <a:lnTo>
+                  <a:pt x="4247000" y="6662541"/>
+                </a:lnTo>
+                <a:lnTo>
+                  <a:pt x="4246999" y="6662544"/>
+                </a:lnTo>
+                <a:lnTo>
+                  <a:pt x="4235550" y="6683027"/>
+                </a:lnTo>
+                <a:lnTo>
+                  <a:pt x="4232403" y="6702976"/>
+                </a:lnTo>
+                <a:lnTo>
+                  <a:pt x="4232403" y="6702977"/>
+                </a:lnTo>
+                <a:cubicBezTo>
+                  <a:pt x="4232808" y="6716169"/>
+                  <a:pt x="4237951" y="6729219"/>
+                  <a:pt x="4246238" y="6742553"/>
+                </a:cubicBezTo>
+                <a:lnTo>
+                  <a:pt x="4246239" y="6742555"/>
+                </a:lnTo>
+                <a:lnTo>
+                  <a:pt x="4265716" y="6812062"/>
+                </a:lnTo>
+                <a:lnTo>
+                  <a:pt x="4265717" y="6812064"/>
+                </a:lnTo>
+                <a:lnTo>
+                  <a:pt x="4265717" y="6812063"/>
+                </a:lnTo>
+                <a:lnTo>
+                  <a:pt x="4265716" y="6812062"/>
+                </a:lnTo>
+                <a:lnTo>
+                  <a:pt x="4260942" y="6776800"/>
+                </a:lnTo>
+                <a:lnTo>
+                  <a:pt x="4246239" y="6742555"/>
+                </a:lnTo>
+                <a:lnTo>
+                  <a:pt x="4246238" y="6742552"/>
+                </a:lnTo>
+                <a:lnTo>
+                  <a:pt x="4232403" y="6702976"/>
+                </a:lnTo>
+                <a:lnTo>
+                  <a:pt x="4246999" y="6662544"/>
+                </a:lnTo>
+                <a:lnTo>
+                  <a:pt x="4247000" y="6662542"/>
+                </a:lnTo>
+                <a:lnTo>
+                  <a:pt x="4247001" y="6662540"/>
+                </a:lnTo>
+                <a:lnTo>
+                  <a:pt x="4254084" y="6645552"/>
+                </a:lnTo>
+                <a:lnTo>
+                  <a:pt x="4254096" y="6625225"/>
+                </a:lnTo>
+                <a:lnTo>
+                  <a:pt x="4254096" y="6625224"/>
+                </a:lnTo>
+                <a:cubicBezTo>
+                  <a:pt x="4252000" y="6611341"/>
+                  <a:pt x="4245951" y="6597578"/>
+                  <a:pt x="4237474" y="6588625"/>
+                </a:cubicBezTo>
+                <a:close/>
+                <a:moveTo>
+                  <a:pt x="4295315" y="6438981"/>
+                </a:moveTo>
+                <a:lnTo>
+                  <a:pt x="4275385" y="6463840"/>
+                </a:lnTo>
+                <a:lnTo>
+                  <a:pt x="4275382" y="6463849"/>
+                </a:lnTo>
+                <a:lnTo>
+                  <a:pt x="4261587" y="6513012"/>
+                </a:lnTo>
+                <a:lnTo>
+                  <a:pt x="4242781" y="6546194"/>
+                </a:lnTo>
+                <a:lnTo>
+                  <a:pt x="4242781" y="6546195"/>
+                </a:lnTo>
+                <a:lnTo>
+                  <a:pt x="4259120" y="6521804"/>
+                </a:lnTo>
+                <a:lnTo>
+                  <a:pt x="4261587" y="6513012"/>
+                </a:lnTo>
+                <a:lnTo>
+                  <a:pt x="4264398" y="6508052"/>
+                </a:lnTo>
+                <a:lnTo>
+                  <a:pt x="4275382" y="6463849"/>
+                </a:lnTo>
+                <a:lnTo>
+                  <a:pt x="4275385" y="6463841"/>
+                </a:lnTo>
+                <a:cubicBezTo>
+                  <a:pt x="4278336" y="6451650"/>
+                  <a:pt x="4285813" y="6444077"/>
+                  <a:pt x="4295315" y="6438981"/>
+                </a:cubicBezTo>
+                <a:close/>
+                <a:moveTo>
+                  <a:pt x="4381289" y="6365204"/>
+                </a:moveTo>
+                <a:lnTo>
+                  <a:pt x="4380008" y="6387910"/>
+                </a:lnTo>
+                <a:lnTo>
+                  <a:pt x="4378243" y="6391549"/>
+                </a:lnTo>
+                <a:lnTo>
+                  <a:pt x="4370589" y="6407332"/>
+                </a:lnTo>
+                <a:lnTo>
+                  <a:pt x="4370589" y="6407333"/>
+                </a:lnTo>
+                <a:lnTo>
+                  <a:pt x="4378243" y="6391549"/>
+                </a:lnTo>
+                <a:lnTo>
+                  <a:pt x="4380008" y="6387910"/>
+                </a:lnTo>
+                <a:close/>
+                <a:moveTo>
+                  <a:pt x="4142220" y="4221391"/>
+                </a:moveTo>
+                <a:lnTo>
+                  <a:pt x="4142220" y="4221392"/>
+                </a:lnTo>
+                <a:cubicBezTo>
+                  <a:pt x="4142982" y="4232061"/>
+                  <a:pt x="4143172" y="4243873"/>
+                  <a:pt x="4147936" y="4253015"/>
+                </a:cubicBezTo>
+                <a:cubicBezTo>
+                  <a:pt x="4160129" y="4277402"/>
+                  <a:pt x="4175749" y="4300071"/>
+                  <a:pt x="4187752" y="4324646"/>
+                </a:cubicBezTo>
+                <a:lnTo>
+                  <a:pt x="4196706" y="4363891"/>
+                </a:lnTo>
+                <a:lnTo>
+                  <a:pt x="4195944" y="4482004"/>
+                </a:lnTo>
+                <a:cubicBezTo>
+                  <a:pt x="4193276" y="4546776"/>
+                  <a:pt x="4192704" y="4612500"/>
+                  <a:pt x="4135934" y="4659174"/>
+                </a:cubicBezTo>
+                <a:cubicBezTo>
+                  <a:pt x="4131362" y="4662986"/>
+                  <a:pt x="4128694" y="4671176"/>
+                  <a:pt x="4127932" y="4677655"/>
+                </a:cubicBezTo>
+                <a:cubicBezTo>
+                  <a:pt x="4124313" y="4707564"/>
+                  <a:pt x="4123931" y="4738235"/>
+                  <a:pt x="4118025" y="4767764"/>
+                </a:cubicBezTo>
+                <a:cubicBezTo>
+                  <a:pt x="4115644" y="4779575"/>
+                  <a:pt x="4114835" y="4790387"/>
+                  <a:pt x="4116716" y="4800483"/>
+                </a:cubicBezTo>
+                <a:lnTo>
+                  <a:pt x="4116716" y="4800484"/>
+                </a:lnTo>
+                <a:cubicBezTo>
+                  <a:pt x="4118597" y="4810581"/>
+                  <a:pt x="4123170" y="4819964"/>
+                  <a:pt x="4131552" y="4828917"/>
+                </a:cubicBezTo>
+                <a:lnTo>
+                  <a:pt x="4153733" y="4863343"/>
+                </a:lnTo>
+                <a:lnTo>
+                  <a:pt x="4161262" y="4889275"/>
+                </a:lnTo>
+                <a:lnTo>
+                  <a:pt x="4159557" y="4912168"/>
+                </a:lnTo>
+                <a:cubicBezTo>
+                  <a:pt x="4157842" y="4919978"/>
+                  <a:pt x="4157485" y="4927122"/>
+                  <a:pt x="4158155" y="4933804"/>
+                </a:cubicBezTo>
+                <a:lnTo>
+                  <a:pt x="4158155" y="4933805"/>
+                </a:lnTo>
+                <a:lnTo>
+                  <a:pt x="4162914" y="4952673"/>
+                </a:lnTo>
+                <a:lnTo>
+                  <a:pt x="4165707" y="4957454"/>
+                </a:lnTo>
+                <a:lnTo>
+                  <a:pt x="4166985" y="4961456"/>
+                </a:lnTo>
+                <a:cubicBezTo>
+                  <a:pt x="4171496" y="4970097"/>
+                  <a:pt x="4177202" y="4978394"/>
+                  <a:pt x="4182989" y="4987038"/>
+                </a:cubicBezTo>
+                <a:cubicBezTo>
+                  <a:pt x="4194228" y="5003802"/>
+                  <a:pt x="4208326" y="5022853"/>
+                  <a:pt x="4209468" y="5041522"/>
+                </a:cubicBezTo>
+                <a:cubicBezTo>
+                  <a:pt x="4210087" y="5052096"/>
+                  <a:pt x="4213005" y="5062300"/>
+                  <a:pt x="4216684" y="5072376"/>
+                </a:cubicBezTo>
+                <a:lnTo>
+                  <a:pt x="4222587" y="5087441"/>
+                </a:lnTo>
+                <a:lnTo>
+                  <a:pt x="4235615" y="5133220"/>
+                </a:lnTo>
+                <a:lnTo>
+                  <a:pt x="4235616" y="5133225"/>
+                </a:lnTo>
+                <a:lnTo>
+                  <a:pt x="4228901" y="5166113"/>
+                </a:lnTo>
+                <a:lnTo>
+                  <a:pt x="4228901" y="5166114"/>
+                </a:lnTo>
+                <a:cubicBezTo>
+                  <a:pt x="4228139" y="5167638"/>
+                  <a:pt x="4228712" y="5169781"/>
+                  <a:pt x="4229593" y="5172091"/>
+                </a:cubicBezTo>
+                <a:lnTo>
+                  <a:pt x="4232139" y="5179068"/>
+                </a:lnTo>
+                <a:cubicBezTo>
+                  <a:pt x="4235759" y="5196595"/>
+                  <a:pt x="4235807" y="5213598"/>
+                  <a:pt x="4231973" y="5229434"/>
+                </a:cubicBezTo>
+                <a:lnTo>
+                  <a:pt x="4225669" y="5241089"/>
+                </a:lnTo>
+                <a:lnTo>
+                  <a:pt x="4208517" y="5272796"/>
+                </a:lnTo>
+                <a:cubicBezTo>
+                  <a:pt x="4196871" y="5285441"/>
+                  <a:pt x="4189165" y="5298595"/>
+                  <a:pt x="4184613" y="5312288"/>
+                </a:cubicBezTo>
+                <a:lnTo>
+                  <a:pt x="4183557" y="5321350"/>
+                </a:lnTo>
+                <a:lnTo>
+                  <a:pt x="4181083" y="5326163"/>
+                </a:lnTo>
+                <a:lnTo>
+                  <a:pt x="4179637" y="5355014"/>
+                </a:lnTo>
+                <a:lnTo>
+                  <a:pt x="4179637" y="5355015"/>
+                </a:lnTo>
+                <a:cubicBezTo>
+                  <a:pt x="4180286" y="5364883"/>
+                  <a:pt x="4181989" y="5375003"/>
+                  <a:pt x="4184513" y="5385385"/>
+                </a:cubicBezTo>
+                <a:cubicBezTo>
+                  <a:pt x="4187752" y="5398722"/>
+                  <a:pt x="4190038" y="5412058"/>
+                  <a:pt x="4192704" y="5425583"/>
+                </a:cubicBezTo>
+                <a:cubicBezTo>
+                  <a:pt x="4196514" y="5443871"/>
+                  <a:pt x="4200516" y="5462352"/>
+                  <a:pt x="4204327" y="5480638"/>
+                </a:cubicBezTo>
+                <a:lnTo>
+                  <a:pt x="4208850" y="5507668"/>
+                </a:lnTo>
+                <a:lnTo>
+                  <a:pt x="4198232" y="5531692"/>
+                </a:lnTo>
+                <a:lnTo>
+                  <a:pt x="4198231" y="5531693"/>
+                </a:lnTo>
+                <a:cubicBezTo>
+                  <a:pt x="4191181" y="5537600"/>
+                  <a:pt x="4187989" y="5542649"/>
+                  <a:pt x="4188085" y="5547578"/>
+                </a:cubicBezTo>
+                <a:lnTo>
+                  <a:pt x="4188085" y="5547579"/>
+                </a:lnTo>
+                <a:cubicBezTo>
+                  <a:pt x="4188180" y="5552508"/>
+                  <a:pt x="4191562" y="5557318"/>
+                  <a:pt x="4197659" y="5562747"/>
+                </a:cubicBezTo>
+                <a:cubicBezTo>
+                  <a:pt x="4240332" y="5600468"/>
+                  <a:pt x="4267003" y="5646190"/>
+                  <a:pt x="4268907" y="5704484"/>
+                </a:cubicBezTo>
+                <a:cubicBezTo>
+                  <a:pt x="4269289" y="5716486"/>
+                  <a:pt x="4271954" y="5728679"/>
+                  <a:pt x="4274812" y="5740489"/>
+                </a:cubicBezTo>
+                <a:cubicBezTo>
+                  <a:pt x="4276527" y="5747729"/>
+                  <a:pt x="4278433" y="5756494"/>
+                  <a:pt x="4283578" y="5760874"/>
+                </a:cubicBezTo>
+                <a:cubicBezTo>
+                  <a:pt x="4322821" y="5794975"/>
+                  <a:pt x="4350063" y="5837458"/>
+                  <a:pt x="4371973" y="5883752"/>
+                </a:cubicBezTo>
+                <a:lnTo>
+                  <a:pt x="4371974" y="5883757"/>
+                </a:lnTo>
+                <a:lnTo>
+                  <a:pt x="4389877" y="5935946"/>
+                </a:lnTo>
+                <a:lnTo>
+                  <a:pt x="4389878" y="5935950"/>
+                </a:lnTo>
+                <a:lnTo>
+                  <a:pt x="4386259" y="5993290"/>
+                </a:lnTo>
+                <a:lnTo>
+                  <a:pt x="4386259" y="5993291"/>
+                </a:lnTo>
+                <a:cubicBezTo>
+                  <a:pt x="4385116" y="6004531"/>
+                  <a:pt x="4385306" y="6017485"/>
+                  <a:pt x="4379782" y="6026440"/>
+                </a:cubicBezTo>
+                <a:cubicBezTo>
+                  <a:pt x="4362445" y="6054825"/>
+                  <a:pt x="4343778" y="6082258"/>
+                  <a:pt x="4323583" y="6108738"/>
+                </a:cubicBezTo>
+                <a:cubicBezTo>
+                  <a:pt x="4314914" y="6120074"/>
+                  <a:pt x="4309961" y="6126884"/>
+                  <a:pt x="4309890" y="6133314"/>
+                </a:cubicBezTo>
+                <a:lnTo>
+                  <a:pt x="4309890" y="6133315"/>
+                </a:lnTo>
+                <a:lnTo>
+                  <a:pt x="4313591" y="6143190"/>
+                </a:lnTo>
+                <a:lnTo>
+                  <a:pt x="4325486" y="6155600"/>
+                </a:lnTo>
+                <a:lnTo>
+                  <a:pt x="4325488" y="6155603"/>
+                </a:lnTo>
+                <a:cubicBezTo>
+                  <a:pt x="4347778" y="6175798"/>
+                  <a:pt x="4359398" y="6200945"/>
+                  <a:pt x="4364160" y="6228757"/>
+                </a:cubicBezTo>
+                <a:lnTo>
+                  <a:pt x="4381497" y="6361540"/>
+                </a:lnTo>
+                <a:lnTo>
+                  <a:pt x="4381497" y="6361539"/>
+                </a:lnTo>
+                <a:cubicBezTo>
+                  <a:pt x="4377877" y="6317151"/>
+                  <a:pt x="4371590" y="6272764"/>
+                  <a:pt x="4364160" y="6228756"/>
+                </a:cubicBezTo>
+                <a:cubicBezTo>
+                  <a:pt x="4359398" y="6200944"/>
+                  <a:pt x="4347778" y="6175797"/>
+                  <a:pt x="4325488" y="6155602"/>
+                </a:cubicBezTo>
+                <a:lnTo>
+                  <a:pt x="4325486" y="6155600"/>
+                </a:lnTo>
+                <a:lnTo>
+                  <a:pt x="4309890" y="6133315"/>
+                </a:lnTo>
+                <a:lnTo>
+                  <a:pt x="4323583" y="6108739"/>
+                </a:lnTo>
+                <a:cubicBezTo>
+                  <a:pt x="4343778" y="6082259"/>
+                  <a:pt x="4362445" y="6054826"/>
+                  <a:pt x="4379782" y="6026441"/>
+                </a:cubicBezTo>
+                <a:cubicBezTo>
+                  <a:pt x="4385306" y="6017486"/>
+                  <a:pt x="4385116" y="6004532"/>
+                  <a:pt x="4386259" y="5993292"/>
+                </a:cubicBezTo>
+                <a:lnTo>
+                  <a:pt x="4386259" y="5993290"/>
+                </a:lnTo>
+                <a:lnTo>
+                  <a:pt x="4389712" y="5964477"/>
+                </a:lnTo>
+                <a:lnTo>
+                  <a:pt x="4389878" y="5935950"/>
+                </a:lnTo>
+                <a:lnTo>
+                  <a:pt x="4389878" y="5935949"/>
+                </a:lnTo>
+                <a:lnTo>
+                  <a:pt x="4389877" y="5935946"/>
+                </a:lnTo>
+                <a:lnTo>
+                  <a:pt x="4382997" y="5909351"/>
+                </a:lnTo>
+                <a:lnTo>
+                  <a:pt x="4371974" y="5883757"/>
+                </a:lnTo>
+                <a:lnTo>
+                  <a:pt x="4371973" y="5883751"/>
+                </a:lnTo>
+                <a:cubicBezTo>
+                  <a:pt x="4350063" y="5837457"/>
+                  <a:pt x="4322821" y="5794974"/>
+                  <a:pt x="4283578" y="5760873"/>
+                </a:cubicBezTo>
+                <a:cubicBezTo>
+                  <a:pt x="4278433" y="5756493"/>
+                  <a:pt x="4276527" y="5747728"/>
+                  <a:pt x="4274812" y="5740488"/>
+                </a:cubicBezTo>
+                <a:cubicBezTo>
+                  <a:pt x="4271954" y="5728678"/>
+                  <a:pt x="4269289" y="5716485"/>
+                  <a:pt x="4268907" y="5704483"/>
+                </a:cubicBezTo>
+                <a:cubicBezTo>
+                  <a:pt x="4267003" y="5646189"/>
+                  <a:pt x="4240332" y="5600467"/>
+                  <a:pt x="4197659" y="5562746"/>
+                </a:cubicBezTo>
+                <a:lnTo>
+                  <a:pt x="4188085" y="5547578"/>
+                </a:lnTo>
+                <a:lnTo>
+                  <a:pt x="4198231" y="5531694"/>
+                </a:lnTo>
+                <a:lnTo>
+                  <a:pt x="4198232" y="5531692"/>
+                </a:lnTo>
+                <a:lnTo>
+                  <a:pt x="4206630" y="5520422"/>
+                </a:lnTo>
+                <a:lnTo>
+                  <a:pt x="4208850" y="5507668"/>
+                </a:lnTo>
+                <a:lnTo>
+                  <a:pt x="4208850" y="5507667"/>
+                </a:lnTo>
+                <a:cubicBezTo>
+                  <a:pt x="4208803" y="5498832"/>
+                  <a:pt x="4206231" y="5489497"/>
+                  <a:pt x="4204327" y="5480637"/>
+                </a:cubicBezTo>
+                <a:cubicBezTo>
+                  <a:pt x="4200516" y="5462351"/>
+                  <a:pt x="4196514" y="5443870"/>
+                  <a:pt x="4192704" y="5425582"/>
+                </a:cubicBezTo>
+                <a:cubicBezTo>
+                  <a:pt x="4190038" y="5412057"/>
+                  <a:pt x="4187752" y="5398721"/>
+                  <a:pt x="4184513" y="5385384"/>
+                </a:cubicBezTo>
+                <a:lnTo>
+                  <a:pt x="4179637" y="5355014"/>
+                </a:lnTo>
+                <a:lnTo>
+                  <a:pt x="4183557" y="5321350"/>
+                </a:lnTo>
+                <a:lnTo>
+                  <a:pt x="4208517" y="5272797"/>
+                </a:lnTo>
+                <a:lnTo>
+                  <a:pt x="4225669" y="5241089"/>
+                </a:lnTo>
+                <a:lnTo>
+                  <a:pt x="4231973" y="5229433"/>
+                </a:lnTo>
+                <a:lnTo>
+                  <a:pt x="4232139" y="5179068"/>
+                </a:lnTo>
+                <a:lnTo>
+                  <a:pt x="4232139" y="5179067"/>
+                </a:lnTo>
+                <a:cubicBezTo>
+                  <a:pt x="4231663" y="5176876"/>
+                  <a:pt x="4230473" y="5174400"/>
+                  <a:pt x="4229593" y="5172090"/>
+                </a:cubicBezTo>
+                <a:lnTo>
+                  <a:pt x="4228901" y="5166114"/>
+                </a:lnTo>
+                <a:lnTo>
+                  <a:pt x="4235616" y="5133225"/>
+                </a:lnTo>
+                <a:lnTo>
+                  <a:pt x="4235616" y="5133224"/>
+                </a:lnTo>
+                <a:lnTo>
+                  <a:pt x="4235615" y="5133220"/>
+                </a:lnTo>
+                <a:lnTo>
+                  <a:pt x="4228473" y="5102461"/>
+                </a:lnTo>
+                <a:lnTo>
+                  <a:pt x="4222587" y="5087441"/>
+                </a:lnTo>
+                <a:lnTo>
+                  <a:pt x="4222582" y="5087423"/>
+                </a:lnTo>
+                <a:cubicBezTo>
+                  <a:pt x="4216496" y="5072411"/>
+                  <a:pt x="4210397" y="5057381"/>
+                  <a:pt x="4209468" y="5041521"/>
+                </a:cubicBezTo>
+                <a:cubicBezTo>
+                  <a:pt x="4208326" y="5022852"/>
+                  <a:pt x="4194228" y="5003801"/>
+                  <a:pt x="4182989" y="4987037"/>
+                </a:cubicBezTo>
+                <a:lnTo>
+                  <a:pt x="4165707" y="4957454"/>
+                </a:lnTo>
+                <a:lnTo>
+                  <a:pt x="4158155" y="4933805"/>
+                </a:lnTo>
+                <a:lnTo>
+                  <a:pt x="4159557" y="4912169"/>
+                </a:lnTo>
+                <a:cubicBezTo>
+                  <a:pt x="4161319" y="4904358"/>
+                  <a:pt x="4161831" y="4896714"/>
+                  <a:pt x="4161262" y="4889276"/>
+                </a:cubicBezTo>
+                <a:lnTo>
+                  <a:pt x="4161262" y="4889275"/>
+                </a:lnTo>
+                <a:lnTo>
+                  <a:pt x="4156484" y="4867614"/>
+                </a:lnTo>
+                <a:lnTo>
+                  <a:pt x="4153733" y="4863343"/>
+                </a:lnTo>
+                <a:lnTo>
+                  <a:pt x="4151983" y="4857317"/>
+                </a:lnTo>
+                <a:cubicBezTo>
+                  <a:pt x="4146840" y="4847214"/>
+                  <a:pt x="4139839" y="4837703"/>
+                  <a:pt x="4131552" y="4828916"/>
+                </a:cubicBezTo>
+                <a:lnTo>
+                  <a:pt x="4116716" y="4800483"/>
+                </a:lnTo>
+                <a:lnTo>
+                  <a:pt x="4118025" y="4767765"/>
+                </a:lnTo>
+                <a:cubicBezTo>
+                  <a:pt x="4123931" y="4738236"/>
+                  <a:pt x="4124313" y="4707565"/>
+                  <a:pt x="4127932" y="4677656"/>
+                </a:cubicBezTo>
+                <a:cubicBezTo>
+                  <a:pt x="4128694" y="4671177"/>
+                  <a:pt x="4131362" y="4662987"/>
+                  <a:pt x="4135934" y="4659175"/>
+                </a:cubicBezTo>
+                <a:cubicBezTo>
+                  <a:pt x="4192704" y="4612501"/>
+                  <a:pt x="4193276" y="4546777"/>
+                  <a:pt x="4195944" y="4482005"/>
+                </a:cubicBezTo>
+                <a:cubicBezTo>
+                  <a:pt x="4197659" y="4442762"/>
+                  <a:pt x="4197659" y="4403326"/>
+                  <a:pt x="4196706" y="4363891"/>
+                </a:cubicBezTo>
+                <a:lnTo>
+                  <a:pt x="4196706" y="4363890"/>
+                </a:lnTo>
+                <a:cubicBezTo>
+                  <a:pt x="4196514" y="4350554"/>
+                  <a:pt x="4193466" y="4336457"/>
+                  <a:pt x="4187752" y="4324645"/>
+                </a:cubicBezTo>
+                <a:cubicBezTo>
+                  <a:pt x="4175749" y="4300070"/>
+                  <a:pt x="4160129" y="4277401"/>
+                  <a:pt x="4147936" y="4253014"/>
+                </a:cubicBezTo>
+                <a:close/>
+                <a:moveTo>
+                  <a:pt x="4211111" y="2836172"/>
+                </a:moveTo>
+                <a:lnTo>
+                  <a:pt x="4202421" y="2848793"/>
+                </a:lnTo>
+                <a:cubicBezTo>
+                  <a:pt x="4197421" y="2865010"/>
+                  <a:pt x="4191562" y="2881307"/>
+                  <a:pt x="4186816" y="2897785"/>
+                </a:cubicBezTo>
+                <a:lnTo>
+                  <a:pt x="4185787" y="2903551"/>
+                </a:lnTo>
+                <a:lnTo>
+                  <a:pt x="4182513" y="2914328"/>
+                </a:lnTo>
+                <a:lnTo>
+                  <a:pt x="4177882" y="2947858"/>
+                </a:lnTo>
+                <a:lnTo>
+                  <a:pt x="4177881" y="2947862"/>
+                </a:lnTo>
+                <a:lnTo>
+                  <a:pt x="4177881" y="2947863"/>
+                </a:lnTo>
+                <a:cubicBezTo>
+                  <a:pt x="4177512" y="2959157"/>
+                  <a:pt x="4178512" y="2970576"/>
+                  <a:pt x="4181465" y="2982149"/>
+                </a:cubicBezTo>
+                <a:lnTo>
+                  <a:pt x="4193158" y="3077402"/>
+                </a:lnTo>
+                <a:lnTo>
+                  <a:pt x="4180703" y="3172654"/>
+                </a:lnTo>
+                <a:cubicBezTo>
+                  <a:pt x="4154794" y="3276480"/>
+                  <a:pt x="4127362" y="3380305"/>
+                  <a:pt x="4133076" y="3489467"/>
+                </a:cubicBezTo>
+                <a:cubicBezTo>
+                  <a:pt x="4134028" y="3507563"/>
+                  <a:pt x="4122407" y="3529090"/>
+                  <a:pt x="4110977" y="3544713"/>
+                </a:cubicBezTo>
+                <a:cubicBezTo>
+                  <a:pt x="4100119" y="3559668"/>
+                  <a:pt x="4094260" y="3566812"/>
+                  <a:pt x="4093355" y="3574408"/>
+                </a:cubicBezTo>
+                <a:lnTo>
+                  <a:pt x="4093355" y="3574409"/>
+                </a:lnTo>
+                <a:cubicBezTo>
+                  <a:pt x="4092450" y="3582005"/>
+                  <a:pt x="4096499" y="3590054"/>
+                  <a:pt x="4105453" y="3606818"/>
+                </a:cubicBezTo>
+                <a:cubicBezTo>
+                  <a:pt x="4109835" y="3614820"/>
+                  <a:pt x="4112501" y="3624726"/>
+                  <a:pt x="4118979" y="3630633"/>
+                </a:cubicBezTo>
+                <a:lnTo>
+                  <a:pt x="4136708" y="3654416"/>
+                </a:lnTo>
+                <a:lnTo>
+                  <a:pt x="4140382" y="3668940"/>
+                </a:lnTo>
+                <a:lnTo>
+                  <a:pt x="4143220" y="3680164"/>
+                </a:lnTo>
+                <a:lnTo>
+                  <a:pt x="4139172" y="3734837"/>
+                </a:lnTo>
+                <a:lnTo>
+                  <a:pt x="4139172" y="3734838"/>
+                </a:lnTo>
+                <a:cubicBezTo>
+                  <a:pt x="4138220" y="3741316"/>
+                  <a:pt x="4136886" y="3749126"/>
+                  <a:pt x="4139554" y="3754653"/>
+                </a:cubicBezTo>
+                <a:lnTo>
+                  <a:pt x="4145911" y="3789776"/>
+                </a:lnTo>
+                <a:lnTo>
+                  <a:pt x="4130980" y="3822472"/>
+                </a:lnTo>
+                <a:cubicBezTo>
+                  <a:pt x="4123932" y="3831902"/>
+                  <a:pt x="4118312" y="3842046"/>
+                  <a:pt x="4116645" y="3852619"/>
+                </a:cubicBezTo>
+                <a:lnTo>
+                  <a:pt x="4116645" y="3852620"/>
+                </a:lnTo>
+                <a:lnTo>
+                  <a:pt x="4117425" y="3868764"/>
+                </a:lnTo>
+                <a:lnTo>
+                  <a:pt x="4126028" y="3885337"/>
+                </a:lnTo>
+                <a:lnTo>
+                  <a:pt x="4126028" y="3885339"/>
+                </a:lnTo>
+                <a:cubicBezTo>
+                  <a:pt x="4135744" y="3897722"/>
+                  <a:pt x="4143150" y="3910319"/>
+                  <a:pt x="4148409" y="3923125"/>
+                </a:cubicBezTo>
+                <a:lnTo>
+                  <a:pt x="4157913" y="3962160"/>
+                </a:lnTo>
+                <a:lnTo>
+                  <a:pt x="4142221" y="4043838"/>
+                </a:lnTo>
+                <a:lnTo>
+                  <a:pt x="4142220" y="4043839"/>
+                </a:lnTo>
+                <a:cubicBezTo>
+                  <a:pt x="4133457" y="4063842"/>
+                  <a:pt x="4128075" y="4083702"/>
+                  <a:pt x="4127099" y="4103825"/>
+                </a:cubicBezTo>
+                <a:lnTo>
+                  <a:pt x="4127099" y="4103826"/>
+                </a:lnTo>
+                <a:lnTo>
+                  <a:pt x="4129066" y="4134256"/>
+                </a:lnTo>
+                <a:lnTo>
+                  <a:pt x="4138410" y="4165382"/>
+                </a:lnTo>
+                <a:lnTo>
+                  <a:pt x="4138410" y="4165384"/>
+                </a:lnTo>
+                <a:lnTo>
+                  <a:pt x="4142315" y="4192388"/>
+                </a:lnTo>
+                <a:lnTo>
+                  <a:pt x="4142315" y="4192387"/>
+                </a:lnTo>
+                <a:cubicBezTo>
+                  <a:pt x="4142411" y="4182767"/>
+                  <a:pt x="4141839" y="4173480"/>
+                  <a:pt x="4138410" y="4165383"/>
+                </a:cubicBezTo>
+                <a:lnTo>
+                  <a:pt x="4138410" y="4165382"/>
+                </a:lnTo>
+                <a:lnTo>
+                  <a:pt x="4127099" y="4103826"/>
+                </a:lnTo>
+                <a:lnTo>
+                  <a:pt x="4142220" y="4043840"/>
+                </a:lnTo>
+                <a:lnTo>
+                  <a:pt x="4142221" y="4043838"/>
+                </a:lnTo>
+                <a:lnTo>
+                  <a:pt x="4155523" y="4002410"/>
+                </a:lnTo>
+                <a:lnTo>
+                  <a:pt x="4157913" y="3962160"/>
+                </a:lnTo>
+                <a:lnTo>
+                  <a:pt x="4157913" y="3962159"/>
+                </a:lnTo>
+                <a:cubicBezTo>
+                  <a:pt x="4155651" y="3935727"/>
+                  <a:pt x="4145460" y="3910104"/>
+                  <a:pt x="4126028" y="3885338"/>
+                </a:cubicBezTo>
+                <a:lnTo>
+                  <a:pt x="4126028" y="3885337"/>
+                </a:lnTo>
+                <a:lnTo>
+                  <a:pt x="4116645" y="3852620"/>
+                </a:lnTo>
+                <a:lnTo>
+                  <a:pt x="4130980" y="3822473"/>
+                </a:lnTo>
+                <a:cubicBezTo>
+                  <a:pt x="4139172" y="3811614"/>
+                  <a:pt x="4144316" y="3800897"/>
+                  <a:pt x="4145911" y="3789777"/>
+                </a:cubicBezTo>
+                <a:lnTo>
+                  <a:pt x="4145911" y="3789776"/>
+                </a:lnTo>
+                <a:cubicBezTo>
+                  <a:pt x="4147507" y="3778655"/>
+                  <a:pt x="4145554" y="3767130"/>
+                  <a:pt x="4139554" y="3754652"/>
+                </a:cubicBezTo>
+                <a:lnTo>
+                  <a:pt x="4139172" y="3734838"/>
+                </a:lnTo>
+                <a:lnTo>
+                  <a:pt x="4143220" y="3680164"/>
+                </a:lnTo>
+                <a:lnTo>
+                  <a:pt x="4143220" y="3680163"/>
+                </a:lnTo>
+                <a:lnTo>
+                  <a:pt x="4140382" y="3668940"/>
+                </a:lnTo>
+                <a:lnTo>
+                  <a:pt x="4136708" y="3654416"/>
+                </a:lnTo>
+                <a:lnTo>
+                  <a:pt x="4136708" y="3654416"/>
+                </a:lnTo>
+                <a:lnTo>
+                  <a:pt x="4136708" y="3654415"/>
+                </a:lnTo>
+                <a:cubicBezTo>
+                  <a:pt x="4132898" y="3646123"/>
+                  <a:pt x="4127219" y="3638157"/>
+                  <a:pt x="4118979" y="3630632"/>
+                </a:cubicBezTo>
+                <a:cubicBezTo>
+                  <a:pt x="4112501" y="3624725"/>
+                  <a:pt x="4109835" y="3614819"/>
+                  <a:pt x="4105453" y="3606817"/>
+                </a:cubicBezTo>
+                <a:cubicBezTo>
+                  <a:pt x="4100976" y="3598435"/>
+                  <a:pt x="4097725" y="3592232"/>
+                  <a:pt x="4095707" y="3587174"/>
+                </a:cubicBezTo>
+                <a:lnTo>
+                  <a:pt x="4093355" y="3574408"/>
+                </a:lnTo>
+                <a:lnTo>
+                  <a:pt x="4098434" y="3562321"/>
+                </a:lnTo>
+                <a:cubicBezTo>
+                  <a:pt x="4101369" y="3557716"/>
+                  <a:pt x="4105548" y="3552191"/>
+                  <a:pt x="4110977" y="3544714"/>
+                </a:cubicBezTo>
+                <a:cubicBezTo>
+                  <a:pt x="4122407" y="3529091"/>
+                  <a:pt x="4134028" y="3507564"/>
+                  <a:pt x="4133076" y="3489468"/>
+                </a:cubicBezTo>
+                <a:cubicBezTo>
+                  <a:pt x="4127362" y="3380306"/>
+                  <a:pt x="4154794" y="3276481"/>
+                  <a:pt x="4180703" y="3172655"/>
+                </a:cubicBezTo>
+                <a:cubicBezTo>
+                  <a:pt x="4188705" y="3140650"/>
+                  <a:pt x="4192943" y="3109026"/>
+                  <a:pt x="4193158" y="3077402"/>
+                </a:cubicBezTo>
+                <a:lnTo>
+                  <a:pt x="4193158" y="3077401"/>
+                </a:lnTo>
+                <a:cubicBezTo>
+                  <a:pt x="4193372" y="3045777"/>
+                  <a:pt x="4189562" y="3014153"/>
+                  <a:pt x="4181465" y="2982148"/>
+                </a:cubicBezTo>
+                <a:lnTo>
+                  <a:pt x="4177881" y="2947863"/>
+                </a:lnTo>
+                <a:lnTo>
+                  <a:pt x="4177882" y="2947858"/>
+                </a:lnTo>
+                <a:lnTo>
+                  <a:pt x="4185787" y="2903551"/>
+                </a:lnTo>
+                <a:lnTo>
+                  <a:pt x="4202421" y="2848794"/>
+                </a:lnTo>
+                <a:cubicBezTo>
+                  <a:pt x="4203754" y="2844317"/>
+                  <a:pt x="4207040" y="2839983"/>
+                  <a:pt x="4211111" y="2836173"/>
+                </a:cubicBezTo>
+                <a:close/>
+                <a:moveTo>
+                  <a:pt x="3726625" y="1508458"/>
+                </a:moveTo>
+                <a:lnTo>
+                  <a:pt x="3698531" y="1596214"/>
+                </a:lnTo>
+                <a:cubicBezTo>
+                  <a:pt x="3696054" y="1604979"/>
+                  <a:pt x="3697579" y="1615837"/>
+                  <a:pt x="3700436" y="1624981"/>
+                </a:cubicBezTo>
+                <a:cubicBezTo>
+                  <a:pt x="3710152" y="1656224"/>
+                  <a:pt x="3734537" y="1676037"/>
+                  <a:pt x="3757017" y="1697754"/>
+                </a:cubicBezTo>
+                <a:cubicBezTo>
+                  <a:pt x="3766924" y="1707280"/>
+                  <a:pt x="3773972" y="1720424"/>
+                  <a:pt x="3779686" y="1733189"/>
+                </a:cubicBezTo>
+                <a:cubicBezTo>
+                  <a:pt x="3794357" y="1766336"/>
+                  <a:pt x="3807501" y="1800247"/>
+                  <a:pt x="3821407" y="1833776"/>
+                </a:cubicBezTo>
+                <a:cubicBezTo>
+                  <a:pt x="3822741" y="1837014"/>
+                  <a:pt x="3826170" y="1839680"/>
+                  <a:pt x="3829028" y="1842159"/>
+                </a:cubicBezTo>
+                <a:cubicBezTo>
+                  <a:pt x="3859129" y="1866923"/>
+                  <a:pt x="3889418" y="1891498"/>
+                  <a:pt x="3919519" y="1916455"/>
+                </a:cubicBezTo>
+                <a:cubicBezTo>
+                  <a:pt x="3925233" y="1921217"/>
+                  <a:pt x="3929425" y="1928077"/>
+                  <a:pt x="3934949" y="1933220"/>
+                </a:cubicBezTo>
+                <a:cubicBezTo>
+                  <a:pt x="3942569" y="1940460"/>
+                  <a:pt x="3949810" y="1949604"/>
+                  <a:pt x="3958954" y="1953414"/>
+                </a:cubicBezTo>
+                <a:cubicBezTo>
+                  <a:pt x="3987719" y="1965225"/>
+                  <a:pt x="4000103" y="1987895"/>
+                  <a:pt x="4005437" y="2016470"/>
+                </a:cubicBezTo>
+                <a:cubicBezTo>
+                  <a:pt x="4010390" y="2042571"/>
+                  <a:pt x="4014582" y="2068670"/>
+                  <a:pt x="4020296" y="2094579"/>
+                </a:cubicBezTo>
+                <a:cubicBezTo>
+                  <a:pt x="4027154" y="2126202"/>
+                  <a:pt x="4034584" y="2157637"/>
+                  <a:pt x="4042967" y="2188880"/>
+                </a:cubicBezTo>
+                <a:cubicBezTo>
+                  <a:pt x="4046587" y="2202405"/>
+                  <a:pt x="4050777" y="2216693"/>
+                  <a:pt x="4058207" y="2228315"/>
+                </a:cubicBezTo>
+                <a:cubicBezTo>
+                  <a:pt x="4078782" y="2260891"/>
+                  <a:pt x="4092688" y="2295754"/>
+                  <a:pt x="4087164" y="2334045"/>
+                </a:cubicBezTo>
+                <a:cubicBezTo>
+                  <a:pt x="4082782" y="2364716"/>
+                  <a:pt x="4094022" y="2390435"/>
+                  <a:pt x="4111549" y="2409486"/>
+                </a:cubicBezTo>
+                <a:cubicBezTo>
+                  <a:pt x="4119503" y="2418155"/>
+                  <a:pt x="4125016" y="2426977"/>
+                  <a:pt x="4128650" y="2435913"/>
+                </a:cubicBezTo>
+                <a:lnTo>
+                  <a:pt x="4134481" y="2463018"/>
+                </a:lnTo>
+                <a:lnTo>
+                  <a:pt x="4125839" y="2518262"/>
+                </a:lnTo>
+                <a:lnTo>
+                  <a:pt x="4125838" y="2518264"/>
+                </a:lnTo>
+                <a:cubicBezTo>
+                  <a:pt x="4123171" y="2527790"/>
+                  <a:pt x="4122027" y="2536457"/>
+                  <a:pt x="4122194" y="2545006"/>
+                </a:cubicBezTo>
+                <a:lnTo>
+                  <a:pt x="4122194" y="2545007"/>
+                </a:lnTo>
+                <a:cubicBezTo>
+                  <a:pt x="4122360" y="2553556"/>
+                  <a:pt x="4123837" y="2561986"/>
+                  <a:pt x="4126408" y="2571035"/>
+                </a:cubicBezTo>
+                <a:cubicBezTo>
+                  <a:pt x="4138410" y="2612946"/>
+                  <a:pt x="4170987" y="2640951"/>
+                  <a:pt x="4199563" y="2668002"/>
+                </a:cubicBezTo>
+                <a:cubicBezTo>
+                  <a:pt x="4223947" y="2691055"/>
+                  <a:pt x="4237663" y="2716964"/>
+                  <a:pt x="4247953" y="2745349"/>
+                </a:cubicBezTo>
+                <a:lnTo>
+                  <a:pt x="4247954" y="2745352"/>
+                </a:lnTo>
+                <a:lnTo>
+                  <a:pt x="4253873" y="2778006"/>
+                </a:lnTo>
+                <a:lnTo>
+                  <a:pt x="4253453" y="2785440"/>
+                </a:lnTo>
+                <a:lnTo>
+                  <a:pt x="4243374" y="2811780"/>
+                </a:lnTo>
+                <a:lnTo>
+                  <a:pt x="4243371" y="2811787"/>
+                </a:lnTo>
+                <a:lnTo>
+                  <a:pt x="4243372" y="2811787"/>
+                </a:lnTo>
+                <a:lnTo>
+                  <a:pt x="4243374" y="2811780"/>
+                </a:lnTo>
+                <a:lnTo>
+                  <a:pt x="4253025" y="2793023"/>
+                </a:lnTo>
+                <a:lnTo>
+                  <a:pt x="4253453" y="2785440"/>
+                </a:lnTo>
+                <a:lnTo>
+                  <a:pt x="4254654" y="2782305"/>
+                </a:lnTo>
+                <a:lnTo>
+                  <a:pt x="4253873" y="2778006"/>
+                </a:lnTo>
+                <a:lnTo>
+                  <a:pt x="4254284" y="2770758"/>
+                </a:lnTo>
+                <a:lnTo>
+                  <a:pt x="4247954" y="2745352"/>
+                </a:lnTo>
+                <a:lnTo>
+                  <a:pt x="4247953" y="2745348"/>
+                </a:lnTo>
+                <a:cubicBezTo>
+                  <a:pt x="4237663" y="2716963"/>
+                  <a:pt x="4223947" y="2691054"/>
+                  <a:pt x="4199563" y="2668001"/>
+                </a:cubicBezTo>
+                <a:cubicBezTo>
+                  <a:pt x="4170987" y="2640950"/>
+                  <a:pt x="4138410" y="2612945"/>
+                  <a:pt x="4126408" y="2571034"/>
+                </a:cubicBezTo>
+                <a:lnTo>
+                  <a:pt x="4122194" y="2545007"/>
+                </a:lnTo>
+                <a:lnTo>
+                  <a:pt x="4125838" y="2518265"/>
+                </a:lnTo>
+                <a:lnTo>
+                  <a:pt x="4125839" y="2518262"/>
+                </a:lnTo>
+                <a:lnTo>
+                  <a:pt x="4132419" y="2490551"/>
+                </a:lnTo>
+                <a:lnTo>
+                  <a:pt x="4134481" y="2463018"/>
+                </a:lnTo>
+                <a:lnTo>
+                  <a:pt x="4134481" y="2463017"/>
+                </a:lnTo>
+                <a:cubicBezTo>
+                  <a:pt x="4133600" y="2444777"/>
+                  <a:pt x="4127457" y="2426822"/>
+                  <a:pt x="4111549" y="2409485"/>
+                </a:cubicBezTo>
+                <a:cubicBezTo>
+                  <a:pt x="4094022" y="2390434"/>
+                  <a:pt x="4082782" y="2364715"/>
+                  <a:pt x="4087164" y="2334044"/>
+                </a:cubicBezTo>
+                <a:cubicBezTo>
+                  <a:pt x="4092688" y="2295753"/>
+                  <a:pt x="4078782" y="2260890"/>
+                  <a:pt x="4058207" y="2228314"/>
+                </a:cubicBezTo>
+                <a:cubicBezTo>
+                  <a:pt x="4050777" y="2216692"/>
+                  <a:pt x="4046587" y="2202404"/>
+                  <a:pt x="4042967" y="2188879"/>
+                </a:cubicBezTo>
+                <a:cubicBezTo>
+                  <a:pt x="4034584" y="2157636"/>
+                  <a:pt x="4027154" y="2126201"/>
+                  <a:pt x="4020296" y="2094578"/>
+                </a:cubicBezTo>
+                <a:cubicBezTo>
+                  <a:pt x="4014582" y="2068669"/>
+                  <a:pt x="4010390" y="2042570"/>
+                  <a:pt x="4005437" y="2016469"/>
+                </a:cubicBezTo>
+                <a:cubicBezTo>
+                  <a:pt x="4000103" y="1987894"/>
+                  <a:pt x="3987719" y="1965224"/>
+                  <a:pt x="3958954" y="1953413"/>
+                </a:cubicBezTo>
+                <a:cubicBezTo>
+                  <a:pt x="3949810" y="1949603"/>
+                  <a:pt x="3942569" y="1940459"/>
+                  <a:pt x="3934949" y="1933219"/>
+                </a:cubicBezTo>
+                <a:cubicBezTo>
+                  <a:pt x="3929425" y="1928076"/>
+                  <a:pt x="3925233" y="1921216"/>
+                  <a:pt x="3919519" y="1916454"/>
+                </a:cubicBezTo>
+                <a:cubicBezTo>
+                  <a:pt x="3889418" y="1891497"/>
+                  <a:pt x="3859129" y="1866922"/>
+                  <a:pt x="3829028" y="1842158"/>
+                </a:cubicBezTo>
+                <a:cubicBezTo>
+                  <a:pt x="3826170" y="1839679"/>
+                  <a:pt x="3822741" y="1837013"/>
+                  <a:pt x="3821407" y="1833775"/>
+                </a:cubicBezTo>
+                <a:cubicBezTo>
+                  <a:pt x="3807501" y="1800246"/>
+                  <a:pt x="3794358" y="1766335"/>
+                  <a:pt x="3779686" y="1733188"/>
+                </a:cubicBezTo>
+                <a:cubicBezTo>
+                  <a:pt x="3773972" y="1720423"/>
+                  <a:pt x="3766924" y="1707279"/>
+                  <a:pt x="3757018" y="1697753"/>
+                </a:cubicBezTo>
+                <a:cubicBezTo>
+                  <a:pt x="3734538" y="1676036"/>
+                  <a:pt x="3710152" y="1656223"/>
+                  <a:pt x="3700436" y="1624980"/>
+                </a:cubicBezTo>
+                <a:cubicBezTo>
+                  <a:pt x="3697580" y="1615836"/>
+                  <a:pt x="3696055" y="1604978"/>
+                  <a:pt x="3698532" y="1596213"/>
+                </a:cubicBezTo>
+                <a:close/>
+                <a:moveTo>
+                  <a:pt x="3745230" y="1459073"/>
+                </a:moveTo>
+                <a:lnTo>
+                  <a:pt x="3745229" y="1459074"/>
+                </a:lnTo>
+                <a:lnTo>
+                  <a:pt x="3736012" y="1481572"/>
+                </a:lnTo>
+                <a:close/>
+                <a:moveTo>
+                  <a:pt x="3764423" y="1268758"/>
+                </a:moveTo>
+                <a:cubicBezTo>
+                  <a:pt x="3764875" y="1275402"/>
+                  <a:pt x="3766447" y="1281689"/>
+                  <a:pt x="3769590" y="1286070"/>
+                </a:cubicBezTo>
+                <a:cubicBezTo>
+                  <a:pt x="3784163" y="1306930"/>
+                  <a:pt x="3790403" y="1328553"/>
+                  <a:pt x="3791927" y="1350628"/>
+                </a:cubicBezTo>
+                <a:lnTo>
+                  <a:pt x="3786333" y="1413840"/>
+                </a:lnTo>
+                <a:lnTo>
+                  <a:pt x="3791928" y="1350627"/>
+                </a:lnTo>
+                <a:cubicBezTo>
+                  <a:pt x="3790403" y="1328552"/>
+                  <a:pt x="3784164" y="1306930"/>
+                  <a:pt x="3769590" y="1286069"/>
+                </a:cubicBezTo>
+                <a:close/>
+                <a:moveTo>
+                  <a:pt x="3706152" y="773035"/>
+                </a:moveTo>
+                <a:lnTo>
+                  <a:pt x="3706152" y="773036"/>
+                </a:lnTo>
+                <a:cubicBezTo>
+                  <a:pt x="3708438" y="800277"/>
+                  <a:pt x="3711676" y="827330"/>
+                  <a:pt x="3714152" y="854380"/>
+                </a:cubicBezTo>
+                <a:cubicBezTo>
+                  <a:pt x="3716438" y="878957"/>
+                  <a:pt x="3717200" y="903723"/>
+                  <a:pt x="3745205" y="915344"/>
+                </a:cubicBezTo>
+                <a:cubicBezTo>
+                  <a:pt x="3749587" y="917060"/>
+                  <a:pt x="3752825" y="922774"/>
+                  <a:pt x="3755683" y="927156"/>
+                </a:cubicBezTo>
+                <a:cubicBezTo>
+                  <a:pt x="3799691" y="994786"/>
+                  <a:pt x="3798547" y="1030981"/>
+                  <a:pt x="3752063" y="1097088"/>
+                </a:cubicBezTo>
+                <a:cubicBezTo>
+                  <a:pt x="3747301" y="1103946"/>
+                  <a:pt x="3743871" y="1118614"/>
+                  <a:pt x="3747681" y="1123186"/>
+                </a:cubicBezTo>
+                <a:cubicBezTo>
+                  <a:pt x="3763493" y="1142618"/>
+                  <a:pt x="3770542" y="1162954"/>
+                  <a:pt x="3772400" y="1184029"/>
+                </a:cubicBezTo>
+                <a:cubicBezTo>
+                  <a:pt x="3770542" y="1162954"/>
+                  <a:pt x="3763494" y="1142617"/>
+                  <a:pt x="3747682" y="1123185"/>
+                </a:cubicBezTo>
+                <a:cubicBezTo>
+                  <a:pt x="3743872" y="1118613"/>
+                  <a:pt x="3747302" y="1103945"/>
+                  <a:pt x="3752064" y="1097087"/>
+                </a:cubicBezTo>
+                <a:cubicBezTo>
+                  <a:pt x="3798548" y="1030980"/>
+                  <a:pt x="3799692" y="994785"/>
+                  <a:pt x="3755684" y="927155"/>
+                </a:cubicBezTo>
+                <a:cubicBezTo>
+                  <a:pt x="3752826" y="922773"/>
+                  <a:pt x="3749588" y="917059"/>
+                  <a:pt x="3745206" y="915343"/>
+                </a:cubicBezTo>
+                <a:cubicBezTo>
+                  <a:pt x="3717200" y="903722"/>
+                  <a:pt x="3716438" y="878956"/>
+                  <a:pt x="3714152" y="854379"/>
+                </a:cubicBezTo>
+                <a:close/>
+                <a:moveTo>
+                  <a:pt x="3761553" y="517851"/>
+                </a:moveTo>
+                <a:lnTo>
+                  <a:pt x="3752635" y="556048"/>
+                </a:lnTo>
+                <a:cubicBezTo>
+                  <a:pt x="3750539" y="564049"/>
+                  <a:pt x="3745015" y="572623"/>
+                  <a:pt x="3746157" y="580051"/>
+                </a:cubicBezTo>
+                <a:cubicBezTo>
+                  <a:pt x="3749491" y="601579"/>
+                  <a:pt x="3747062" y="622201"/>
+                  <a:pt x="3742776" y="642538"/>
+                </a:cubicBezTo>
+                <a:lnTo>
+                  <a:pt x="3730253" y="694928"/>
+                </a:lnTo>
+                <a:lnTo>
+                  <a:pt x="3742777" y="642537"/>
+                </a:lnTo>
+                <a:cubicBezTo>
+                  <a:pt x="3747063" y="622201"/>
+                  <a:pt x="3749492" y="601578"/>
+                  <a:pt x="3746158" y="580050"/>
+                </a:cubicBezTo>
+                <a:cubicBezTo>
+                  <a:pt x="3745016" y="572622"/>
+                  <a:pt x="3750540" y="564048"/>
+                  <a:pt x="3752636" y="556047"/>
+                </a:cubicBezTo>
+                <a:close/>
+                <a:moveTo>
+                  <a:pt x="3774848" y="298169"/>
+                </a:moveTo>
+                <a:lnTo>
+                  <a:pt x="3760065" y="313534"/>
+                </a:lnTo>
+                <a:cubicBezTo>
+                  <a:pt x="3755873" y="316390"/>
+                  <a:pt x="3758159" y="330299"/>
+                  <a:pt x="3759493" y="338871"/>
+                </a:cubicBezTo>
+                <a:lnTo>
+                  <a:pt x="3759500" y="338900"/>
+                </a:lnTo>
+                <a:lnTo>
+                  <a:pt x="3769400" y="395640"/>
+                </a:lnTo>
+                <a:lnTo>
+                  <a:pt x="3765590" y="367328"/>
+                </a:lnTo>
+                <a:lnTo>
+                  <a:pt x="3759500" y="338900"/>
+                </a:lnTo>
+                <a:lnTo>
+                  <a:pt x="3759494" y="338870"/>
+                </a:lnTo>
+                <a:cubicBezTo>
+                  <a:pt x="3758160" y="330298"/>
+                  <a:pt x="3755874" y="316389"/>
+                  <a:pt x="3760066" y="313533"/>
+                </a:cubicBezTo>
+                <a:close/>
+                <a:moveTo>
+                  <a:pt x="3782393" y="281568"/>
+                </a:moveTo>
+                <a:lnTo>
+                  <a:pt x="3777498" y="295415"/>
+                </a:lnTo>
+                <a:lnTo>
+                  <a:pt x="3777499" y="295415"/>
+                </a:lnTo>
+                <a:close/>
+                <a:moveTo>
+                  <a:pt x="3769073" y="24486"/>
+                </a:moveTo>
+                <a:lnTo>
+                  <a:pt x="3766810" y="74129"/>
+                </a:lnTo>
+                <a:cubicBezTo>
+                  <a:pt x="3767733" y="91492"/>
+                  <a:pt x="3770043" y="108703"/>
+                  <a:pt x="3772734" y="125861"/>
+                </a:cubicBezTo>
+                <a:lnTo>
+                  <a:pt x="3777129" y="153387"/>
+                </a:lnTo>
+                <a:lnTo>
+                  <a:pt x="3785402" y="228944"/>
+                </a:lnTo>
+                <a:lnTo>
+                  <a:pt x="3780943" y="177271"/>
+                </a:lnTo>
+                <a:lnTo>
+                  <a:pt x="3777129" y="153387"/>
+                </a:lnTo>
+                <a:lnTo>
+                  <a:pt x="3776930" y="151569"/>
+                </a:lnTo>
+                <a:cubicBezTo>
+                  <a:pt x="3772700" y="125876"/>
+                  <a:pt x="3768195" y="100174"/>
+                  <a:pt x="3766811" y="74129"/>
+                </a:cubicBezTo>
+                <a:close/>
+                <a:moveTo>
+                  <a:pt x="3766492" y="0"/>
+                </a:moveTo>
+                <a:lnTo>
+                  <a:pt x="4230600" y="0"/>
+                </a:lnTo>
+                <a:lnTo>
+                  <a:pt x="4229473" y="2817"/>
+                </a:lnTo>
+                <a:cubicBezTo>
+                  <a:pt x="4221092" y="21486"/>
+                  <a:pt x="4218423" y="43012"/>
+                  <a:pt x="4215375" y="63587"/>
+                </a:cubicBezTo>
+                <a:cubicBezTo>
+                  <a:pt x="4209851" y="101308"/>
+                  <a:pt x="4206421" y="139219"/>
+                  <a:pt x="4201468" y="176939"/>
+                </a:cubicBezTo>
+                <a:cubicBezTo>
+                  <a:pt x="4200325" y="184941"/>
+                  <a:pt x="4198231" y="194085"/>
+                  <a:pt x="4193466" y="200182"/>
+                </a:cubicBezTo>
+                <a:cubicBezTo>
+                  <a:pt x="4161461" y="241901"/>
+                  <a:pt x="4152508" y="292579"/>
+                  <a:pt x="4155554" y="340774"/>
+                </a:cubicBezTo>
+                <a:cubicBezTo>
+                  <a:pt x="4157843" y="378686"/>
+                  <a:pt x="4159557" y="415835"/>
+                  <a:pt x="4156319" y="453364"/>
+                </a:cubicBezTo>
+                <a:cubicBezTo>
+                  <a:pt x="4156127" y="456222"/>
+                  <a:pt x="4156509" y="460032"/>
+                  <a:pt x="4158033" y="462126"/>
+                </a:cubicBezTo>
+                <a:cubicBezTo>
+                  <a:pt x="4168129" y="475081"/>
+                  <a:pt x="4168891" y="488607"/>
+                  <a:pt x="4170605" y="505182"/>
+                </a:cubicBezTo>
+                <a:cubicBezTo>
+                  <a:pt x="4173083" y="528615"/>
+                  <a:pt x="4171367" y="550141"/>
+                  <a:pt x="4167177" y="571860"/>
+                </a:cubicBezTo>
+                <a:cubicBezTo>
+                  <a:pt x="4164129" y="587672"/>
+                  <a:pt x="4157843" y="603673"/>
+                  <a:pt x="4149840" y="617772"/>
+                </a:cubicBezTo>
+                <a:cubicBezTo>
+                  <a:pt x="4138600" y="637392"/>
+                  <a:pt x="4134220" y="656255"/>
+                  <a:pt x="4149078" y="674923"/>
+                </a:cubicBezTo>
+                <a:cubicBezTo>
+                  <a:pt x="4164891" y="695116"/>
+                  <a:pt x="4159367" y="717977"/>
+                  <a:pt x="4159937" y="740268"/>
+                </a:cubicBezTo>
+                <a:cubicBezTo>
+                  <a:pt x="4160129" y="749982"/>
+                  <a:pt x="4159747" y="760270"/>
+                  <a:pt x="4162223" y="769605"/>
+                </a:cubicBezTo>
+                <a:cubicBezTo>
+                  <a:pt x="4169273" y="796655"/>
+                  <a:pt x="4179941" y="822756"/>
+                  <a:pt x="4184703" y="850189"/>
+                </a:cubicBezTo>
+                <a:cubicBezTo>
+                  <a:pt x="4187370" y="865430"/>
+                  <a:pt x="4182607" y="882384"/>
+                  <a:pt x="4179179" y="898198"/>
+                </a:cubicBezTo>
+                <a:cubicBezTo>
+                  <a:pt x="4175559" y="914200"/>
+                  <a:pt x="4170035" y="930011"/>
+                  <a:pt x="4164319" y="945444"/>
+                </a:cubicBezTo>
+                <a:cubicBezTo>
+                  <a:pt x="4160509" y="955920"/>
+                  <a:pt x="4156889" y="967350"/>
+                  <a:pt x="4150030" y="975733"/>
+                </a:cubicBezTo>
+                <a:cubicBezTo>
+                  <a:pt x="4134410" y="994785"/>
+                  <a:pt x="4131742" y="1014406"/>
+                  <a:pt x="4139934" y="1036887"/>
+                </a:cubicBezTo>
+                <a:cubicBezTo>
+                  <a:pt x="4141268" y="1040315"/>
+                  <a:pt x="4141268" y="1044315"/>
+                  <a:pt x="4141458" y="1048125"/>
+                </a:cubicBezTo>
+                <a:cubicBezTo>
+                  <a:pt x="4145458" y="1109091"/>
+                  <a:pt x="4147936" y="1170051"/>
+                  <a:pt x="4154032" y="1230633"/>
+                </a:cubicBezTo>
+                <a:cubicBezTo>
+                  <a:pt x="4156509" y="1255206"/>
+                  <a:pt x="4167367" y="1278829"/>
+                  <a:pt x="4174225" y="1303024"/>
+                </a:cubicBezTo>
+                <a:cubicBezTo>
+                  <a:pt x="4175559" y="1307978"/>
+                  <a:pt x="4177655" y="1313504"/>
+                  <a:pt x="4176701" y="1318456"/>
+                </a:cubicBezTo>
+                <a:cubicBezTo>
+                  <a:pt x="4167177" y="1372368"/>
+                  <a:pt x="4181083" y="1422854"/>
+                  <a:pt x="4199372" y="1472575"/>
+                </a:cubicBezTo>
+                <a:cubicBezTo>
+                  <a:pt x="4201278" y="1477717"/>
+                  <a:pt x="4200706" y="1484004"/>
+                  <a:pt x="4200325" y="1489720"/>
+                </a:cubicBezTo>
+                <a:cubicBezTo>
+                  <a:pt x="4198993" y="1505724"/>
+                  <a:pt x="4192324" y="1523059"/>
+                  <a:pt x="4196324" y="1537537"/>
+                </a:cubicBezTo>
+                <a:cubicBezTo>
+                  <a:pt x="4207374" y="1576019"/>
+                  <a:pt x="4220709" y="1614120"/>
+                  <a:pt x="4237474" y="1650317"/>
+                </a:cubicBezTo>
+                <a:cubicBezTo>
+                  <a:pt x="4254428" y="1687086"/>
+                  <a:pt x="4268716" y="1721185"/>
+                  <a:pt x="4251572" y="1763287"/>
+                </a:cubicBezTo>
+                <a:cubicBezTo>
+                  <a:pt x="4244332" y="1781194"/>
+                  <a:pt x="4249476" y="1804816"/>
+                  <a:pt x="4251380" y="1825393"/>
+                </a:cubicBezTo>
+                <a:cubicBezTo>
+                  <a:pt x="4252904" y="1840441"/>
+                  <a:pt x="4261478" y="1854920"/>
+                  <a:pt x="4261478" y="1869780"/>
+                </a:cubicBezTo>
+                <a:cubicBezTo>
+                  <a:pt x="4261478" y="1909408"/>
+                  <a:pt x="4271574" y="1944649"/>
+                  <a:pt x="4292149" y="1978940"/>
+                </a:cubicBezTo>
+                <a:cubicBezTo>
+                  <a:pt x="4300150" y="1992279"/>
+                  <a:pt x="4294815" y="2013043"/>
+                  <a:pt x="4296911" y="2030378"/>
+                </a:cubicBezTo>
+                <a:cubicBezTo>
+                  <a:pt x="4299388" y="2048668"/>
+                  <a:pt x="4301673" y="2067525"/>
+                  <a:pt x="4307201" y="2085054"/>
+                </a:cubicBezTo>
+                <a:cubicBezTo>
+                  <a:pt x="4321679" y="2130393"/>
+                  <a:pt x="4338062" y="2175163"/>
+                  <a:pt x="4353302" y="2220312"/>
+                </a:cubicBezTo>
+                <a:cubicBezTo>
+                  <a:pt x="4365877" y="2257459"/>
+                  <a:pt x="4355970" y="2294039"/>
+                  <a:pt x="4350636" y="2330806"/>
+                </a:cubicBezTo>
+                <a:cubicBezTo>
+                  <a:pt x="4347205" y="2353859"/>
+                  <a:pt x="4339013" y="2375383"/>
+                  <a:pt x="4351206" y="2401292"/>
+                </a:cubicBezTo>
+                <a:cubicBezTo>
+                  <a:pt x="4362828" y="2426059"/>
+                  <a:pt x="4360160" y="2457492"/>
+                  <a:pt x="4366446" y="2485307"/>
+                </a:cubicBezTo>
+                <a:cubicBezTo>
+                  <a:pt x="4371781" y="2508742"/>
+                  <a:pt x="4380354" y="2531409"/>
+                  <a:pt x="4388736" y="2554079"/>
+                </a:cubicBezTo>
+                <a:cubicBezTo>
+                  <a:pt x="4400168" y="2584942"/>
+                  <a:pt x="4412167" y="2615421"/>
+                  <a:pt x="4406453" y="2649143"/>
+                </a:cubicBezTo>
+                <a:cubicBezTo>
+                  <a:pt x="4399976" y="2687436"/>
+                  <a:pt x="4424359" y="2713723"/>
+                  <a:pt x="4440554" y="2743826"/>
+                </a:cubicBezTo>
+                <a:cubicBezTo>
+                  <a:pt x="4451603" y="2764590"/>
+                  <a:pt x="4459795" y="2787259"/>
+                  <a:pt x="4466653" y="2809930"/>
+                </a:cubicBezTo>
+                <a:cubicBezTo>
+                  <a:pt x="4475607" y="2840219"/>
+                  <a:pt x="4480941" y="2871462"/>
+                  <a:pt x="4489705" y="2901943"/>
+                </a:cubicBezTo>
+                <a:cubicBezTo>
+                  <a:pt x="4502848" y="2948047"/>
+                  <a:pt x="4513137" y="2994722"/>
+                  <a:pt x="4505897" y="3042728"/>
+                </a:cubicBezTo>
+                <a:cubicBezTo>
+                  <a:pt x="4502659" y="3064827"/>
+                  <a:pt x="4502848" y="3085403"/>
+                  <a:pt x="4507613" y="3107500"/>
+                </a:cubicBezTo>
+                <a:cubicBezTo>
+                  <a:pt x="4515422" y="3143695"/>
+                  <a:pt x="4516376" y="3180844"/>
+                  <a:pt x="4545521" y="3209993"/>
+                </a:cubicBezTo>
+                <a:cubicBezTo>
+                  <a:pt x="4555811" y="3220280"/>
+                  <a:pt x="4558477" y="3238758"/>
+                  <a:pt x="4563811" y="3253809"/>
+                </a:cubicBezTo>
+                <a:cubicBezTo>
+                  <a:pt x="4570099" y="3271145"/>
+                  <a:pt x="4566858" y="3283908"/>
+                  <a:pt x="4548570" y="3293244"/>
+                </a:cubicBezTo>
+                <a:cubicBezTo>
+                  <a:pt x="4540379" y="3297434"/>
+                  <a:pt x="4532378" y="3309437"/>
+                  <a:pt x="4531043" y="3318771"/>
+                </a:cubicBezTo>
+                <a:cubicBezTo>
+                  <a:pt x="4527043" y="3346776"/>
+                  <a:pt x="4532950" y="3372495"/>
+                  <a:pt x="4545904" y="3399546"/>
+                </a:cubicBezTo>
+                <a:cubicBezTo>
+                  <a:pt x="4558096" y="3424883"/>
+                  <a:pt x="4556762" y="3456508"/>
+                  <a:pt x="4561524" y="3485275"/>
+                </a:cubicBezTo>
+                <a:cubicBezTo>
+                  <a:pt x="4564954" y="3505657"/>
+                  <a:pt x="4572002" y="3526042"/>
+                  <a:pt x="4572002" y="3546617"/>
+                </a:cubicBezTo>
+                <a:cubicBezTo>
+                  <a:pt x="4572002" y="3572146"/>
+                  <a:pt x="4565907" y="3597482"/>
+                  <a:pt x="4563620" y="3623201"/>
+                </a:cubicBezTo>
+                <a:cubicBezTo>
+                  <a:pt x="4561716" y="3643204"/>
+                  <a:pt x="4562478" y="3663589"/>
+                  <a:pt x="4560192" y="3683591"/>
+                </a:cubicBezTo>
+                <a:cubicBezTo>
+                  <a:pt x="4558477" y="3699976"/>
+                  <a:pt x="4554096" y="3716168"/>
+                  <a:pt x="4550476" y="3732361"/>
+                </a:cubicBezTo>
+                <a:cubicBezTo>
+                  <a:pt x="4549142" y="3738267"/>
+                  <a:pt x="4543998" y="3744173"/>
+                  <a:pt x="4544759" y="3749506"/>
+                </a:cubicBezTo>
+                <a:cubicBezTo>
+                  <a:pt x="4552953" y="3802467"/>
+                  <a:pt x="4516376" y="3840569"/>
+                  <a:pt x="4500182" y="3885338"/>
+                </a:cubicBezTo>
+                <a:cubicBezTo>
+                  <a:pt x="4483035" y="3932394"/>
+                  <a:pt x="4456748" y="3977925"/>
+                  <a:pt x="4464557" y="4030503"/>
+                </a:cubicBezTo>
+                <a:cubicBezTo>
+                  <a:pt x="4469319" y="4062318"/>
+                  <a:pt x="4480369" y="4092989"/>
+                  <a:pt x="4487039" y="4124614"/>
+                </a:cubicBezTo>
+                <a:cubicBezTo>
+                  <a:pt x="4489324" y="4135854"/>
+                  <a:pt x="4488943" y="4148427"/>
+                  <a:pt x="4486656" y="4159667"/>
+                </a:cubicBezTo>
+                <a:cubicBezTo>
+                  <a:pt x="4476177" y="4213961"/>
+                  <a:pt x="4474653" y="4267493"/>
+                  <a:pt x="4491801" y="4320837"/>
+                </a:cubicBezTo>
+                <a:cubicBezTo>
+                  <a:pt x="4494659" y="4329979"/>
+                  <a:pt x="4497325" y="4339695"/>
+                  <a:pt x="4497325" y="4349222"/>
+                </a:cubicBezTo>
+                <a:cubicBezTo>
+                  <a:pt x="4497325" y="4401419"/>
+                  <a:pt x="4493324" y="4452665"/>
+                  <a:pt x="4474653" y="4502579"/>
+                </a:cubicBezTo>
+                <a:cubicBezTo>
+                  <a:pt x="4468368" y="4519343"/>
+                  <a:pt x="4472368" y="4539728"/>
+                  <a:pt x="4470844" y="4558207"/>
+                </a:cubicBezTo>
+                <a:cubicBezTo>
+                  <a:pt x="4469511" y="4575351"/>
+                  <a:pt x="4468940" y="4592878"/>
+                  <a:pt x="4464557" y="4609452"/>
+                </a:cubicBezTo>
+                <a:cubicBezTo>
+                  <a:pt x="4458082" y="4633647"/>
+                  <a:pt x="4457320" y="4656126"/>
+                  <a:pt x="4463033" y="4681083"/>
+                </a:cubicBezTo>
+                <a:cubicBezTo>
+                  <a:pt x="4468368" y="4704895"/>
+                  <a:pt x="4465702" y="4730614"/>
+                  <a:pt x="4465891" y="4755381"/>
+                </a:cubicBezTo>
+                <a:cubicBezTo>
+                  <a:pt x="4466082" y="4783004"/>
+                  <a:pt x="4466272" y="4810627"/>
+                  <a:pt x="4465319" y="4838250"/>
+                </a:cubicBezTo>
+                <a:cubicBezTo>
+                  <a:pt x="4464940" y="4849300"/>
+                  <a:pt x="4457320" y="4861873"/>
+                  <a:pt x="4460367" y="4871019"/>
+                </a:cubicBezTo>
+                <a:cubicBezTo>
+                  <a:pt x="4470653" y="4900546"/>
+                  <a:pt x="4458271" y="4930075"/>
+                  <a:pt x="4463795" y="4959602"/>
+                </a:cubicBezTo>
+                <a:cubicBezTo>
+                  <a:pt x="4466653" y="4974082"/>
+                  <a:pt x="4458844" y="4990465"/>
+                  <a:pt x="4458082" y="5006086"/>
+                </a:cubicBezTo>
+                <a:cubicBezTo>
+                  <a:pt x="4456748" y="5031614"/>
+                  <a:pt x="4457320" y="5057141"/>
+                  <a:pt x="4456937" y="5082670"/>
+                </a:cubicBezTo>
+                <a:cubicBezTo>
+                  <a:pt x="4456748" y="5091052"/>
+                  <a:pt x="4455986" y="5099245"/>
+                  <a:pt x="4455603" y="5107627"/>
+                </a:cubicBezTo>
+                <a:cubicBezTo>
+                  <a:pt x="4455223" y="5115057"/>
+                  <a:pt x="4453508" y="5122867"/>
+                  <a:pt x="4454840" y="5129916"/>
+                </a:cubicBezTo>
+                <a:cubicBezTo>
+                  <a:pt x="4459605" y="5155445"/>
+                  <a:pt x="4467415" y="5180591"/>
+                  <a:pt x="4470464" y="5206308"/>
+                </a:cubicBezTo>
+                <a:cubicBezTo>
+                  <a:pt x="4473130" y="5228597"/>
+                  <a:pt x="4469511" y="5251650"/>
+                  <a:pt x="4471415" y="5274129"/>
+                </a:cubicBezTo>
+                <a:cubicBezTo>
+                  <a:pt x="4474653" y="5313754"/>
+                  <a:pt x="4480369" y="5353379"/>
+                  <a:pt x="4483990" y="5393005"/>
+                </a:cubicBezTo>
+                <a:cubicBezTo>
+                  <a:pt x="4484752" y="5401579"/>
+                  <a:pt x="4479988" y="5410531"/>
+                  <a:pt x="4479607" y="5419295"/>
+                </a:cubicBezTo>
+                <a:cubicBezTo>
+                  <a:pt x="4478656" y="5446728"/>
+                  <a:pt x="4478464" y="5474161"/>
+                  <a:pt x="4477894" y="5501594"/>
+                </a:cubicBezTo>
+                <a:cubicBezTo>
+                  <a:pt x="4477702" y="5517215"/>
+                  <a:pt x="4478273" y="5533027"/>
+                  <a:pt x="4476560" y="5548460"/>
+                </a:cubicBezTo>
+                <a:cubicBezTo>
+                  <a:pt x="4474273" y="5568842"/>
+                  <a:pt x="4470844" y="5587321"/>
+                  <a:pt x="4485703" y="5606372"/>
+                </a:cubicBezTo>
+                <a:cubicBezTo>
+                  <a:pt x="4508755" y="5635711"/>
+                  <a:pt x="4499801" y="5673050"/>
+                  <a:pt x="4505134" y="5706959"/>
+                </a:cubicBezTo>
+                <a:cubicBezTo>
+                  <a:pt x="4506468" y="5715723"/>
+                  <a:pt x="4506659" y="5724678"/>
+                  <a:pt x="4508183" y="5733440"/>
+                </a:cubicBezTo>
+                <a:cubicBezTo>
+                  <a:pt x="4511041" y="5749634"/>
+                  <a:pt x="4514279" y="5765635"/>
+                  <a:pt x="4517519" y="5781830"/>
+                </a:cubicBezTo>
+                <a:cubicBezTo>
+                  <a:pt x="4518089" y="5784686"/>
+                  <a:pt x="4518281" y="5787924"/>
+                  <a:pt x="4519234" y="5790592"/>
+                </a:cubicBezTo>
+                <a:cubicBezTo>
+                  <a:pt x="4527233" y="5815169"/>
+                  <a:pt x="4536378" y="5839361"/>
+                  <a:pt x="4542855" y="5864318"/>
+                </a:cubicBezTo>
+                <a:cubicBezTo>
+                  <a:pt x="4546095" y="5876511"/>
+                  <a:pt x="4546476" y="5890037"/>
+                  <a:pt x="4544759" y="5902610"/>
+                </a:cubicBezTo>
+                <a:cubicBezTo>
+                  <a:pt x="4539808" y="5939377"/>
+                  <a:pt x="4537712" y="5975764"/>
+                  <a:pt x="4544951" y="6012723"/>
+                </a:cubicBezTo>
+                <a:cubicBezTo>
+                  <a:pt x="4547808" y="6027392"/>
+                  <a:pt x="4543045" y="6043776"/>
+                  <a:pt x="4541332" y="6059397"/>
+                </a:cubicBezTo>
+                <a:cubicBezTo>
+                  <a:pt x="4536759" y="6096736"/>
+                  <a:pt x="4531805" y="6134075"/>
+                  <a:pt x="4527426" y="6171605"/>
+                </a:cubicBezTo>
+                <a:cubicBezTo>
+                  <a:pt x="4524758" y="6195037"/>
+                  <a:pt x="4523234" y="6218660"/>
+                  <a:pt x="4520568" y="6242093"/>
+                </a:cubicBezTo>
+                <a:cubicBezTo>
+                  <a:pt x="4517327" y="6269144"/>
+                  <a:pt x="4512375" y="6296005"/>
+                  <a:pt x="4509706" y="6323058"/>
+                </a:cubicBezTo>
+                <a:cubicBezTo>
+                  <a:pt x="4506659" y="6353919"/>
+                  <a:pt x="4506089" y="6384972"/>
+                  <a:pt x="4502848" y="6415833"/>
+                </a:cubicBezTo>
+                <a:cubicBezTo>
+                  <a:pt x="4496563" y="6472225"/>
+                  <a:pt x="4489132" y="6528424"/>
+                  <a:pt x="4482084" y="6584812"/>
+                </a:cubicBezTo>
+                <a:cubicBezTo>
+                  <a:pt x="4475226" y="6639488"/>
+                  <a:pt x="4469129" y="6694164"/>
+                  <a:pt x="4460557" y="6748458"/>
+                </a:cubicBezTo>
+                <a:cubicBezTo>
+                  <a:pt x="4456937" y="6771319"/>
+                  <a:pt x="4447030" y="6793035"/>
+                  <a:pt x="4441507" y="6815516"/>
+                </a:cubicBezTo>
+                <a:lnTo>
+                  <a:pt x="4431806" y="6858001"/>
+                </a:lnTo>
+                <a:lnTo>
+                  <a:pt x="4259554" y="6858001"/>
+                </a:lnTo>
+                <a:lnTo>
+                  <a:pt x="4259554" y="6858002"/>
+                </a:lnTo>
+                <a:lnTo>
+                  <a:pt x="0" y="6858002"/>
+                </a:lnTo>
+                <a:lnTo>
+                  <a:pt x="0" y="2"/>
+                </a:lnTo>
+                <a:lnTo>
+                  <a:pt x="3766492" y="1"/>
+                </a:lnTo>
+                <a:lnTo>
+                  <a:pt x="3769210" y="21486"/>
+                </a:lnTo>
+                <a:close/>
+              </a:path>
+            </a:pathLst>
+          </a:custGeom>
+          <a:solidFill>
+            <a:schemeClr val="bg1">
+              <a:alpha val="14000"/>
+            </a:schemeClr>
+          </a:solidFill>
+          <a:ln w="12700" cap="flat" cmpd="sng" algn="ctr">
+            <a:noFill/>
+            <a:prstDash val="solid"/>
+            <a:miter lim="800000"/>
+          </a:ln>
+          <a:effectLst/>
+        </p:spPr>
+        <p:style>
+          <a:lnRef idx="2">
+            <a:schemeClr val="accent1">
+              <a:shade val="50000"/>
+            </a:schemeClr>
+          </a:lnRef>
+          <a:fillRef idx="1">
+            <a:schemeClr val="accent1"/>
+          </a:fillRef>
+          <a:effectRef idx="0">
+            <a:schemeClr val="accent1"/>
+          </a:effectRef>
+          <a:fontRef idx="minor">
+            <a:schemeClr val="lt1"/>
+          </a:fontRef>
+        </p:style>
+        <p:txBody>
+          <a:bodyPr wrap="square" rtlCol="0" anchor="ctr">
+            <a:noAutofit/>
+          </a:bodyPr>
+          <a:lstStyle/>
+          <a:p>
+            <a:pPr algn="ctr"/>
+            <a:endParaRPr lang="en-US"/>
+          </a:p>
+        </p:txBody>
+      </p:sp>
+      <p:grpSp>
+        <p:nvGrpSpPr>
+          <p:cNvPr id="12" name="Group 11">
+            <a:extLst>
+              <a:ext uri="{FF2B5EF4-FFF2-40B4-BE49-F238E27FC236}">
+                <a16:creationId xmlns:a16="http://schemas.microsoft.com/office/drawing/2014/main" id="{431899EE-49A4-469F-BDB5-0A178C55105D}"/>
+              </a:ext>
+              <a:ext uri="{C183D7F6-B498-43B3-948B-1728B52AA6E4}">
+                <adec:decorative xmlns:adec="http://schemas.microsoft.com/office/drawing/2017/decorative" val="1"/>
+              </a:ext>
+            </a:extLst>
+          </p:cNvPr>
+          <p:cNvGrpSpPr>
+            <a:grpSpLocks noGrp="1" noUngrp="1" noRot="1" noChangeAspect="1" noMove="1" noResize="1"/>
+          </p:cNvGrpSpPr>
+          <p:nvPr>
+            <p:extLst>
+              <p:ext uri="{386F3935-93C4-4BCD-93E2-E3B085C9AB24}">
+                <p16:designElem xmlns:p16="http://schemas.microsoft.com/office/powerpoint/2015/main" val="1"/>
+              </p:ext>
+            </p:extLst>
+          </p:nvPr>
+        </p:nvGrpSpPr>
+        <p:grpSpPr>
+          <a:xfrm>
+            <a:off x="3697284" y="-1"/>
+            <a:ext cx="884241" cy="6858001"/>
+            <a:chOff x="3697284" y="-1"/>
+            <a:chExt cx="884241" cy="6858001"/>
+          </a:xfrm>
+          <a:effectLst>
+            <a:outerShdw blurRad="381000" dist="152400" algn="l" rotWithShape="0">
+              <a:prstClr val="black">
+                <a:alpha val="10000"/>
+              </a:prstClr>
+            </a:outerShdw>
+          </a:effectLst>
+        </p:grpSpPr>
+        <p:sp>
+          <p:nvSpPr>
+            <p:cNvPr id="13" name="Freeform: Shape 12">
+              <a:extLst>
+                <a:ext uri="{FF2B5EF4-FFF2-40B4-BE49-F238E27FC236}">
+                  <a16:creationId xmlns:a16="http://schemas.microsoft.com/office/drawing/2014/main" id="{463E0550-0AFD-458E-A821-787F4CB6FF8F}"/>
+                </a:ext>
+                <a:ext uri="{C183D7F6-B498-43B3-948B-1728B52AA6E4}">
+                  <adec:decorative xmlns:adec="http://schemas.microsoft.com/office/drawing/2017/decorative" val="1"/>
+                </a:ext>
+              </a:extLst>
+            </p:cNvPr>
+            <p:cNvSpPr/>
+            <p:nvPr>
+              <p:extLst>
+                <p:ext uri="{386F3935-93C4-4BCD-93E2-E3B085C9AB24}">
+                  <p16:designElem xmlns:p16="http://schemas.microsoft.com/office/powerpoint/2015/main" val="1"/>
+                </p:ext>
+              </p:extLst>
+            </p:nvPr>
+          </p:nvSpPr>
+          <p:spPr>
+            <a:xfrm rot="16200000" flipH="1">
+              <a:off x="705641" y="2991642"/>
+              <a:ext cx="6858001" cy="874716"/>
+            </a:xfrm>
+            <a:custGeom>
+              <a:avLst/>
+              <a:gdLst>
+                <a:gd name="connsiteX0" fmla="*/ 0 w 6858001"/>
+                <a:gd name="connsiteY0" fmla="*/ 533314 h 874716"/>
+                <a:gd name="connsiteX1" fmla="*/ 0 w 6858001"/>
+                <a:gd name="connsiteY1" fmla="*/ 69206 h 874716"/>
+                <a:gd name="connsiteX2" fmla="*/ 21486 w 6858001"/>
+                <a:gd name="connsiteY2" fmla="*/ 71924 h 874716"/>
+                <a:gd name="connsiteX3" fmla="*/ 228948 w 6858001"/>
+                <a:gd name="connsiteY3" fmla="*/ 88116 h 874716"/>
+                <a:gd name="connsiteX4" fmla="*/ 313533 w 6858001"/>
+                <a:gd name="connsiteY4" fmla="*/ 62779 h 874716"/>
+                <a:gd name="connsiteX5" fmla="*/ 338870 w 6858001"/>
+                <a:gd name="connsiteY5" fmla="*/ 62207 h 874716"/>
+                <a:gd name="connsiteX6" fmla="*/ 395640 w 6858001"/>
+                <a:gd name="connsiteY6" fmla="*/ 72114 h 874716"/>
+                <a:gd name="connsiteX7" fmla="*/ 512802 w 6858001"/>
+                <a:gd name="connsiteY7" fmla="*/ 65446 h 874716"/>
+                <a:gd name="connsiteX8" fmla="*/ 556047 w 6858001"/>
+                <a:gd name="connsiteY8" fmla="*/ 55349 h 874716"/>
+                <a:gd name="connsiteX9" fmla="*/ 580050 w 6858001"/>
+                <a:gd name="connsiteY9" fmla="*/ 48871 h 874716"/>
+                <a:gd name="connsiteX10" fmla="*/ 703308 w 6858001"/>
+                <a:gd name="connsiteY10" fmla="*/ 30964 h 874716"/>
+                <a:gd name="connsiteX11" fmla="*/ 758174 w 6858001"/>
+                <a:gd name="connsiteY11" fmla="*/ 11724 h 874716"/>
+                <a:gd name="connsiteX12" fmla="*/ 773035 w 6858001"/>
+                <a:gd name="connsiteY12" fmla="*/ 8866 h 874716"/>
+                <a:gd name="connsiteX13" fmla="*/ 854379 w 6858001"/>
+                <a:gd name="connsiteY13" fmla="*/ 16866 h 874716"/>
+                <a:gd name="connsiteX14" fmla="*/ 915343 w 6858001"/>
+                <a:gd name="connsiteY14" fmla="*/ 47919 h 874716"/>
+                <a:gd name="connsiteX15" fmla="*/ 927155 w 6858001"/>
+                <a:gd name="connsiteY15" fmla="*/ 58397 h 874716"/>
+                <a:gd name="connsiteX16" fmla="*/ 1097087 w 6858001"/>
+                <a:gd name="connsiteY16" fmla="*/ 54777 h 874716"/>
+                <a:gd name="connsiteX17" fmla="*/ 1123185 w 6858001"/>
+                <a:gd name="connsiteY17" fmla="*/ 50395 h 874716"/>
+                <a:gd name="connsiteX18" fmla="*/ 1249302 w 6858001"/>
+                <a:gd name="connsiteY18" fmla="*/ 68684 h 874716"/>
+                <a:gd name="connsiteX19" fmla="*/ 1286069 w 6858001"/>
+                <a:gd name="connsiteY19" fmla="*/ 72304 h 874716"/>
+                <a:gd name="connsiteX20" fmla="*/ 1417899 w 6858001"/>
+                <a:gd name="connsiteY20" fmla="*/ 88688 h 874716"/>
+                <a:gd name="connsiteX21" fmla="*/ 1436568 w 6858001"/>
+                <a:gd name="connsiteY21" fmla="*/ 73448 h 874716"/>
+                <a:gd name="connsiteX22" fmla="*/ 1490292 w 6858001"/>
+                <a:gd name="connsiteY22" fmla="*/ 35154 h 874716"/>
+                <a:gd name="connsiteX23" fmla="*/ 1596213 w 6858001"/>
+                <a:gd name="connsiteY23" fmla="*/ 1245 h 874716"/>
+                <a:gd name="connsiteX24" fmla="*/ 1624980 w 6858001"/>
+                <a:gd name="connsiteY24" fmla="*/ 3150 h 874716"/>
+                <a:gd name="connsiteX25" fmla="*/ 1697753 w 6858001"/>
+                <a:gd name="connsiteY25" fmla="*/ 59731 h 874716"/>
+                <a:gd name="connsiteX26" fmla="*/ 1733188 w 6858001"/>
+                <a:gd name="connsiteY26" fmla="*/ 82400 h 874716"/>
+                <a:gd name="connsiteX27" fmla="*/ 1833775 w 6858001"/>
+                <a:gd name="connsiteY27" fmla="*/ 124121 h 874716"/>
+                <a:gd name="connsiteX28" fmla="*/ 1842158 w 6858001"/>
+                <a:gd name="connsiteY28" fmla="*/ 131742 h 874716"/>
+                <a:gd name="connsiteX29" fmla="*/ 1916454 w 6858001"/>
+                <a:gd name="connsiteY29" fmla="*/ 222233 h 874716"/>
+                <a:gd name="connsiteX30" fmla="*/ 1933219 w 6858001"/>
+                <a:gd name="connsiteY30" fmla="*/ 237663 h 874716"/>
+                <a:gd name="connsiteX31" fmla="*/ 1953413 w 6858001"/>
+                <a:gd name="connsiteY31" fmla="*/ 261668 h 874716"/>
+                <a:gd name="connsiteX32" fmla="*/ 2016469 w 6858001"/>
+                <a:gd name="connsiteY32" fmla="*/ 308151 h 874716"/>
+                <a:gd name="connsiteX33" fmla="*/ 2094578 w 6858001"/>
+                <a:gd name="connsiteY33" fmla="*/ 323010 h 874716"/>
+                <a:gd name="connsiteX34" fmla="*/ 2188879 w 6858001"/>
+                <a:gd name="connsiteY34" fmla="*/ 345681 h 874716"/>
+                <a:gd name="connsiteX35" fmla="*/ 2228314 w 6858001"/>
+                <a:gd name="connsiteY35" fmla="*/ 360921 h 874716"/>
+                <a:gd name="connsiteX36" fmla="*/ 2334044 w 6858001"/>
+                <a:gd name="connsiteY36" fmla="*/ 389878 h 874716"/>
+                <a:gd name="connsiteX37" fmla="*/ 2409485 w 6858001"/>
+                <a:gd name="connsiteY37" fmla="*/ 414263 h 874716"/>
+                <a:gd name="connsiteX38" fmla="*/ 2518264 w 6858001"/>
+                <a:gd name="connsiteY38" fmla="*/ 428552 h 874716"/>
+                <a:gd name="connsiteX39" fmla="*/ 2571034 w 6858001"/>
+                <a:gd name="connsiteY39" fmla="*/ 429122 h 874716"/>
+                <a:gd name="connsiteX40" fmla="*/ 2668001 w 6858001"/>
+                <a:gd name="connsiteY40" fmla="*/ 502276 h 874716"/>
+                <a:gd name="connsiteX41" fmla="*/ 2745348 w 6858001"/>
+                <a:gd name="connsiteY41" fmla="*/ 550666 h 874716"/>
+                <a:gd name="connsiteX42" fmla="*/ 2826694 w 6858001"/>
+                <a:gd name="connsiteY42" fmla="*/ 527233 h 874716"/>
+                <a:gd name="connsiteX43" fmla="*/ 2848793 w 6858001"/>
+                <a:gd name="connsiteY43" fmla="*/ 505134 h 874716"/>
+                <a:gd name="connsiteX44" fmla="*/ 2982148 w 6858001"/>
+                <a:gd name="connsiteY44" fmla="*/ 484179 h 874716"/>
+                <a:gd name="connsiteX45" fmla="*/ 3172654 w 6858001"/>
+                <a:gd name="connsiteY45" fmla="*/ 483417 h 874716"/>
+                <a:gd name="connsiteX46" fmla="*/ 3489467 w 6858001"/>
+                <a:gd name="connsiteY46" fmla="*/ 435790 h 874716"/>
+                <a:gd name="connsiteX47" fmla="*/ 3544713 w 6858001"/>
+                <a:gd name="connsiteY47" fmla="*/ 413691 h 874716"/>
+                <a:gd name="connsiteX48" fmla="*/ 3606817 w 6858001"/>
+                <a:gd name="connsiteY48" fmla="*/ 408167 h 874716"/>
+                <a:gd name="connsiteX49" fmla="*/ 3630632 w 6858001"/>
+                <a:gd name="connsiteY49" fmla="*/ 421693 h 874716"/>
+                <a:gd name="connsiteX50" fmla="*/ 3734837 w 6858001"/>
+                <a:gd name="connsiteY50" fmla="*/ 441886 h 874716"/>
+                <a:gd name="connsiteX51" fmla="*/ 3754652 w 6858001"/>
+                <a:gd name="connsiteY51" fmla="*/ 442268 h 874716"/>
+                <a:gd name="connsiteX52" fmla="*/ 3822472 w 6858001"/>
+                <a:gd name="connsiteY52" fmla="*/ 433694 h 874716"/>
+                <a:gd name="connsiteX53" fmla="*/ 3885338 w 6858001"/>
+                <a:gd name="connsiteY53" fmla="*/ 428742 h 874716"/>
+                <a:gd name="connsiteX54" fmla="*/ 4043839 w 6858001"/>
+                <a:gd name="connsiteY54" fmla="*/ 444934 h 874716"/>
+                <a:gd name="connsiteX55" fmla="*/ 4165383 w 6858001"/>
+                <a:gd name="connsiteY55" fmla="*/ 441124 h 874716"/>
+                <a:gd name="connsiteX56" fmla="*/ 4221391 w 6858001"/>
+                <a:gd name="connsiteY56" fmla="*/ 444934 h 874716"/>
+                <a:gd name="connsiteX57" fmla="*/ 4253014 w 6858001"/>
+                <a:gd name="connsiteY57" fmla="*/ 450650 h 874716"/>
+                <a:gd name="connsiteX58" fmla="*/ 4324645 w 6858001"/>
+                <a:gd name="connsiteY58" fmla="*/ 490466 h 874716"/>
+                <a:gd name="connsiteX59" fmla="*/ 4363890 w 6858001"/>
+                <a:gd name="connsiteY59" fmla="*/ 499420 h 874716"/>
+                <a:gd name="connsiteX60" fmla="*/ 4482004 w 6858001"/>
+                <a:gd name="connsiteY60" fmla="*/ 498658 h 874716"/>
+                <a:gd name="connsiteX61" fmla="*/ 4659174 w 6858001"/>
+                <a:gd name="connsiteY61" fmla="*/ 438648 h 874716"/>
+                <a:gd name="connsiteX62" fmla="*/ 4677655 w 6858001"/>
+                <a:gd name="connsiteY62" fmla="*/ 430646 h 874716"/>
+                <a:gd name="connsiteX63" fmla="*/ 4767764 w 6858001"/>
+                <a:gd name="connsiteY63" fmla="*/ 420739 h 874716"/>
+                <a:gd name="connsiteX64" fmla="*/ 4828916 w 6858001"/>
+                <a:gd name="connsiteY64" fmla="*/ 434266 h 874716"/>
+                <a:gd name="connsiteX65" fmla="*/ 4912168 w 6858001"/>
+                <a:gd name="connsiteY65" fmla="*/ 462271 h 874716"/>
+                <a:gd name="connsiteX66" fmla="*/ 4987037 w 6858001"/>
+                <a:gd name="connsiteY66" fmla="*/ 485703 h 874716"/>
+                <a:gd name="connsiteX67" fmla="*/ 5041521 w 6858001"/>
+                <a:gd name="connsiteY67" fmla="*/ 512182 h 874716"/>
+                <a:gd name="connsiteX68" fmla="*/ 5166113 w 6858001"/>
+                <a:gd name="connsiteY68" fmla="*/ 531615 h 874716"/>
+                <a:gd name="connsiteX69" fmla="*/ 5179067 w 6858001"/>
+                <a:gd name="connsiteY69" fmla="*/ 534853 h 874716"/>
+                <a:gd name="connsiteX70" fmla="*/ 5272796 w 6858001"/>
+                <a:gd name="connsiteY70" fmla="*/ 511230 h 874716"/>
+                <a:gd name="connsiteX71" fmla="*/ 5385384 w 6858001"/>
+                <a:gd name="connsiteY71" fmla="*/ 487227 h 874716"/>
+                <a:gd name="connsiteX72" fmla="*/ 5425582 w 6858001"/>
+                <a:gd name="connsiteY72" fmla="*/ 495418 h 874716"/>
+                <a:gd name="connsiteX73" fmla="*/ 5480637 w 6858001"/>
+                <a:gd name="connsiteY73" fmla="*/ 507040 h 874716"/>
+                <a:gd name="connsiteX74" fmla="*/ 5531693 w 6858001"/>
+                <a:gd name="connsiteY74" fmla="*/ 500944 h 874716"/>
+                <a:gd name="connsiteX75" fmla="*/ 5562746 w 6858001"/>
+                <a:gd name="connsiteY75" fmla="*/ 500372 h 874716"/>
+                <a:gd name="connsiteX76" fmla="*/ 5704483 w 6858001"/>
+                <a:gd name="connsiteY76" fmla="*/ 571620 h 874716"/>
+                <a:gd name="connsiteX77" fmla="*/ 5740488 w 6858001"/>
+                <a:gd name="connsiteY77" fmla="*/ 577526 h 874716"/>
+                <a:gd name="connsiteX78" fmla="*/ 5760873 w 6858001"/>
+                <a:gd name="connsiteY78" fmla="*/ 586291 h 874716"/>
+                <a:gd name="connsiteX79" fmla="*/ 5883751 w 6858001"/>
+                <a:gd name="connsiteY79" fmla="*/ 674686 h 874716"/>
+                <a:gd name="connsiteX80" fmla="*/ 5935949 w 6858001"/>
+                <a:gd name="connsiteY80" fmla="*/ 692592 h 874716"/>
+                <a:gd name="connsiteX81" fmla="*/ 5993291 w 6858001"/>
+                <a:gd name="connsiteY81" fmla="*/ 688972 h 874716"/>
+                <a:gd name="connsiteX82" fmla="*/ 6026440 w 6858001"/>
+                <a:gd name="connsiteY82" fmla="*/ 682496 h 874716"/>
+                <a:gd name="connsiteX83" fmla="*/ 6108738 w 6858001"/>
+                <a:gd name="connsiteY83" fmla="*/ 626296 h 874716"/>
+                <a:gd name="connsiteX84" fmla="*/ 6155602 w 6858001"/>
+                <a:gd name="connsiteY84" fmla="*/ 628202 h 874716"/>
+                <a:gd name="connsiteX85" fmla="*/ 6228756 w 6858001"/>
+                <a:gd name="connsiteY85" fmla="*/ 666873 h 874716"/>
+                <a:gd name="connsiteX86" fmla="*/ 6361539 w 6858001"/>
+                <a:gd name="connsiteY86" fmla="*/ 684210 h 874716"/>
+                <a:gd name="connsiteX87" fmla="*/ 6428979 w 6858001"/>
+                <a:gd name="connsiteY87" fmla="*/ 630106 h 874716"/>
+                <a:gd name="connsiteX88" fmla="*/ 6463840 w 6858001"/>
+                <a:gd name="connsiteY88" fmla="*/ 578098 h 874716"/>
+                <a:gd name="connsiteX89" fmla="*/ 6564620 w 6858001"/>
+                <a:gd name="connsiteY89" fmla="*/ 517708 h 874716"/>
+                <a:gd name="connsiteX90" fmla="*/ 6588625 w 6858001"/>
+                <a:gd name="connsiteY90" fmla="*/ 540187 h 874716"/>
+                <a:gd name="connsiteX91" fmla="*/ 6662541 w 6858001"/>
+                <a:gd name="connsiteY91" fmla="*/ 549714 h 874716"/>
+                <a:gd name="connsiteX92" fmla="*/ 6742552 w 6858001"/>
+                <a:gd name="connsiteY92" fmla="*/ 548952 h 874716"/>
+                <a:gd name="connsiteX93" fmla="*/ 6812063 w 6858001"/>
+                <a:gd name="connsiteY93" fmla="*/ 568430 h 874716"/>
+                <a:gd name="connsiteX94" fmla="*/ 6858001 w 6858001"/>
+                <a:gd name="connsiteY94" fmla="*/ 562267 h 874716"/>
+                <a:gd name="connsiteX95" fmla="*/ 6858001 w 6858001"/>
+                <a:gd name="connsiteY95" fmla="*/ 734520 h 874716"/>
+                <a:gd name="connsiteX96" fmla="*/ 6815516 w 6858001"/>
+                <a:gd name="connsiteY96" fmla="*/ 744220 h 874716"/>
+                <a:gd name="connsiteX97" fmla="*/ 6748458 w 6858001"/>
+                <a:gd name="connsiteY97" fmla="*/ 763271 h 874716"/>
+                <a:gd name="connsiteX98" fmla="*/ 6584812 w 6858001"/>
+                <a:gd name="connsiteY98" fmla="*/ 784797 h 874716"/>
+                <a:gd name="connsiteX99" fmla="*/ 6415833 w 6858001"/>
+                <a:gd name="connsiteY99" fmla="*/ 805562 h 874716"/>
+                <a:gd name="connsiteX100" fmla="*/ 6323058 w 6858001"/>
+                <a:gd name="connsiteY100" fmla="*/ 812420 h 874716"/>
+                <a:gd name="connsiteX101" fmla="*/ 6242093 w 6858001"/>
+                <a:gd name="connsiteY101" fmla="*/ 823281 h 874716"/>
+                <a:gd name="connsiteX102" fmla="*/ 6171605 w 6858001"/>
+                <a:gd name="connsiteY102" fmla="*/ 830139 h 874716"/>
+                <a:gd name="connsiteX103" fmla="*/ 6059397 w 6858001"/>
+                <a:gd name="connsiteY103" fmla="*/ 844045 h 874716"/>
+                <a:gd name="connsiteX104" fmla="*/ 6012723 w 6858001"/>
+                <a:gd name="connsiteY104" fmla="*/ 847665 h 874716"/>
+                <a:gd name="connsiteX105" fmla="*/ 5902610 w 6858001"/>
+                <a:gd name="connsiteY105" fmla="*/ 847473 h 874716"/>
+                <a:gd name="connsiteX106" fmla="*/ 5864318 w 6858001"/>
+                <a:gd name="connsiteY106" fmla="*/ 845569 h 874716"/>
+                <a:gd name="connsiteX107" fmla="*/ 5790592 w 6858001"/>
+                <a:gd name="connsiteY107" fmla="*/ 821947 h 874716"/>
+                <a:gd name="connsiteX108" fmla="*/ 5781830 w 6858001"/>
+                <a:gd name="connsiteY108" fmla="*/ 820233 h 874716"/>
+                <a:gd name="connsiteX109" fmla="*/ 5733440 w 6858001"/>
+                <a:gd name="connsiteY109" fmla="*/ 810896 h 874716"/>
+                <a:gd name="connsiteX110" fmla="*/ 5706959 w 6858001"/>
+                <a:gd name="connsiteY110" fmla="*/ 807848 h 874716"/>
+                <a:gd name="connsiteX111" fmla="*/ 5606372 w 6858001"/>
+                <a:gd name="connsiteY111" fmla="*/ 788417 h 874716"/>
+                <a:gd name="connsiteX112" fmla="*/ 5548460 w 6858001"/>
+                <a:gd name="connsiteY112" fmla="*/ 779273 h 874716"/>
+                <a:gd name="connsiteX113" fmla="*/ 5501594 w 6858001"/>
+                <a:gd name="connsiteY113" fmla="*/ 780607 h 874716"/>
+                <a:gd name="connsiteX114" fmla="*/ 5419295 w 6858001"/>
+                <a:gd name="connsiteY114" fmla="*/ 782321 h 874716"/>
+                <a:gd name="connsiteX115" fmla="*/ 5393005 w 6858001"/>
+                <a:gd name="connsiteY115" fmla="*/ 786703 h 874716"/>
+                <a:gd name="connsiteX116" fmla="*/ 5274129 w 6858001"/>
+                <a:gd name="connsiteY116" fmla="*/ 774129 h 874716"/>
+                <a:gd name="connsiteX117" fmla="*/ 5206308 w 6858001"/>
+                <a:gd name="connsiteY117" fmla="*/ 773177 h 874716"/>
+                <a:gd name="connsiteX118" fmla="*/ 5129916 w 6858001"/>
+                <a:gd name="connsiteY118" fmla="*/ 757554 h 874716"/>
+                <a:gd name="connsiteX119" fmla="*/ 5107627 w 6858001"/>
+                <a:gd name="connsiteY119" fmla="*/ 758316 h 874716"/>
+                <a:gd name="connsiteX120" fmla="*/ 5082670 w 6858001"/>
+                <a:gd name="connsiteY120" fmla="*/ 759651 h 874716"/>
+                <a:gd name="connsiteX121" fmla="*/ 5006086 w 6858001"/>
+                <a:gd name="connsiteY121" fmla="*/ 760795 h 874716"/>
+                <a:gd name="connsiteX122" fmla="*/ 4959602 w 6858001"/>
+                <a:gd name="connsiteY122" fmla="*/ 766509 h 874716"/>
+                <a:gd name="connsiteX123" fmla="*/ 4871019 w 6858001"/>
+                <a:gd name="connsiteY123" fmla="*/ 763081 h 874716"/>
+                <a:gd name="connsiteX124" fmla="*/ 4838250 w 6858001"/>
+                <a:gd name="connsiteY124" fmla="*/ 768033 h 874716"/>
+                <a:gd name="connsiteX125" fmla="*/ 4755381 w 6858001"/>
+                <a:gd name="connsiteY125" fmla="*/ 768605 h 874716"/>
+                <a:gd name="connsiteX126" fmla="*/ 4681083 w 6858001"/>
+                <a:gd name="connsiteY126" fmla="*/ 765747 h 874716"/>
+                <a:gd name="connsiteX127" fmla="*/ 4609452 w 6858001"/>
+                <a:gd name="connsiteY127" fmla="*/ 767271 h 874716"/>
+                <a:gd name="connsiteX128" fmla="*/ 4558207 w 6858001"/>
+                <a:gd name="connsiteY128" fmla="*/ 773557 h 874716"/>
+                <a:gd name="connsiteX129" fmla="*/ 4502579 w 6858001"/>
+                <a:gd name="connsiteY129" fmla="*/ 777367 h 874716"/>
+                <a:gd name="connsiteX130" fmla="*/ 4349222 w 6858001"/>
+                <a:gd name="connsiteY130" fmla="*/ 800038 h 874716"/>
+                <a:gd name="connsiteX131" fmla="*/ 4320837 w 6858001"/>
+                <a:gd name="connsiteY131" fmla="*/ 794514 h 874716"/>
+                <a:gd name="connsiteX132" fmla="*/ 4159667 w 6858001"/>
+                <a:gd name="connsiteY132" fmla="*/ 789370 h 874716"/>
+                <a:gd name="connsiteX133" fmla="*/ 4124614 w 6858001"/>
+                <a:gd name="connsiteY133" fmla="*/ 789752 h 874716"/>
+                <a:gd name="connsiteX134" fmla="*/ 4030503 w 6858001"/>
+                <a:gd name="connsiteY134" fmla="*/ 767271 h 874716"/>
+                <a:gd name="connsiteX135" fmla="*/ 3885338 w 6858001"/>
+                <a:gd name="connsiteY135" fmla="*/ 802896 h 874716"/>
+                <a:gd name="connsiteX136" fmla="*/ 3749506 w 6858001"/>
+                <a:gd name="connsiteY136" fmla="*/ 847473 h 874716"/>
+                <a:gd name="connsiteX137" fmla="*/ 3732361 w 6858001"/>
+                <a:gd name="connsiteY137" fmla="*/ 853190 h 874716"/>
+                <a:gd name="connsiteX138" fmla="*/ 3683591 w 6858001"/>
+                <a:gd name="connsiteY138" fmla="*/ 862906 h 874716"/>
+                <a:gd name="connsiteX139" fmla="*/ 3623201 w 6858001"/>
+                <a:gd name="connsiteY139" fmla="*/ 866334 h 874716"/>
+                <a:gd name="connsiteX140" fmla="*/ 3546617 w 6858001"/>
+                <a:gd name="connsiteY140" fmla="*/ 874716 h 874716"/>
+                <a:gd name="connsiteX141" fmla="*/ 3485275 w 6858001"/>
+                <a:gd name="connsiteY141" fmla="*/ 864238 h 874716"/>
+                <a:gd name="connsiteX142" fmla="*/ 3399546 w 6858001"/>
+                <a:gd name="connsiteY142" fmla="*/ 848618 h 874716"/>
+                <a:gd name="connsiteX143" fmla="*/ 3318771 w 6858001"/>
+                <a:gd name="connsiteY143" fmla="*/ 833757 h 874716"/>
+                <a:gd name="connsiteX144" fmla="*/ 3293244 w 6858001"/>
+                <a:gd name="connsiteY144" fmla="*/ 851284 h 874716"/>
+                <a:gd name="connsiteX145" fmla="*/ 3253809 w 6858001"/>
+                <a:gd name="connsiteY145" fmla="*/ 866524 h 874716"/>
+                <a:gd name="connsiteX146" fmla="*/ 3209993 w 6858001"/>
+                <a:gd name="connsiteY146" fmla="*/ 848235 h 874716"/>
+                <a:gd name="connsiteX147" fmla="*/ 3107500 w 6858001"/>
+                <a:gd name="connsiteY147" fmla="*/ 810326 h 874716"/>
+                <a:gd name="connsiteX148" fmla="*/ 3042728 w 6858001"/>
+                <a:gd name="connsiteY148" fmla="*/ 808610 h 874716"/>
+                <a:gd name="connsiteX149" fmla="*/ 2901943 w 6858001"/>
+                <a:gd name="connsiteY149" fmla="*/ 792418 h 874716"/>
+                <a:gd name="connsiteX150" fmla="*/ 2809930 w 6858001"/>
+                <a:gd name="connsiteY150" fmla="*/ 769367 h 874716"/>
+                <a:gd name="connsiteX151" fmla="*/ 2743826 w 6858001"/>
+                <a:gd name="connsiteY151" fmla="*/ 743268 h 874716"/>
+                <a:gd name="connsiteX152" fmla="*/ 2649143 w 6858001"/>
+                <a:gd name="connsiteY152" fmla="*/ 709167 h 874716"/>
+                <a:gd name="connsiteX153" fmla="*/ 2554079 w 6858001"/>
+                <a:gd name="connsiteY153" fmla="*/ 691450 h 874716"/>
+                <a:gd name="connsiteX154" fmla="*/ 2485307 w 6858001"/>
+                <a:gd name="connsiteY154" fmla="*/ 669160 h 874716"/>
+                <a:gd name="connsiteX155" fmla="*/ 2401292 w 6858001"/>
+                <a:gd name="connsiteY155" fmla="*/ 653919 h 874716"/>
+                <a:gd name="connsiteX156" fmla="*/ 2330806 w 6858001"/>
+                <a:gd name="connsiteY156" fmla="*/ 653349 h 874716"/>
+                <a:gd name="connsiteX157" fmla="*/ 2220312 w 6858001"/>
+                <a:gd name="connsiteY157" fmla="*/ 656015 h 874716"/>
+                <a:gd name="connsiteX158" fmla="*/ 2085054 w 6858001"/>
+                <a:gd name="connsiteY158" fmla="*/ 609914 h 874716"/>
+                <a:gd name="connsiteX159" fmla="*/ 2030378 w 6858001"/>
+                <a:gd name="connsiteY159" fmla="*/ 599625 h 874716"/>
+                <a:gd name="connsiteX160" fmla="*/ 1978940 w 6858001"/>
+                <a:gd name="connsiteY160" fmla="*/ 594863 h 874716"/>
+                <a:gd name="connsiteX161" fmla="*/ 1869780 w 6858001"/>
+                <a:gd name="connsiteY161" fmla="*/ 564192 h 874716"/>
+                <a:gd name="connsiteX162" fmla="*/ 1825393 w 6858001"/>
+                <a:gd name="connsiteY162" fmla="*/ 554094 h 874716"/>
+                <a:gd name="connsiteX163" fmla="*/ 1763287 w 6858001"/>
+                <a:gd name="connsiteY163" fmla="*/ 554286 h 874716"/>
+                <a:gd name="connsiteX164" fmla="*/ 1650317 w 6858001"/>
+                <a:gd name="connsiteY164" fmla="*/ 540187 h 874716"/>
+                <a:gd name="connsiteX165" fmla="*/ 1537537 w 6858001"/>
+                <a:gd name="connsiteY165" fmla="*/ 499038 h 874716"/>
+                <a:gd name="connsiteX166" fmla="*/ 1489720 w 6858001"/>
+                <a:gd name="connsiteY166" fmla="*/ 503038 h 874716"/>
+                <a:gd name="connsiteX167" fmla="*/ 1472575 w 6858001"/>
+                <a:gd name="connsiteY167" fmla="*/ 502086 h 874716"/>
+                <a:gd name="connsiteX168" fmla="*/ 1318456 w 6858001"/>
+                <a:gd name="connsiteY168" fmla="*/ 479415 h 874716"/>
+                <a:gd name="connsiteX169" fmla="*/ 1303024 w 6858001"/>
+                <a:gd name="connsiteY169" fmla="*/ 476939 h 874716"/>
+                <a:gd name="connsiteX170" fmla="*/ 1230633 w 6858001"/>
+                <a:gd name="connsiteY170" fmla="*/ 456746 h 874716"/>
+                <a:gd name="connsiteX171" fmla="*/ 1048125 w 6858001"/>
+                <a:gd name="connsiteY171" fmla="*/ 444172 h 874716"/>
+                <a:gd name="connsiteX172" fmla="*/ 1036887 w 6858001"/>
+                <a:gd name="connsiteY172" fmla="*/ 442648 h 874716"/>
+                <a:gd name="connsiteX173" fmla="*/ 975733 w 6858001"/>
+                <a:gd name="connsiteY173" fmla="*/ 452744 h 874716"/>
+                <a:gd name="connsiteX174" fmla="*/ 945444 w 6858001"/>
+                <a:gd name="connsiteY174" fmla="*/ 467033 h 874716"/>
+                <a:gd name="connsiteX175" fmla="*/ 898198 w 6858001"/>
+                <a:gd name="connsiteY175" fmla="*/ 481893 h 874716"/>
+                <a:gd name="connsiteX176" fmla="*/ 850189 w 6858001"/>
+                <a:gd name="connsiteY176" fmla="*/ 487417 h 874716"/>
+                <a:gd name="connsiteX177" fmla="*/ 769605 w 6858001"/>
+                <a:gd name="connsiteY177" fmla="*/ 464937 h 874716"/>
+                <a:gd name="connsiteX178" fmla="*/ 740268 w 6858001"/>
+                <a:gd name="connsiteY178" fmla="*/ 462651 h 874716"/>
+                <a:gd name="connsiteX179" fmla="*/ 674923 w 6858001"/>
+                <a:gd name="connsiteY179" fmla="*/ 451792 h 874716"/>
+                <a:gd name="connsiteX180" fmla="*/ 617772 w 6858001"/>
+                <a:gd name="connsiteY180" fmla="*/ 452554 h 874716"/>
+                <a:gd name="connsiteX181" fmla="*/ 571860 w 6858001"/>
+                <a:gd name="connsiteY181" fmla="*/ 469891 h 874716"/>
+                <a:gd name="connsiteX182" fmla="*/ 505182 w 6858001"/>
+                <a:gd name="connsiteY182" fmla="*/ 473319 h 874716"/>
+                <a:gd name="connsiteX183" fmla="*/ 462126 w 6858001"/>
+                <a:gd name="connsiteY183" fmla="*/ 460747 h 874716"/>
+                <a:gd name="connsiteX184" fmla="*/ 453364 w 6858001"/>
+                <a:gd name="connsiteY184" fmla="*/ 459033 h 874716"/>
+                <a:gd name="connsiteX185" fmla="*/ 340774 w 6858001"/>
+                <a:gd name="connsiteY185" fmla="*/ 458268 h 874716"/>
+                <a:gd name="connsiteX186" fmla="*/ 200182 w 6858001"/>
+                <a:gd name="connsiteY186" fmla="*/ 496180 h 874716"/>
+                <a:gd name="connsiteX187" fmla="*/ 176939 w 6858001"/>
+                <a:gd name="connsiteY187" fmla="*/ 504182 h 874716"/>
+                <a:gd name="connsiteX188" fmla="*/ 63587 w 6858001"/>
+                <a:gd name="connsiteY188" fmla="*/ 518088 h 874716"/>
+                <a:gd name="connsiteX189" fmla="*/ 2817 w 6858001"/>
+                <a:gd name="connsiteY189" fmla="*/ 532187 h 874716"/>
+                <a:gd name="connsiteX190" fmla="*/ 0 w 6858001"/>
+                <a:gd name="connsiteY190" fmla="*/ 533314 h 874716"/>
+              </a:gdLst>
+              <a:ahLst/>
+              <a:cxnLst>
+                <a:cxn ang="0">
+                  <a:pos x="connsiteX0" y="connsiteY0"/>
+                </a:cxn>
+                <a:cxn ang="0">
+                  <a:pos x="connsiteX1" y="connsiteY1"/>
+                </a:cxn>
+                <a:cxn ang="0">
+                  <a:pos x="connsiteX2" y="connsiteY2"/>
+                </a:cxn>
+                <a:cxn ang="0">
+                  <a:pos x="connsiteX3" y="connsiteY3"/>
+                </a:cxn>
+                <a:cxn ang="0">
+                  <a:pos x="connsiteX4" y="connsiteY4"/>
+                </a:cxn>
+                <a:cxn ang="0">
+                  <a:pos x="connsiteX5" y="connsiteY5"/>
+                </a:cxn>
+                <a:cxn ang="0">
+                  <a:pos x="connsiteX6" y="connsiteY6"/>
+                </a:cxn>
+                <a:cxn ang="0">
+                  <a:pos x="connsiteX7" y="connsiteY7"/>
+                </a:cxn>
+                <a:cxn ang="0">
+                  <a:pos x="connsiteX8" y="connsiteY8"/>
+                </a:cxn>
+                <a:cxn ang="0">
+                  <a:pos x="connsiteX9" y="connsiteY9"/>
+                </a:cxn>
+                <a:cxn ang="0">
+                  <a:pos x="connsiteX10" y="connsiteY10"/>
+                </a:cxn>
+                <a:cxn ang="0">
+                  <a:pos x="connsiteX11" y="connsiteY11"/>
+                </a:cxn>
+                <a:cxn ang="0">
+                  <a:pos x="connsiteX12" y="connsiteY12"/>
+                </a:cxn>
+                <a:cxn ang="0">
+                  <a:pos x="connsiteX13" y="connsiteY13"/>
+                </a:cxn>
+                <a:cxn ang="0">
+                  <a:pos x="connsiteX14" y="connsiteY14"/>
+                </a:cxn>
+                <a:cxn ang="0">
+                  <a:pos x="connsiteX15" y="connsiteY15"/>
+                </a:cxn>
+                <a:cxn ang="0">
+                  <a:pos x="connsiteX16" y="connsiteY16"/>
+                </a:cxn>
+                <a:cxn ang="0">
+                  <a:pos x="connsiteX17" y="connsiteY17"/>
+                </a:cxn>
+                <a:cxn ang="0">
+                  <a:pos x="connsiteX18" y="connsiteY18"/>
+                </a:cxn>
+                <a:cxn ang="0">
+                  <a:pos x="connsiteX19" y="connsiteY19"/>
+                </a:cxn>
+                <a:cxn ang="0">
+                  <a:pos x="connsiteX20" y="connsiteY20"/>
+                </a:cxn>
+                <a:cxn ang="0">
+                  <a:pos x="connsiteX21" y="connsiteY21"/>
+                </a:cxn>
+                <a:cxn ang="0">
+                  <a:pos x="connsiteX22" y="connsiteY22"/>
+                </a:cxn>
+                <a:cxn ang="0">
+                  <a:pos x="connsiteX23" y="connsiteY23"/>
+                </a:cxn>
+                <a:cxn ang="0">
+                  <a:pos x="connsiteX24" y="connsiteY24"/>
+                </a:cxn>
+                <a:cxn ang="0">
+                  <a:pos x="connsiteX25" y="connsiteY25"/>
+                </a:cxn>
+                <a:cxn ang="0">
+                  <a:pos x="connsiteX26" y="connsiteY26"/>
+                </a:cxn>
+                <a:cxn ang="0">
+                  <a:pos x="connsiteX27" y="connsiteY27"/>
+                </a:cxn>
+                <a:cxn ang="0">
+                  <a:pos x="connsiteX28" y="connsiteY28"/>
+                </a:cxn>
+                <a:cxn ang="0">
+                  <a:pos x="connsiteX29" y="connsiteY29"/>
+                </a:cxn>
+                <a:cxn ang="0">
+                  <a:pos x="connsiteX30" y="connsiteY30"/>
+                </a:cxn>
+                <a:cxn ang="0">
+                  <a:pos x="connsiteX31" y="connsiteY31"/>
+                </a:cxn>
+                <a:cxn ang="0">
+                  <a:pos x="connsiteX32" y="connsiteY32"/>
+                </a:cxn>
+                <a:cxn ang="0">
+                  <a:pos x="connsiteX33" y="connsiteY33"/>
+                </a:cxn>
+                <a:cxn ang="0">
+                  <a:pos x="connsiteX34" y="connsiteY34"/>
+                </a:cxn>
+                <a:cxn ang="0">
+                  <a:pos x="connsiteX35" y="connsiteY35"/>
+                </a:cxn>
+                <a:cxn ang="0">
+                  <a:pos x="connsiteX36" y="connsiteY36"/>
+                </a:cxn>
+                <a:cxn ang="0">
+                  <a:pos x="connsiteX37" y="connsiteY37"/>
+                </a:cxn>
+                <a:cxn ang="0">
+                  <a:pos x="connsiteX38" y="connsiteY38"/>
+                </a:cxn>
+                <a:cxn ang="0">
+                  <a:pos x="connsiteX39" y="connsiteY39"/>
+                </a:cxn>
+                <a:cxn ang="0">
+                  <a:pos x="connsiteX40" y="connsiteY40"/>
+                </a:cxn>
+                <a:cxn ang="0">
+                  <a:pos x="connsiteX41" y="connsiteY41"/>
+                </a:cxn>
+                <a:cxn ang="0">
+                  <a:pos x="connsiteX42" y="connsiteY42"/>
+                </a:cxn>
+                <a:cxn ang="0">
+                  <a:pos x="connsiteX43" y="connsiteY43"/>
+                </a:cxn>
+                <a:cxn ang="0">
+                  <a:pos x="connsiteX44" y="connsiteY44"/>
+                </a:cxn>
+                <a:cxn ang="0">
+                  <a:pos x="connsiteX45" y="connsiteY45"/>
+                </a:cxn>
+                <a:cxn ang="0">
+                  <a:pos x="connsiteX46" y="connsiteY46"/>
+                </a:cxn>
+                <a:cxn ang="0">
+                  <a:pos x="connsiteX47" y="connsiteY47"/>
+                </a:cxn>
+                <a:cxn ang="0">
+                  <a:pos x="connsiteX48" y="connsiteY48"/>
+                </a:cxn>
+                <a:cxn ang="0">
+                  <a:pos x="connsiteX49" y="connsiteY49"/>
+                </a:cxn>
+                <a:cxn ang="0">
+                  <a:pos x="connsiteX50" y="connsiteY50"/>
+                </a:cxn>
+                <a:cxn ang="0">
+                  <a:pos x="connsiteX51" y="connsiteY51"/>
+                </a:cxn>
+                <a:cxn ang="0">
+                  <a:pos x="connsiteX52" y="connsiteY52"/>
+                </a:cxn>
+                <a:cxn ang="0">
+                  <a:pos x="connsiteX53" y="connsiteY53"/>
+                </a:cxn>
+                <a:cxn ang="0">
+                  <a:pos x="connsiteX54" y="connsiteY54"/>
+                </a:cxn>
+                <a:cxn ang="0">
+                  <a:pos x="connsiteX55" y="connsiteY55"/>
+                </a:cxn>
+                <a:cxn ang="0">
+                  <a:pos x="connsiteX56" y="connsiteY56"/>
+                </a:cxn>
+                <a:cxn ang="0">
+                  <a:pos x="connsiteX57" y="connsiteY57"/>
+                </a:cxn>
+                <a:cxn ang="0">
+                  <a:pos x="connsiteX58" y="connsiteY58"/>
+                </a:cxn>
+                <a:cxn ang="0">
+                  <a:pos x="connsiteX59" y="connsiteY59"/>
+                </a:cxn>
+                <a:cxn ang="0">
+                  <a:pos x="connsiteX60" y="connsiteY60"/>
+                </a:cxn>
+                <a:cxn ang="0">
+                  <a:pos x="connsiteX61" y="connsiteY61"/>
+                </a:cxn>
+                <a:cxn ang="0">
+                  <a:pos x="connsiteX62" y="connsiteY62"/>
+                </a:cxn>
+                <a:cxn ang="0">
+                  <a:pos x="connsiteX63" y="connsiteY63"/>
+                </a:cxn>
+                <a:cxn ang="0">
+                  <a:pos x="connsiteX64" y="connsiteY64"/>
+                </a:cxn>
+                <a:cxn ang="0">
+                  <a:pos x="connsiteX65" y="connsiteY65"/>
+                </a:cxn>
+                <a:cxn ang="0">
+                  <a:pos x="connsiteX66" y="connsiteY66"/>
+                </a:cxn>
+                <a:cxn ang="0">
+                  <a:pos x="connsiteX67" y="connsiteY67"/>
+                </a:cxn>
+                <a:cxn ang="0">
+                  <a:pos x="connsiteX68" y="connsiteY68"/>
+                </a:cxn>
+                <a:cxn ang="0">
+                  <a:pos x="connsiteX69" y="connsiteY69"/>
+                </a:cxn>
+                <a:cxn ang="0">
+                  <a:pos x="connsiteX70" y="connsiteY70"/>
+                </a:cxn>
+                <a:cxn ang="0">
+                  <a:pos x="connsiteX71" y="connsiteY71"/>
+                </a:cxn>
+                <a:cxn ang="0">
+                  <a:pos x="connsiteX72" y="connsiteY72"/>
+                </a:cxn>
+                <a:cxn ang="0">
+                  <a:pos x="connsiteX73" y="connsiteY73"/>
+                </a:cxn>
+                <a:cxn ang="0">
+                  <a:pos x="connsiteX74" y="connsiteY74"/>
+                </a:cxn>
+                <a:cxn ang="0">
+                  <a:pos x="connsiteX75" y="connsiteY75"/>
+                </a:cxn>
+                <a:cxn ang="0">
+                  <a:pos x="connsiteX76" y="connsiteY76"/>
+                </a:cxn>
+                <a:cxn ang="0">
+                  <a:pos x="connsiteX77" y="connsiteY77"/>
+                </a:cxn>
+                <a:cxn ang="0">
+                  <a:pos x="connsiteX78" y="connsiteY78"/>
+                </a:cxn>
+                <a:cxn ang="0">
+                  <a:pos x="connsiteX79" y="connsiteY79"/>
+                </a:cxn>
+                <a:cxn ang="0">
+                  <a:pos x="connsiteX80" y="connsiteY80"/>
+                </a:cxn>
+                <a:cxn ang="0">
+                  <a:pos x="connsiteX81" y="connsiteY81"/>
+                </a:cxn>
+                <a:cxn ang="0">
+                  <a:pos x="connsiteX82" y="connsiteY82"/>
+                </a:cxn>
+                <a:cxn ang="0">
+                  <a:pos x="connsiteX83" y="connsiteY83"/>
+                </a:cxn>
+                <a:cxn ang="0">
+                  <a:pos x="connsiteX84" y="connsiteY84"/>
+                </a:cxn>
+                <a:cxn ang="0">
+                  <a:pos x="connsiteX85" y="connsiteY85"/>
+                </a:cxn>
+                <a:cxn ang="0">
+                  <a:pos x="connsiteX86" y="connsiteY86"/>
+                </a:cxn>
+                <a:cxn ang="0">
+                  <a:pos x="connsiteX87" y="connsiteY87"/>
+                </a:cxn>
+                <a:cxn ang="0">
+                  <a:pos x="connsiteX88" y="connsiteY88"/>
+                </a:cxn>
+                <a:cxn ang="0">
+                  <a:pos x="connsiteX89" y="connsiteY89"/>
+                </a:cxn>
+                <a:cxn ang="0">
+                  <a:pos x="connsiteX90" y="connsiteY90"/>
+                </a:cxn>
+                <a:cxn ang="0">
+                  <a:pos x="connsiteX91" y="connsiteY91"/>
+                </a:cxn>
+                <a:cxn ang="0">
+                  <a:pos x="connsiteX92" y="connsiteY92"/>
+                </a:cxn>
+                <a:cxn ang="0">
+                  <a:pos x="connsiteX93" y="connsiteY93"/>
+                </a:cxn>
+                <a:cxn ang="0">
+                  <a:pos x="connsiteX94" y="connsiteY94"/>
+                </a:cxn>
+                <a:cxn ang="0">
+                  <a:pos x="connsiteX95" y="connsiteY95"/>
+                </a:cxn>
+                <a:cxn ang="0">
+                  <a:pos x="connsiteX96" y="connsiteY96"/>
+                </a:cxn>
+                <a:cxn ang="0">
+                  <a:pos x="connsiteX97" y="connsiteY97"/>
+                </a:cxn>
+                <a:cxn ang="0">
+                  <a:pos x="connsiteX98" y="connsiteY98"/>
+                </a:cxn>
+                <a:cxn ang="0">
+                  <a:pos x="connsiteX99" y="connsiteY99"/>
+                </a:cxn>
+                <a:cxn ang="0">
+                  <a:pos x="connsiteX100" y="connsiteY100"/>
+                </a:cxn>
+                <a:cxn ang="0">
+                  <a:pos x="connsiteX101" y="connsiteY101"/>
+                </a:cxn>
+                <a:cxn ang="0">
+                  <a:pos x="connsiteX102" y="connsiteY102"/>
+                </a:cxn>
+                <a:cxn ang="0">
+                  <a:pos x="connsiteX103" y="connsiteY103"/>
+                </a:cxn>
+                <a:cxn ang="0">
+                  <a:pos x="connsiteX104" y="connsiteY104"/>
+                </a:cxn>
+                <a:cxn ang="0">
+                  <a:pos x="connsiteX105" y="connsiteY105"/>
+                </a:cxn>
+                <a:cxn ang="0">
+                  <a:pos x="connsiteX106" y="connsiteY106"/>
+                </a:cxn>
+                <a:cxn ang="0">
+                  <a:pos x="connsiteX107" y="connsiteY107"/>
+                </a:cxn>
+                <a:cxn ang="0">
+                  <a:pos x="connsiteX108" y="connsiteY108"/>
+                </a:cxn>
+                <a:cxn ang="0">
+                  <a:pos x="connsiteX109" y="connsiteY109"/>
+                </a:cxn>
+                <a:cxn ang="0">
+                  <a:pos x="connsiteX110" y="connsiteY110"/>
+                </a:cxn>
+                <a:cxn ang="0">
+                  <a:pos x="connsiteX111" y="connsiteY111"/>
+                </a:cxn>
+                <a:cxn ang="0">
+                  <a:pos x="connsiteX112" y="connsiteY112"/>
+                </a:cxn>
+                <a:cxn ang="0">
+                  <a:pos x="connsiteX113" y="connsiteY113"/>
+                </a:cxn>
+                <a:cxn ang="0">
+                  <a:pos x="connsiteX114" y="connsiteY114"/>
+                </a:cxn>
+                <a:cxn ang="0">
+                  <a:pos x="connsiteX115" y="connsiteY115"/>
+                </a:cxn>
+                <a:cxn ang="0">
+                  <a:pos x="connsiteX116" y="connsiteY116"/>
+                </a:cxn>
+                <a:cxn ang="0">
+                  <a:pos x="connsiteX117" y="connsiteY117"/>
+                </a:cxn>
+                <a:cxn ang="0">
+                  <a:pos x="connsiteX118" y="connsiteY118"/>
+                </a:cxn>
+                <a:cxn ang="0">
+                  <a:pos x="connsiteX119" y="connsiteY119"/>
+                </a:cxn>
+                <a:cxn ang="0">
+                  <a:pos x="connsiteX120" y="connsiteY120"/>
+                </a:cxn>
+                <a:cxn ang="0">
+                  <a:pos x="connsiteX121" y="connsiteY121"/>
+                </a:cxn>
+                <a:cxn ang="0">
+                  <a:pos x="connsiteX122" y="connsiteY122"/>
+                </a:cxn>
+                <a:cxn ang="0">
+                  <a:pos x="connsiteX123" y="connsiteY123"/>
+                </a:cxn>
+                <a:cxn ang="0">
+                  <a:pos x="connsiteX124" y="connsiteY124"/>
+                </a:cxn>
+                <a:cxn ang="0">
+                  <a:pos x="connsiteX125" y="connsiteY125"/>
+                </a:cxn>
+                <a:cxn ang="0">
+                  <a:pos x="connsiteX126" y="connsiteY126"/>
+                </a:cxn>
+                <a:cxn ang="0">
+                  <a:pos x="connsiteX127" y="connsiteY127"/>
+                </a:cxn>
+                <a:cxn ang="0">
+                  <a:pos x="connsiteX128" y="connsiteY128"/>
+                </a:cxn>
+                <a:cxn ang="0">
+                  <a:pos x="connsiteX129" y="connsiteY129"/>
+                </a:cxn>
+                <a:cxn ang="0">
+                  <a:pos x="connsiteX130" y="connsiteY130"/>
+                </a:cxn>
+                <a:cxn ang="0">
+                  <a:pos x="connsiteX131" y="connsiteY131"/>
+                </a:cxn>
+                <a:cxn ang="0">
+                  <a:pos x="connsiteX132" y="connsiteY132"/>
+                </a:cxn>
+                <a:cxn ang="0">
+                  <a:pos x="connsiteX133" y="connsiteY133"/>
+                </a:cxn>
+                <a:cxn ang="0">
+                  <a:pos x="connsiteX134" y="connsiteY134"/>
+                </a:cxn>
+                <a:cxn ang="0">
+                  <a:pos x="connsiteX135" y="connsiteY135"/>
+                </a:cxn>
+                <a:cxn ang="0">
+                  <a:pos x="connsiteX136" y="connsiteY136"/>
+                </a:cxn>
+                <a:cxn ang="0">
+                  <a:pos x="connsiteX137" y="connsiteY137"/>
+                </a:cxn>
+                <a:cxn ang="0">
+                  <a:pos x="connsiteX138" y="connsiteY138"/>
+                </a:cxn>
+                <a:cxn ang="0">
+                  <a:pos x="connsiteX139" y="connsiteY139"/>
+                </a:cxn>
+                <a:cxn ang="0">
+                  <a:pos x="connsiteX140" y="connsiteY140"/>
+                </a:cxn>
+                <a:cxn ang="0">
+                  <a:pos x="connsiteX141" y="connsiteY141"/>
+                </a:cxn>
+                <a:cxn ang="0">
+                  <a:pos x="connsiteX142" y="connsiteY142"/>
+                </a:cxn>
+                <a:cxn ang="0">
+                  <a:pos x="connsiteX143" y="connsiteY143"/>
+                </a:cxn>
+                <a:cxn ang="0">
+                  <a:pos x="connsiteX144" y="connsiteY144"/>
+                </a:cxn>
+                <a:cxn ang="0">
+                  <a:pos x="connsiteX145" y="connsiteY145"/>
+                </a:cxn>
+                <a:cxn ang="0">
+                  <a:pos x="connsiteX146" y="connsiteY146"/>
+                </a:cxn>
+                <a:cxn ang="0">
+                  <a:pos x="connsiteX147" y="connsiteY147"/>
+                </a:cxn>
+                <a:cxn ang="0">
+                  <a:pos x="connsiteX148" y="connsiteY148"/>
+                </a:cxn>
+                <a:cxn ang="0">
+                  <a:pos x="connsiteX149" y="connsiteY149"/>
+                </a:cxn>
+                <a:cxn ang="0">
+                  <a:pos x="connsiteX150" y="connsiteY150"/>
+                </a:cxn>
+                <a:cxn ang="0">
+                  <a:pos x="connsiteX151" y="connsiteY151"/>
+                </a:cxn>
+                <a:cxn ang="0">
+                  <a:pos x="connsiteX152" y="connsiteY152"/>
+                </a:cxn>
+                <a:cxn ang="0">
+                  <a:pos x="connsiteX153" y="connsiteY153"/>
+                </a:cxn>
+                <a:cxn ang="0">
+                  <a:pos x="connsiteX154" y="connsiteY154"/>
+                </a:cxn>
+                <a:cxn ang="0">
+                  <a:pos x="connsiteX155" y="connsiteY155"/>
+                </a:cxn>
+                <a:cxn ang="0">
+                  <a:pos x="connsiteX156" y="connsiteY156"/>
+                </a:cxn>
+                <a:cxn ang="0">
+                  <a:pos x="connsiteX157" y="connsiteY157"/>
+                </a:cxn>
+                <a:cxn ang="0">
+                  <a:pos x="connsiteX158" y="connsiteY158"/>
+                </a:cxn>
+                <a:cxn ang="0">
+                  <a:pos x="connsiteX159" y="connsiteY159"/>
+                </a:cxn>
+                <a:cxn ang="0">
+                  <a:pos x="connsiteX160" y="connsiteY160"/>
+                </a:cxn>
+                <a:cxn ang="0">
+                  <a:pos x="connsiteX161" y="connsiteY161"/>
+                </a:cxn>
+                <a:cxn ang="0">
+                  <a:pos x="connsiteX162" y="connsiteY162"/>
+                </a:cxn>
+                <a:cxn ang="0">
+                  <a:pos x="connsiteX163" y="connsiteY163"/>
+                </a:cxn>
+                <a:cxn ang="0">
+                  <a:pos x="connsiteX164" y="connsiteY164"/>
+                </a:cxn>
+                <a:cxn ang="0">
+                  <a:pos x="connsiteX165" y="connsiteY165"/>
+                </a:cxn>
+                <a:cxn ang="0">
+                  <a:pos x="connsiteX166" y="connsiteY166"/>
+                </a:cxn>
+                <a:cxn ang="0">
+                  <a:pos x="connsiteX167" y="connsiteY167"/>
+                </a:cxn>
+                <a:cxn ang="0">
+                  <a:pos x="connsiteX168" y="connsiteY168"/>
+                </a:cxn>
+                <a:cxn ang="0">
+                  <a:pos x="connsiteX169" y="connsiteY169"/>
+                </a:cxn>
+                <a:cxn ang="0">
+                  <a:pos x="connsiteX170" y="connsiteY170"/>
+                </a:cxn>
+                <a:cxn ang="0">
+                  <a:pos x="connsiteX171" y="connsiteY171"/>
+                </a:cxn>
+                <a:cxn ang="0">
+                  <a:pos x="connsiteX172" y="connsiteY172"/>
+                </a:cxn>
+                <a:cxn ang="0">
+                  <a:pos x="connsiteX173" y="connsiteY173"/>
+                </a:cxn>
+                <a:cxn ang="0">
+                  <a:pos x="connsiteX174" y="connsiteY174"/>
+                </a:cxn>
+                <a:cxn ang="0">
+                  <a:pos x="connsiteX175" y="connsiteY175"/>
+                </a:cxn>
+                <a:cxn ang="0">
+                  <a:pos x="connsiteX176" y="connsiteY176"/>
+                </a:cxn>
+                <a:cxn ang="0">
+                  <a:pos x="connsiteX177" y="connsiteY177"/>
+                </a:cxn>
+                <a:cxn ang="0">
+                  <a:pos x="connsiteX178" y="connsiteY178"/>
+                </a:cxn>
+                <a:cxn ang="0">
+                  <a:pos x="connsiteX179" y="connsiteY179"/>
+                </a:cxn>
+                <a:cxn ang="0">
+                  <a:pos x="connsiteX180" y="connsiteY180"/>
+                </a:cxn>
+                <a:cxn ang="0">
+                  <a:pos x="connsiteX181" y="connsiteY181"/>
+                </a:cxn>
+                <a:cxn ang="0">
+                  <a:pos x="connsiteX182" y="connsiteY182"/>
+                </a:cxn>
+                <a:cxn ang="0">
+                  <a:pos x="connsiteX183" y="connsiteY183"/>
+                </a:cxn>
+                <a:cxn ang="0">
+                  <a:pos x="connsiteX184" y="connsiteY184"/>
+                </a:cxn>
+                <a:cxn ang="0">
+                  <a:pos x="connsiteX185" y="connsiteY185"/>
+                </a:cxn>
+                <a:cxn ang="0">
+                  <a:pos x="connsiteX186" y="connsiteY186"/>
+                </a:cxn>
+                <a:cxn ang="0">
+                  <a:pos x="connsiteX187" y="connsiteY187"/>
+                </a:cxn>
+                <a:cxn ang="0">
+                  <a:pos x="connsiteX188" y="connsiteY188"/>
+                </a:cxn>
+                <a:cxn ang="0">
+                  <a:pos x="connsiteX189" y="connsiteY189"/>
+                </a:cxn>
+                <a:cxn ang="0">
+                  <a:pos x="connsiteX190" y="connsiteY190"/>
+                </a:cxn>
+              </a:cxnLst>
+              <a:rect l="l" t="t" r="r" b="b"/>
+              <a:pathLst>
+                <a:path w="6858001" h="874716">
+                  <a:moveTo>
+                    <a:pt x="0" y="533314"/>
+                  </a:moveTo>
+                  <a:lnTo>
+                    <a:pt x="0" y="69206"/>
+                  </a:lnTo>
+                  <a:lnTo>
+                    <a:pt x="21486" y="71924"/>
+                  </a:lnTo>
+                  <a:cubicBezTo>
+                    <a:pt x="92546" y="60493"/>
+                    <a:pt x="159604" y="87354"/>
+                    <a:pt x="228948" y="88116"/>
+                  </a:cubicBezTo>
+                  <a:cubicBezTo>
+                    <a:pt x="260382" y="88496"/>
+                    <a:pt x="291435" y="94592"/>
+                    <a:pt x="313533" y="62779"/>
+                  </a:cubicBezTo>
+                  <a:cubicBezTo>
+                    <a:pt x="316389" y="58587"/>
+                    <a:pt x="330298" y="60873"/>
+                    <a:pt x="338870" y="62207"/>
+                  </a:cubicBezTo>
+                  <a:cubicBezTo>
+                    <a:pt x="357921" y="65066"/>
+                    <a:pt x="376781" y="72304"/>
+                    <a:pt x="395640" y="72114"/>
+                  </a:cubicBezTo>
+                  <a:cubicBezTo>
+                    <a:pt x="434695" y="71924"/>
+                    <a:pt x="473939" y="68876"/>
+                    <a:pt x="512802" y="65446"/>
+                  </a:cubicBezTo>
+                  <a:cubicBezTo>
+                    <a:pt x="527470" y="64112"/>
+                    <a:pt x="541569" y="58969"/>
+                    <a:pt x="556047" y="55349"/>
+                  </a:cubicBezTo>
+                  <a:cubicBezTo>
+                    <a:pt x="564048" y="53253"/>
+                    <a:pt x="572622" y="47729"/>
+                    <a:pt x="580050" y="48871"/>
+                  </a:cubicBezTo>
+                  <a:cubicBezTo>
+                    <a:pt x="623106" y="55539"/>
+                    <a:pt x="662541" y="39157"/>
+                    <a:pt x="703308" y="30964"/>
+                  </a:cubicBezTo>
+                  <a:cubicBezTo>
+                    <a:pt x="722169" y="27154"/>
+                    <a:pt x="739886" y="18010"/>
+                    <a:pt x="758174" y="11724"/>
+                  </a:cubicBezTo>
+                  <a:cubicBezTo>
+                    <a:pt x="762936" y="10008"/>
+                    <a:pt x="768271" y="8484"/>
+                    <a:pt x="773035" y="8866"/>
+                  </a:cubicBezTo>
+                  <a:cubicBezTo>
+                    <a:pt x="800276" y="11152"/>
+                    <a:pt x="827329" y="14390"/>
+                    <a:pt x="854379" y="16866"/>
+                  </a:cubicBezTo>
+                  <a:cubicBezTo>
+                    <a:pt x="878956" y="19152"/>
+                    <a:pt x="903722" y="19914"/>
+                    <a:pt x="915343" y="47919"/>
+                  </a:cubicBezTo>
+                  <a:cubicBezTo>
+                    <a:pt x="917059" y="52301"/>
+                    <a:pt x="922773" y="55539"/>
+                    <a:pt x="927155" y="58397"/>
+                  </a:cubicBezTo>
+                  <a:cubicBezTo>
+                    <a:pt x="994785" y="102405"/>
+                    <a:pt x="1030980" y="101261"/>
+                    <a:pt x="1097087" y="54777"/>
+                  </a:cubicBezTo>
+                  <a:cubicBezTo>
+                    <a:pt x="1103945" y="50015"/>
+                    <a:pt x="1118613" y="46585"/>
+                    <a:pt x="1123185" y="50395"/>
+                  </a:cubicBezTo>
+                  <a:cubicBezTo>
+                    <a:pt x="1162049" y="82020"/>
+                    <a:pt x="1204532" y="78590"/>
+                    <a:pt x="1249302" y="68684"/>
+                  </a:cubicBezTo>
+                  <a:cubicBezTo>
+                    <a:pt x="1260922" y="66018"/>
+                    <a:pt x="1277307" y="66018"/>
+                    <a:pt x="1286069" y="72304"/>
+                  </a:cubicBezTo>
+                  <a:cubicBezTo>
+                    <a:pt x="1327790" y="101451"/>
+                    <a:pt x="1372560" y="97261"/>
+                    <a:pt x="1417899" y="88688"/>
+                  </a:cubicBezTo>
+                  <a:cubicBezTo>
+                    <a:pt x="1424948" y="87354"/>
+                    <a:pt x="1433522" y="80114"/>
+                    <a:pt x="1436568" y="73448"/>
+                  </a:cubicBezTo>
+                  <a:cubicBezTo>
+                    <a:pt x="1447428" y="49825"/>
+                    <a:pt x="1467813" y="41823"/>
+                    <a:pt x="1490292" y="35154"/>
+                  </a:cubicBezTo>
+                  <a:cubicBezTo>
+                    <a:pt x="1525727" y="24296"/>
+                    <a:pt x="1560588" y="11532"/>
+                    <a:pt x="1596213" y="1245"/>
+                  </a:cubicBezTo>
+                  <a:cubicBezTo>
+                    <a:pt x="1604978" y="-1231"/>
+                    <a:pt x="1615836" y="293"/>
+                    <a:pt x="1624980" y="3150"/>
+                  </a:cubicBezTo>
+                  <a:cubicBezTo>
+                    <a:pt x="1656223" y="12866"/>
+                    <a:pt x="1676036" y="37251"/>
+                    <a:pt x="1697753" y="59731"/>
+                  </a:cubicBezTo>
+                  <a:cubicBezTo>
+                    <a:pt x="1707279" y="69638"/>
+                    <a:pt x="1720423" y="76686"/>
+                    <a:pt x="1733188" y="82400"/>
+                  </a:cubicBezTo>
+                  <a:cubicBezTo>
+                    <a:pt x="1766335" y="97071"/>
+                    <a:pt x="1800246" y="110215"/>
+                    <a:pt x="1833775" y="124121"/>
+                  </a:cubicBezTo>
+                  <a:cubicBezTo>
+                    <a:pt x="1837013" y="125455"/>
+                    <a:pt x="1839679" y="128884"/>
+                    <a:pt x="1842158" y="131742"/>
+                  </a:cubicBezTo>
+                  <a:cubicBezTo>
+                    <a:pt x="1866922" y="161843"/>
+                    <a:pt x="1891497" y="192132"/>
+                    <a:pt x="1916454" y="222233"/>
+                  </a:cubicBezTo>
+                  <a:cubicBezTo>
+                    <a:pt x="1921216" y="227947"/>
+                    <a:pt x="1928076" y="232139"/>
+                    <a:pt x="1933219" y="237663"/>
+                  </a:cubicBezTo>
+                  <a:cubicBezTo>
+                    <a:pt x="1940459" y="245283"/>
+                    <a:pt x="1949603" y="252524"/>
+                    <a:pt x="1953413" y="261668"/>
+                  </a:cubicBezTo>
+                  <a:cubicBezTo>
+                    <a:pt x="1965224" y="290433"/>
+                    <a:pt x="1987894" y="302817"/>
+                    <a:pt x="2016469" y="308151"/>
+                  </a:cubicBezTo>
+                  <a:cubicBezTo>
+                    <a:pt x="2042570" y="313104"/>
+                    <a:pt x="2068669" y="317296"/>
+                    <a:pt x="2094578" y="323010"/>
+                  </a:cubicBezTo>
+                  <a:cubicBezTo>
+                    <a:pt x="2126201" y="329868"/>
+                    <a:pt x="2157636" y="337298"/>
+                    <a:pt x="2188879" y="345681"/>
+                  </a:cubicBezTo>
+                  <a:cubicBezTo>
+                    <a:pt x="2202404" y="349301"/>
+                    <a:pt x="2216692" y="353491"/>
+                    <a:pt x="2228314" y="360921"/>
+                  </a:cubicBezTo>
+                  <a:cubicBezTo>
+                    <a:pt x="2260890" y="381496"/>
+                    <a:pt x="2295753" y="395402"/>
+                    <a:pt x="2334044" y="389878"/>
+                  </a:cubicBezTo>
+                  <a:cubicBezTo>
+                    <a:pt x="2364715" y="385496"/>
+                    <a:pt x="2390434" y="396736"/>
+                    <a:pt x="2409485" y="414263"/>
+                  </a:cubicBezTo>
+                  <a:cubicBezTo>
+                    <a:pt x="2444158" y="446078"/>
+                    <a:pt x="2481305" y="438838"/>
+                    <a:pt x="2518264" y="428552"/>
+                  </a:cubicBezTo>
+                  <a:cubicBezTo>
+                    <a:pt x="2537315" y="423217"/>
+                    <a:pt x="2552935" y="423979"/>
+                    <a:pt x="2571034" y="429122"/>
+                  </a:cubicBezTo>
+                  <a:cubicBezTo>
+                    <a:pt x="2612945" y="441124"/>
+                    <a:pt x="2640950" y="473701"/>
+                    <a:pt x="2668001" y="502276"/>
+                  </a:cubicBezTo>
+                  <a:cubicBezTo>
+                    <a:pt x="2691054" y="526661"/>
+                    <a:pt x="2716963" y="540377"/>
+                    <a:pt x="2745348" y="550666"/>
+                  </a:cubicBezTo>
+                  <a:cubicBezTo>
+                    <a:pt x="2781163" y="563810"/>
+                    <a:pt x="2809548" y="558858"/>
+                    <a:pt x="2826694" y="527233"/>
+                  </a:cubicBezTo>
+                  <a:cubicBezTo>
+                    <a:pt x="2831457" y="518278"/>
+                    <a:pt x="2839839" y="507800"/>
+                    <a:pt x="2848793" y="505134"/>
+                  </a:cubicBezTo>
+                  <a:cubicBezTo>
+                    <a:pt x="2892037" y="491800"/>
+                    <a:pt x="2935854" y="472367"/>
+                    <a:pt x="2982148" y="484179"/>
+                  </a:cubicBezTo>
+                  <a:cubicBezTo>
+                    <a:pt x="3046158" y="500372"/>
+                    <a:pt x="3108644" y="499420"/>
+                    <a:pt x="3172654" y="483417"/>
+                  </a:cubicBezTo>
+                  <a:cubicBezTo>
+                    <a:pt x="3276480" y="457508"/>
+                    <a:pt x="3380305" y="430076"/>
+                    <a:pt x="3489467" y="435790"/>
+                  </a:cubicBezTo>
+                  <a:cubicBezTo>
+                    <a:pt x="3507563" y="436742"/>
+                    <a:pt x="3529090" y="425121"/>
+                    <a:pt x="3544713" y="413691"/>
+                  </a:cubicBezTo>
+                  <a:cubicBezTo>
+                    <a:pt x="3574622" y="391974"/>
+                    <a:pt x="3573288" y="390258"/>
+                    <a:pt x="3606817" y="408167"/>
+                  </a:cubicBezTo>
+                  <a:cubicBezTo>
+                    <a:pt x="3614819" y="412549"/>
+                    <a:pt x="3624725" y="415215"/>
+                    <a:pt x="3630632" y="421693"/>
+                  </a:cubicBezTo>
+                  <a:cubicBezTo>
+                    <a:pt x="3660731" y="454650"/>
+                    <a:pt x="3697880" y="446648"/>
+                    <a:pt x="3734837" y="441886"/>
+                  </a:cubicBezTo>
+                  <a:cubicBezTo>
+                    <a:pt x="3741315" y="440934"/>
+                    <a:pt x="3749125" y="439600"/>
+                    <a:pt x="3754652" y="442268"/>
+                  </a:cubicBezTo>
+                  <a:cubicBezTo>
+                    <a:pt x="3779607" y="454268"/>
+                    <a:pt x="3800753" y="450078"/>
+                    <a:pt x="3822472" y="433694"/>
+                  </a:cubicBezTo>
+                  <a:cubicBezTo>
+                    <a:pt x="3841331" y="419597"/>
+                    <a:pt x="3863049" y="411215"/>
+                    <a:pt x="3885338" y="428742"/>
+                  </a:cubicBezTo>
+                  <a:cubicBezTo>
+                    <a:pt x="3934870" y="467605"/>
+                    <a:pt x="3987829" y="469509"/>
+                    <a:pt x="4043839" y="444934"/>
+                  </a:cubicBezTo>
+                  <a:cubicBezTo>
+                    <a:pt x="4083845" y="427407"/>
+                    <a:pt x="4123280" y="423407"/>
+                    <a:pt x="4165383" y="441124"/>
+                  </a:cubicBezTo>
+                  <a:cubicBezTo>
+                    <a:pt x="4181576" y="447982"/>
+                    <a:pt x="4202531" y="443410"/>
+                    <a:pt x="4221391" y="444934"/>
+                  </a:cubicBezTo>
+                  <a:cubicBezTo>
+                    <a:pt x="4232060" y="445696"/>
+                    <a:pt x="4243872" y="445886"/>
+                    <a:pt x="4253014" y="450650"/>
+                  </a:cubicBezTo>
+                  <a:cubicBezTo>
+                    <a:pt x="4277401" y="462843"/>
+                    <a:pt x="4300070" y="478463"/>
+                    <a:pt x="4324645" y="490466"/>
+                  </a:cubicBezTo>
+                  <a:cubicBezTo>
+                    <a:pt x="4336457" y="496180"/>
+                    <a:pt x="4350554" y="499228"/>
+                    <a:pt x="4363890" y="499420"/>
+                  </a:cubicBezTo>
+                  <a:cubicBezTo>
+                    <a:pt x="4403325" y="500372"/>
+                    <a:pt x="4442761" y="500372"/>
+                    <a:pt x="4482004" y="498658"/>
+                  </a:cubicBezTo>
+                  <a:cubicBezTo>
+                    <a:pt x="4546776" y="495990"/>
+                    <a:pt x="4612500" y="495418"/>
+                    <a:pt x="4659174" y="438648"/>
+                  </a:cubicBezTo>
+                  <a:cubicBezTo>
+                    <a:pt x="4662986" y="434076"/>
+                    <a:pt x="4671176" y="431408"/>
+                    <a:pt x="4677655" y="430646"/>
+                  </a:cubicBezTo>
+                  <a:cubicBezTo>
+                    <a:pt x="4707564" y="427027"/>
+                    <a:pt x="4738235" y="426645"/>
+                    <a:pt x="4767764" y="420739"/>
+                  </a:cubicBezTo>
+                  <a:cubicBezTo>
+                    <a:pt x="4791386" y="415977"/>
+                    <a:pt x="4811009" y="417501"/>
+                    <a:pt x="4828916" y="434266"/>
+                  </a:cubicBezTo>
+                  <a:cubicBezTo>
+                    <a:pt x="4852348" y="456364"/>
+                    <a:pt x="4880925" y="469319"/>
+                    <a:pt x="4912168" y="462271"/>
+                  </a:cubicBezTo>
+                  <a:cubicBezTo>
+                    <a:pt x="4943409" y="455412"/>
+                    <a:pt x="4963984" y="470271"/>
+                    <a:pt x="4987037" y="485703"/>
+                  </a:cubicBezTo>
+                  <a:cubicBezTo>
+                    <a:pt x="5003801" y="496942"/>
+                    <a:pt x="5022852" y="511040"/>
+                    <a:pt x="5041521" y="512182"/>
+                  </a:cubicBezTo>
+                  <a:cubicBezTo>
+                    <a:pt x="5083814" y="514658"/>
+                    <a:pt x="5120201" y="553904"/>
+                    <a:pt x="5166113" y="531615"/>
+                  </a:cubicBezTo>
+                  <a:cubicBezTo>
+                    <a:pt x="5169161" y="530091"/>
+                    <a:pt x="5174685" y="533901"/>
+                    <a:pt x="5179067" y="534853"/>
+                  </a:cubicBezTo>
+                  <a:cubicBezTo>
+                    <a:pt x="5214121" y="542093"/>
+                    <a:pt x="5247078" y="535043"/>
+                    <a:pt x="5272796" y="511230"/>
+                  </a:cubicBezTo>
+                  <a:cubicBezTo>
+                    <a:pt x="5306516" y="480177"/>
+                    <a:pt x="5343855" y="477129"/>
+                    <a:pt x="5385384" y="487227"/>
+                  </a:cubicBezTo>
+                  <a:cubicBezTo>
+                    <a:pt x="5398721" y="490466"/>
+                    <a:pt x="5412057" y="492752"/>
+                    <a:pt x="5425582" y="495418"/>
+                  </a:cubicBezTo>
+                  <a:cubicBezTo>
+                    <a:pt x="5443870" y="499228"/>
+                    <a:pt x="5462351" y="503230"/>
+                    <a:pt x="5480637" y="507040"/>
+                  </a:cubicBezTo>
+                  <a:cubicBezTo>
+                    <a:pt x="5498356" y="510850"/>
+                    <a:pt x="5517979" y="517326"/>
+                    <a:pt x="5531693" y="500944"/>
+                  </a:cubicBezTo>
+                  <a:cubicBezTo>
+                    <a:pt x="5543506" y="486845"/>
+                    <a:pt x="5551888" y="488179"/>
+                    <a:pt x="5562746" y="500372"/>
+                  </a:cubicBezTo>
+                  <a:cubicBezTo>
+                    <a:pt x="5600467" y="543045"/>
+                    <a:pt x="5646189" y="569716"/>
+                    <a:pt x="5704483" y="571620"/>
+                  </a:cubicBezTo>
+                  <a:cubicBezTo>
+                    <a:pt x="5716485" y="572002"/>
+                    <a:pt x="5728678" y="574668"/>
+                    <a:pt x="5740488" y="577526"/>
+                  </a:cubicBezTo>
+                  <a:cubicBezTo>
+                    <a:pt x="5747728" y="579241"/>
+                    <a:pt x="5756493" y="581147"/>
+                    <a:pt x="5760873" y="586291"/>
+                  </a:cubicBezTo>
+                  <a:cubicBezTo>
+                    <a:pt x="5794974" y="625534"/>
+                    <a:pt x="5837457" y="652777"/>
+                    <a:pt x="5883751" y="674686"/>
+                  </a:cubicBezTo>
+                  <a:cubicBezTo>
+                    <a:pt x="5900323" y="682496"/>
+                    <a:pt x="5918042" y="690306"/>
+                    <a:pt x="5935949" y="692592"/>
+                  </a:cubicBezTo>
+                  <a:cubicBezTo>
+                    <a:pt x="5954617" y="694878"/>
+                    <a:pt x="5974240" y="691068"/>
+                    <a:pt x="5993291" y="688972"/>
+                  </a:cubicBezTo>
+                  <a:cubicBezTo>
+                    <a:pt x="6004531" y="687830"/>
+                    <a:pt x="6017485" y="688020"/>
+                    <a:pt x="6026440" y="682496"/>
+                  </a:cubicBezTo>
+                  <a:cubicBezTo>
+                    <a:pt x="6054825" y="665159"/>
+                    <a:pt x="6082258" y="646491"/>
+                    <a:pt x="6108738" y="626296"/>
+                  </a:cubicBezTo>
+                  <a:cubicBezTo>
+                    <a:pt x="6131409" y="608960"/>
+                    <a:pt x="6135981" y="606483"/>
+                    <a:pt x="6155602" y="628202"/>
+                  </a:cubicBezTo>
+                  <a:cubicBezTo>
+                    <a:pt x="6175797" y="650491"/>
+                    <a:pt x="6200944" y="662111"/>
+                    <a:pt x="6228756" y="666873"/>
+                  </a:cubicBezTo>
+                  <a:cubicBezTo>
+                    <a:pt x="6272764" y="674304"/>
+                    <a:pt x="6317151" y="680590"/>
+                    <a:pt x="6361539" y="684210"/>
+                  </a:cubicBezTo>
+                  <a:cubicBezTo>
+                    <a:pt x="6401736" y="687448"/>
+                    <a:pt x="6420977" y="669922"/>
+                    <a:pt x="6428979" y="630106"/>
+                  </a:cubicBezTo>
+                  <a:cubicBezTo>
+                    <a:pt x="6433551" y="608007"/>
+                    <a:pt x="6439458" y="584003"/>
+                    <a:pt x="6463840" y="578098"/>
+                  </a:cubicBezTo>
+                  <a:cubicBezTo>
+                    <a:pt x="6503658" y="568572"/>
+                    <a:pt x="6544997" y="564382"/>
+                    <a:pt x="6564620" y="517708"/>
+                  </a:cubicBezTo>
+                  <a:cubicBezTo>
+                    <a:pt x="6575478" y="527995"/>
+                    <a:pt x="6582146" y="534091"/>
+                    <a:pt x="6588625" y="540187"/>
+                  </a:cubicBezTo>
+                  <a:cubicBezTo>
+                    <a:pt x="6606531" y="557142"/>
+                    <a:pt x="6643678" y="564382"/>
+                    <a:pt x="6662541" y="549714"/>
+                  </a:cubicBezTo>
+                  <a:cubicBezTo>
+                    <a:pt x="6690354" y="528377"/>
+                    <a:pt x="6715883" y="532377"/>
+                    <a:pt x="6742552" y="548952"/>
+                  </a:cubicBezTo>
+                  <a:cubicBezTo>
+                    <a:pt x="6764841" y="562668"/>
+                    <a:pt x="6788417" y="567954"/>
+                    <a:pt x="6812063" y="568430"/>
+                  </a:cubicBezTo>
+                  <a:lnTo>
+                    <a:pt x="6858001" y="562267"/>
+                  </a:lnTo>
+                  <a:lnTo>
+                    <a:pt x="6858001" y="734520"/>
+                  </a:lnTo>
+                  <a:lnTo>
+                    <a:pt x="6815516" y="744220"/>
+                  </a:lnTo>
+                  <a:cubicBezTo>
+                    <a:pt x="6793035" y="749744"/>
+                    <a:pt x="6771319" y="759651"/>
+                    <a:pt x="6748458" y="763271"/>
+                  </a:cubicBezTo>
+                  <a:cubicBezTo>
+                    <a:pt x="6694164" y="771843"/>
+                    <a:pt x="6639488" y="777939"/>
+                    <a:pt x="6584812" y="784797"/>
+                  </a:cubicBezTo>
+                  <a:cubicBezTo>
+                    <a:pt x="6528424" y="791846"/>
+                    <a:pt x="6472225" y="799276"/>
+                    <a:pt x="6415833" y="805562"/>
+                  </a:cubicBezTo>
+                  <a:cubicBezTo>
+                    <a:pt x="6384972" y="808802"/>
+                    <a:pt x="6353919" y="809372"/>
+                    <a:pt x="6323058" y="812420"/>
+                  </a:cubicBezTo>
+                  <a:cubicBezTo>
+                    <a:pt x="6296005" y="815088"/>
+                    <a:pt x="6269144" y="820041"/>
+                    <a:pt x="6242093" y="823281"/>
+                  </a:cubicBezTo>
+                  <a:cubicBezTo>
+                    <a:pt x="6218660" y="825947"/>
+                    <a:pt x="6195037" y="827471"/>
+                    <a:pt x="6171605" y="830139"/>
+                  </a:cubicBezTo>
+                  <a:cubicBezTo>
+                    <a:pt x="6134075" y="834519"/>
+                    <a:pt x="6096736" y="839473"/>
+                    <a:pt x="6059397" y="844045"/>
+                  </a:cubicBezTo>
+                  <a:cubicBezTo>
+                    <a:pt x="6043776" y="845759"/>
+                    <a:pt x="6027392" y="850522"/>
+                    <a:pt x="6012723" y="847665"/>
+                  </a:cubicBezTo>
+                  <a:cubicBezTo>
+                    <a:pt x="5975764" y="840425"/>
+                    <a:pt x="5939377" y="842521"/>
+                    <a:pt x="5902610" y="847473"/>
+                  </a:cubicBezTo>
+                  <a:cubicBezTo>
+                    <a:pt x="5890037" y="849190"/>
+                    <a:pt x="5876511" y="848808"/>
+                    <a:pt x="5864318" y="845569"/>
+                  </a:cubicBezTo>
+                  <a:cubicBezTo>
+                    <a:pt x="5839361" y="839091"/>
+                    <a:pt x="5815169" y="829947"/>
+                    <a:pt x="5790592" y="821947"/>
+                  </a:cubicBezTo>
+                  <a:cubicBezTo>
+                    <a:pt x="5787924" y="820995"/>
+                    <a:pt x="5784686" y="820803"/>
+                    <a:pt x="5781830" y="820233"/>
+                  </a:cubicBezTo>
+                  <a:cubicBezTo>
+                    <a:pt x="5765635" y="816992"/>
+                    <a:pt x="5749634" y="813754"/>
+                    <a:pt x="5733440" y="810896"/>
+                  </a:cubicBezTo>
+                  <a:cubicBezTo>
+                    <a:pt x="5724678" y="809372"/>
+                    <a:pt x="5715723" y="809182"/>
+                    <a:pt x="5706959" y="807848"/>
+                  </a:cubicBezTo>
+                  <a:cubicBezTo>
+                    <a:pt x="5673050" y="802514"/>
+                    <a:pt x="5635711" y="811468"/>
+                    <a:pt x="5606372" y="788417"/>
+                  </a:cubicBezTo>
+                  <a:cubicBezTo>
+                    <a:pt x="5587321" y="773557"/>
+                    <a:pt x="5568842" y="776987"/>
+                    <a:pt x="5548460" y="779273"/>
+                  </a:cubicBezTo>
+                  <a:cubicBezTo>
+                    <a:pt x="5533027" y="780987"/>
+                    <a:pt x="5517215" y="780415"/>
+                    <a:pt x="5501594" y="780607"/>
+                  </a:cubicBezTo>
+                  <a:cubicBezTo>
+                    <a:pt x="5474161" y="781177"/>
+                    <a:pt x="5446728" y="781369"/>
+                    <a:pt x="5419295" y="782321"/>
+                  </a:cubicBezTo>
+                  <a:cubicBezTo>
+                    <a:pt x="5410531" y="782701"/>
+                    <a:pt x="5401579" y="787465"/>
+                    <a:pt x="5393005" y="786703"/>
+                  </a:cubicBezTo>
+                  <a:cubicBezTo>
+                    <a:pt x="5353379" y="783083"/>
+                    <a:pt x="5313754" y="777367"/>
+                    <a:pt x="5274129" y="774129"/>
+                  </a:cubicBezTo>
+                  <a:cubicBezTo>
+                    <a:pt x="5251650" y="772225"/>
+                    <a:pt x="5228597" y="775843"/>
+                    <a:pt x="5206308" y="773177"/>
+                  </a:cubicBezTo>
+                  <a:cubicBezTo>
+                    <a:pt x="5180591" y="770129"/>
+                    <a:pt x="5155445" y="762319"/>
+                    <a:pt x="5129916" y="757554"/>
+                  </a:cubicBezTo>
+                  <a:cubicBezTo>
+                    <a:pt x="5122867" y="756222"/>
+                    <a:pt x="5115057" y="757936"/>
+                    <a:pt x="5107627" y="758316"/>
+                  </a:cubicBezTo>
+                  <a:cubicBezTo>
+                    <a:pt x="5099245" y="758699"/>
+                    <a:pt x="5091052" y="759461"/>
+                    <a:pt x="5082670" y="759651"/>
+                  </a:cubicBezTo>
+                  <a:cubicBezTo>
+                    <a:pt x="5057141" y="760033"/>
+                    <a:pt x="5031614" y="759461"/>
+                    <a:pt x="5006086" y="760795"/>
+                  </a:cubicBezTo>
+                  <a:cubicBezTo>
+                    <a:pt x="4990465" y="761557"/>
+                    <a:pt x="4974082" y="769367"/>
+                    <a:pt x="4959602" y="766509"/>
+                  </a:cubicBezTo>
+                  <a:cubicBezTo>
+                    <a:pt x="4930075" y="760985"/>
+                    <a:pt x="4900546" y="773367"/>
+                    <a:pt x="4871019" y="763081"/>
+                  </a:cubicBezTo>
+                  <a:cubicBezTo>
+                    <a:pt x="4861873" y="760033"/>
+                    <a:pt x="4849300" y="767653"/>
+                    <a:pt x="4838250" y="768033"/>
+                  </a:cubicBezTo>
+                  <a:cubicBezTo>
+                    <a:pt x="4810627" y="768985"/>
+                    <a:pt x="4783004" y="768795"/>
+                    <a:pt x="4755381" y="768605"/>
+                  </a:cubicBezTo>
+                  <a:cubicBezTo>
+                    <a:pt x="4730614" y="768415"/>
+                    <a:pt x="4704895" y="771081"/>
+                    <a:pt x="4681083" y="765747"/>
+                  </a:cubicBezTo>
+                  <a:cubicBezTo>
+                    <a:pt x="4656126" y="760033"/>
+                    <a:pt x="4633647" y="760795"/>
+                    <a:pt x="4609452" y="767271"/>
+                  </a:cubicBezTo>
+                  <a:cubicBezTo>
+                    <a:pt x="4592878" y="771653"/>
+                    <a:pt x="4575351" y="772225"/>
+                    <a:pt x="4558207" y="773557"/>
+                  </a:cubicBezTo>
+                  <a:cubicBezTo>
+                    <a:pt x="4539728" y="775081"/>
+                    <a:pt x="4519343" y="771081"/>
+                    <a:pt x="4502579" y="777367"/>
+                  </a:cubicBezTo>
+                  <a:cubicBezTo>
+                    <a:pt x="4452665" y="796038"/>
+                    <a:pt x="4401419" y="800038"/>
+                    <a:pt x="4349222" y="800038"/>
+                  </a:cubicBezTo>
+                  <a:cubicBezTo>
+                    <a:pt x="4339695" y="800038"/>
+                    <a:pt x="4329979" y="797372"/>
+                    <a:pt x="4320837" y="794514"/>
+                  </a:cubicBezTo>
+                  <a:cubicBezTo>
+                    <a:pt x="4267493" y="777367"/>
+                    <a:pt x="4213961" y="778891"/>
+                    <a:pt x="4159667" y="789370"/>
+                  </a:cubicBezTo>
+                  <a:cubicBezTo>
+                    <a:pt x="4148427" y="791656"/>
+                    <a:pt x="4135854" y="792038"/>
+                    <a:pt x="4124614" y="789752"/>
+                  </a:cubicBezTo>
+                  <a:cubicBezTo>
+                    <a:pt x="4092989" y="783083"/>
+                    <a:pt x="4062318" y="772033"/>
+                    <a:pt x="4030503" y="767271"/>
+                  </a:cubicBezTo>
+                  <a:cubicBezTo>
+                    <a:pt x="3977925" y="759461"/>
+                    <a:pt x="3932394" y="785749"/>
+                    <a:pt x="3885338" y="802896"/>
+                  </a:cubicBezTo>
+                  <a:cubicBezTo>
+                    <a:pt x="3840569" y="819089"/>
+                    <a:pt x="3802467" y="855666"/>
+                    <a:pt x="3749506" y="847473"/>
+                  </a:cubicBezTo>
+                  <a:cubicBezTo>
+                    <a:pt x="3744173" y="846711"/>
+                    <a:pt x="3738267" y="851856"/>
+                    <a:pt x="3732361" y="853190"/>
+                  </a:cubicBezTo>
+                  <a:cubicBezTo>
+                    <a:pt x="3716168" y="856810"/>
+                    <a:pt x="3699976" y="861190"/>
+                    <a:pt x="3683591" y="862906"/>
+                  </a:cubicBezTo>
+                  <a:cubicBezTo>
+                    <a:pt x="3663589" y="865192"/>
+                    <a:pt x="3643204" y="864430"/>
+                    <a:pt x="3623201" y="866334"/>
+                  </a:cubicBezTo>
+                  <a:cubicBezTo>
+                    <a:pt x="3597482" y="868620"/>
+                    <a:pt x="3572146" y="874716"/>
+                    <a:pt x="3546617" y="874716"/>
+                  </a:cubicBezTo>
+                  <a:cubicBezTo>
+                    <a:pt x="3526042" y="874716"/>
+                    <a:pt x="3505657" y="867668"/>
+                    <a:pt x="3485275" y="864238"/>
+                  </a:cubicBezTo>
+                  <a:cubicBezTo>
+                    <a:pt x="3456508" y="859476"/>
+                    <a:pt x="3424883" y="860810"/>
+                    <a:pt x="3399546" y="848618"/>
+                  </a:cubicBezTo>
+                  <a:cubicBezTo>
+                    <a:pt x="3372495" y="835663"/>
+                    <a:pt x="3346776" y="829757"/>
+                    <a:pt x="3318771" y="833757"/>
+                  </a:cubicBezTo>
+                  <a:cubicBezTo>
+                    <a:pt x="3309437" y="835091"/>
+                    <a:pt x="3297434" y="843093"/>
+                    <a:pt x="3293244" y="851284"/>
+                  </a:cubicBezTo>
+                  <a:cubicBezTo>
+                    <a:pt x="3283908" y="869572"/>
+                    <a:pt x="3271145" y="872812"/>
+                    <a:pt x="3253809" y="866524"/>
+                  </a:cubicBezTo>
+                  <a:cubicBezTo>
+                    <a:pt x="3238758" y="861190"/>
+                    <a:pt x="3220280" y="858524"/>
+                    <a:pt x="3209993" y="848235"/>
+                  </a:cubicBezTo>
+                  <a:cubicBezTo>
+                    <a:pt x="3180844" y="819089"/>
+                    <a:pt x="3143695" y="818136"/>
+                    <a:pt x="3107500" y="810326"/>
+                  </a:cubicBezTo>
+                  <a:cubicBezTo>
+                    <a:pt x="3085403" y="805562"/>
+                    <a:pt x="3064827" y="805372"/>
+                    <a:pt x="3042728" y="808610"/>
+                  </a:cubicBezTo>
+                  <a:cubicBezTo>
+                    <a:pt x="2994722" y="815850"/>
+                    <a:pt x="2948047" y="805562"/>
+                    <a:pt x="2901943" y="792418"/>
+                  </a:cubicBezTo>
+                  <a:cubicBezTo>
+                    <a:pt x="2871462" y="783655"/>
+                    <a:pt x="2840219" y="778321"/>
+                    <a:pt x="2809930" y="769367"/>
+                  </a:cubicBezTo>
+                  <a:cubicBezTo>
+                    <a:pt x="2787259" y="762509"/>
+                    <a:pt x="2764590" y="754316"/>
+                    <a:pt x="2743826" y="743268"/>
+                  </a:cubicBezTo>
+                  <a:cubicBezTo>
+                    <a:pt x="2713723" y="727073"/>
+                    <a:pt x="2687436" y="702689"/>
+                    <a:pt x="2649143" y="709167"/>
+                  </a:cubicBezTo>
+                  <a:cubicBezTo>
+                    <a:pt x="2615421" y="714881"/>
+                    <a:pt x="2584942" y="702881"/>
+                    <a:pt x="2554079" y="691450"/>
+                  </a:cubicBezTo>
+                  <a:cubicBezTo>
+                    <a:pt x="2531409" y="683068"/>
+                    <a:pt x="2508742" y="674494"/>
+                    <a:pt x="2485307" y="669160"/>
+                  </a:cubicBezTo>
+                  <a:cubicBezTo>
+                    <a:pt x="2457492" y="662873"/>
+                    <a:pt x="2426059" y="665541"/>
+                    <a:pt x="2401292" y="653919"/>
+                  </a:cubicBezTo>
+                  <a:cubicBezTo>
+                    <a:pt x="2375383" y="641727"/>
+                    <a:pt x="2353859" y="649919"/>
+                    <a:pt x="2330806" y="653349"/>
+                  </a:cubicBezTo>
+                  <a:cubicBezTo>
+                    <a:pt x="2294039" y="658683"/>
+                    <a:pt x="2257459" y="668590"/>
+                    <a:pt x="2220312" y="656015"/>
+                  </a:cubicBezTo>
+                  <a:cubicBezTo>
+                    <a:pt x="2175163" y="640775"/>
+                    <a:pt x="2130393" y="624392"/>
+                    <a:pt x="2085054" y="609914"/>
+                  </a:cubicBezTo>
+                  <a:cubicBezTo>
+                    <a:pt x="2067525" y="604387"/>
+                    <a:pt x="2048668" y="602101"/>
+                    <a:pt x="2030378" y="599625"/>
+                  </a:cubicBezTo>
+                  <a:cubicBezTo>
+                    <a:pt x="2013043" y="597529"/>
+                    <a:pt x="1992279" y="602863"/>
+                    <a:pt x="1978940" y="594863"/>
+                  </a:cubicBezTo>
+                  <a:cubicBezTo>
+                    <a:pt x="1944649" y="574288"/>
+                    <a:pt x="1909408" y="564192"/>
+                    <a:pt x="1869780" y="564192"/>
+                  </a:cubicBezTo>
+                  <a:cubicBezTo>
+                    <a:pt x="1854920" y="564192"/>
+                    <a:pt x="1840441" y="555618"/>
+                    <a:pt x="1825393" y="554094"/>
+                  </a:cubicBezTo>
+                  <a:cubicBezTo>
+                    <a:pt x="1804816" y="552190"/>
+                    <a:pt x="1781194" y="547045"/>
+                    <a:pt x="1763287" y="554286"/>
+                  </a:cubicBezTo>
+                  <a:cubicBezTo>
+                    <a:pt x="1721185" y="571430"/>
+                    <a:pt x="1687086" y="557142"/>
+                    <a:pt x="1650317" y="540187"/>
+                  </a:cubicBezTo>
+                  <a:cubicBezTo>
+                    <a:pt x="1614120" y="523423"/>
+                    <a:pt x="1576019" y="510088"/>
+                    <a:pt x="1537537" y="499038"/>
+                  </a:cubicBezTo>
+                  <a:cubicBezTo>
+                    <a:pt x="1523059" y="495038"/>
+                    <a:pt x="1505724" y="501706"/>
+                    <a:pt x="1489720" y="503038"/>
+                  </a:cubicBezTo>
+                  <a:cubicBezTo>
+                    <a:pt x="1484004" y="503420"/>
+                    <a:pt x="1477717" y="503992"/>
+                    <a:pt x="1472575" y="502086"/>
+                  </a:cubicBezTo>
+                  <a:cubicBezTo>
+                    <a:pt x="1422854" y="483797"/>
+                    <a:pt x="1372368" y="469891"/>
+                    <a:pt x="1318456" y="479415"/>
+                  </a:cubicBezTo>
+                  <a:cubicBezTo>
+                    <a:pt x="1313504" y="480369"/>
+                    <a:pt x="1307978" y="478273"/>
+                    <a:pt x="1303024" y="476939"/>
+                  </a:cubicBezTo>
+                  <a:cubicBezTo>
+                    <a:pt x="1278829" y="470081"/>
+                    <a:pt x="1255206" y="459223"/>
+                    <a:pt x="1230633" y="456746"/>
+                  </a:cubicBezTo>
+                  <a:cubicBezTo>
+                    <a:pt x="1170051" y="450650"/>
+                    <a:pt x="1109091" y="448172"/>
+                    <a:pt x="1048125" y="444172"/>
+                  </a:cubicBezTo>
+                  <a:cubicBezTo>
+                    <a:pt x="1044315" y="443982"/>
+                    <a:pt x="1040315" y="443982"/>
+                    <a:pt x="1036887" y="442648"/>
+                  </a:cubicBezTo>
+                  <a:cubicBezTo>
+                    <a:pt x="1014406" y="434456"/>
+                    <a:pt x="994785" y="437124"/>
+                    <a:pt x="975733" y="452744"/>
+                  </a:cubicBezTo>
+                  <a:cubicBezTo>
+                    <a:pt x="967350" y="459603"/>
+                    <a:pt x="955920" y="463223"/>
+                    <a:pt x="945444" y="467033"/>
+                  </a:cubicBezTo>
+                  <a:cubicBezTo>
+                    <a:pt x="930011" y="472749"/>
+                    <a:pt x="914200" y="478273"/>
+                    <a:pt x="898198" y="481893"/>
+                  </a:cubicBezTo>
+                  <a:cubicBezTo>
+                    <a:pt x="882384" y="485321"/>
+                    <a:pt x="865430" y="490084"/>
+                    <a:pt x="850189" y="487417"/>
+                  </a:cubicBezTo>
+                  <a:cubicBezTo>
+                    <a:pt x="822756" y="482655"/>
+                    <a:pt x="796655" y="471987"/>
+                    <a:pt x="769605" y="464937"/>
+                  </a:cubicBezTo>
+                  <a:cubicBezTo>
+                    <a:pt x="760270" y="462461"/>
+                    <a:pt x="749982" y="462843"/>
+                    <a:pt x="740268" y="462651"/>
+                  </a:cubicBezTo>
+                  <a:cubicBezTo>
+                    <a:pt x="717977" y="462081"/>
+                    <a:pt x="695116" y="467605"/>
+                    <a:pt x="674923" y="451792"/>
+                  </a:cubicBezTo>
+                  <a:cubicBezTo>
+                    <a:pt x="656255" y="436934"/>
+                    <a:pt x="637392" y="441314"/>
+                    <a:pt x="617772" y="452554"/>
+                  </a:cubicBezTo>
+                  <a:cubicBezTo>
+                    <a:pt x="603673" y="460557"/>
+                    <a:pt x="587672" y="466843"/>
+                    <a:pt x="571860" y="469891"/>
+                  </a:cubicBezTo>
+                  <a:cubicBezTo>
+                    <a:pt x="550141" y="474081"/>
+                    <a:pt x="528615" y="475797"/>
+                    <a:pt x="505182" y="473319"/>
+                  </a:cubicBezTo>
+                  <a:cubicBezTo>
+                    <a:pt x="488607" y="471605"/>
+                    <a:pt x="475081" y="470843"/>
+                    <a:pt x="462126" y="460747"/>
+                  </a:cubicBezTo>
+                  <a:cubicBezTo>
+                    <a:pt x="460032" y="459223"/>
+                    <a:pt x="456222" y="458841"/>
+                    <a:pt x="453364" y="459033"/>
+                  </a:cubicBezTo>
+                  <a:cubicBezTo>
+                    <a:pt x="415835" y="462271"/>
+                    <a:pt x="378686" y="460557"/>
+                    <a:pt x="340774" y="458268"/>
+                  </a:cubicBezTo>
+                  <a:cubicBezTo>
+                    <a:pt x="292579" y="455222"/>
+                    <a:pt x="241901" y="464175"/>
+                    <a:pt x="200182" y="496180"/>
+                  </a:cubicBezTo>
+                  <a:cubicBezTo>
+                    <a:pt x="194085" y="500944"/>
+                    <a:pt x="184941" y="503038"/>
+                    <a:pt x="176939" y="504182"/>
+                  </a:cubicBezTo>
+                  <a:cubicBezTo>
+                    <a:pt x="139219" y="509134"/>
+                    <a:pt x="101308" y="512564"/>
+                    <a:pt x="63587" y="518088"/>
+                  </a:cubicBezTo>
+                  <a:cubicBezTo>
+                    <a:pt x="43012" y="521137"/>
+                    <a:pt x="21486" y="523805"/>
+                    <a:pt x="2817" y="532187"/>
+                  </a:cubicBezTo>
+                  <a:lnTo>
+                    <a:pt x="0" y="533314"/>
+                  </a:lnTo>
+                  <a:close/>
+                </a:path>
+              </a:pathLst>
+            </a:custGeom>
+            <a:solidFill>
+              <a:srgbClr val="FFFFFF"/>
+            </a:solidFill>
+            <a:ln>
+              <a:noFill/>
+            </a:ln>
+            <a:effectLst/>
+          </p:spPr>
+          <p:style>
+            <a:lnRef idx="2">
+              <a:schemeClr val="accent1">
+                <a:shade val="50000"/>
+              </a:schemeClr>
+            </a:lnRef>
+            <a:fillRef idx="1">
+              <a:schemeClr val="accent1"/>
+            </a:fillRef>
+            <a:effectRef idx="0">
+              <a:schemeClr val="accent1"/>
+            </a:effectRef>
+            <a:fontRef idx="minor">
+              <a:schemeClr val="lt1"/>
+            </a:fontRef>
+          </p:style>
+          <p:txBody>
+            <a:bodyPr wrap="square" rtlCol="0" anchor="ctr">
+              <a:noAutofit/>
+            </a:bodyPr>
+            <a:lstStyle/>
+            <a:p>
+              <a:pPr algn="ctr"/>
+              <a:endParaRPr lang="en-US"/>
+            </a:p>
+          </p:txBody>
+        </p:sp>
+        <p:sp>
+          <p:nvSpPr>
+            <p:cNvPr id="14" name="Freeform: Shape 13">
+              <a:extLst>
+                <a:ext uri="{FF2B5EF4-FFF2-40B4-BE49-F238E27FC236}">
+                  <a16:creationId xmlns:a16="http://schemas.microsoft.com/office/drawing/2014/main" id="{9BC5702A-BA45-4A2C-99DC-525993A9CE89}"/>
+                </a:ext>
+                <a:ext uri="{C183D7F6-B498-43B3-948B-1728B52AA6E4}">
+                  <adec:decorative xmlns:adec="http://schemas.microsoft.com/office/drawing/2017/decorative" val="1"/>
+                </a:ext>
+              </a:extLst>
+            </p:cNvPr>
+            <p:cNvSpPr/>
+            <p:nvPr>
+              <p:extLst>
+                <p:ext uri="{386F3935-93C4-4BCD-93E2-E3B085C9AB24}">
+                  <p16:designElem xmlns:p16="http://schemas.microsoft.com/office/powerpoint/2015/main" val="1"/>
+                </p:ext>
+              </p:extLst>
+            </p:nvPr>
+          </p:nvSpPr>
+          <p:spPr>
+            <a:xfrm rot="16200000" flipH="1">
+              <a:off x="715166" y="2991642"/>
+              <a:ext cx="6858001" cy="874716"/>
+            </a:xfrm>
+            <a:custGeom>
+              <a:avLst/>
+              <a:gdLst>
+                <a:gd name="connsiteX0" fmla="*/ 0 w 6858001"/>
+                <a:gd name="connsiteY0" fmla="*/ 533314 h 874716"/>
+                <a:gd name="connsiteX1" fmla="*/ 0 w 6858001"/>
+                <a:gd name="connsiteY1" fmla="*/ 69206 h 874716"/>
+                <a:gd name="connsiteX2" fmla="*/ 21486 w 6858001"/>
+                <a:gd name="connsiteY2" fmla="*/ 71924 h 874716"/>
+                <a:gd name="connsiteX3" fmla="*/ 228948 w 6858001"/>
+                <a:gd name="connsiteY3" fmla="*/ 88116 h 874716"/>
+                <a:gd name="connsiteX4" fmla="*/ 313533 w 6858001"/>
+                <a:gd name="connsiteY4" fmla="*/ 62779 h 874716"/>
+                <a:gd name="connsiteX5" fmla="*/ 338870 w 6858001"/>
+                <a:gd name="connsiteY5" fmla="*/ 62207 h 874716"/>
+                <a:gd name="connsiteX6" fmla="*/ 395640 w 6858001"/>
+                <a:gd name="connsiteY6" fmla="*/ 72114 h 874716"/>
+                <a:gd name="connsiteX7" fmla="*/ 512802 w 6858001"/>
+                <a:gd name="connsiteY7" fmla="*/ 65446 h 874716"/>
+                <a:gd name="connsiteX8" fmla="*/ 556047 w 6858001"/>
+                <a:gd name="connsiteY8" fmla="*/ 55349 h 874716"/>
+                <a:gd name="connsiteX9" fmla="*/ 580050 w 6858001"/>
+                <a:gd name="connsiteY9" fmla="*/ 48871 h 874716"/>
+                <a:gd name="connsiteX10" fmla="*/ 703308 w 6858001"/>
+                <a:gd name="connsiteY10" fmla="*/ 30964 h 874716"/>
+                <a:gd name="connsiteX11" fmla="*/ 758174 w 6858001"/>
+                <a:gd name="connsiteY11" fmla="*/ 11724 h 874716"/>
+                <a:gd name="connsiteX12" fmla="*/ 773035 w 6858001"/>
+                <a:gd name="connsiteY12" fmla="*/ 8866 h 874716"/>
+                <a:gd name="connsiteX13" fmla="*/ 854379 w 6858001"/>
+                <a:gd name="connsiteY13" fmla="*/ 16866 h 874716"/>
+                <a:gd name="connsiteX14" fmla="*/ 915343 w 6858001"/>
+                <a:gd name="connsiteY14" fmla="*/ 47919 h 874716"/>
+                <a:gd name="connsiteX15" fmla="*/ 927155 w 6858001"/>
+                <a:gd name="connsiteY15" fmla="*/ 58397 h 874716"/>
+                <a:gd name="connsiteX16" fmla="*/ 1097087 w 6858001"/>
+                <a:gd name="connsiteY16" fmla="*/ 54777 h 874716"/>
+                <a:gd name="connsiteX17" fmla="*/ 1123185 w 6858001"/>
+                <a:gd name="connsiteY17" fmla="*/ 50395 h 874716"/>
+                <a:gd name="connsiteX18" fmla="*/ 1249302 w 6858001"/>
+                <a:gd name="connsiteY18" fmla="*/ 68684 h 874716"/>
+                <a:gd name="connsiteX19" fmla="*/ 1286069 w 6858001"/>
+                <a:gd name="connsiteY19" fmla="*/ 72304 h 874716"/>
+                <a:gd name="connsiteX20" fmla="*/ 1417899 w 6858001"/>
+                <a:gd name="connsiteY20" fmla="*/ 88688 h 874716"/>
+                <a:gd name="connsiteX21" fmla="*/ 1436568 w 6858001"/>
+                <a:gd name="connsiteY21" fmla="*/ 73448 h 874716"/>
+                <a:gd name="connsiteX22" fmla="*/ 1490292 w 6858001"/>
+                <a:gd name="connsiteY22" fmla="*/ 35154 h 874716"/>
+                <a:gd name="connsiteX23" fmla="*/ 1596213 w 6858001"/>
+                <a:gd name="connsiteY23" fmla="*/ 1245 h 874716"/>
+                <a:gd name="connsiteX24" fmla="*/ 1624980 w 6858001"/>
+                <a:gd name="connsiteY24" fmla="*/ 3150 h 874716"/>
+                <a:gd name="connsiteX25" fmla="*/ 1697753 w 6858001"/>
+                <a:gd name="connsiteY25" fmla="*/ 59731 h 874716"/>
+                <a:gd name="connsiteX26" fmla="*/ 1733188 w 6858001"/>
+                <a:gd name="connsiteY26" fmla="*/ 82400 h 874716"/>
+                <a:gd name="connsiteX27" fmla="*/ 1833775 w 6858001"/>
+                <a:gd name="connsiteY27" fmla="*/ 124121 h 874716"/>
+                <a:gd name="connsiteX28" fmla="*/ 1842158 w 6858001"/>
+                <a:gd name="connsiteY28" fmla="*/ 131742 h 874716"/>
+                <a:gd name="connsiteX29" fmla="*/ 1916454 w 6858001"/>
+                <a:gd name="connsiteY29" fmla="*/ 222233 h 874716"/>
+                <a:gd name="connsiteX30" fmla="*/ 1933219 w 6858001"/>
+                <a:gd name="connsiteY30" fmla="*/ 237663 h 874716"/>
+                <a:gd name="connsiteX31" fmla="*/ 1953413 w 6858001"/>
+                <a:gd name="connsiteY31" fmla="*/ 261668 h 874716"/>
+                <a:gd name="connsiteX32" fmla="*/ 2016469 w 6858001"/>
+                <a:gd name="connsiteY32" fmla="*/ 308151 h 874716"/>
+                <a:gd name="connsiteX33" fmla="*/ 2094578 w 6858001"/>
+                <a:gd name="connsiteY33" fmla="*/ 323010 h 874716"/>
+                <a:gd name="connsiteX34" fmla="*/ 2188879 w 6858001"/>
+                <a:gd name="connsiteY34" fmla="*/ 345681 h 874716"/>
+                <a:gd name="connsiteX35" fmla="*/ 2228314 w 6858001"/>
+                <a:gd name="connsiteY35" fmla="*/ 360921 h 874716"/>
+                <a:gd name="connsiteX36" fmla="*/ 2334044 w 6858001"/>
+                <a:gd name="connsiteY36" fmla="*/ 389878 h 874716"/>
+                <a:gd name="connsiteX37" fmla="*/ 2409485 w 6858001"/>
+                <a:gd name="connsiteY37" fmla="*/ 414263 h 874716"/>
+                <a:gd name="connsiteX38" fmla="*/ 2518264 w 6858001"/>
+                <a:gd name="connsiteY38" fmla="*/ 428552 h 874716"/>
+                <a:gd name="connsiteX39" fmla="*/ 2571034 w 6858001"/>
+                <a:gd name="connsiteY39" fmla="*/ 429122 h 874716"/>
+                <a:gd name="connsiteX40" fmla="*/ 2668001 w 6858001"/>
+                <a:gd name="connsiteY40" fmla="*/ 502276 h 874716"/>
+                <a:gd name="connsiteX41" fmla="*/ 2745348 w 6858001"/>
+                <a:gd name="connsiteY41" fmla="*/ 550666 h 874716"/>
+                <a:gd name="connsiteX42" fmla="*/ 2826694 w 6858001"/>
+                <a:gd name="connsiteY42" fmla="*/ 527233 h 874716"/>
+                <a:gd name="connsiteX43" fmla="*/ 2848793 w 6858001"/>
+                <a:gd name="connsiteY43" fmla="*/ 505134 h 874716"/>
+                <a:gd name="connsiteX44" fmla="*/ 2982148 w 6858001"/>
+                <a:gd name="connsiteY44" fmla="*/ 484179 h 874716"/>
+                <a:gd name="connsiteX45" fmla="*/ 3172654 w 6858001"/>
+                <a:gd name="connsiteY45" fmla="*/ 483417 h 874716"/>
+                <a:gd name="connsiteX46" fmla="*/ 3489467 w 6858001"/>
+                <a:gd name="connsiteY46" fmla="*/ 435790 h 874716"/>
+                <a:gd name="connsiteX47" fmla="*/ 3544713 w 6858001"/>
+                <a:gd name="connsiteY47" fmla="*/ 413691 h 874716"/>
+                <a:gd name="connsiteX48" fmla="*/ 3606817 w 6858001"/>
+                <a:gd name="connsiteY48" fmla="*/ 408167 h 874716"/>
+                <a:gd name="connsiteX49" fmla="*/ 3630632 w 6858001"/>
+                <a:gd name="connsiteY49" fmla="*/ 421693 h 874716"/>
+                <a:gd name="connsiteX50" fmla="*/ 3734837 w 6858001"/>
+                <a:gd name="connsiteY50" fmla="*/ 441886 h 874716"/>
+                <a:gd name="connsiteX51" fmla="*/ 3754652 w 6858001"/>
+                <a:gd name="connsiteY51" fmla="*/ 442268 h 874716"/>
+                <a:gd name="connsiteX52" fmla="*/ 3822472 w 6858001"/>
+                <a:gd name="connsiteY52" fmla="*/ 433694 h 874716"/>
+                <a:gd name="connsiteX53" fmla="*/ 3885338 w 6858001"/>
+                <a:gd name="connsiteY53" fmla="*/ 428742 h 874716"/>
+                <a:gd name="connsiteX54" fmla="*/ 4043839 w 6858001"/>
+                <a:gd name="connsiteY54" fmla="*/ 444934 h 874716"/>
+                <a:gd name="connsiteX55" fmla="*/ 4165383 w 6858001"/>
+                <a:gd name="connsiteY55" fmla="*/ 441124 h 874716"/>
+                <a:gd name="connsiteX56" fmla="*/ 4221391 w 6858001"/>
+                <a:gd name="connsiteY56" fmla="*/ 444934 h 874716"/>
+                <a:gd name="connsiteX57" fmla="*/ 4253014 w 6858001"/>
+                <a:gd name="connsiteY57" fmla="*/ 450650 h 874716"/>
+                <a:gd name="connsiteX58" fmla="*/ 4324645 w 6858001"/>
+                <a:gd name="connsiteY58" fmla="*/ 490466 h 874716"/>
+                <a:gd name="connsiteX59" fmla="*/ 4363890 w 6858001"/>
+                <a:gd name="connsiteY59" fmla="*/ 499420 h 874716"/>
+                <a:gd name="connsiteX60" fmla="*/ 4482004 w 6858001"/>
+                <a:gd name="connsiteY60" fmla="*/ 498658 h 874716"/>
+                <a:gd name="connsiteX61" fmla="*/ 4659174 w 6858001"/>
+                <a:gd name="connsiteY61" fmla="*/ 438648 h 874716"/>
+                <a:gd name="connsiteX62" fmla="*/ 4677655 w 6858001"/>
+                <a:gd name="connsiteY62" fmla="*/ 430646 h 874716"/>
+                <a:gd name="connsiteX63" fmla="*/ 4767764 w 6858001"/>
+                <a:gd name="connsiteY63" fmla="*/ 420739 h 874716"/>
+                <a:gd name="connsiteX64" fmla="*/ 4828916 w 6858001"/>
+                <a:gd name="connsiteY64" fmla="*/ 434266 h 874716"/>
+                <a:gd name="connsiteX65" fmla="*/ 4912168 w 6858001"/>
+                <a:gd name="connsiteY65" fmla="*/ 462271 h 874716"/>
+                <a:gd name="connsiteX66" fmla="*/ 4987037 w 6858001"/>
+                <a:gd name="connsiteY66" fmla="*/ 485703 h 874716"/>
+                <a:gd name="connsiteX67" fmla="*/ 5041521 w 6858001"/>
+                <a:gd name="connsiteY67" fmla="*/ 512182 h 874716"/>
+                <a:gd name="connsiteX68" fmla="*/ 5166113 w 6858001"/>
+                <a:gd name="connsiteY68" fmla="*/ 531615 h 874716"/>
+                <a:gd name="connsiteX69" fmla="*/ 5179067 w 6858001"/>
+                <a:gd name="connsiteY69" fmla="*/ 534853 h 874716"/>
+                <a:gd name="connsiteX70" fmla="*/ 5272796 w 6858001"/>
+                <a:gd name="connsiteY70" fmla="*/ 511230 h 874716"/>
+                <a:gd name="connsiteX71" fmla="*/ 5385384 w 6858001"/>
+                <a:gd name="connsiteY71" fmla="*/ 487227 h 874716"/>
+                <a:gd name="connsiteX72" fmla="*/ 5425582 w 6858001"/>
+                <a:gd name="connsiteY72" fmla="*/ 495418 h 874716"/>
+                <a:gd name="connsiteX73" fmla="*/ 5480637 w 6858001"/>
+                <a:gd name="connsiteY73" fmla="*/ 507040 h 874716"/>
+                <a:gd name="connsiteX74" fmla="*/ 5531693 w 6858001"/>
+                <a:gd name="connsiteY74" fmla="*/ 500944 h 874716"/>
+                <a:gd name="connsiteX75" fmla="*/ 5562746 w 6858001"/>
+                <a:gd name="connsiteY75" fmla="*/ 500372 h 874716"/>
+                <a:gd name="connsiteX76" fmla="*/ 5704483 w 6858001"/>
+                <a:gd name="connsiteY76" fmla="*/ 571620 h 874716"/>
+                <a:gd name="connsiteX77" fmla="*/ 5740488 w 6858001"/>
+                <a:gd name="connsiteY77" fmla="*/ 577526 h 874716"/>
+                <a:gd name="connsiteX78" fmla="*/ 5760873 w 6858001"/>
+                <a:gd name="connsiteY78" fmla="*/ 586291 h 874716"/>
+                <a:gd name="connsiteX79" fmla="*/ 5883751 w 6858001"/>
+                <a:gd name="connsiteY79" fmla="*/ 674686 h 874716"/>
+                <a:gd name="connsiteX80" fmla="*/ 5935949 w 6858001"/>
+                <a:gd name="connsiteY80" fmla="*/ 692592 h 874716"/>
+                <a:gd name="connsiteX81" fmla="*/ 5993291 w 6858001"/>
+                <a:gd name="connsiteY81" fmla="*/ 688972 h 874716"/>
+                <a:gd name="connsiteX82" fmla="*/ 6026440 w 6858001"/>
+                <a:gd name="connsiteY82" fmla="*/ 682496 h 874716"/>
+                <a:gd name="connsiteX83" fmla="*/ 6108738 w 6858001"/>
+                <a:gd name="connsiteY83" fmla="*/ 626296 h 874716"/>
+                <a:gd name="connsiteX84" fmla="*/ 6155602 w 6858001"/>
+                <a:gd name="connsiteY84" fmla="*/ 628202 h 874716"/>
+                <a:gd name="connsiteX85" fmla="*/ 6228756 w 6858001"/>
+                <a:gd name="connsiteY85" fmla="*/ 666873 h 874716"/>
+                <a:gd name="connsiteX86" fmla="*/ 6361539 w 6858001"/>
+                <a:gd name="connsiteY86" fmla="*/ 684210 h 874716"/>
+                <a:gd name="connsiteX87" fmla="*/ 6428979 w 6858001"/>
+                <a:gd name="connsiteY87" fmla="*/ 630106 h 874716"/>
+                <a:gd name="connsiteX88" fmla="*/ 6463840 w 6858001"/>
+                <a:gd name="connsiteY88" fmla="*/ 578098 h 874716"/>
+                <a:gd name="connsiteX89" fmla="*/ 6564620 w 6858001"/>
+                <a:gd name="connsiteY89" fmla="*/ 517708 h 874716"/>
+                <a:gd name="connsiteX90" fmla="*/ 6588625 w 6858001"/>
+                <a:gd name="connsiteY90" fmla="*/ 540187 h 874716"/>
+                <a:gd name="connsiteX91" fmla="*/ 6662541 w 6858001"/>
+                <a:gd name="connsiteY91" fmla="*/ 549714 h 874716"/>
+                <a:gd name="connsiteX92" fmla="*/ 6742552 w 6858001"/>
+                <a:gd name="connsiteY92" fmla="*/ 548952 h 874716"/>
+                <a:gd name="connsiteX93" fmla="*/ 6812063 w 6858001"/>
+                <a:gd name="connsiteY93" fmla="*/ 568430 h 874716"/>
+                <a:gd name="connsiteX94" fmla="*/ 6858001 w 6858001"/>
+                <a:gd name="connsiteY94" fmla="*/ 562267 h 874716"/>
+                <a:gd name="connsiteX95" fmla="*/ 6858001 w 6858001"/>
+                <a:gd name="connsiteY95" fmla="*/ 734520 h 874716"/>
+                <a:gd name="connsiteX96" fmla="*/ 6815516 w 6858001"/>
+                <a:gd name="connsiteY96" fmla="*/ 744220 h 874716"/>
+                <a:gd name="connsiteX97" fmla="*/ 6748458 w 6858001"/>
+                <a:gd name="connsiteY97" fmla="*/ 763271 h 874716"/>
+                <a:gd name="connsiteX98" fmla="*/ 6584812 w 6858001"/>
+                <a:gd name="connsiteY98" fmla="*/ 784797 h 874716"/>
+                <a:gd name="connsiteX99" fmla="*/ 6415833 w 6858001"/>
+                <a:gd name="connsiteY99" fmla="*/ 805562 h 874716"/>
+                <a:gd name="connsiteX100" fmla="*/ 6323058 w 6858001"/>
+                <a:gd name="connsiteY100" fmla="*/ 812420 h 874716"/>
+                <a:gd name="connsiteX101" fmla="*/ 6242093 w 6858001"/>
+                <a:gd name="connsiteY101" fmla="*/ 823281 h 874716"/>
+                <a:gd name="connsiteX102" fmla="*/ 6171605 w 6858001"/>
+                <a:gd name="connsiteY102" fmla="*/ 830139 h 874716"/>
+                <a:gd name="connsiteX103" fmla="*/ 6059397 w 6858001"/>
+                <a:gd name="connsiteY103" fmla="*/ 844045 h 874716"/>
+                <a:gd name="connsiteX104" fmla="*/ 6012723 w 6858001"/>
+                <a:gd name="connsiteY104" fmla="*/ 847665 h 874716"/>
+                <a:gd name="connsiteX105" fmla="*/ 5902610 w 6858001"/>
+                <a:gd name="connsiteY105" fmla="*/ 847473 h 874716"/>
+                <a:gd name="connsiteX106" fmla="*/ 5864318 w 6858001"/>
+                <a:gd name="connsiteY106" fmla="*/ 845569 h 874716"/>
+                <a:gd name="connsiteX107" fmla="*/ 5790592 w 6858001"/>
+                <a:gd name="connsiteY107" fmla="*/ 821947 h 874716"/>
+                <a:gd name="connsiteX108" fmla="*/ 5781830 w 6858001"/>
+                <a:gd name="connsiteY108" fmla="*/ 820233 h 874716"/>
+                <a:gd name="connsiteX109" fmla="*/ 5733440 w 6858001"/>
+                <a:gd name="connsiteY109" fmla="*/ 810896 h 874716"/>
+                <a:gd name="connsiteX110" fmla="*/ 5706959 w 6858001"/>
+                <a:gd name="connsiteY110" fmla="*/ 807848 h 874716"/>
+                <a:gd name="connsiteX111" fmla="*/ 5606372 w 6858001"/>
+                <a:gd name="connsiteY111" fmla="*/ 788417 h 874716"/>
+                <a:gd name="connsiteX112" fmla="*/ 5548460 w 6858001"/>
+                <a:gd name="connsiteY112" fmla="*/ 779273 h 874716"/>
+                <a:gd name="connsiteX113" fmla="*/ 5501594 w 6858001"/>
+                <a:gd name="connsiteY113" fmla="*/ 780607 h 874716"/>
+                <a:gd name="connsiteX114" fmla="*/ 5419295 w 6858001"/>
+                <a:gd name="connsiteY114" fmla="*/ 782321 h 874716"/>
+                <a:gd name="connsiteX115" fmla="*/ 5393005 w 6858001"/>
+                <a:gd name="connsiteY115" fmla="*/ 786703 h 874716"/>
+                <a:gd name="connsiteX116" fmla="*/ 5274129 w 6858001"/>
+                <a:gd name="connsiteY116" fmla="*/ 774129 h 874716"/>
+                <a:gd name="connsiteX117" fmla="*/ 5206308 w 6858001"/>
+                <a:gd name="connsiteY117" fmla="*/ 773177 h 874716"/>
+                <a:gd name="connsiteX118" fmla="*/ 5129916 w 6858001"/>
+                <a:gd name="connsiteY118" fmla="*/ 757554 h 874716"/>
+                <a:gd name="connsiteX119" fmla="*/ 5107627 w 6858001"/>
+                <a:gd name="connsiteY119" fmla="*/ 758316 h 874716"/>
+                <a:gd name="connsiteX120" fmla="*/ 5082670 w 6858001"/>
+                <a:gd name="connsiteY120" fmla="*/ 759651 h 874716"/>
+                <a:gd name="connsiteX121" fmla="*/ 5006086 w 6858001"/>
+                <a:gd name="connsiteY121" fmla="*/ 760795 h 874716"/>
+                <a:gd name="connsiteX122" fmla="*/ 4959602 w 6858001"/>
+                <a:gd name="connsiteY122" fmla="*/ 766509 h 874716"/>
+                <a:gd name="connsiteX123" fmla="*/ 4871019 w 6858001"/>
+                <a:gd name="connsiteY123" fmla="*/ 763081 h 874716"/>
+                <a:gd name="connsiteX124" fmla="*/ 4838250 w 6858001"/>
+                <a:gd name="connsiteY124" fmla="*/ 768033 h 874716"/>
+                <a:gd name="connsiteX125" fmla="*/ 4755381 w 6858001"/>
+                <a:gd name="connsiteY125" fmla="*/ 768605 h 874716"/>
+                <a:gd name="connsiteX126" fmla="*/ 4681083 w 6858001"/>
+                <a:gd name="connsiteY126" fmla="*/ 765747 h 874716"/>
+                <a:gd name="connsiteX127" fmla="*/ 4609452 w 6858001"/>
+                <a:gd name="connsiteY127" fmla="*/ 767271 h 874716"/>
+                <a:gd name="connsiteX128" fmla="*/ 4558207 w 6858001"/>
+                <a:gd name="connsiteY128" fmla="*/ 773557 h 874716"/>
+                <a:gd name="connsiteX129" fmla="*/ 4502579 w 6858001"/>
+                <a:gd name="connsiteY129" fmla="*/ 777367 h 874716"/>
+                <a:gd name="connsiteX130" fmla="*/ 4349222 w 6858001"/>
+                <a:gd name="connsiteY130" fmla="*/ 800038 h 874716"/>
+                <a:gd name="connsiteX131" fmla="*/ 4320837 w 6858001"/>
+                <a:gd name="connsiteY131" fmla="*/ 794514 h 874716"/>
+                <a:gd name="connsiteX132" fmla="*/ 4159667 w 6858001"/>
+                <a:gd name="connsiteY132" fmla="*/ 789370 h 874716"/>
+                <a:gd name="connsiteX133" fmla="*/ 4124614 w 6858001"/>
+                <a:gd name="connsiteY133" fmla="*/ 789752 h 874716"/>
+                <a:gd name="connsiteX134" fmla="*/ 4030503 w 6858001"/>
+                <a:gd name="connsiteY134" fmla="*/ 767271 h 874716"/>
+                <a:gd name="connsiteX135" fmla="*/ 3885338 w 6858001"/>
+                <a:gd name="connsiteY135" fmla="*/ 802896 h 874716"/>
+                <a:gd name="connsiteX136" fmla="*/ 3749506 w 6858001"/>
+                <a:gd name="connsiteY136" fmla="*/ 847473 h 874716"/>
+                <a:gd name="connsiteX137" fmla="*/ 3732361 w 6858001"/>
+                <a:gd name="connsiteY137" fmla="*/ 853190 h 874716"/>
+                <a:gd name="connsiteX138" fmla="*/ 3683591 w 6858001"/>
+                <a:gd name="connsiteY138" fmla="*/ 862906 h 874716"/>
+                <a:gd name="connsiteX139" fmla="*/ 3623201 w 6858001"/>
+                <a:gd name="connsiteY139" fmla="*/ 866334 h 874716"/>
+                <a:gd name="connsiteX140" fmla="*/ 3546617 w 6858001"/>
+                <a:gd name="connsiteY140" fmla="*/ 874716 h 874716"/>
+                <a:gd name="connsiteX141" fmla="*/ 3485275 w 6858001"/>
+                <a:gd name="connsiteY141" fmla="*/ 864238 h 874716"/>
+                <a:gd name="connsiteX142" fmla="*/ 3399546 w 6858001"/>
+                <a:gd name="connsiteY142" fmla="*/ 848618 h 874716"/>
+                <a:gd name="connsiteX143" fmla="*/ 3318771 w 6858001"/>
+                <a:gd name="connsiteY143" fmla="*/ 833757 h 874716"/>
+                <a:gd name="connsiteX144" fmla="*/ 3293244 w 6858001"/>
+                <a:gd name="connsiteY144" fmla="*/ 851284 h 874716"/>
+                <a:gd name="connsiteX145" fmla="*/ 3253809 w 6858001"/>
+                <a:gd name="connsiteY145" fmla="*/ 866524 h 874716"/>
+                <a:gd name="connsiteX146" fmla="*/ 3209993 w 6858001"/>
+                <a:gd name="connsiteY146" fmla="*/ 848235 h 874716"/>
+                <a:gd name="connsiteX147" fmla="*/ 3107500 w 6858001"/>
+                <a:gd name="connsiteY147" fmla="*/ 810326 h 874716"/>
+                <a:gd name="connsiteX148" fmla="*/ 3042728 w 6858001"/>
+                <a:gd name="connsiteY148" fmla="*/ 808610 h 874716"/>
+                <a:gd name="connsiteX149" fmla="*/ 2901943 w 6858001"/>
+                <a:gd name="connsiteY149" fmla="*/ 792418 h 874716"/>
+                <a:gd name="connsiteX150" fmla="*/ 2809930 w 6858001"/>
+                <a:gd name="connsiteY150" fmla="*/ 769367 h 874716"/>
+                <a:gd name="connsiteX151" fmla="*/ 2743826 w 6858001"/>
+                <a:gd name="connsiteY151" fmla="*/ 743268 h 874716"/>
+                <a:gd name="connsiteX152" fmla="*/ 2649143 w 6858001"/>
+                <a:gd name="connsiteY152" fmla="*/ 709167 h 874716"/>
+                <a:gd name="connsiteX153" fmla="*/ 2554079 w 6858001"/>
+                <a:gd name="connsiteY153" fmla="*/ 691450 h 874716"/>
+                <a:gd name="connsiteX154" fmla="*/ 2485307 w 6858001"/>
+                <a:gd name="connsiteY154" fmla="*/ 669160 h 874716"/>
+                <a:gd name="connsiteX155" fmla="*/ 2401292 w 6858001"/>
+                <a:gd name="connsiteY155" fmla="*/ 653919 h 874716"/>
+                <a:gd name="connsiteX156" fmla="*/ 2330806 w 6858001"/>
+                <a:gd name="connsiteY156" fmla="*/ 653349 h 874716"/>
+                <a:gd name="connsiteX157" fmla="*/ 2220312 w 6858001"/>
+                <a:gd name="connsiteY157" fmla="*/ 656015 h 874716"/>
+                <a:gd name="connsiteX158" fmla="*/ 2085054 w 6858001"/>
+                <a:gd name="connsiteY158" fmla="*/ 609914 h 874716"/>
+                <a:gd name="connsiteX159" fmla="*/ 2030378 w 6858001"/>
+                <a:gd name="connsiteY159" fmla="*/ 599625 h 874716"/>
+                <a:gd name="connsiteX160" fmla="*/ 1978940 w 6858001"/>
+                <a:gd name="connsiteY160" fmla="*/ 594863 h 874716"/>
+                <a:gd name="connsiteX161" fmla="*/ 1869780 w 6858001"/>
+                <a:gd name="connsiteY161" fmla="*/ 564192 h 874716"/>
+                <a:gd name="connsiteX162" fmla="*/ 1825393 w 6858001"/>
+                <a:gd name="connsiteY162" fmla="*/ 554094 h 874716"/>
+                <a:gd name="connsiteX163" fmla="*/ 1763287 w 6858001"/>
+                <a:gd name="connsiteY163" fmla="*/ 554286 h 874716"/>
+                <a:gd name="connsiteX164" fmla="*/ 1650317 w 6858001"/>
+                <a:gd name="connsiteY164" fmla="*/ 540187 h 874716"/>
+                <a:gd name="connsiteX165" fmla="*/ 1537537 w 6858001"/>
+                <a:gd name="connsiteY165" fmla="*/ 499038 h 874716"/>
+                <a:gd name="connsiteX166" fmla="*/ 1489720 w 6858001"/>
+                <a:gd name="connsiteY166" fmla="*/ 503038 h 874716"/>
+                <a:gd name="connsiteX167" fmla="*/ 1472575 w 6858001"/>
+                <a:gd name="connsiteY167" fmla="*/ 502086 h 874716"/>
+                <a:gd name="connsiteX168" fmla="*/ 1318456 w 6858001"/>
+                <a:gd name="connsiteY168" fmla="*/ 479415 h 874716"/>
+                <a:gd name="connsiteX169" fmla="*/ 1303024 w 6858001"/>
+                <a:gd name="connsiteY169" fmla="*/ 476939 h 874716"/>
+                <a:gd name="connsiteX170" fmla="*/ 1230633 w 6858001"/>
+                <a:gd name="connsiteY170" fmla="*/ 456746 h 874716"/>
+                <a:gd name="connsiteX171" fmla="*/ 1048125 w 6858001"/>
+                <a:gd name="connsiteY171" fmla="*/ 444172 h 874716"/>
+                <a:gd name="connsiteX172" fmla="*/ 1036887 w 6858001"/>
+                <a:gd name="connsiteY172" fmla="*/ 442648 h 874716"/>
+                <a:gd name="connsiteX173" fmla="*/ 975733 w 6858001"/>
+                <a:gd name="connsiteY173" fmla="*/ 452744 h 874716"/>
+                <a:gd name="connsiteX174" fmla="*/ 945444 w 6858001"/>
+                <a:gd name="connsiteY174" fmla="*/ 467033 h 874716"/>
+                <a:gd name="connsiteX175" fmla="*/ 898198 w 6858001"/>
+                <a:gd name="connsiteY175" fmla="*/ 481893 h 874716"/>
+                <a:gd name="connsiteX176" fmla="*/ 850189 w 6858001"/>
+                <a:gd name="connsiteY176" fmla="*/ 487417 h 874716"/>
+                <a:gd name="connsiteX177" fmla="*/ 769605 w 6858001"/>
+                <a:gd name="connsiteY177" fmla="*/ 464937 h 874716"/>
+                <a:gd name="connsiteX178" fmla="*/ 740268 w 6858001"/>
+                <a:gd name="connsiteY178" fmla="*/ 462651 h 874716"/>
+                <a:gd name="connsiteX179" fmla="*/ 674923 w 6858001"/>
+                <a:gd name="connsiteY179" fmla="*/ 451792 h 874716"/>
+                <a:gd name="connsiteX180" fmla="*/ 617772 w 6858001"/>
+                <a:gd name="connsiteY180" fmla="*/ 452554 h 874716"/>
+                <a:gd name="connsiteX181" fmla="*/ 571860 w 6858001"/>
+                <a:gd name="connsiteY181" fmla="*/ 469891 h 874716"/>
+                <a:gd name="connsiteX182" fmla="*/ 505182 w 6858001"/>
+                <a:gd name="connsiteY182" fmla="*/ 473319 h 874716"/>
+                <a:gd name="connsiteX183" fmla="*/ 462126 w 6858001"/>
+                <a:gd name="connsiteY183" fmla="*/ 460747 h 874716"/>
+                <a:gd name="connsiteX184" fmla="*/ 453364 w 6858001"/>
+                <a:gd name="connsiteY184" fmla="*/ 459033 h 874716"/>
+                <a:gd name="connsiteX185" fmla="*/ 340774 w 6858001"/>
+                <a:gd name="connsiteY185" fmla="*/ 458268 h 874716"/>
+                <a:gd name="connsiteX186" fmla="*/ 200182 w 6858001"/>
+                <a:gd name="connsiteY186" fmla="*/ 496180 h 874716"/>
+                <a:gd name="connsiteX187" fmla="*/ 176939 w 6858001"/>
+                <a:gd name="connsiteY187" fmla="*/ 504182 h 874716"/>
+                <a:gd name="connsiteX188" fmla="*/ 63587 w 6858001"/>
+                <a:gd name="connsiteY188" fmla="*/ 518088 h 874716"/>
+                <a:gd name="connsiteX189" fmla="*/ 2817 w 6858001"/>
+                <a:gd name="connsiteY189" fmla="*/ 532187 h 874716"/>
+                <a:gd name="connsiteX190" fmla="*/ 0 w 6858001"/>
+                <a:gd name="connsiteY190" fmla="*/ 533314 h 874716"/>
+              </a:gdLst>
+              <a:ahLst/>
+              <a:cxnLst>
+                <a:cxn ang="0">
+                  <a:pos x="connsiteX0" y="connsiteY0"/>
+                </a:cxn>
+                <a:cxn ang="0">
+                  <a:pos x="connsiteX1" y="connsiteY1"/>
+                </a:cxn>
+                <a:cxn ang="0">
+                  <a:pos x="connsiteX2" y="connsiteY2"/>
+                </a:cxn>
+                <a:cxn ang="0">
+                  <a:pos x="connsiteX3" y="connsiteY3"/>
+                </a:cxn>
+                <a:cxn ang="0">
+                  <a:pos x="connsiteX4" y="connsiteY4"/>
+                </a:cxn>
+                <a:cxn ang="0">
+                  <a:pos x="connsiteX5" y="connsiteY5"/>
+                </a:cxn>
+                <a:cxn ang="0">
+                  <a:pos x="connsiteX6" y="connsiteY6"/>
+                </a:cxn>
+                <a:cxn ang="0">
+                  <a:pos x="connsiteX7" y="connsiteY7"/>
+                </a:cxn>
+                <a:cxn ang="0">
+                  <a:pos x="connsiteX8" y="connsiteY8"/>
+                </a:cxn>
+                <a:cxn ang="0">
+                  <a:pos x="connsiteX9" y="connsiteY9"/>
+                </a:cxn>
+                <a:cxn ang="0">
+                  <a:pos x="connsiteX10" y="connsiteY10"/>
+                </a:cxn>
+                <a:cxn ang="0">
+                  <a:pos x="connsiteX11" y="connsiteY11"/>
+                </a:cxn>
+                <a:cxn ang="0">
+                  <a:pos x="connsiteX12" y="connsiteY12"/>
+                </a:cxn>
+                <a:cxn ang="0">
+                  <a:pos x="connsiteX13" y="connsiteY13"/>
+                </a:cxn>
+                <a:cxn ang="0">
+                  <a:pos x="connsiteX14" y="connsiteY14"/>
+                </a:cxn>
+                <a:cxn ang="0">
+                  <a:pos x="connsiteX15" y="connsiteY15"/>
+                </a:cxn>
+                <a:cxn ang="0">
+                  <a:pos x="connsiteX16" y="connsiteY16"/>
+                </a:cxn>
+                <a:cxn ang="0">
+                  <a:pos x="connsiteX17" y="connsiteY17"/>
+                </a:cxn>
+                <a:cxn ang="0">
+                  <a:pos x="connsiteX18" y="connsiteY18"/>
+                </a:cxn>
+                <a:cxn ang="0">
+                  <a:pos x="connsiteX19" y="connsiteY19"/>
+                </a:cxn>
+                <a:cxn ang="0">
+                  <a:pos x="connsiteX20" y="connsiteY20"/>
+                </a:cxn>
+                <a:cxn ang="0">
+                  <a:pos x="connsiteX21" y="connsiteY21"/>
+                </a:cxn>
+                <a:cxn ang="0">
+                  <a:pos x="connsiteX22" y="connsiteY22"/>
+                </a:cxn>
+                <a:cxn ang="0">
+                  <a:pos x="connsiteX23" y="connsiteY23"/>
+                </a:cxn>
+                <a:cxn ang="0">
+                  <a:pos x="connsiteX24" y="connsiteY24"/>
+                </a:cxn>
+                <a:cxn ang="0">
+                  <a:pos x="connsiteX25" y="connsiteY25"/>
+                </a:cxn>
+                <a:cxn ang="0">
+                  <a:pos x="connsiteX26" y="connsiteY26"/>
+                </a:cxn>
+                <a:cxn ang="0">
+                  <a:pos x="connsiteX27" y="connsiteY27"/>
+                </a:cxn>
+                <a:cxn ang="0">
+                  <a:pos x="connsiteX28" y="connsiteY28"/>
+                </a:cxn>
+                <a:cxn ang="0">
+                  <a:pos x="connsiteX29" y="connsiteY29"/>
+                </a:cxn>
+                <a:cxn ang="0">
+                  <a:pos x="connsiteX30" y="connsiteY30"/>
+                </a:cxn>
+                <a:cxn ang="0">
+                  <a:pos x="connsiteX31" y="connsiteY31"/>
+                </a:cxn>
+                <a:cxn ang="0">
+                  <a:pos x="connsiteX32" y="connsiteY32"/>
+                </a:cxn>
+                <a:cxn ang="0">
+                  <a:pos x="connsiteX33" y="connsiteY33"/>
+                </a:cxn>
+                <a:cxn ang="0">
+                  <a:pos x="connsiteX34" y="connsiteY34"/>
+                </a:cxn>
+                <a:cxn ang="0">
+                  <a:pos x="connsiteX35" y="connsiteY35"/>
+                </a:cxn>
+                <a:cxn ang="0">
+                  <a:pos x="connsiteX36" y="connsiteY36"/>
+                </a:cxn>
+                <a:cxn ang="0">
+                  <a:pos x="connsiteX37" y="connsiteY37"/>
+                </a:cxn>
+                <a:cxn ang="0">
+                  <a:pos x="connsiteX38" y="connsiteY38"/>
+                </a:cxn>
+                <a:cxn ang="0">
+                  <a:pos x="connsiteX39" y="connsiteY39"/>
+                </a:cxn>
+                <a:cxn ang="0">
+                  <a:pos x="connsiteX40" y="connsiteY40"/>
+                </a:cxn>
+                <a:cxn ang="0">
+                  <a:pos x="connsiteX41" y="connsiteY41"/>
+                </a:cxn>
+                <a:cxn ang="0">
+                  <a:pos x="connsiteX42" y="connsiteY42"/>
+                </a:cxn>
+                <a:cxn ang="0">
+                  <a:pos x="connsiteX43" y="connsiteY43"/>
+                </a:cxn>
+                <a:cxn ang="0">
+                  <a:pos x="connsiteX44" y="connsiteY44"/>
+                </a:cxn>
+                <a:cxn ang="0">
+                  <a:pos x="connsiteX45" y="connsiteY45"/>
+                </a:cxn>
+                <a:cxn ang="0">
+                  <a:pos x="connsiteX46" y="connsiteY46"/>
+                </a:cxn>
+                <a:cxn ang="0">
+                  <a:pos x="connsiteX47" y="connsiteY47"/>
+                </a:cxn>
+                <a:cxn ang="0">
+                  <a:pos x="connsiteX48" y="connsiteY48"/>
+                </a:cxn>
+                <a:cxn ang="0">
+                  <a:pos x="connsiteX49" y="connsiteY49"/>
+                </a:cxn>
+                <a:cxn ang="0">
+                  <a:pos x="connsiteX50" y="connsiteY50"/>
+                </a:cxn>
+                <a:cxn ang="0">
+                  <a:pos x="connsiteX51" y="connsiteY51"/>
+                </a:cxn>
+                <a:cxn ang="0">
+                  <a:pos x="connsiteX52" y="connsiteY52"/>
+                </a:cxn>
+                <a:cxn ang="0">
+                  <a:pos x="connsiteX53" y="connsiteY53"/>
+                </a:cxn>
+                <a:cxn ang="0">
+                  <a:pos x="connsiteX54" y="connsiteY54"/>
+                </a:cxn>
+                <a:cxn ang="0">
+                  <a:pos x="connsiteX55" y="connsiteY55"/>
+                </a:cxn>
+                <a:cxn ang="0">
+                  <a:pos x="connsiteX56" y="connsiteY56"/>
+                </a:cxn>
+                <a:cxn ang="0">
+                  <a:pos x="connsiteX57" y="connsiteY57"/>
+                </a:cxn>
+                <a:cxn ang="0">
+                  <a:pos x="connsiteX58" y="connsiteY58"/>
+                </a:cxn>
+                <a:cxn ang="0">
+                  <a:pos x="connsiteX59" y="connsiteY59"/>
+                </a:cxn>
+                <a:cxn ang="0">
+                  <a:pos x="connsiteX60" y="connsiteY60"/>
+                </a:cxn>
+                <a:cxn ang="0">
+                  <a:pos x="connsiteX61" y="connsiteY61"/>
+                </a:cxn>
+                <a:cxn ang="0">
+                  <a:pos x="connsiteX62" y="connsiteY62"/>
+                </a:cxn>
+                <a:cxn ang="0">
+                  <a:pos x="connsiteX63" y="connsiteY63"/>
+                </a:cxn>
+                <a:cxn ang="0">
+                  <a:pos x="connsiteX64" y="connsiteY64"/>
+                </a:cxn>
+                <a:cxn ang="0">
+                  <a:pos x="connsiteX65" y="connsiteY65"/>
+                </a:cxn>
+                <a:cxn ang="0">
+                  <a:pos x="connsiteX66" y="connsiteY66"/>
+                </a:cxn>
+                <a:cxn ang="0">
+                  <a:pos x="connsiteX67" y="connsiteY67"/>
+                </a:cxn>
+                <a:cxn ang="0">
+                  <a:pos x="connsiteX68" y="connsiteY68"/>
+                </a:cxn>
+                <a:cxn ang="0">
+                  <a:pos x="connsiteX69" y="connsiteY69"/>
+                </a:cxn>
+                <a:cxn ang="0">
+                  <a:pos x="connsiteX70" y="connsiteY70"/>
+                </a:cxn>
+                <a:cxn ang="0">
+                  <a:pos x="connsiteX71" y="connsiteY71"/>
+                </a:cxn>
+                <a:cxn ang="0">
+                  <a:pos x="connsiteX72" y="connsiteY72"/>
+                </a:cxn>
+                <a:cxn ang="0">
+                  <a:pos x="connsiteX73" y="connsiteY73"/>
+                </a:cxn>
+                <a:cxn ang="0">
+                  <a:pos x="connsiteX74" y="connsiteY74"/>
+                </a:cxn>
+                <a:cxn ang="0">
+                  <a:pos x="connsiteX75" y="connsiteY75"/>
+                </a:cxn>
+                <a:cxn ang="0">
+                  <a:pos x="connsiteX76" y="connsiteY76"/>
+                </a:cxn>
+                <a:cxn ang="0">
+                  <a:pos x="connsiteX77" y="connsiteY77"/>
+                </a:cxn>
+                <a:cxn ang="0">
+                  <a:pos x="connsiteX78" y="connsiteY78"/>
+                </a:cxn>
+                <a:cxn ang="0">
+                  <a:pos x="connsiteX79" y="connsiteY79"/>
+                </a:cxn>
+                <a:cxn ang="0">
+                  <a:pos x="connsiteX80" y="connsiteY80"/>
+                </a:cxn>
+                <a:cxn ang="0">
+                  <a:pos x="connsiteX81" y="connsiteY81"/>
+                </a:cxn>
+                <a:cxn ang="0">
+                  <a:pos x="connsiteX82" y="connsiteY82"/>
+                </a:cxn>
+                <a:cxn ang="0">
+                  <a:pos x="connsiteX83" y="connsiteY83"/>
+                </a:cxn>
+                <a:cxn ang="0">
+                  <a:pos x="connsiteX84" y="connsiteY84"/>
+                </a:cxn>
+                <a:cxn ang="0">
+                  <a:pos x="connsiteX85" y="connsiteY85"/>
+                </a:cxn>
+                <a:cxn ang="0">
+                  <a:pos x="connsiteX86" y="connsiteY86"/>
+                </a:cxn>
+                <a:cxn ang="0">
+                  <a:pos x="connsiteX87" y="connsiteY87"/>
+                </a:cxn>
+                <a:cxn ang="0">
+                  <a:pos x="connsiteX88" y="connsiteY88"/>
+                </a:cxn>
+                <a:cxn ang="0">
+                  <a:pos x="connsiteX89" y="connsiteY89"/>
+                </a:cxn>
+                <a:cxn ang="0">
+                  <a:pos x="connsiteX90" y="connsiteY90"/>
+                </a:cxn>
+                <a:cxn ang="0">
+                  <a:pos x="connsiteX91" y="connsiteY91"/>
+                </a:cxn>
+                <a:cxn ang="0">
+                  <a:pos x="connsiteX92" y="connsiteY92"/>
+                </a:cxn>
+                <a:cxn ang="0">
+                  <a:pos x="connsiteX93" y="connsiteY93"/>
+                </a:cxn>
+                <a:cxn ang="0">
+                  <a:pos x="connsiteX94" y="connsiteY94"/>
+                </a:cxn>
+                <a:cxn ang="0">
+                  <a:pos x="connsiteX95" y="connsiteY95"/>
+                </a:cxn>
+                <a:cxn ang="0">
+                  <a:pos x="connsiteX96" y="connsiteY96"/>
+                </a:cxn>
+                <a:cxn ang="0">
+                  <a:pos x="connsiteX97" y="connsiteY97"/>
+                </a:cxn>
+                <a:cxn ang="0">
+                  <a:pos x="connsiteX98" y="connsiteY98"/>
+                </a:cxn>
+                <a:cxn ang="0">
+                  <a:pos x="connsiteX99" y="connsiteY99"/>
+                </a:cxn>
+                <a:cxn ang="0">
+                  <a:pos x="connsiteX100" y="connsiteY100"/>
+                </a:cxn>
+                <a:cxn ang="0">
+                  <a:pos x="connsiteX101" y="connsiteY101"/>
+                </a:cxn>
+                <a:cxn ang="0">
+                  <a:pos x="connsiteX102" y="connsiteY102"/>
+                </a:cxn>
+                <a:cxn ang="0">
+                  <a:pos x="connsiteX103" y="connsiteY103"/>
+                </a:cxn>
+                <a:cxn ang="0">
+                  <a:pos x="connsiteX104" y="connsiteY104"/>
+                </a:cxn>
+                <a:cxn ang="0">
+                  <a:pos x="connsiteX105" y="connsiteY105"/>
+                </a:cxn>
+                <a:cxn ang="0">
+                  <a:pos x="connsiteX106" y="connsiteY106"/>
+                </a:cxn>
+                <a:cxn ang="0">
+                  <a:pos x="connsiteX107" y="connsiteY107"/>
+                </a:cxn>
+                <a:cxn ang="0">
+                  <a:pos x="connsiteX108" y="connsiteY108"/>
+                </a:cxn>
+                <a:cxn ang="0">
+                  <a:pos x="connsiteX109" y="connsiteY109"/>
+                </a:cxn>
+                <a:cxn ang="0">
+                  <a:pos x="connsiteX110" y="connsiteY110"/>
+                </a:cxn>
+                <a:cxn ang="0">
+                  <a:pos x="connsiteX111" y="connsiteY111"/>
+                </a:cxn>
+                <a:cxn ang="0">
+                  <a:pos x="connsiteX112" y="connsiteY112"/>
+                </a:cxn>
+                <a:cxn ang="0">
+                  <a:pos x="connsiteX113" y="connsiteY113"/>
+                </a:cxn>
+                <a:cxn ang="0">
+                  <a:pos x="connsiteX114" y="connsiteY114"/>
+                </a:cxn>
+                <a:cxn ang="0">
+                  <a:pos x="connsiteX115" y="connsiteY115"/>
+                </a:cxn>
+                <a:cxn ang="0">
+                  <a:pos x="connsiteX116" y="connsiteY116"/>
+                </a:cxn>
+                <a:cxn ang="0">
+                  <a:pos x="connsiteX117" y="connsiteY117"/>
+                </a:cxn>
+                <a:cxn ang="0">
+                  <a:pos x="connsiteX118" y="connsiteY118"/>
+                </a:cxn>
+                <a:cxn ang="0">
+                  <a:pos x="connsiteX119" y="connsiteY119"/>
+                </a:cxn>
+                <a:cxn ang="0">
+                  <a:pos x="connsiteX120" y="connsiteY120"/>
+                </a:cxn>
+                <a:cxn ang="0">
+                  <a:pos x="connsiteX121" y="connsiteY121"/>
+                </a:cxn>
+                <a:cxn ang="0">
+                  <a:pos x="connsiteX122" y="connsiteY122"/>
+                </a:cxn>
+                <a:cxn ang="0">
+                  <a:pos x="connsiteX123" y="connsiteY123"/>
+                </a:cxn>
+                <a:cxn ang="0">
+                  <a:pos x="connsiteX124" y="connsiteY124"/>
+                </a:cxn>
+                <a:cxn ang="0">
+                  <a:pos x="connsiteX125" y="connsiteY125"/>
+                </a:cxn>
+                <a:cxn ang="0">
+                  <a:pos x="connsiteX126" y="connsiteY126"/>
+                </a:cxn>
+                <a:cxn ang="0">
+                  <a:pos x="connsiteX127" y="connsiteY127"/>
+                </a:cxn>
+                <a:cxn ang="0">
+                  <a:pos x="connsiteX128" y="connsiteY128"/>
+                </a:cxn>
+                <a:cxn ang="0">
+                  <a:pos x="connsiteX129" y="connsiteY129"/>
+                </a:cxn>
+                <a:cxn ang="0">
+                  <a:pos x="connsiteX130" y="connsiteY130"/>
+                </a:cxn>
+                <a:cxn ang="0">
+                  <a:pos x="connsiteX131" y="connsiteY131"/>
+                </a:cxn>
+                <a:cxn ang="0">
+                  <a:pos x="connsiteX132" y="connsiteY132"/>
+                </a:cxn>
+                <a:cxn ang="0">
+                  <a:pos x="connsiteX133" y="connsiteY133"/>
+                </a:cxn>
+                <a:cxn ang="0">
+                  <a:pos x="connsiteX134" y="connsiteY134"/>
+                </a:cxn>
+                <a:cxn ang="0">
+                  <a:pos x="connsiteX135" y="connsiteY135"/>
+                </a:cxn>
+                <a:cxn ang="0">
+                  <a:pos x="connsiteX136" y="connsiteY136"/>
+                </a:cxn>
+                <a:cxn ang="0">
+                  <a:pos x="connsiteX137" y="connsiteY137"/>
+                </a:cxn>
+                <a:cxn ang="0">
+                  <a:pos x="connsiteX138" y="connsiteY138"/>
+                </a:cxn>
+                <a:cxn ang="0">
+                  <a:pos x="connsiteX139" y="connsiteY139"/>
+                </a:cxn>
+                <a:cxn ang="0">
+                  <a:pos x="connsiteX140" y="connsiteY140"/>
+                </a:cxn>
+                <a:cxn ang="0">
+                  <a:pos x="connsiteX141" y="connsiteY141"/>
+                </a:cxn>
+                <a:cxn ang="0">
+                  <a:pos x="connsiteX142" y="connsiteY142"/>
+                </a:cxn>
+                <a:cxn ang="0">
+                  <a:pos x="connsiteX143" y="connsiteY143"/>
+                </a:cxn>
+                <a:cxn ang="0">
+                  <a:pos x="connsiteX144" y="connsiteY144"/>
+                </a:cxn>
+                <a:cxn ang="0">
+                  <a:pos x="connsiteX145" y="connsiteY145"/>
+                </a:cxn>
+                <a:cxn ang="0">
+                  <a:pos x="connsiteX146" y="connsiteY146"/>
+                </a:cxn>
+                <a:cxn ang="0">
+                  <a:pos x="connsiteX147" y="connsiteY147"/>
+                </a:cxn>
+                <a:cxn ang="0">
+                  <a:pos x="connsiteX148" y="connsiteY148"/>
+                </a:cxn>
+                <a:cxn ang="0">
+                  <a:pos x="connsiteX149" y="connsiteY149"/>
+                </a:cxn>
+                <a:cxn ang="0">
+                  <a:pos x="connsiteX150" y="connsiteY150"/>
+                </a:cxn>
+                <a:cxn ang="0">
+                  <a:pos x="connsiteX151" y="connsiteY151"/>
+                </a:cxn>
+                <a:cxn ang="0">
+                  <a:pos x="connsiteX152" y="connsiteY152"/>
+                </a:cxn>
+                <a:cxn ang="0">
+                  <a:pos x="connsiteX153" y="connsiteY153"/>
+                </a:cxn>
+                <a:cxn ang="0">
+                  <a:pos x="connsiteX154" y="connsiteY154"/>
+                </a:cxn>
+                <a:cxn ang="0">
+                  <a:pos x="connsiteX155" y="connsiteY155"/>
+                </a:cxn>
+                <a:cxn ang="0">
+                  <a:pos x="connsiteX156" y="connsiteY156"/>
+                </a:cxn>
+                <a:cxn ang="0">
+                  <a:pos x="connsiteX157" y="connsiteY157"/>
+                </a:cxn>
+                <a:cxn ang="0">
+                  <a:pos x="connsiteX158" y="connsiteY158"/>
+                </a:cxn>
+                <a:cxn ang="0">
+                  <a:pos x="connsiteX159" y="connsiteY159"/>
+                </a:cxn>
+                <a:cxn ang="0">
+                  <a:pos x="connsiteX160" y="connsiteY160"/>
+                </a:cxn>
+                <a:cxn ang="0">
+                  <a:pos x="connsiteX161" y="connsiteY161"/>
+                </a:cxn>
+                <a:cxn ang="0">
+                  <a:pos x="connsiteX162" y="connsiteY162"/>
+                </a:cxn>
+                <a:cxn ang="0">
+                  <a:pos x="connsiteX163" y="connsiteY163"/>
+                </a:cxn>
+                <a:cxn ang="0">
+                  <a:pos x="connsiteX164" y="connsiteY164"/>
+                </a:cxn>
+                <a:cxn ang="0">
+                  <a:pos x="connsiteX165" y="connsiteY165"/>
+                </a:cxn>
+                <a:cxn ang="0">
+                  <a:pos x="connsiteX166" y="connsiteY166"/>
+                </a:cxn>
+                <a:cxn ang="0">
+                  <a:pos x="connsiteX167" y="connsiteY167"/>
+                </a:cxn>
+                <a:cxn ang="0">
+                  <a:pos x="connsiteX168" y="connsiteY168"/>
+                </a:cxn>
+                <a:cxn ang="0">
+                  <a:pos x="connsiteX169" y="connsiteY169"/>
+                </a:cxn>
+                <a:cxn ang="0">
+                  <a:pos x="connsiteX170" y="connsiteY170"/>
+                </a:cxn>
+                <a:cxn ang="0">
+                  <a:pos x="connsiteX171" y="connsiteY171"/>
+                </a:cxn>
+                <a:cxn ang="0">
+                  <a:pos x="connsiteX172" y="connsiteY172"/>
+                </a:cxn>
+                <a:cxn ang="0">
+                  <a:pos x="connsiteX173" y="connsiteY173"/>
+                </a:cxn>
+                <a:cxn ang="0">
+                  <a:pos x="connsiteX174" y="connsiteY174"/>
+                </a:cxn>
+                <a:cxn ang="0">
+                  <a:pos x="connsiteX175" y="connsiteY175"/>
+                </a:cxn>
+                <a:cxn ang="0">
+                  <a:pos x="connsiteX176" y="connsiteY176"/>
+                </a:cxn>
+                <a:cxn ang="0">
+                  <a:pos x="connsiteX177" y="connsiteY177"/>
+                </a:cxn>
+                <a:cxn ang="0">
+                  <a:pos x="connsiteX178" y="connsiteY178"/>
+                </a:cxn>
+                <a:cxn ang="0">
+                  <a:pos x="connsiteX179" y="connsiteY179"/>
+                </a:cxn>
+                <a:cxn ang="0">
+                  <a:pos x="connsiteX180" y="connsiteY180"/>
+                </a:cxn>
+                <a:cxn ang="0">
+                  <a:pos x="connsiteX181" y="connsiteY181"/>
+                </a:cxn>
+                <a:cxn ang="0">
+                  <a:pos x="connsiteX182" y="connsiteY182"/>
+                </a:cxn>
+                <a:cxn ang="0">
+                  <a:pos x="connsiteX183" y="connsiteY183"/>
+                </a:cxn>
+                <a:cxn ang="0">
+                  <a:pos x="connsiteX184" y="connsiteY184"/>
+                </a:cxn>
+                <a:cxn ang="0">
+                  <a:pos x="connsiteX185" y="connsiteY185"/>
+                </a:cxn>
+                <a:cxn ang="0">
+                  <a:pos x="connsiteX186" y="connsiteY186"/>
+                </a:cxn>
+                <a:cxn ang="0">
+                  <a:pos x="connsiteX187" y="connsiteY187"/>
+                </a:cxn>
+                <a:cxn ang="0">
+                  <a:pos x="connsiteX188" y="connsiteY188"/>
+                </a:cxn>
+                <a:cxn ang="0">
+                  <a:pos x="connsiteX189" y="connsiteY189"/>
+                </a:cxn>
+                <a:cxn ang="0">
+                  <a:pos x="connsiteX190" y="connsiteY190"/>
+                </a:cxn>
+              </a:cxnLst>
+              <a:rect l="l" t="t" r="r" b="b"/>
+              <a:pathLst>
+                <a:path w="6858001" h="874716">
+                  <a:moveTo>
+                    <a:pt x="0" y="533314"/>
+                  </a:moveTo>
+                  <a:lnTo>
+                    <a:pt x="0" y="69206"/>
+                  </a:lnTo>
+                  <a:lnTo>
+                    <a:pt x="21486" y="71924"/>
+                  </a:lnTo>
+                  <a:cubicBezTo>
+                    <a:pt x="92546" y="60493"/>
+                    <a:pt x="159604" y="87354"/>
+                    <a:pt x="228948" y="88116"/>
+                  </a:cubicBezTo>
+                  <a:cubicBezTo>
+                    <a:pt x="260382" y="88496"/>
+                    <a:pt x="291435" y="94592"/>
+                    <a:pt x="313533" y="62779"/>
+                  </a:cubicBezTo>
+                  <a:cubicBezTo>
+                    <a:pt x="316389" y="58587"/>
+                    <a:pt x="330298" y="60873"/>
+                    <a:pt x="338870" y="62207"/>
+                  </a:cubicBezTo>
+                  <a:cubicBezTo>
+                    <a:pt x="357921" y="65066"/>
+                    <a:pt x="376781" y="72304"/>
+                    <a:pt x="395640" y="72114"/>
+                  </a:cubicBezTo>
+                  <a:cubicBezTo>
+                    <a:pt x="434695" y="71924"/>
+                    <a:pt x="473939" y="68876"/>
+                    <a:pt x="512802" y="65446"/>
+                  </a:cubicBezTo>
+                  <a:cubicBezTo>
+                    <a:pt x="527470" y="64112"/>
+                    <a:pt x="541569" y="58969"/>
+                    <a:pt x="556047" y="55349"/>
+                  </a:cubicBezTo>
+                  <a:cubicBezTo>
+                    <a:pt x="564048" y="53253"/>
+                    <a:pt x="572622" y="47729"/>
+                    <a:pt x="580050" y="48871"/>
+                  </a:cubicBezTo>
+                  <a:cubicBezTo>
+                    <a:pt x="623106" y="55539"/>
+                    <a:pt x="662541" y="39157"/>
+                    <a:pt x="703308" y="30964"/>
+                  </a:cubicBezTo>
+                  <a:cubicBezTo>
+                    <a:pt x="722169" y="27154"/>
+                    <a:pt x="739886" y="18010"/>
+                    <a:pt x="758174" y="11724"/>
+                  </a:cubicBezTo>
+                  <a:cubicBezTo>
+                    <a:pt x="762936" y="10008"/>
+                    <a:pt x="768271" y="8484"/>
+                    <a:pt x="773035" y="8866"/>
+                  </a:cubicBezTo>
+                  <a:cubicBezTo>
+                    <a:pt x="800276" y="11152"/>
+                    <a:pt x="827329" y="14390"/>
+                    <a:pt x="854379" y="16866"/>
+                  </a:cubicBezTo>
+                  <a:cubicBezTo>
+                    <a:pt x="878956" y="19152"/>
+                    <a:pt x="903722" y="19914"/>
+                    <a:pt x="915343" y="47919"/>
+                  </a:cubicBezTo>
+                  <a:cubicBezTo>
+                    <a:pt x="917059" y="52301"/>
+                    <a:pt x="922773" y="55539"/>
+                    <a:pt x="927155" y="58397"/>
+                  </a:cubicBezTo>
+                  <a:cubicBezTo>
+                    <a:pt x="994785" y="102405"/>
+                    <a:pt x="1030980" y="101261"/>
+                    <a:pt x="1097087" y="54777"/>
+                  </a:cubicBezTo>
+                  <a:cubicBezTo>
+                    <a:pt x="1103945" y="50015"/>
+                    <a:pt x="1118613" y="46585"/>
+                    <a:pt x="1123185" y="50395"/>
+                  </a:cubicBezTo>
+                  <a:cubicBezTo>
+                    <a:pt x="1162049" y="82020"/>
+                    <a:pt x="1204532" y="78590"/>
+                    <a:pt x="1249302" y="68684"/>
+                  </a:cubicBezTo>
+                  <a:cubicBezTo>
+                    <a:pt x="1260922" y="66018"/>
+                    <a:pt x="1277307" y="66018"/>
+                    <a:pt x="1286069" y="72304"/>
+                  </a:cubicBezTo>
+                  <a:cubicBezTo>
+                    <a:pt x="1327790" y="101451"/>
+                    <a:pt x="1372560" y="97261"/>
+                    <a:pt x="1417899" y="88688"/>
+                  </a:cubicBezTo>
+                  <a:cubicBezTo>
+                    <a:pt x="1424948" y="87354"/>
+                    <a:pt x="1433522" y="80114"/>
+                    <a:pt x="1436568" y="73448"/>
+                  </a:cubicBezTo>
+                  <a:cubicBezTo>
+                    <a:pt x="1447428" y="49825"/>
+                    <a:pt x="1467813" y="41823"/>
+                    <a:pt x="1490292" y="35154"/>
+                  </a:cubicBezTo>
+                  <a:cubicBezTo>
+                    <a:pt x="1525727" y="24296"/>
+                    <a:pt x="1560588" y="11532"/>
+                    <a:pt x="1596213" y="1245"/>
+                  </a:cubicBezTo>
+                  <a:cubicBezTo>
+                    <a:pt x="1604978" y="-1231"/>
+                    <a:pt x="1615836" y="293"/>
+                    <a:pt x="1624980" y="3150"/>
+                  </a:cubicBezTo>
+                  <a:cubicBezTo>
+                    <a:pt x="1656223" y="12866"/>
+                    <a:pt x="1676036" y="37251"/>
+                    <a:pt x="1697753" y="59731"/>
+                  </a:cubicBezTo>
+                  <a:cubicBezTo>
+                    <a:pt x="1707279" y="69638"/>
+                    <a:pt x="1720423" y="76686"/>
+                    <a:pt x="1733188" y="82400"/>
+                  </a:cubicBezTo>
+                  <a:cubicBezTo>
+                    <a:pt x="1766335" y="97071"/>
+                    <a:pt x="1800246" y="110215"/>
+                    <a:pt x="1833775" y="124121"/>
+                  </a:cubicBezTo>
+                  <a:cubicBezTo>
+                    <a:pt x="1837013" y="125455"/>
+                    <a:pt x="1839679" y="128884"/>
+                    <a:pt x="1842158" y="131742"/>
+                  </a:cubicBezTo>
+                  <a:cubicBezTo>
+                    <a:pt x="1866922" y="161843"/>
+                    <a:pt x="1891497" y="192132"/>
+                    <a:pt x="1916454" y="222233"/>
+                  </a:cubicBezTo>
+                  <a:cubicBezTo>
+                    <a:pt x="1921216" y="227947"/>
+                    <a:pt x="1928076" y="232139"/>
+                    <a:pt x="1933219" y="237663"/>
+                  </a:cubicBezTo>
+                  <a:cubicBezTo>
+                    <a:pt x="1940459" y="245283"/>
+                    <a:pt x="1949603" y="252524"/>
+                    <a:pt x="1953413" y="261668"/>
+                  </a:cubicBezTo>
+                  <a:cubicBezTo>
+                    <a:pt x="1965224" y="290433"/>
+                    <a:pt x="1987894" y="302817"/>
+                    <a:pt x="2016469" y="308151"/>
+                  </a:cubicBezTo>
+                  <a:cubicBezTo>
+                    <a:pt x="2042570" y="313104"/>
+                    <a:pt x="2068669" y="317296"/>
+                    <a:pt x="2094578" y="323010"/>
+                  </a:cubicBezTo>
+                  <a:cubicBezTo>
+                    <a:pt x="2126201" y="329868"/>
+                    <a:pt x="2157636" y="337298"/>
+                    <a:pt x="2188879" y="345681"/>
+                  </a:cubicBezTo>
+                  <a:cubicBezTo>
+                    <a:pt x="2202404" y="349301"/>
+                    <a:pt x="2216692" y="353491"/>
+                    <a:pt x="2228314" y="360921"/>
+                  </a:cubicBezTo>
+                  <a:cubicBezTo>
+                    <a:pt x="2260890" y="381496"/>
+                    <a:pt x="2295753" y="395402"/>
+                    <a:pt x="2334044" y="389878"/>
+                  </a:cubicBezTo>
+                  <a:cubicBezTo>
+                    <a:pt x="2364715" y="385496"/>
+                    <a:pt x="2390434" y="396736"/>
+                    <a:pt x="2409485" y="414263"/>
+                  </a:cubicBezTo>
+                  <a:cubicBezTo>
+                    <a:pt x="2444158" y="446078"/>
+                    <a:pt x="2481305" y="438838"/>
+                    <a:pt x="2518264" y="428552"/>
+                  </a:cubicBezTo>
+                  <a:cubicBezTo>
+                    <a:pt x="2537315" y="423217"/>
+                    <a:pt x="2552935" y="423979"/>
+                    <a:pt x="2571034" y="429122"/>
+                  </a:cubicBezTo>
+                  <a:cubicBezTo>
+                    <a:pt x="2612945" y="441124"/>
+                    <a:pt x="2640950" y="473701"/>
+                    <a:pt x="2668001" y="502276"/>
+                  </a:cubicBezTo>
+                  <a:cubicBezTo>
+                    <a:pt x="2691054" y="526661"/>
+                    <a:pt x="2716963" y="540377"/>
+                    <a:pt x="2745348" y="550666"/>
+                  </a:cubicBezTo>
+                  <a:cubicBezTo>
+                    <a:pt x="2781163" y="563810"/>
+                    <a:pt x="2809548" y="558858"/>
+                    <a:pt x="2826694" y="527233"/>
+                  </a:cubicBezTo>
+                  <a:cubicBezTo>
+                    <a:pt x="2831457" y="518278"/>
+                    <a:pt x="2839839" y="507800"/>
+                    <a:pt x="2848793" y="505134"/>
+                  </a:cubicBezTo>
+                  <a:cubicBezTo>
+                    <a:pt x="2892037" y="491800"/>
+                    <a:pt x="2935854" y="472367"/>
+                    <a:pt x="2982148" y="484179"/>
+                  </a:cubicBezTo>
+                  <a:cubicBezTo>
+                    <a:pt x="3046158" y="500372"/>
+                    <a:pt x="3108644" y="499420"/>
+                    <a:pt x="3172654" y="483417"/>
+                  </a:cubicBezTo>
+                  <a:cubicBezTo>
+                    <a:pt x="3276480" y="457508"/>
+                    <a:pt x="3380305" y="430076"/>
+                    <a:pt x="3489467" y="435790"/>
+                  </a:cubicBezTo>
+                  <a:cubicBezTo>
+                    <a:pt x="3507563" y="436742"/>
+                    <a:pt x="3529090" y="425121"/>
+                    <a:pt x="3544713" y="413691"/>
+                  </a:cubicBezTo>
+                  <a:cubicBezTo>
+                    <a:pt x="3574622" y="391974"/>
+                    <a:pt x="3573288" y="390258"/>
+                    <a:pt x="3606817" y="408167"/>
+                  </a:cubicBezTo>
+                  <a:cubicBezTo>
+                    <a:pt x="3614819" y="412549"/>
+                    <a:pt x="3624725" y="415215"/>
+                    <a:pt x="3630632" y="421693"/>
+                  </a:cubicBezTo>
+                  <a:cubicBezTo>
+                    <a:pt x="3660731" y="454650"/>
+                    <a:pt x="3697880" y="446648"/>
+                    <a:pt x="3734837" y="441886"/>
+                  </a:cubicBezTo>
+                  <a:cubicBezTo>
+                    <a:pt x="3741315" y="440934"/>
+                    <a:pt x="3749125" y="439600"/>
+                    <a:pt x="3754652" y="442268"/>
+                  </a:cubicBezTo>
+                  <a:cubicBezTo>
+                    <a:pt x="3779607" y="454268"/>
+                    <a:pt x="3800753" y="450078"/>
+                    <a:pt x="3822472" y="433694"/>
+                  </a:cubicBezTo>
+                  <a:cubicBezTo>
+                    <a:pt x="3841331" y="419597"/>
+                    <a:pt x="3863049" y="411215"/>
+                    <a:pt x="3885338" y="428742"/>
+                  </a:cubicBezTo>
+                  <a:cubicBezTo>
+                    <a:pt x="3934870" y="467605"/>
+                    <a:pt x="3987829" y="469509"/>
+                    <a:pt x="4043839" y="444934"/>
+                  </a:cubicBezTo>
+                  <a:cubicBezTo>
+                    <a:pt x="4083845" y="427407"/>
+                    <a:pt x="4123280" y="423407"/>
+                    <a:pt x="4165383" y="441124"/>
+                  </a:cubicBezTo>
+                  <a:cubicBezTo>
+                    <a:pt x="4181576" y="447982"/>
+                    <a:pt x="4202531" y="443410"/>
+                    <a:pt x="4221391" y="444934"/>
+                  </a:cubicBezTo>
+                  <a:cubicBezTo>
+                    <a:pt x="4232060" y="445696"/>
+                    <a:pt x="4243872" y="445886"/>
+                    <a:pt x="4253014" y="450650"/>
+                  </a:cubicBezTo>
+                  <a:cubicBezTo>
+                    <a:pt x="4277401" y="462843"/>
+                    <a:pt x="4300070" y="478463"/>
+                    <a:pt x="4324645" y="490466"/>
+                  </a:cubicBezTo>
+                  <a:cubicBezTo>
+                    <a:pt x="4336457" y="496180"/>
+                    <a:pt x="4350554" y="499228"/>
+                    <a:pt x="4363890" y="499420"/>
+                  </a:cubicBezTo>
+                  <a:cubicBezTo>
+                    <a:pt x="4403325" y="500372"/>
+                    <a:pt x="4442761" y="500372"/>
+                    <a:pt x="4482004" y="498658"/>
+                  </a:cubicBezTo>
+                  <a:cubicBezTo>
+                    <a:pt x="4546776" y="495990"/>
+                    <a:pt x="4612500" y="495418"/>
+                    <a:pt x="4659174" y="438648"/>
+                  </a:cubicBezTo>
+                  <a:cubicBezTo>
+                    <a:pt x="4662986" y="434076"/>
+                    <a:pt x="4671176" y="431408"/>
+                    <a:pt x="4677655" y="430646"/>
+                  </a:cubicBezTo>
+                  <a:cubicBezTo>
+                    <a:pt x="4707564" y="427027"/>
+                    <a:pt x="4738235" y="426645"/>
+                    <a:pt x="4767764" y="420739"/>
+                  </a:cubicBezTo>
+                  <a:cubicBezTo>
+                    <a:pt x="4791386" y="415977"/>
+                    <a:pt x="4811009" y="417501"/>
+                    <a:pt x="4828916" y="434266"/>
+                  </a:cubicBezTo>
+                  <a:cubicBezTo>
+                    <a:pt x="4852348" y="456364"/>
+                    <a:pt x="4880925" y="469319"/>
+                    <a:pt x="4912168" y="462271"/>
+                  </a:cubicBezTo>
+                  <a:cubicBezTo>
+                    <a:pt x="4943409" y="455412"/>
+                    <a:pt x="4963984" y="470271"/>
+                    <a:pt x="4987037" y="485703"/>
+                  </a:cubicBezTo>
+                  <a:cubicBezTo>
+                    <a:pt x="5003801" y="496942"/>
+                    <a:pt x="5022852" y="511040"/>
+                    <a:pt x="5041521" y="512182"/>
+                  </a:cubicBezTo>
+                  <a:cubicBezTo>
+                    <a:pt x="5083814" y="514658"/>
+                    <a:pt x="5120201" y="553904"/>
+                    <a:pt x="5166113" y="531615"/>
+                  </a:cubicBezTo>
+                  <a:cubicBezTo>
+                    <a:pt x="5169161" y="530091"/>
+                    <a:pt x="5174685" y="533901"/>
+                    <a:pt x="5179067" y="534853"/>
+                  </a:cubicBezTo>
+                  <a:cubicBezTo>
+                    <a:pt x="5214121" y="542093"/>
+                    <a:pt x="5247078" y="535043"/>
+                    <a:pt x="5272796" y="511230"/>
+                  </a:cubicBezTo>
+                  <a:cubicBezTo>
+                    <a:pt x="5306516" y="480177"/>
+                    <a:pt x="5343855" y="477129"/>
+                    <a:pt x="5385384" y="487227"/>
+                  </a:cubicBezTo>
+                  <a:cubicBezTo>
+                    <a:pt x="5398721" y="490466"/>
+                    <a:pt x="5412057" y="492752"/>
+                    <a:pt x="5425582" y="495418"/>
+                  </a:cubicBezTo>
+                  <a:cubicBezTo>
+                    <a:pt x="5443870" y="499228"/>
+                    <a:pt x="5462351" y="503230"/>
+                    <a:pt x="5480637" y="507040"/>
+                  </a:cubicBezTo>
+                  <a:cubicBezTo>
+                    <a:pt x="5498356" y="510850"/>
+                    <a:pt x="5517979" y="517326"/>
+                    <a:pt x="5531693" y="500944"/>
+                  </a:cubicBezTo>
+                  <a:cubicBezTo>
+                    <a:pt x="5543506" y="486845"/>
+                    <a:pt x="5551888" y="488179"/>
+                    <a:pt x="5562746" y="500372"/>
+                  </a:cubicBezTo>
+                  <a:cubicBezTo>
+                    <a:pt x="5600467" y="543045"/>
+                    <a:pt x="5646189" y="569716"/>
+                    <a:pt x="5704483" y="571620"/>
+                  </a:cubicBezTo>
+                  <a:cubicBezTo>
+                    <a:pt x="5716485" y="572002"/>
+                    <a:pt x="5728678" y="574668"/>
+                    <a:pt x="5740488" y="577526"/>
+                  </a:cubicBezTo>
+                  <a:cubicBezTo>
+                    <a:pt x="5747728" y="579241"/>
+                    <a:pt x="5756493" y="581147"/>
+                    <a:pt x="5760873" y="586291"/>
+                  </a:cubicBezTo>
+                  <a:cubicBezTo>
+                    <a:pt x="5794974" y="625534"/>
+                    <a:pt x="5837457" y="652777"/>
+                    <a:pt x="5883751" y="674686"/>
+                  </a:cubicBezTo>
+                  <a:cubicBezTo>
+                    <a:pt x="5900323" y="682496"/>
+                    <a:pt x="5918042" y="690306"/>
+                    <a:pt x="5935949" y="692592"/>
+                  </a:cubicBezTo>
+                  <a:cubicBezTo>
+                    <a:pt x="5954617" y="694878"/>
+                    <a:pt x="5974240" y="691068"/>
+                    <a:pt x="5993291" y="688972"/>
+                  </a:cubicBezTo>
+                  <a:cubicBezTo>
+                    <a:pt x="6004531" y="687830"/>
+                    <a:pt x="6017485" y="688020"/>
+                    <a:pt x="6026440" y="682496"/>
+                  </a:cubicBezTo>
+                  <a:cubicBezTo>
+                    <a:pt x="6054825" y="665159"/>
+                    <a:pt x="6082258" y="646491"/>
+                    <a:pt x="6108738" y="626296"/>
+                  </a:cubicBezTo>
+                  <a:cubicBezTo>
+                    <a:pt x="6131409" y="608960"/>
+                    <a:pt x="6135981" y="606483"/>
+                    <a:pt x="6155602" y="628202"/>
+                  </a:cubicBezTo>
+                  <a:cubicBezTo>
+                    <a:pt x="6175797" y="650491"/>
+                    <a:pt x="6200944" y="662111"/>
+                    <a:pt x="6228756" y="666873"/>
+                  </a:cubicBezTo>
+                  <a:cubicBezTo>
+                    <a:pt x="6272764" y="674304"/>
+                    <a:pt x="6317151" y="680590"/>
+                    <a:pt x="6361539" y="684210"/>
+                  </a:cubicBezTo>
+                  <a:cubicBezTo>
+                    <a:pt x="6401736" y="687448"/>
+                    <a:pt x="6420977" y="669922"/>
+                    <a:pt x="6428979" y="630106"/>
+                  </a:cubicBezTo>
+                  <a:cubicBezTo>
+                    <a:pt x="6433551" y="608007"/>
+                    <a:pt x="6439458" y="584003"/>
+                    <a:pt x="6463840" y="578098"/>
+                  </a:cubicBezTo>
+                  <a:cubicBezTo>
+                    <a:pt x="6503658" y="568572"/>
+                    <a:pt x="6544997" y="564382"/>
+                    <a:pt x="6564620" y="517708"/>
+                  </a:cubicBezTo>
+                  <a:cubicBezTo>
+                    <a:pt x="6575478" y="527995"/>
+                    <a:pt x="6582146" y="534091"/>
+                    <a:pt x="6588625" y="540187"/>
+                  </a:cubicBezTo>
+                  <a:cubicBezTo>
+                    <a:pt x="6606531" y="557142"/>
+                    <a:pt x="6643678" y="564382"/>
+                    <a:pt x="6662541" y="549714"/>
+                  </a:cubicBezTo>
+                  <a:cubicBezTo>
+                    <a:pt x="6690354" y="528377"/>
+                    <a:pt x="6715883" y="532377"/>
+                    <a:pt x="6742552" y="548952"/>
+                  </a:cubicBezTo>
+                  <a:cubicBezTo>
+                    <a:pt x="6764841" y="562668"/>
+                    <a:pt x="6788417" y="567954"/>
+                    <a:pt x="6812063" y="568430"/>
+                  </a:cubicBezTo>
+                  <a:lnTo>
+                    <a:pt x="6858001" y="562267"/>
+                  </a:lnTo>
+                  <a:lnTo>
+                    <a:pt x="6858001" y="734520"/>
+                  </a:lnTo>
+                  <a:lnTo>
+                    <a:pt x="6815516" y="744220"/>
+                  </a:lnTo>
+                  <a:cubicBezTo>
+                    <a:pt x="6793035" y="749744"/>
+                    <a:pt x="6771319" y="759651"/>
+                    <a:pt x="6748458" y="763271"/>
+                  </a:cubicBezTo>
+                  <a:cubicBezTo>
+                    <a:pt x="6694164" y="771843"/>
+                    <a:pt x="6639488" y="777939"/>
+                    <a:pt x="6584812" y="784797"/>
+                  </a:cubicBezTo>
+                  <a:cubicBezTo>
+                    <a:pt x="6528424" y="791846"/>
+                    <a:pt x="6472225" y="799276"/>
+                    <a:pt x="6415833" y="805562"/>
+                  </a:cubicBezTo>
+                  <a:cubicBezTo>
+                    <a:pt x="6384972" y="808802"/>
+                    <a:pt x="6353919" y="809372"/>
+                    <a:pt x="6323058" y="812420"/>
+                  </a:cubicBezTo>
+                  <a:cubicBezTo>
+                    <a:pt x="6296005" y="815088"/>
+                    <a:pt x="6269144" y="820041"/>
+                    <a:pt x="6242093" y="823281"/>
+                  </a:cubicBezTo>
+                  <a:cubicBezTo>
+                    <a:pt x="6218660" y="825947"/>
+                    <a:pt x="6195037" y="827471"/>
+                    <a:pt x="6171605" y="830139"/>
+                  </a:cubicBezTo>
+                  <a:cubicBezTo>
+                    <a:pt x="6134075" y="834519"/>
+                    <a:pt x="6096736" y="839473"/>
+                    <a:pt x="6059397" y="844045"/>
+                  </a:cubicBezTo>
+                  <a:cubicBezTo>
+                    <a:pt x="6043776" y="845759"/>
+                    <a:pt x="6027392" y="850522"/>
+                    <a:pt x="6012723" y="847665"/>
+                  </a:cubicBezTo>
+                  <a:cubicBezTo>
+                    <a:pt x="5975764" y="840425"/>
+                    <a:pt x="5939377" y="842521"/>
+                    <a:pt x="5902610" y="847473"/>
+                  </a:cubicBezTo>
+                  <a:cubicBezTo>
+                    <a:pt x="5890037" y="849190"/>
+                    <a:pt x="5876511" y="848808"/>
+                    <a:pt x="5864318" y="845569"/>
+                  </a:cubicBezTo>
+                  <a:cubicBezTo>
+                    <a:pt x="5839361" y="839091"/>
+                    <a:pt x="5815169" y="829947"/>
+                    <a:pt x="5790592" y="821947"/>
+                  </a:cubicBezTo>
+                  <a:cubicBezTo>
+                    <a:pt x="5787924" y="820995"/>
+                    <a:pt x="5784686" y="820803"/>
+                    <a:pt x="5781830" y="820233"/>
+                  </a:cubicBezTo>
+                  <a:cubicBezTo>
+                    <a:pt x="5765635" y="816992"/>
+                    <a:pt x="5749634" y="813754"/>
+                    <a:pt x="5733440" y="810896"/>
+                  </a:cubicBezTo>
+                  <a:cubicBezTo>
+                    <a:pt x="5724678" y="809372"/>
+                    <a:pt x="5715723" y="809182"/>
+                    <a:pt x="5706959" y="807848"/>
+                  </a:cubicBezTo>
+                  <a:cubicBezTo>
+                    <a:pt x="5673050" y="802514"/>
+                    <a:pt x="5635711" y="811468"/>
+                    <a:pt x="5606372" y="788417"/>
+                  </a:cubicBezTo>
+                  <a:cubicBezTo>
+                    <a:pt x="5587321" y="773557"/>
+                    <a:pt x="5568842" y="776987"/>
+                    <a:pt x="5548460" y="779273"/>
+                  </a:cubicBezTo>
+                  <a:cubicBezTo>
+                    <a:pt x="5533027" y="780987"/>
+                    <a:pt x="5517215" y="780415"/>
+                    <a:pt x="5501594" y="780607"/>
+                  </a:cubicBezTo>
+                  <a:cubicBezTo>
+                    <a:pt x="5474161" y="781177"/>
+                    <a:pt x="5446728" y="781369"/>
+                    <a:pt x="5419295" y="782321"/>
+                  </a:cubicBezTo>
+                  <a:cubicBezTo>
+                    <a:pt x="5410531" y="782701"/>
+                    <a:pt x="5401579" y="787465"/>
+                    <a:pt x="5393005" y="786703"/>
+                  </a:cubicBezTo>
+                  <a:cubicBezTo>
+                    <a:pt x="5353379" y="783083"/>
+                    <a:pt x="5313754" y="777367"/>
+                    <a:pt x="5274129" y="774129"/>
+                  </a:cubicBezTo>
+                  <a:cubicBezTo>
+                    <a:pt x="5251650" y="772225"/>
+                    <a:pt x="5228597" y="775843"/>
+                    <a:pt x="5206308" y="773177"/>
+                  </a:cubicBezTo>
+                  <a:cubicBezTo>
+                    <a:pt x="5180591" y="770129"/>
+                    <a:pt x="5155445" y="762319"/>
+                    <a:pt x="5129916" y="757554"/>
+                  </a:cubicBezTo>
+                  <a:cubicBezTo>
+                    <a:pt x="5122867" y="756222"/>
+                    <a:pt x="5115057" y="757936"/>
+                    <a:pt x="5107627" y="758316"/>
+                  </a:cubicBezTo>
+                  <a:cubicBezTo>
+                    <a:pt x="5099245" y="758699"/>
+                    <a:pt x="5091052" y="759461"/>
+                    <a:pt x="5082670" y="759651"/>
+                  </a:cubicBezTo>
+                  <a:cubicBezTo>
+                    <a:pt x="5057141" y="760033"/>
+                    <a:pt x="5031614" y="759461"/>
+                    <a:pt x="5006086" y="760795"/>
+                  </a:cubicBezTo>
+                  <a:cubicBezTo>
+                    <a:pt x="4990465" y="761557"/>
+                    <a:pt x="4974082" y="769367"/>
+                    <a:pt x="4959602" y="766509"/>
+                  </a:cubicBezTo>
+                  <a:cubicBezTo>
+                    <a:pt x="4930075" y="760985"/>
+                    <a:pt x="4900546" y="773367"/>
+                    <a:pt x="4871019" y="763081"/>
+                  </a:cubicBezTo>
+                  <a:cubicBezTo>
+                    <a:pt x="4861873" y="760033"/>
+                    <a:pt x="4849300" y="767653"/>
+                    <a:pt x="4838250" y="768033"/>
+                  </a:cubicBezTo>
+                  <a:cubicBezTo>
+                    <a:pt x="4810627" y="768985"/>
+                    <a:pt x="4783004" y="768795"/>
+                    <a:pt x="4755381" y="768605"/>
+                  </a:cubicBezTo>
+                  <a:cubicBezTo>
+                    <a:pt x="4730614" y="768415"/>
+                    <a:pt x="4704895" y="771081"/>
+                    <a:pt x="4681083" y="765747"/>
+                  </a:cubicBezTo>
+                  <a:cubicBezTo>
+                    <a:pt x="4656126" y="760033"/>
+                    <a:pt x="4633647" y="760795"/>
+                    <a:pt x="4609452" y="767271"/>
+                  </a:cubicBezTo>
+                  <a:cubicBezTo>
+                    <a:pt x="4592878" y="771653"/>
+                    <a:pt x="4575351" y="772225"/>
+                    <a:pt x="4558207" y="773557"/>
+                  </a:cubicBezTo>
+                  <a:cubicBezTo>
+                    <a:pt x="4539728" y="775081"/>
+                    <a:pt x="4519343" y="771081"/>
+                    <a:pt x="4502579" y="777367"/>
+                  </a:cubicBezTo>
+                  <a:cubicBezTo>
+                    <a:pt x="4452665" y="796038"/>
+                    <a:pt x="4401419" y="800038"/>
+                    <a:pt x="4349222" y="800038"/>
+                  </a:cubicBezTo>
+                  <a:cubicBezTo>
+                    <a:pt x="4339695" y="800038"/>
+                    <a:pt x="4329979" y="797372"/>
+                    <a:pt x="4320837" y="794514"/>
+                  </a:cubicBezTo>
+                  <a:cubicBezTo>
+                    <a:pt x="4267493" y="777367"/>
+                    <a:pt x="4213961" y="778891"/>
+                    <a:pt x="4159667" y="789370"/>
+                  </a:cubicBezTo>
+                  <a:cubicBezTo>
+                    <a:pt x="4148427" y="791656"/>
+                    <a:pt x="4135854" y="792038"/>
+                    <a:pt x="4124614" y="789752"/>
+                  </a:cubicBezTo>
+                  <a:cubicBezTo>
+                    <a:pt x="4092989" y="783083"/>
+                    <a:pt x="4062318" y="772033"/>
+                    <a:pt x="4030503" y="767271"/>
+                  </a:cubicBezTo>
+                  <a:cubicBezTo>
+                    <a:pt x="3977925" y="759461"/>
+                    <a:pt x="3932394" y="785749"/>
+                    <a:pt x="3885338" y="802896"/>
+                  </a:cubicBezTo>
+                  <a:cubicBezTo>
+                    <a:pt x="3840569" y="819089"/>
+                    <a:pt x="3802467" y="855666"/>
+                    <a:pt x="3749506" y="847473"/>
+                  </a:cubicBezTo>
+                  <a:cubicBezTo>
+                    <a:pt x="3744173" y="846711"/>
+                    <a:pt x="3738267" y="851856"/>
+                    <a:pt x="3732361" y="853190"/>
+                  </a:cubicBezTo>
+                  <a:cubicBezTo>
+                    <a:pt x="3716168" y="856810"/>
+                    <a:pt x="3699976" y="861190"/>
+                    <a:pt x="3683591" y="862906"/>
+                  </a:cubicBezTo>
+                  <a:cubicBezTo>
+                    <a:pt x="3663589" y="865192"/>
+                    <a:pt x="3643204" y="864430"/>
+                    <a:pt x="3623201" y="866334"/>
+                  </a:cubicBezTo>
+                  <a:cubicBezTo>
+                    <a:pt x="3597482" y="868620"/>
+                    <a:pt x="3572146" y="874716"/>
+                    <a:pt x="3546617" y="874716"/>
+                  </a:cubicBezTo>
+                  <a:cubicBezTo>
+                    <a:pt x="3526042" y="874716"/>
+                    <a:pt x="3505657" y="867668"/>
+                    <a:pt x="3485275" y="864238"/>
+                  </a:cubicBezTo>
+                  <a:cubicBezTo>
+                    <a:pt x="3456508" y="859476"/>
+                    <a:pt x="3424883" y="860810"/>
+                    <a:pt x="3399546" y="848618"/>
+                  </a:cubicBezTo>
+                  <a:cubicBezTo>
+                    <a:pt x="3372495" y="835663"/>
+                    <a:pt x="3346776" y="829757"/>
+                    <a:pt x="3318771" y="833757"/>
+                  </a:cubicBezTo>
+                  <a:cubicBezTo>
+                    <a:pt x="3309437" y="835091"/>
+                    <a:pt x="3297434" y="843093"/>
+                    <a:pt x="3293244" y="851284"/>
+                  </a:cubicBezTo>
+                  <a:cubicBezTo>
+                    <a:pt x="3283908" y="869572"/>
+                    <a:pt x="3271145" y="872812"/>
+                    <a:pt x="3253809" y="866524"/>
+                  </a:cubicBezTo>
+                  <a:cubicBezTo>
+                    <a:pt x="3238758" y="861190"/>
+                    <a:pt x="3220280" y="858524"/>
+                    <a:pt x="3209993" y="848235"/>
+                  </a:cubicBezTo>
+                  <a:cubicBezTo>
+                    <a:pt x="3180844" y="819089"/>
+                    <a:pt x="3143695" y="818136"/>
+                    <a:pt x="3107500" y="810326"/>
+                  </a:cubicBezTo>
+                  <a:cubicBezTo>
+                    <a:pt x="3085403" y="805562"/>
+                    <a:pt x="3064827" y="805372"/>
+                    <a:pt x="3042728" y="808610"/>
+                  </a:cubicBezTo>
+                  <a:cubicBezTo>
+                    <a:pt x="2994722" y="815850"/>
+                    <a:pt x="2948047" y="805562"/>
+                    <a:pt x="2901943" y="792418"/>
+                  </a:cubicBezTo>
+                  <a:cubicBezTo>
+                    <a:pt x="2871462" y="783655"/>
+                    <a:pt x="2840219" y="778321"/>
+                    <a:pt x="2809930" y="769367"/>
+                  </a:cubicBezTo>
+                  <a:cubicBezTo>
+                    <a:pt x="2787259" y="762509"/>
+                    <a:pt x="2764590" y="754316"/>
+                    <a:pt x="2743826" y="743268"/>
+                  </a:cubicBezTo>
+                  <a:cubicBezTo>
+                    <a:pt x="2713723" y="727073"/>
+                    <a:pt x="2687436" y="702689"/>
+                    <a:pt x="2649143" y="709167"/>
+                  </a:cubicBezTo>
+                  <a:cubicBezTo>
+                    <a:pt x="2615421" y="714881"/>
+                    <a:pt x="2584942" y="702881"/>
+                    <a:pt x="2554079" y="691450"/>
+                  </a:cubicBezTo>
+                  <a:cubicBezTo>
+                    <a:pt x="2531409" y="683068"/>
+                    <a:pt x="2508742" y="674494"/>
+                    <a:pt x="2485307" y="669160"/>
+                  </a:cubicBezTo>
+                  <a:cubicBezTo>
+                    <a:pt x="2457492" y="662873"/>
+                    <a:pt x="2426059" y="665541"/>
+                    <a:pt x="2401292" y="653919"/>
+                  </a:cubicBezTo>
+                  <a:cubicBezTo>
+                    <a:pt x="2375383" y="641727"/>
+                    <a:pt x="2353859" y="649919"/>
+                    <a:pt x="2330806" y="653349"/>
+                  </a:cubicBezTo>
+                  <a:cubicBezTo>
+                    <a:pt x="2294039" y="658683"/>
+                    <a:pt x="2257459" y="668590"/>
+                    <a:pt x="2220312" y="656015"/>
+                  </a:cubicBezTo>
+                  <a:cubicBezTo>
+                    <a:pt x="2175163" y="640775"/>
+                    <a:pt x="2130393" y="624392"/>
+                    <a:pt x="2085054" y="609914"/>
+                  </a:cubicBezTo>
+                  <a:cubicBezTo>
+                    <a:pt x="2067525" y="604387"/>
+                    <a:pt x="2048668" y="602101"/>
+                    <a:pt x="2030378" y="599625"/>
+                  </a:cubicBezTo>
+                  <a:cubicBezTo>
+                    <a:pt x="2013043" y="597529"/>
+                    <a:pt x="1992279" y="602863"/>
+                    <a:pt x="1978940" y="594863"/>
+                  </a:cubicBezTo>
+                  <a:cubicBezTo>
+                    <a:pt x="1944649" y="574288"/>
+                    <a:pt x="1909408" y="564192"/>
+                    <a:pt x="1869780" y="564192"/>
+                  </a:cubicBezTo>
+                  <a:cubicBezTo>
+                    <a:pt x="1854920" y="564192"/>
+                    <a:pt x="1840441" y="555618"/>
+                    <a:pt x="1825393" y="554094"/>
+                  </a:cubicBezTo>
+                  <a:cubicBezTo>
+                    <a:pt x="1804816" y="552190"/>
+                    <a:pt x="1781194" y="547045"/>
+                    <a:pt x="1763287" y="554286"/>
+                  </a:cubicBezTo>
+                  <a:cubicBezTo>
+                    <a:pt x="1721185" y="571430"/>
+                    <a:pt x="1687086" y="557142"/>
+                    <a:pt x="1650317" y="540187"/>
+                  </a:cubicBezTo>
+                  <a:cubicBezTo>
+                    <a:pt x="1614120" y="523423"/>
+                    <a:pt x="1576019" y="510088"/>
+                    <a:pt x="1537537" y="499038"/>
+                  </a:cubicBezTo>
+                  <a:cubicBezTo>
+                    <a:pt x="1523059" y="495038"/>
+                    <a:pt x="1505724" y="501706"/>
+                    <a:pt x="1489720" y="503038"/>
+                  </a:cubicBezTo>
+                  <a:cubicBezTo>
+                    <a:pt x="1484004" y="503420"/>
+                    <a:pt x="1477717" y="503992"/>
+                    <a:pt x="1472575" y="502086"/>
+                  </a:cubicBezTo>
+                  <a:cubicBezTo>
+                    <a:pt x="1422854" y="483797"/>
+                    <a:pt x="1372368" y="469891"/>
+                    <a:pt x="1318456" y="479415"/>
+                  </a:cubicBezTo>
+                  <a:cubicBezTo>
+                    <a:pt x="1313504" y="480369"/>
+                    <a:pt x="1307978" y="478273"/>
+                    <a:pt x="1303024" y="476939"/>
+                  </a:cubicBezTo>
+                  <a:cubicBezTo>
+                    <a:pt x="1278829" y="470081"/>
+                    <a:pt x="1255206" y="459223"/>
+                    <a:pt x="1230633" y="456746"/>
+                  </a:cubicBezTo>
+                  <a:cubicBezTo>
+                    <a:pt x="1170051" y="450650"/>
+                    <a:pt x="1109091" y="448172"/>
+                    <a:pt x="1048125" y="444172"/>
+                  </a:cubicBezTo>
+                  <a:cubicBezTo>
+                    <a:pt x="1044315" y="443982"/>
+                    <a:pt x="1040315" y="443982"/>
+                    <a:pt x="1036887" y="442648"/>
+                  </a:cubicBezTo>
+                  <a:cubicBezTo>
+                    <a:pt x="1014406" y="434456"/>
+                    <a:pt x="994785" y="437124"/>
+                    <a:pt x="975733" y="452744"/>
+                  </a:cubicBezTo>
+                  <a:cubicBezTo>
+                    <a:pt x="967350" y="459603"/>
+                    <a:pt x="955920" y="463223"/>
+                    <a:pt x="945444" y="467033"/>
+                  </a:cubicBezTo>
+                  <a:cubicBezTo>
+                    <a:pt x="930011" y="472749"/>
+                    <a:pt x="914200" y="478273"/>
+                    <a:pt x="898198" y="481893"/>
+                  </a:cubicBezTo>
+                  <a:cubicBezTo>
+                    <a:pt x="882384" y="485321"/>
+                    <a:pt x="865430" y="490084"/>
+                    <a:pt x="850189" y="487417"/>
+                  </a:cubicBezTo>
+                  <a:cubicBezTo>
+                    <a:pt x="822756" y="482655"/>
+                    <a:pt x="796655" y="471987"/>
+                    <a:pt x="769605" y="464937"/>
+                  </a:cubicBezTo>
+                  <a:cubicBezTo>
+                    <a:pt x="760270" y="462461"/>
+                    <a:pt x="749982" y="462843"/>
+                    <a:pt x="740268" y="462651"/>
+                  </a:cubicBezTo>
+                  <a:cubicBezTo>
+                    <a:pt x="717977" y="462081"/>
+                    <a:pt x="695116" y="467605"/>
+                    <a:pt x="674923" y="451792"/>
+                  </a:cubicBezTo>
+                  <a:cubicBezTo>
+                    <a:pt x="656255" y="436934"/>
+                    <a:pt x="637392" y="441314"/>
+                    <a:pt x="617772" y="452554"/>
+                  </a:cubicBezTo>
+                  <a:cubicBezTo>
+                    <a:pt x="603673" y="460557"/>
+                    <a:pt x="587672" y="466843"/>
+                    <a:pt x="571860" y="469891"/>
+                  </a:cubicBezTo>
+                  <a:cubicBezTo>
+                    <a:pt x="550141" y="474081"/>
+                    <a:pt x="528615" y="475797"/>
+                    <a:pt x="505182" y="473319"/>
+                  </a:cubicBezTo>
+                  <a:cubicBezTo>
+                    <a:pt x="488607" y="471605"/>
+                    <a:pt x="475081" y="470843"/>
+                    <a:pt x="462126" y="460747"/>
+                  </a:cubicBezTo>
+                  <a:cubicBezTo>
+                    <a:pt x="460032" y="459223"/>
+                    <a:pt x="456222" y="458841"/>
+                    <a:pt x="453364" y="459033"/>
+                  </a:cubicBezTo>
+                  <a:cubicBezTo>
+                    <a:pt x="415835" y="462271"/>
+                    <a:pt x="378686" y="460557"/>
+                    <a:pt x="340774" y="458268"/>
+                  </a:cubicBezTo>
+                  <a:cubicBezTo>
+                    <a:pt x="292579" y="455222"/>
+                    <a:pt x="241901" y="464175"/>
+                    <a:pt x="200182" y="496180"/>
+                  </a:cubicBezTo>
+                  <a:cubicBezTo>
+                    <a:pt x="194085" y="500944"/>
+                    <a:pt x="184941" y="503038"/>
+                    <a:pt x="176939" y="504182"/>
+                  </a:cubicBezTo>
+                  <a:cubicBezTo>
+                    <a:pt x="139219" y="509134"/>
+                    <a:pt x="101308" y="512564"/>
+                    <a:pt x="63587" y="518088"/>
+                  </a:cubicBezTo>
+                  <a:cubicBezTo>
+                    <a:pt x="43012" y="521137"/>
+                    <a:pt x="21486" y="523805"/>
+                    <a:pt x="2817" y="532187"/>
+                  </a:cubicBezTo>
+                  <a:lnTo>
+                    <a:pt x="0" y="533314"/>
+                  </a:lnTo>
+                  <a:close/>
+                </a:path>
+              </a:pathLst>
+            </a:custGeom>
+            <a:blipFill dpi="0" rotWithShape="1">
+              <a:blip r:embed="rId2">
+                <a:alphaModFix amt="57000"/>
+              </a:blip>
+              <a:srcRect/>
+              <a:tile tx="0" ty="0" sx="100000" sy="100000" flip="none" algn="tl"/>
+            </a:blipFill>
+            <a:ln>
+              <a:noFill/>
+            </a:ln>
+            <a:effectLst/>
+          </p:spPr>
+          <p:style>
+            <a:lnRef idx="2">
+              <a:schemeClr val="accent1">
+                <a:shade val="50000"/>
+              </a:schemeClr>
+            </a:lnRef>
+            <a:fillRef idx="1">
+              <a:schemeClr val="accent1"/>
+            </a:fillRef>
+            <a:effectRef idx="0">
+              <a:schemeClr val="accent1"/>
+            </a:effectRef>
+            <a:fontRef idx="minor">
+              <a:schemeClr val="lt1"/>
+            </a:fontRef>
+          </p:style>
+          <p:txBody>
+            <a:bodyPr wrap="square" rtlCol="0" anchor="ctr">
+              <a:noAutofit/>
+            </a:bodyPr>
+            <a:lstStyle/>
+            <a:p>
+              <a:pPr algn="ctr"/>
+              <a:endParaRPr lang="en-US"/>
+            </a:p>
+          </p:txBody>
+        </p:sp>
+      </p:grpSp>
+    </p:spTree>
+    <p:extLst>
+      <p:ext uri="{BB962C8B-B14F-4D97-AF65-F5344CB8AC3E}">
+        <p14:creationId xmlns:p14="http://schemas.microsoft.com/office/powerpoint/2010/main" val="4137697957"/>
+      </p:ext>
+    </p:extLst>
+  </p:cSld>
+  <p:clrMapOvr>
+    <a:masterClrMapping/>
+  </p:clrMapOvr>
+</p:sld>
+</file>
+
 <file path=ppt/theme/theme1.xml><?xml version="1.0" encoding="utf-8"?>
 <a:theme xmlns:a="http://schemas.openxmlformats.org/drawingml/2006/main" name="Office Theme">
   <a:themeElements>
